--- a/pm/presentations/SmartCart_Concept.pptx
+++ b/pm/presentations/SmartCart_Concept.pptx
@@ -7,12 +7,17 @@
   <p:sldIdLst>
     <p:sldId id="256" r:id="rId2"/>
     <p:sldId id="257" r:id="rId3"/>
-    <p:sldId id="258" r:id="rId4"/>
-    <p:sldId id="262" r:id="rId5"/>
-    <p:sldId id="263" r:id="rId6"/>
-    <p:sldId id="259" r:id="rId7"/>
-    <p:sldId id="261" r:id="rId8"/>
-    <p:sldId id="260" r:id="rId9"/>
+    <p:sldId id="259" r:id="rId4"/>
+    <p:sldId id="258" r:id="rId5"/>
+    <p:sldId id="262" r:id="rId6"/>
+    <p:sldId id="263" r:id="rId7"/>
+    <p:sldId id="264" r:id="rId8"/>
+    <p:sldId id="266" r:id="rId9"/>
+    <p:sldId id="267" r:id="rId10"/>
+    <p:sldId id="268" r:id="rId11"/>
+    <p:sldId id="269" r:id="rId12"/>
+    <p:sldId id="261" r:id="rId13"/>
+    <p:sldId id="260" r:id="rId14"/>
   </p:sldIdLst>
   <p:sldSz cx="12192000" cy="6858000"/>
   <p:notesSz cx="6858000" cy="9144000"/>
@@ -7725,6 +7730,1869 @@
 </p:sld>
 </file>
 
+<file path=ppt/slides/slide10.xml><?xml version="1.0" encoding="utf-8"?>
+<p:sld xmlns:a="http://schemas.openxmlformats.org/drawingml/2006/main" xmlns:r="http://schemas.openxmlformats.org/officeDocument/2006/relationships" xmlns:p="http://schemas.openxmlformats.org/presentationml/2006/main">
+  <p:cSld>
+    <p:spTree>
+      <p:nvGrpSpPr>
+        <p:cNvPr id="1" name=""/>
+        <p:cNvGrpSpPr/>
+        <p:nvPr/>
+      </p:nvGrpSpPr>
+      <p:grpSpPr>
+        <a:xfrm>
+          <a:off x="0" y="0"/>
+          <a:ext cx="0" cy="0"/>
+          <a:chOff x="0" y="0"/>
+          <a:chExt cx="0" cy="0"/>
+        </a:xfrm>
+      </p:grpSpPr>
+      <p:sp>
+        <p:nvSpPr>
+          <p:cNvPr id="2" name="Titel 1"/>
+          <p:cNvSpPr>
+            <a:spLocks noGrp="1"/>
+          </p:cNvSpPr>
+          <p:nvPr>
+            <p:ph type="title"/>
+          </p:nvPr>
+        </p:nvSpPr>
+        <p:spPr/>
+        <p:txBody>
+          <a:bodyPr/>
+          <a:lstStyle/>
+          <a:p>
+            <a:r>
+              <a:rPr lang="de-DE" dirty="0" err="1"/>
+              <a:t>SmartCart</a:t>
+            </a:r>
+            <a:r>
+              <a:rPr lang="de-DE" dirty="0"/>
+              <a:t> – Technical </a:t>
+            </a:r>
+            <a:r>
+              <a:rPr lang="de-DE" dirty="0" err="1"/>
+              <a:t>Overview</a:t>
+            </a:r>
+            <a:r>
+              <a:rPr lang="de-DE" dirty="0"/>
+              <a:t/>
+            </a:r>
+            <a:br>
+              <a:rPr lang="de-DE" dirty="0"/>
+            </a:br>
+            <a:r>
+              <a:rPr lang="de-DE" sz="1200" dirty="0"/>
+              <a:t> </a:t>
+            </a:r>
+            <a:r>
+              <a:rPr lang="de-DE" dirty="0"/>
+              <a:t/>
+            </a:r>
+            <a:br>
+              <a:rPr lang="de-DE" dirty="0"/>
+            </a:br>
+            <a:r>
+              <a:rPr lang="de-DE" sz="2400" dirty="0" smtClean="0"/>
+              <a:t>Data Model</a:t>
+            </a:r>
+            <a:endParaRPr lang="de-DE" dirty="0"/>
+          </a:p>
+        </p:txBody>
+      </p:sp>
+      <p:graphicFrame>
+        <p:nvGraphicFramePr>
+          <p:cNvPr id="5" name="Tabelle 4"/>
+          <p:cNvGraphicFramePr>
+            <a:graphicFrameLocks noGrp="1"/>
+          </p:cNvGraphicFramePr>
+          <p:nvPr>
+            <p:extLst>
+              <p:ext uri="{D42A27DB-BD31-4B8C-83A1-F6EECF244321}">
+                <p14:modId xmlns:p14="http://schemas.microsoft.com/office/powerpoint/2010/main" val="636200146"/>
+              </p:ext>
+            </p:extLst>
+          </p:nvPr>
+        </p:nvGraphicFramePr>
+        <p:xfrm>
+          <a:off x="5391807" y="1905000"/>
+          <a:ext cx="5728137" cy="4541520"/>
+        </p:xfrm>
+        <a:graphic>
+          <a:graphicData uri="http://schemas.openxmlformats.org/drawingml/2006/table">
+            <a:tbl>
+              <a:tblPr>
+                <a:tableStyleId>{5C22544A-7EE6-4342-B048-85BDC9FD1C3A}</a:tableStyleId>
+              </a:tblPr>
+              <a:tblGrid>
+                <a:gridCol w="2763575"/>
+                <a:gridCol w="2964562"/>
+              </a:tblGrid>
+              <a:tr h="190500">
+                <a:tc>
+                  <a:txBody>
+                    <a:bodyPr/>
+                    <a:lstStyle/>
+                    <a:p>
+                      <a:pPr algn="l" fontAlgn="b"/>
+                      <a:r>
+                        <a:rPr lang="de-DE" sz="1800" u="none" strike="noStrike" dirty="0" err="1">
+                          <a:effectLst/>
+                        </a:rPr>
+                        <a:t>Predefined</a:t>
+                      </a:r>
+                      <a:r>
+                        <a:rPr lang="de-DE" sz="1800" u="none" strike="noStrike" dirty="0">
+                          <a:effectLst/>
+                        </a:rPr>
+                        <a:t> </a:t>
+                      </a:r>
+                      <a:r>
+                        <a:rPr lang="de-DE" sz="1800" u="none" strike="noStrike" dirty="0" smtClean="0">
+                          <a:effectLst/>
+                        </a:rPr>
+                        <a:t>Data</a:t>
+                      </a:r>
+                      <a:endParaRPr lang="de-DE" sz="1800" b="0" i="1" u="none" strike="noStrike" dirty="0">
+                        <a:solidFill>
+                          <a:srgbClr val="000000"/>
+                        </a:solidFill>
+                        <a:effectLst/>
+                        <a:latin typeface="Calibri" panose="020F0502020204030204" pitchFamily="34" charset="0"/>
+                      </a:endParaRPr>
+                    </a:p>
+                  </a:txBody>
+                  <a:tcPr marL="9525" marR="9525" marT="9525" marB="0" anchor="b">
+                    <a:solidFill>
+                      <a:schemeClr val="accent2">
+                        <a:lumMod val="40000"/>
+                        <a:lumOff val="60000"/>
+                      </a:schemeClr>
+                    </a:solidFill>
+                  </a:tcPr>
+                </a:tc>
+                <a:tc>
+                  <a:txBody>
+                    <a:bodyPr/>
+                    <a:lstStyle/>
+                    <a:p>
+                      <a:pPr algn="l" fontAlgn="b"/>
+                      <a:endParaRPr lang="de-DE" sz="1800" b="0" i="0" u="none" strike="noStrike" dirty="0">
+                        <a:solidFill>
+                          <a:srgbClr val="000000"/>
+                        </a:solidFill>
+                        <a:effectLst/>
+                        <a:latin typeface="Calibri" panose="020F0502020204030204" pitchFamily="34" charset="0"/>
+                      </a:endParaRPr>
+                    </a:p>
+                  </a:txBody>
+                  <a:tcPr marL="9525" marR="9525" marT="9525" marB="0" anchor="b">
+                    <a:solidFill>
+                      <a:schemeClr val="accent2">
+                        <a:lumMod val="40000"/>
+                        <a:lumOff val="60000"/>
+                      </a:schemeClr>
+                    </a:solidFill>
+                  </a:tcPr>
+                </a:tc>
+              </a:tr>
+              <a:tr h="190500">
+                <a:tc>
+                  <a:txBody>
+                    <a:bodyPr/>
+                    <a:lstStyle/>
+                    <a:p>
+                      <a:pPr algn="l" fontAlgn="b"/>
+                      <a:r>
+                        <a:rPr lang="de-DE" sz="1800" u="none" strike="noStrike">
+                          <a:effectLst/>
+                        </a:rPr>
+                        <a:t>Products</a:t>
+                      </a:r>
+                      <a:endParaRPr lang="de-DE" sz="1800" b="1" i="0" u="none" strike="noStrike">
+                        <a:solidFill>
+                          <a:srgbClr val="000000"/>
+                        </a:solidFill>
+                        <a:effectLst/>
+                        <a:latin typeface="Calibri" panose="020F0502020204030204" pitchFamily="34" charset="0"/>
+                      </a:endParaRPr>
+                    </a:p>
+                  </a:txBody>
+                  <a:tcPr marL="9525" marR="9525" marT="9525" marB="0" anchor="b">
+                    <a:solidFill>
+                      <a:schemeClr val="accent2">
+                        <a:lumMod val="40000"/>
+                        <a:lumOff val="60000"/>
+                      </a:schemeClr>
+                    </a:solidFill>
+                  </a:tcPr>
+                </a:tc>
+                <a:tc>
+                  <a:txBody>
+                    <a:bodyPr/>
+                    <a:lstStyle/>
+                    <a:p>
+                      <a:pPr algn="l" fontAlgn="b"/>
+                      <a:r>
+                        <a:rPr lang="de-DE" sz="1800" u="none" strike="noStrike" dirty="0" err="1">
+                          <a:effectLst/>
+                        </a:rPr>
+                        <a:t>Product</a:t>
+                      </a:r>
+                      <a:r>
+                        <a:rPr lang="de-DE" sz="1800" u="none" strike="noStrike" dirty="0">
+                          <a:effectLst/>
+                        </a:rPr>
+                        <a:t> </a:t>
+                      </a:r>
+                      <a:r>
+                        <a:rPr lang="de-DE" sz="1800" u="none" strike="noStrike" dirty="0" err="1">
+                          <a:effectLst/>
+                        </a:rPr>
+                        <a:t>Categories</a:t>
+                      </a:r>
+                      <a:endParaRPr lang="de-DE" sz="1800" b="1" i="0" u="none" strike="noStrike" dirty="0">
+                        <a:solidFill>
+                          <a:srgbClr val="000000"/>
+                        </a:solidFill>
+                        <a:effectLst/>
+                        <a:latin typeface="Calibri" panose="020F0502020204030204" pitchFamily="34" charset="0"/>
+                      </a:endParaRPr>
+                    </a:p>
+                  </a:txBody>
+                  <a:tcPr marL="9525" marR="9525" marT="9525" marB="0" anchor="b">
+                    <a:solidFill>
+                      <a:schemeClr val="accent2">
+                        <a:lumMod val="40000"/>
+                        <a:lumOff val="60000"/>
+                      </a:schemeClr>
+                    </a:solidFill>
+                  </a:tcPr>
+                </a:tc>
+              </a:tr>
+              <a:tr h="190500">
+                <a:tc>
+                  <a:txBody>
+                    <a:bodyPr/>
+                    <a:lstStyle/>
+                    <a:p>
+                      <a:pPr algn="l" fontAlgn="b"/>
+                      <a:r>
+                        <a:rPr lang="de-DE" sz="1800" u="none" strike="noStrike">
+                          <a:effectLst/>
+                        </a:rPr>
+                        <a:t>Apple</a:t>
+                      </a:r>
+                      <a:endParaRPr lang="de-DE" sz="1800" b="0" i="0" u="none" strike="noStrike">
+                        <a:solidFill>
+                          <a:srgbClr val="000000"/>
+                        </a:solidFill>
+                        <a:effectLst/>
+                        <a:latin typeface="Calibri" panose="020F0502020204030204" pitchFamily="34" charset="0"/>
+                      </a:endParaRPr>
+                    </a:p>
+                  </a:txBody>
+                  <a:tcPr marL="9525" marR="9525" marT="9525" marB="0" anchor="b"/>
+                </a:tc>
+                <a:tc>
+                  <a:txBody>
+                    <a:bodyPr/>
+                    <a:lstStyle/>
+                    <a:p>
+                      <a:pPr algn="l" fontAlgn="b"/>
+                      <a:r>
+                        <a:rPr lang="de-DE" sz="1800" u="none" strike="noStrike">
+                          <a:effectLst/>
+                        </a:rPr>
+                        <a:t>Fruit/Vegetables</a:t>
+                      </a:r>
+                      <a:endParaRPr lang="de-DE" sz="1800" b="0" i="0" u="none" strike="noStrike">
+                        <a:solidFill>
+                          <a:srgbClr val="000000"/>
+                        </a:solidFill>
+                        <a:effectLst/>
+                        <a:latin typeface="Calibri" panose="020F0502020204030204" pitchFamily="34" charset="0"/>
+                      </a:endParaRPr>
+                    </a:p>
+                  </a:txBody>
+                  <a:tcPr marL="9525" marR="9525" marT="9525" marB="0" anchor="b"/>
+                </a:tc>
+              </a:tr>
+              <a:tr h="190500">
+                <a:tc>
+                  <a:txBody>
+                    <a:bodyPr/>
+                    <a:lstStyle/>
+                    <a:p>
+                      <a:pPr algn="l" fontAlgn="b"/>
+                      <a:r>
+                        <a:rPr lang="de-DE" sz="1800" u="none" strike="noStrike">
+                          <a:effectLst/>
+                        </a:rPr>
+                        <a:t>Mincemeat</a:t>
+                      </a:r>
+                      <a:endParaRPr lang="de-DE" sz="1800" b="0" i="0" u="none" strike="noStrike">
+                        <a:solidFill>
+                          <a:srgbClr val="000000"/>
+                        </a:solidFill>
+                        <a:effectLst/>
+                        <a:latin typeface="Calibri" panose="020F0502020204030204" pitchFamily="34" charset="0"/>
+                      </a:endParaRPr>
+                    </a:p>
+                  </a:txBody>
+                  <a:tcPr marL="9525" marR="9525" marT="9525" marB="0" anchor="b"/>
+                </a:tc>
+                <a:tc>
+                  <a:txBody>
+                    <a:bodyPr/>
+                    <a:lstStyle/>
+                    <a:p>
+                      <a:pPr algn="l" fontAlgn="b"/>
+                      <a:r>
+                        <a:rPr lang="de-DE" sz="1800" u="none" strike="noStrike">
+                          <a:effectLst/>
+                        </a:rPr>
+                        <a:t>Meat</a:t>
+                      </a:r>
+                      <a:endParaRPr lang="de-DE" sz="1800" b="0" i="0" u="none" strike="noStrike">
+                        <a:solidFill>
+                          <a:srgbClr val="000000"/>
+                        </a:solidFill>
+                        <a:effectLst/>
+                        <a:latin typeface="Calibri" panose="020F0502020204030204" pitchFamily="34" charset="0"/>
+                      </a:endParaRPr>
+                    </a:p>
+                  </a:txBody>
+                  <a:tcPr marL="9525" marR="9525" marT="9525" marB="0" anchor="b"/>
+                </a:tc>
+              </a:tr>
+              <a:tr h="190500">
+                <a:tc>
+                  <a:txBody>
+                    <a:bodyPr/>
+                    <a:lstStyle/>
+                    <a:p>
+                      <a:pPr algn="l" fontAlgn="b"/>
+                      <a:r>
+                        <a:rPr lang="de-DE" sz="1800" u="none" strike="noStrike">
+                          <a:effectLst/>
+                        </a:rPr>
+                        <a:t>Salmon</a:t>
+                      </a:r>
+                      <a:endParaRPr lang="de-DE" sz="1800" b="0" i="0" u="none" strike="noStrike">
+                        <a:solidFill>
+                          <a:srgbClr val="000000"/>
+                        </a:solidFill>
+                        <a:effectLst/>
+                        <a:latin typeface="Calibri" panose="020F0502020204030204" pitchFamily="34" charset="0"/>
+                      </a:endParaRPr>
+                    </a:p>
+                  </a:txBody>
+                  <a:tcPr marL="9525" marR="9525" marT="9525" marB="0" anchor="b"/>
+                </a:tc>
+                <a:tc>
+                  <a:txBody>
+                    <a:bodyPr/>
+                    <a:lstStyle/>
+                    <a:p>
+                      <a:pPr algn="l" fontAlgn="b"/>
+                      <a:r>
+                        <a:rPr lang="de-DE" sz="1800" u="none" strike="noStrike">
+                          <a:effectLst/>
+                        </a:rPr>
+                        <a:t>Fish</a:t>
+                      </a:r>
+                      <a:endParaRPr lang="de-DE" sz="1800" b="0" i="0" u="none" strike="noStrike">
+                        <a:solidFill>
+                          <a:srgbClr val="000000"/>
+                        </a:solidFill>
+                        <a:effectLst/>
+                        <a:latin typeface="Calibri" panose="020F0502020204030204" pitchFamily="34" charset="0"/>
+                      </a:endParaRPr>
+                    </a:p>
+                  </a:txBody>
+                  <a:tcPr marL="9525" marR="9525" marT="9525" marB="0" anchor="b"/>
+                </a:tc>
+              </a:tr>
+              <a:tr h="190500">
+                <a:tc>
+                  <a:txBody>
+                    <a:bodyPr/>
+                    <a:lstStyle/>
+                    <a:p>
+                      <a:pPr algn="l" fontAlgn="b"/>
+                      <a:r>
+                        <a:rPr lang="de-DE" sz="1800" u="none" strike="noStrike">
+                          <a:effectLst/>
+                        </a:rPr>
+                        <a:t>Spaghetti</a:t>
+                      </a:r>
+                      <a:endParaRPr lang="de-DE" sz="1800" b="0" i="0" u="none" strike="noStrike">
+                        <a:solidFill>
+                          <a:srgbClr val="000000"/>
+                        </a:solidFill>
+                        <a:effectLst/>
+                        <a:latin typeface="Calibri" panose="020F0502020204030204" pitchFamily="34" charset="0"/>
+                      </a:endParaRPr>
+                    </a:p>
+                  </a:txBody>
+                  <a:tcPr marL="9525" marR="9525" marT="9525" marB="0" anchor="b"/>
+                </a:tc>
+                <a:tc>
+                  <a:txBody>
+                    <a:bodyPr/>
+                    <a:lstStyle/>
+                    <a:p>
+                      <a:pPr algn="l" fontAlgn="b"/>
+                      <a:r>
+                        <a:rPr lang="de-DE" sz="1800" u="none" strike="noStrike">
+                          <a:effectLst/>
+                        </a:rPr>
+                        <a:t>Pasta</a:t>
+                      </a:r>
+                      <a:endParaRPr lang="de-DE" sz="1800" b="0" i="0" u="none" strike="noStrike">
+                        <a:solidFill>
+                          <a:srgbClr val="000000"/>
+                        </a:solidFill>
+                        <a:effectLst/>
+                        <a:latin typeface="Calibri" panose="020F0502020204030204" pitchFamily="34" charset="0"/>
+                      </a:endParaRPr>
+                    </a:p>
+                  </a:txBody>
+                  <a:tcPr marL="9525" marR="9525" marT="9525" marB="0" anchor="b"/>
+                </a:tc>
+              </a:tr>
+              <a:tr h="190500">
+                <a:tc>
+                  <a:txBody>
+                    <a:bodyPr/>
+                    <a:lstStyle/>
+                    <a:p>
+                      <a:pPr algn="l" fontAlgn="b"/>
+                      <a:r>
+                        <a:rPr lang="de-DE" sz="1800" u="none" strike="noStrike">
+                          <a:effectLst/>
+                        </a:rPr>
+                        <a:t>Pizza</a:t>
+                      </a:r>
+                      <a:endParaRPr lang="de-DE" sz="1800" b="0" i="0" u="none" strike="noStrike">
+                        <a:solidFill>
+                          <a:srgbClr val="000000"/>
+                        </a:solidFill>
+                        <a:effectLst/>
+                        <a:latin typeface="Calibri" panose="020F0502020204030204" pitchFamily="34" charset="0"/>
+                      </a:endParaRPr>
+                    </a:p>
+                  </a:txBody>
+                  <a:tcPr marL="9525" marR="9525" marT="9525" marB="0" anchor="b"/>
+                </a:tc>
+                <a:tc>
+                  <a:txBody>
+                    <a:bodyPr/>
+                    <a:lstStyle/>
+                    <a:p>
+                      <a:pPr algn="l" fontAlgn="b"/>
+                      <a:r>
+                        <a:rPr lang="de-DE" sz="1800" u="none" strike="noStrike">
+                          <a:effectLst/>
+                        </a:rPr>
+                        <a:t>Frozen food</a:t>
+                      </a:r>
+                      <a:endParaRPr lang="de-DE" sz="1800" b="0" i="0" u="none" strike="noStrike">
+                        <a:solidFill>
+                          <a:srgbClr val="000000"/>
+                        </a:solidFill>
+                        <a:effectLst/>
+                        <a:latin typeface="Calibri" panose="020F0502020204030204" pitchFamily="34" charset="0"/>
+                      </a:endParaRPr>
+                    </a:p>
+                  </a:txBody>
+                  <a:tcPr marL="9525" marR="9525" marT="9525" marB="0" anchor="b"/>
+                </a:tc>
+              </a:tr>
+              <a:tr h="190500">
+                <a:tc>
+                  <a:txBody>
+                    <a:bodyPr/>
+                    <a:lstStyle/>
+                    <a:p>
+                      <a:pPr algn="l" fontAlgn="b"/>
+                      <a:r>
+                        <a:rPr lang="de-DE" sz="1800" u="none" strike="noStrike">
+                          <a:effectLst/>
+                        </a:rPr>
+                        <a:t>Toast</a:t>
+                      </a:r>
+                      <a:endParaRPr lang="de-DE" sz="1800" b="0" i="0" u="none" strike="noStrike">
+                        <a:solidFill>
+                          <a:srgbClr val="000000"/>
+                        </a:solidFill>
+                        <a:effectLst/>
+                        <a:latin typeface="Calibri" panose="020F0502020204030204" pitchFamily="34" charset="0"/>
+                      </a:endParaRPr>
+                    </a:p>
+                  </a:txBody>
+                  <a:tcPr marL="9525" marR="9525" marT="9525" marB="0" anchor="b"/>
+                </a:tc>
+                <a:tc>
+                  <a:txBody>
+                    <a:bodyPr/>
+                    <a:lstStyle/>
+                    <a:p>
+                      <a:pPr algn="l" fontAlgn="b"/>
+                      <a:r>
+                        <a:rPr lang="de-DE" sz="1800" u="none" strike="noStrike">
+                          <a:effectLst/>
+                        </a:rPr>
+                        <a:t>Bread</a:t>
+                      </a:r>
+                      <a:endParaRPr lang="de-DE" sz="1800" b="0" i="0" u="none" strike="noStrike">
+                        <a:solidFill>
+                          <a:srgbClr val="000000"/>
+                        </a:solidFill>
+                        <a:effectLst/>
+                        <a:latin typeface="Calibri" panose="020F0502020204030204" pitchFamily="34" charset="0"/>
+                      </a:endParaRPr>
+                    </a:p>
+                  </a:txBody>
+                  <a:tcPr marL="9525" marR="9525" marT="9525" marB="0" anchor="b"/>
+                </a:tc>
+              </a:tr>
+              <a:tr h="190500">
+                <a:tc>
+                  <a:txBody>
+                    <a:bodyPr/>
+                    <a:lstStyle/>
+                    <a:p>
+                      <a:pPr algn="l" fontAlgn="b"/>
+                      <a:r>
+                        <a:rPr lang="de-DE" sz="1800" u="none" strike="noStrike">
+                          <a:effectLst/>
+                        </a:rPr>
+                        <a:t>Yoghurt</a:t>
+                      </a:r>
+                      <a:endParaRPr lang="de-DE" sz="1800" b="0" i="0" u="none" strike="noStrike">
+                        <a:solidFill>
+                          <a:srgbClr val="000000"/>
+                        </a:solidFill>
+                        <a:effectLst/>
+                        <a:latin typeface="Calibri" panose="020F0502020204030204" pitchFamily="34" charset="0"/>
+                      </a:endParaRPr>
+                    </a:p>
+                  </a:txBody>
+                  <a:tcPr marL="9525" marR="9525" marT="9525" marB="0" anchor="b"/>
+                </a:tc>
+                <a:tc>
+                  <a:txBody>
+                    <a:bodyPr/>
+                    <a:lstStyle/>
+                    <a:p>
+                      <a:pPr algn="l" fontAlgn="b"/>
+                      <a:r>
+                        <a:rPr lang="de-DE" sz="1800" u="none" strike="noStrike">
+                          <a:effectLst/>
+                        </a:rPr>
+                        <a:t>Dairy products</a:t>
+                      </a:r>
+                      <a:endParaRPr lang="de-DE" sz="1800" b="0" i="0" u="none" strike="noStrike">
+                        <a:solidFill>
+                          <a:srgbClr val="000000"/>
+                        </a:solidFill>
+                        <a:effectLst/>
+                        <a:latin typeface="Calibri" panose="020F0502020204030204" pitchFamily="34" charset="0"/>
+                      </a:endParaRPr>
+                    </a:p>
+                  </a:txBody>
+                  <a:tcPr marL="9525" marR="9525" marT="9525" marB="0" anchor="b"/>
+                </a:tc>
+              </a:tr>
+              <a:tr h="190500">
+                <a:tc>
+                  <a:txBody>
+                    <a:bodyPr/>
+                    <a:lstStyle/>
+                    <a:p>
+                      <a:pPr algn="l" fontAlgn="b"/>
+                      <a:r>
+                        <a:rPr lang="de-DE" sz="1800" u="none" strike="noStrike">
+                          <a:effectLst/>
+                        </a:rPr>
+                        <a:t>Washing powder</a:t>
+                      </a:r>
+                      <a:endParaRPr lang="de-DE" sz="1800" b="0" i="0" u="none" strike="noStrike">
+                        <a:solidFill>
+                          <a:srgbClr val="000000"/>
+                        </a:solidFill>
+                        <a:effectLst/>
+                        <a:latin typeface="Calibri" panose="020F0502020204030204" pitchFamily="34" charset="0"/>
+                      </a:endParaRPr>
+                    </a:p>
+                  </a:txBody>
+                  <a:tcPr marL="9525" marR="9525" marT="9525" marB="0" anchor="b"/>
+                </a:tc>
+                <a:tc>
+                  <a:txBody>
+                    <a:bodyPr/>
+                    <a:lstStyle/>
+                    <a:p>
+                      <a:pPr algn="l" fontAlgn="b"/>
+                      <a:r>
+                        <a:rPr lang="de-DE" sz="1800" u="none" strike="noStrike">
+                          <a:effectLst/>
+                        </a:rPr>
+                        <a:t>Household items</a:t>
+                      </a:r>
+                      <a:endParaRPr lang="de-DE" sz="1800" b="0" i="0" u="none" strike="noStrike">
+                        <a:solidFill>
+                          <a:srgbClr val="000000"/>
+                        </a:solidFill>
+                        <a:effectLst/>
+                        <a:latin typeface="Calibri" panose="020F0502020204030204" pitchFamily="34" charset="0"/>
+                      </a:endParaRPr>
+                    </a:p>
+                  </a:txBody>
+                  <a:tcPr marL="9525" marR="9525" marT="9525" marB="0" anchor="b"/>
+                </a:tc>
+              </a:tr>
+              <a:tr h="190500">
+                <a:tc>
+                  <a:txBody>
+                    <a:bodyPr/>
+                    <a:lstStyle/>
+                    <a:p>
+                      <a:pPr algn="l" fontAlgn="b"/>
+                      <a:r>
+                        <a:rPr lang="de-DE" sz="1800" u="none" strike="noStrike">
+                          <a:effectLst/>
+                        </a:rPr>
+                        <a:t>Cheddar</a:t>
+                      </a:r>
+                      <a:endParaRPr lang="de-DE" sz="1800" b="0" i="0" u="none" strike="noStrike">
+                        <a:solidFill>
+                          <a:srgbClr val="000000"/>
+                        </a:solidFill>
+                        <a:effectLst/>
+                        <a:latin typeface="Calibri" panose="020F0502020204030204" pitchFamily="34" charset="0"/>
+                      </a:endParaRPr>
+                    </a:p>
+                  </a:txBody>
+                  <a:tcPr marL="9525" marR="9525" marT="9525" marB="0" anchor="b"/>
+                </a:tc>
+                <a:tc>
+                  <a:txBody>
+                    <a:bodyPr/>
+                    <a:lstStyle/>
+                    <a:p>
+                      <a:pPr algn="l" fontAlgn="b"/>
+                      <a:r>
+                        <a:rPr lang="de-DE" sz="1800" u="none" strike="noStrike">
+                          <a:effectLst/>
+                        </a:rPr>
+                        <a:t>Cheese/Sausage</a:t>
+                      </a:r>
+                      <a:endParaRPr lang="de-DE" sz="1800" b="0" i="0" u="none" strike="noStrike">
+                        <a:solidFill>
+                          <a:srgbClr val="000000"/>
+                        </a:solidFill>
+                        <a:effectLst/>
+                        <a:latin typeface="Calibri" panose="020F0502020204030204" pitchFamily="34" charset="0"/>
+                      </a:endParaRPr>
+                    </a:p>
+                  </a:txBody>
+                  <a:tcPr marL="9525" marR="9525" marT="9525" marB="0" anchor="b"/>
+                </a:tc>
+              </a:tr>
+              <a:tr h="190500">
+                <a:tc>
+                  <a:txBody>
+                    <a:bodyPr/>
+                    <a:lstStyle/>
+                    <a:p>
+                      <a:pPr algn="l" fontAlgn="b"/>
+                      <a:r>
+                        <a:rPr lang="de-DE" sz="1800" u="none" strike="noStrike">
+                          <a:effectLst/>
+                        </a:rPr>
+                        <a:t>Batteries</a:t>
+                      </a:r>
+                      <a:endParaRPr lang="de-DE" sz="1800" b="0" i="0" u="none" strike="noStrike">
+                        <a:solidFill>
+                          <a:srgbClr val="000000"/>
+                        </a:solidFill>
+                        <a:effectLst/>
+                        <a:latin typeface="Calibri" panose="020F0502020204030204" pitchFamily="34" charset="0"/>
+                      </a:endParaRPr>
+                    </a:p>
+                  </a:txBody>
+                  <a:tcPr marL="9525" marR="9525" marT="9525" marB="0" anchor="b"/>
+                </a:tc>
+                <a:tc>
+                  <a:txBody>
+                    <a:bodyPr/>
+                    <a:lstStyle/>
+                    <a:p>
+                      <a:pPr algn="l" fontAlgn="b"/>
+                      <a:r>
+                        <a:rPr lang="de-DE" sz="1800" u="none" strike="noStrike">
+                          <a:effectLst/>
+                        </a:rPr>
+                        <a:t>Electronics</a:t>
+                      </a:r>
+                      <a:endParaRPr lang="de-DE" sz="1800" b="0" i="0" u="none" strike="noStrike">
+                        <a:solidFill>
+                          <a:srgbClr val="000000"/>
+                        </a:solidFill>
+                        <a:effectLst/>
+                        <a:latin typeface="Calibri" panose="020F0502020204030204" pitchFamily="34" charset="0"/>
+                      </a:endParaRPr>
+                    </a:p>
+                  </a:txBody>
+                  <a:tcPr marL="9525" marR="9525" marT="9525" marB="0" anchor="b"/>
+                </a:tc>
+              </a:tr>
+              <a:tr h="190500">
+                <a:tc>
+                  <a:txBody>
+                    <a:bodyPr/>
+                    <a:lstStyle/>
+                    <a:p>
+                      <a:pPr algn="l" fontAlgn="b"/>
+                      <a:r>
+                        <a:rPr lang="de-DE" sz="1800" u="none" strike="noStrike">
+                          <a:effectLst/>
+                        </a:rPr>
+                        <a:t>Beer</a:t>
+                      </a:r>
+                      <a:endParaRPr lang="de-DE" sz="1800" b="0" i="0" u="none" strike="noStrike">
+                        <a:solidFill>
+                          <a:srgbClr val="000000"/>
+                        </a:solidFill>
+                        <a:effectLst/>
+                        <a:latin typeface="Calibri" panose="020F0502020204030204" pitchFamily="34" charset="0"/>
+                      </a:endParaRPr>
+                    </a:p>
+                  </a:txBody>
+                  <a:tcPr marL="9525" marR="9525" marT="9525" marB="0" anchor="b"/>
+                </a:tc>
+                <a:tc>
+                  <a:txBody>
+                    <a:bodyPr/>
+                    <a:lstStyle/>
+                    <a:p>
+                      <a:pPr algn="l" fontAlgn="b"/>
+                      <a:r>
+                        <a:rPr lang="de-DE" sz="1800" u="none" strike="noStrike" dirty="0" err="1">
+                          <a:effectLst/>
+                        </a:rPr>
+                        <a:t>Beverages</a:t>
+                      </a:r>
+                      <a:endParaRPr lang="de-DE" sz="1800" b="0" i="0" u="none" strike="noStrike" dirty="0">
+                        <a:solidFill>
+                          <a:srgbClr val="000000"/>
+                        </a:solidFill>
+                        <a:effectLst/>
+                        <a:latin typeface="Calibri" panose="020F0502020204030204" pitchFamily="34" charset="0"/>
+                      </a:endParaRPr>
+                    </a:p>
+                  </a:txBody>
+                  <a:tcPr marL="9525" marR="9525" marT="9525" marB="0" anchor="b"/>
+                </a:tc>
+              </a:tr>
+              <a:tr h="190500">
+                <a:tc>
+                  <a:txBody>
+                    <a:bodyPr/>
+                    <a:lstStyle/>
+                    <a:p>
+                      <a:pPr algn="l" fontAlgn="b"/>
+                      <a:r>
+                        <a:rPr lang="de-DE" sz="1800" u="none" strike="noStrike">
+                          <a:effectLst/>
+                        </a:rPr>
+                        <a:t>Canned mushrooms</a:t>
+                      </a:r>
+                      <a:endParaRPr lang="de-DE" sz="1800" b="0" i="0" u="none" strike="noStrike">
+                        <a:solidFill>
+                          <a:srgbClr val="000000"/>
+                        </a:solidFill>
+                        <a:effectLst/>
+                        <a:latin typeface="Calibri" panose="020F0502020204030204" pitchFamily="34" charset="0"/>
+                      </a:endParaRPr>
+                    </a:p>
+                  </a:txBody>
+                  <a:tcPr marL="9525" marR="9525" marT="9525" marB="0" anchor="b"/>
+                </a:tc>
+                <a:tc>
+                  <a:txBody>
+                    <a:bodyPr/>
+                    <a:lstStyle/>
+                    <a:p>
+                      <a:pPr algn="l" fontAlgn="b"/>
+                      <a:r>
+                        <a:rPr lang="de-DE" sz="1800" u="none" strike="noStrike">
+                          <a:effectLst/>
+                        </a:rPr>
+                        <a:t>Canned goods</a:t>
+                      </a:r>
+                      <a:endParaRPr lang="de-DE" sz="1800" b="0" i="0" u="none" strike="noStrike">
+                        <a:solidFill>
+                          <a:srgbClr val="000000"/>
+                        </a:solidFill>
+                        <a:effectLst/>
+                        <a:latin typeface="Calibri" panose="020F0502020204030204" pitchFamily="34" charset="0"/>
+                      </a:endParaRPr>
+                    </a:p>
+                  </a:txBody>
+                  <a:tcPr marL="9525" marR="9525" marT="9525" marB="0" anchor="b"/>
+                </a:tc>
+              </a:tr>
+              <a:tr h="190500">
+                <a:tc>
+                  <a:txBody>
+                    <a:bodyPr/>
+                    <a:lstStyle/>
+                    <a:p>
+                      <a:pPr algn="l" fontAlgn="b"/>
+                      <a:r>
+                        <a:rPr lang="de-DE" sz="1800" u="none" strike="noStrike">
+                          <a:effectLst/>
+                        </a:rPr>
+                        <a:t>Baking powder</a:t>
+                      </a:r>
+                      <a:endParaRPr lang="de-DE" sz="1800" b="0" i="0" u="none" strike="noStrike">
+                        <a:solidFill>
+                          <a:srgbClr val="000000"/>
+                        </a:solidFill>
+                        <a:effectLst/>
+                        <a:latin typeface="Calibri" panose="020F0502020204030204" pitchFamily="34" charset="0"/>
+                      </a:endParaRPr>
+                    </a:p>
+                  </a:txBody>
+                  <a:tcPr marL="9525" marR="9525" marT="9525" marB="0" anchor="b"/>
+                </a:tc>
+                <a:tc>
+                  <a:txBody>
+                    <a:bodyPr/>
+                    <a:lstStyle/>
+                    <a:p>
+                      <a:pPr algn="l" fontAlgn="b"/>
+                      <a:r>
+                        <a:rPr lang="de-DE" sz="1800" u="none" strike="noStrike">
+                          <a:effectLst/>
+                        </a:rPr>
+                        <a:t>Bakery products</a:t>
+                      </a:r>
+                      <a:endParaRPr lang="de-DE" sz="1800" b="0" i="0" u="none" strike="noStrike">
+                        <a:solidFill>
+                          <a:srgbClr val="000000"/>
+                        </a:solidFill>
+                        <a:effectLst/>
+                        <a:latin typeface="Calibri" panose="020F0502020204030204" pitchFamily="34" charset="0"/>
+                      </a:endParaRPr>
+                    </a:p>
+                  </a:txBody>
+                  <a:tcPr marL="9525" marR="9525" marT="9525" marB="0" anchor="b"/>
+                </a:tc>
+              </a:tr>
+              <a:tr h="190500">
+                <a:tc>
+                  <a:txBody>
+                    <a:bodyPr/>
+                    <a:lstStyle/>
+                    <a:p>
+                      <a:pPr algn="l" fontAlgn="b"/>
+                      <a:r>
+                        <a:rPr lang="de-DE" sz="1800" u="none" strike="noStrike">
+                          <a:effectLst/>
+                        </a:rPr>
+                        <a:t>Chewing gum</a:t>
+                      </a:r>
+                      <a:endParaRPr lang="de-DE" sz="1800" b="0" i="0" u="none" strike="noStrike">
+                        <a:solidFill>
+                          <a:srgbClr val="000000"/>
+                        </a:solidFill>
+                        <a:effectLst/>
+                        <a:latin typeface="Calibri" panose="020F0502020204030204" pitchFamily="34" charset="0"/>
+                      </a:endParaRPr>
+                    </a:p>
+                  </a:txBody>
+                  <a:tcPr marL="9525" marR="9525" marT="9525" marB="0" anchor="b"/>
+                </a:tc>
+                <a:tc>
+                  <a:txBody>
+                    <a:bodyPr/>
+                    <a:lstStyle/>
+                    <a:p>
+                      <a:pPr algn="l" fontAlgn="b"/>
+                      <a:r>
+                        <a:rPr lang="de-DE" sz="1800" u="none" strike="noStrike" dirty="0" err="1">
+                          <a:effectLst/>
+                        </a:rPr>
+                        <a:t>Cashpoint</a:t>
+                      </a:r>
+                      <a:r>
+                        <a:rPr lang="de-DE" sz="1800" u="none" strike="noStrike" dirty="0">
+                          <a:effectLst/>
+                        </a:rPr>
+                        <a:t> </a:t>
+                      </a:r>
+                      <a:r>
+                        <a:rPr lang="de-DE" sz="1800" u="none" strike="noStrike" dirty="0" err="1">
+                          <a:effectLst/>
+                        </a:rPr>
+                        <a:t>area</a:t>
+                      </a:r>
+                      <a:endParaRPr lang="de-DE" sz="1800" b="0" i="0" u="none" strike="noStrike" dirty="0">
+                        <a:solidFill>
+                          <a:srgbClr val="000000"/>
+                        </a:solidFill>
+                        <a:effectLst/>
+                        <a:latin typeface="Calibri" panose="020F0502020204030204" pitchFamily="34" charset="0"/>
+                      </a:endParaRPr>
+                    </a:p>
+                  </a:txBody>
+                  <a:tcPr marL="9525" marR="9525" marT="9525" marB="0" anchor="b"/>
+                </a:tc>
+              </a:tr>
+            </a:tbl>
+          </a:graphicData>
+        </a:graphic>
+      </p:graphicFrame>
+    </p:spTree>
+    <p:extLst>
+      <p:ext uri="{BB962C8B-B14F-4D97-AF65-F5344CB8AC3E}">
+        <p14:creationId xmlns:p14="http://schemas.microsoft.com/office/powerpoint/2010/main" val="1047546225"/>
+      </p:ext>
+    </p:extLst>
+  </p:cSld>
+  <p:clrMapOvr>
+    <a:masterClrMapping/>
+  </p:clrMapOvr>
+</p:sld>
+</file>
+
+<file path=ppt/slides/slide11.xml><?xml version="1.0" encoding="utf-8"?>
+<p:sld xmlns:a="http://schemas.openxmlformats.org/drawingml/2006/main" xmlns:r="http://schemas.openxmlformats.org/officeDocument/2006/relationships" xmlns:p="http://schemas.openxmlformats.org/presentationml/2006/main">
+  <p:cSld>
+    <p:spTree>
+      <p:nvGrpSpPr>
+        <p:cNvPr id="1" name=""/>
+        <p:cNvGrpSpPr/>
+        <p:nvPr/>
+      </p:nvGrpSpPr>
+      <p:grpSpPr>
+        <a:xfrm>
+          <a:off x="0" y="0"/>
+          <a:ext cx="0" cy="0"/>
+          <a:chOff x="0" y="0"/>
+          <a:chExt cx="0" cy="0"/>
+        </a:xfrm>
+      </p:grpSpPr>
+      <p:sp>
+        <p:nvSpPr>
+          <p:cNvPr id="2" name="Titel 1"/>
+          <p:cNvSpPr>
+            <a:spLocks noGrp="1"/>
+          </p:cNvSpPr>
+          <p:nvPr>
+            <p:ph type="title"/>
+          </p:nvPr>
+        </p:nvSpPr>
+        <p:spPr/>
+        <p:txBody>
+          <a:bodyPr/>
+          <a:lstStyle/>
+          <a:p>
+            <a:r>
+              <a:rPr lang="de-DE" dirty="0" err="1"/>
+              <a:t>SmartCart</a:t>
+            </a:r>
+            <a:r>
+              <a:rPr lang="de-DE" dirty="0"/>
+              <a:t> – Technical </a:t>
+            </a:r>
+            <a:r>
+              <a:rPr lang="de-DE" dirty="0" err="1"/>
+              <a:t>Overview</a:t>
+            </a:r>
+            <a:r>
+              <a:rPr lang="de-DE" dirty="0"/>
+              <a:t/>
+            </a:r>
+            <a:br>
+              <a:rPr lang="de-DE" dirty="0"/>
+            </a:br>
+            <a:r>
+              <a:rPr lang="de-DE" sz="1200" dirty="0"/>
+              <a:t> </a:t>
+            </a:r>
+            <a:r>
+              <a:rPr lang="de-DE" dirty="0"/>
+              <a:t/>
+            </a:r>
+            <a:br>
+              <a:rPr lang="de-DE" dirty="0"/>
+            </a:br>
+            <a:r>
+              <a:rPr lang="de-DE" sz="2400" dirty="0" smtClean="0"/>
+              <a:t>Data </a:t>
+            </a:r>
+            <a:r>
+              <a:rPr lang="de-DE" sz="2400" dirty="0" err="1" smtClean="0"/>
+              <a:t>Acquisition</a:t>
+            </a:r>
+            <a:endParaRPr lang="de-DE" dirty="0"/>
+          </a:p>
+        </p:txBody>
+      </p:sp>
+      <p:sp>
+        <p:nvSpPr>
+          <p:cNvPr id="4" name="Inhaltsplatzhalter 2"/>
+          <p:cNvSpPr>
+            <a:spLocks noGrp="1"/>
+          </p:cNvSpPr>
+          <p:nvPr>
+            <p:ph idx="1"/>
+          </p:nvPr>
+        </p:nvSpPr>
+        <p:spPr>
+          <a:xfrm>
+            <a:off x="2589212" y="2133600"/>
+            <a:ext cx="8089298" cy="3777622"/>
+          </a:xfrm>
+        </p:spPr>
+        <p:txBody>
+          <a:bodyPr/>
+          <a:lstStyle/>
+          <a:p>
+            <a:r>
+              <a:rPr lang="de-DE" dirty="0" err="1" smtClean="0"/>
+              <a:t>Collecting</a:t>
+            </a:r>
+            <a:r>
+              <a:rPr lang="de-DE" dirty="0" smtClean="0"/>
+              <a:t> </a:t>
+            </a:r>
+            <a:r>
+              <a:rPr lang="de-DE" dirty="0" err="1" smtClean="0"/>
+              <a:t>the</a:t>
+            </a:r>
+            <a:r>
+              <a:rPr lang="de-DE" dirty="0" smtClean="0"/>
+              <a:t> </a:t>
+            </a:r>
+            <a:r>
+              <a:rPr lang="de-DE" dirty="0" err="1" smtClean="0"/>
+              <a:t>order</a:t>
+            </a:r>
+            <a:r>
+              <a:rPr lang="de-DE" dirty="0" smtClean="0"/>
+              <a:t> </a:t>
+            </a:r>
+            <a:r>
+              <a:rPr lang="de-DE" dirty="0" err="1" smtClean="0"/>
+              <a:t>of</a:t>
+            </a:r>
+            <a:r>
+              <a:rPr lang="de-DE" dirty="0" smtClean="0"/>
+              <a:t> </a:t>
+            </a:r>
+            <a:r>
+              <a:rPr lang="de-DE" dirty="0" err="1" smtClean="0"/>
+              <a:t>marking</a:t>
+            </a:r>
+            <a:r>
+              <a:rPr lang="de-DE" dirty="0" smtClean="0"/>
+              <a:t> </a:t>
+            </a:r>
+            <a:r>
+              <a:rPr lang="de-DE" dirty="0" err="1" smtClean="0"/>
+              <a:t>the</a:t>
+            </a:r>
+            <a:r>
+              <a:rPr lang="de-DE" dirty="0" smtClean="0"/>
+              <a:t> Products </a:t>
+            </a:r>
+            <a:r>
+              <a:rPr lang="de-DE" dirty="0" err="1" smtClean="0"/>
+              <a:t>as</a:t>
+            </a:r>
+            <a:r>
+              <a:rPr lang="de-DE" dirty="0" smtClean="0"/>
+              <a:t> „</a:t>
+            </a:r>
+            <a:r>
+              <a:rPr lang="de-DE" dirty="0" err="1" smtClean="0"/>
+              <a:t>added</a:t>
+            </a:r>
+            <a:r>
+              <a:rPr lang="de-DE" dirty="0" smtClean="0"/>
+              <a:t> </a:t>
+            </a:r>
+            <a:r>
+              <a:rPr lang="de-DE" dirty="0" err="1" smtClean="0"/>
+              <a:t>to</a:t>
+            </a:r>
+            <a:r>
+              <a:rPr lang="de-DE" dirty="0" smtClean="0"/>
+              <a:t> </a:t>
+            </a:r>
+            <a:r>
+              <a:rPr lang="de-DE" dirty="0" err="1" smtClean="0"/>
+              <a:t>Cart</a:t>
+            </a:r>
+            <a:r>
+              <a:rPr lang="de-DE" dirty="0" smtClean="0"/>
+              <a:t>“</a:t>
+            </a:r>
+          </a:p>
+          <a:p>
+            <a:r>
+              <a:rPr lang="de-DE" dirty="0" err="1" smtClean="0"/>
+              <a:t>Collecting</a:t>
+            </a:r>
+            <a:r>
+              <a:rPr lang="de-DE" dirty="0" smtClean="0"/>
+              <a:t> </a:t>
+            </a:r>
+            <a:r>
+              <a:rPr lang="de-DE" dirty="0" err="1" smtClean="0"/>
+              <a:t>the</a:t>
+            </a:r>
+            <a:r>
+              <a:rPr lang="de-DE" dirty="0" smtClean="0"/>
+              <a:t> </a:t>
+            </a:r>
+            <a:r>
+              <a:rPr lang="de-DE" dirty="0" err="1" smtClean="0"/>
+              <a:t>chosen</a:t>
+            </a:r>
+            <a:r>
+              <a:rPr lang="de-DE" dirty="0" smtClean="0"/>
+              <a:t> </a:t>
+            </a:r>
+            <a:r>
+              <a:rPr lang="de-DE" dirty="0" err="1" smtClean="0"/>
+              <a:t>Category</a:t>
+            </a:r>
+            <a:r>
+              <a:rPr lang="de-DE" dirty="0" smtClean="0"/>
+              <a:t> </a:t>
+            </a:r>
+            <a:r>
+              <a:rPr lang="de-DE" dirty="0" err="1" smtClean="0"/>
+              <a:t>of</a:t>
+            </a:r>
+            <a:r>
+              <a:rPr lang="de-DE" dirty="0" smtClean="0"/>
+              <a:t> </a:t>
+            </a:r>
+            <a:r>
+              <a:rPr lang="de-DE" dirty="0" err="1" smtClean="0"/>
+              <a:t>Product</a:t>
+            </a:r>
+            <a:endParaRPr lang="de-DE" dirty="0" smtClean="0"/>
+          </a:p>
+          <a:p>
+            <a:pPr lvl="1"/>
+            <a:r>
+              <a:rPr lang="de-DE" dirty="0" err="1" smtClean="0"/>
+              <a:t>Majority</a:t>
+            </a:r>
+            <a:r>
+              <a:rPr lang="de-DE" dirty="0" smtClean="0"/>
+              <a:t> will </a:t>
+            </a:r>
+            <a:r>
+              <a:rPr lang="de-DE" dirty="0" err="1" smtClean="0"/>
+              <a:t>decide</a:t>
+            </a:r>
+            <a:endParaRPr lang="de-DE" dirty="0" smtClean="0"/>
+          </a:p>
+          <a:p>
+            <a:pPr lvl="1"/>
+            <a:r>
+              <a:rPr lang="de-DE" dirty="0" smtClean="0"/>
+              <a:t>Naive </a:t>
+            </a:r>
+            <a:r>
+              <a:rPr lang="de-DE" dirty="0" err="1" smtClean="0"/>
+              <a:t>Bayes</a:t>
+            </a:r>
+            <a:r>
+              <a:rPr lang="de-DE" dirty="0" smtClean="0"/>
+              <a:t> </a:t>
+            </a:r>
+            <a:r>
+              <a:rPr lang="de-DE" dirty="0" err="1" smtClean="0"/>
+              <a:t>regarding</a:t>
+            </a:r>
+            <a:r>
+              <a:rPr lang="de-DE" dirty="0" smtClean="0"/>
+              <a:t> Shopping Time</a:t>
+            </a:r>
+          </a:p>
+          <a:p>
+            <a:pPr marL="457200" lvl="1" indent="0">
+              <a:buNone/>
+            </a:pPr>
+            <a:endParaRPr lang="de-DE" dirty="0" smtClean="0"/>
+          </a:p>
+          <a:p>
+            <a:r>
+              <a:rPr lang="de-DE" dirty="0" err="1" smtClean="0"/>
+              <a:t>Ordering</a:t>
+            </a:r>
+            <a:r>
+              <a:rPr lang="de-DE" dirty="0" smtClean="0"/>
+              <a:t> </a:t>
+            </a:r>
+            <a:r>
+              <a:rPr lang="de-DE" dirty="0" err="1" smtClean="0"/>
+              <a:t>of</a:t>
+            </a:r>
+            <a:r>
+              <a:rPr lang="de-DE" dirty="0" smtClean="0"/>
+              <a:t> a </a:t>
+            </a:r>
+            <a:r>
+              <a:rPr lang="de-DE" dirty="0" err="1" smtClean="0"/>
+              <a:t>market‘s</a:t>
+            </a:r>
+            <a:r>
+              <a:rPr lang="de-DE" dirty="0" smtClean="0"/>
+              <a:t> </a:t>
+            </a:r>
+            <a:r>
+              <a:rPr lang="de-DE" dirty="0" err="1" smtClean="0"/>
+              <a:t>department</a:t>
+            </a:r>
+            <a:r>
+              <a:rPr lang="de-DE" dirty="0" smtClean="0"/>
+              <a:t> also </a:t>
+            </a:r>
+            <a:r>
+              <a:rPr lang="de-DE" dirty="0" err="1" smtClean="0"/>
+              <a:t>derived</a:t>
+            </a:r>
+            <a:r>
+              <a:rPr lang="de-DE" dirty="0" smtClean="0"/>
+              <a:t> </a:t>
+            </a:r>
+            <a:r>
+              <a:rPr lang="de-DE" dirty="0" err="1" smtClean="0"/>
+              <a:t>from</a:t>
+            </a:r>
+            <a:r>
+              <a:rPr lang="de-DE" dirty="0" smtClean="0"/>
+              <a:t> </a:t>
+            </a:r>
+            <a:r>
+              <a:rPr lang="de-DE" dirty="0" err="1" smtClean="0"/>
+              <a:t>order</a:t>
+            </a:r>
+            <a:r>
+              <a:rPr lang="de-DE" dirty="0" smtClean="0"/>
+              <a:t> </a:t>
+            </a:r>
+            <a:r>
+              <a:rPr lang="de-DE" dirty="0" err="1" smtClean="0"/>
+              <a:t>of</a:t>
+            </a:r>
+            <a:r>
+              <a:rPr lang="de-DE" dirty="0" smtClean="0"/>
+              <a:t> </a:t>
+            </a:r>
+            <a:r>
+              <a:rPr lang="de-DE" dirty="0" err="1" smtClean="0"/>
+              <a:t>marking</a:t>
+            </a:r>
+            <a:r>
+              <a:rPr lang="de-DE" dirty="0" smtClean="0"/>
+              <a:t> </a:t>
+            </a:r>
+            <a:r>
+              <a:rPr lang="de-DE" dirty="0" err="1"/>
+              <a:t>the</a:t>
+            </a:r>
+            <a:r>
+              <a:rPr lang="de-DE" dirty="0"/>
+              <a:t> Products </a:t>
+            </a:r>
+            <a:r>
+              <a:rPr lang="de-DE" dirty="0" err="1"/>
+              <a:t>as</a:t>
+            </a:r>
+            <a:r>
+              <a:rPr lang="de-DE" dirty="0"/>
+              <a:t> „</a:t>
+            </a:r>
+            <a:r>
+              <a:rPr lang="de-DE" dirty="0" err="1"/>
+              <a:t>added</a:t>
+            </a:r>
+            <a:r>
+              <a:rPr lang="de-DE" dirty="0"/>
+              <a:t> </a:t>
+            </a:r>
+            <a:r>
+              <a:rPr lang="de-DE" dirty="0" err="1"/>
+              <a:t>to</a:t>
+            </a:r>
+            <a:r>
+              <a:rPr lang="de-DE" dirty="0"/>
+              <a:t> </a:t>
+            </a:r>
+            <a:r>
+              <a:rPr lang="de-DE" dirty="0" err="1"/>
+              <a:t>Cart</a:t>
+            </a:r>
+            <a:r>
+              <a:rPr lang="de-DE" dirty="0" smtClean="0"/>
+              <a:t>“</a:t>
+            </a:r>
+          </a:p>
+          <a:p>
+            <a:r>
+              <a:rPr lang="de-DE" dirty="0" smtClean="0"/>
+              <a:t>Initial Order…?</a:t>
+            </a:r>
+          </a:p>
+          <a:p>
+            <a:pPr marL="0" indent="0">
+              <a:buNone/>
+            </a:pPr>
+            <a:endParaRPr lang="de-DE" dirty="0" smtClean="0"/>
+          </a:p>
+        </p:txBody>
+      </p:sp>
+    </p:spTree>
+    <p:extLst>
+      <p:ext uri="{BB962C8B-B14F-4D97-AF65-F5344CB8AC3E}">
+        <p14:creationId xmlns:p14="http://schemas.microsoft.com/office/powerpoint/2010/main" val="3525046717"/>
+      </p:ext>
+    </p:extLst>
+  </p:cSld>
+  <p:clrMapOvr>
+    <a:masterClrMapping/>
+  </p:clrMapOvr>
+</p:sld>
+</file>
+
+<file path=ppt/slides/slide12.xml><?xml version="1.0" encoding="utf-8"?>
+<p:sld xmlns:a="http://schemas.openxmlformats.org/drawingml/2006/main" xmlns:r="http://schemas.openxmlformats.org/officeDocument/2006/relationships" xmlns:p="http://schemas.openxmlformats.org/presentationml/2006/main">
+  <p:cSld>
+    <p:spTree>
+      <p:nvGrpSpPr>
+        <p:cNvPr id="1" name=""/>
+        <p:cNvGrpSpPr/>
+        <p:nvPr/>
+      </p:nvGrpSpPr>
+      <p:grpSpPr>
+        <a:xfrm>
+          <a:off x="0" y="0"/>
+          <a:ext cx="0" cy="0"/>
+          <a:chOff x="0" y="0"/>
+          <a:chExt cx="0" cy="0"/>
+        </a:xfrm>
+      </p:grpSpPr>
+      <p:sp>
+        <p:nvSpPr>
+          <p:cNvPr id="2" name="Titel 1"/>
+          <p:cNvSpPr>
+            <a:spLocks noGrp="1"/>
+          </p:cNvSpPr>
+          <p:nvPr>
+            <p:ph type="title"/>
+          </p:nvPr>
+        </p:nvSpPr>
+        <p:spPr/>
+        <p:txBody>
+          <a:bodyPr/>
+          <a:lstStyle/>
+          <a:p>
+            <a:r>
+              <a:rPr lang="de-DE" dirty="0" err="1" smtClean="0"/>
+              <a:t>SmartCart</a:t>
+            </a:r>
+            <a:r>
+              <a:rPr lang="de-DE" dirty="0" smtClean="0"/>
+              <a:t> – Business Model</a:t>
+            </a:r>
+            <a:endParaRPr lang="de-DE" dirty="0"/>
+          </a:p>
+        </p:txBody>
+      </p:sp>
+      <p:sp>
+        <p:nvSpPr>
+          <p:cNvPr id="3" name="Inhaltsplatzhalter 2"/>
+          <p:cNvSpPr>
+            <a:spLocks noGrp="1"/>
+          </p:cNvSpPr>
+          <p:nvPr>
+            <p:ph idx="1"/>
+          </p:nvPr>
+        </p:nvSpPr>
+        <p:spPr/>
+        <p:txBody>
+          <a:bodyPr/>
+          <a:lstStyle/>
+          <a:p>
+            <a:r>
+              <a:rPr lang="de-DE" dirty="0" err="1" smtClean="0"/>
+              <a:t>Two</a:t>
+            </a:r>
+            <a:r>
+              <a:rPr lang="de-DE" dirty="0" smtClean="0"/>
+              <a:t> </a:t>
+            </a:r>
+            <a:r>
+              <a:rPr lang="de-DE" dirty="0" err="1" smtClean="0"/>
+              <a:t>main</a:t>
+            </a:r>
+            <a:r>
+              <a:rPr lang="de-DE" dirty="0" smtClean="0"/>
+              <a:t> </a:t>
+            </a:r>
+            <a:r>
+              <a:rPr lang="de-DE" dirty="0" err="1" smtClean="0"/>
+              <a:t>Phases</a:t>
+            </a:r>
+            <a:r>
+              <a:rPr lang="de-DE" dirty="0" smtClean="0"/>
+              <a:t>:</a:t>
+            </a:r>
+          </a:p>
+          <a:p>
+            <a:pPr lvl="1"/>
+            <a:r>
+              <a:rPr lang="de-DE" dirty="0" smtClean="0"/>
+              <a:t>Penetration </a:t>
+            </a:r>
+            <a:r>
+              <a:rPr lang="de-DE" dirty="0" err="1" smtClean="0"/>
+              <a:t>of</a:t>
+            </a:r>
+            <a:r>
+              <a:rPr lang="de-DE" dirty="0" smtClean="0"/>
+              <a:t> </a:t>
+            </a:r>
+            <a:r>
+              <a:rPr lang="de-DE" dirty="0" err="1" smtClean="0"/>
+              <a:t>the</a:t>
+            </a:r>
+            <a:r>
+              <a:rPr lang="de-DE" dirty="0" smtClean="0"/>
+              <a:t> </a:t>
+            </a:r>
+            <a:r>
+              <a:rPr lang="de-DE" dirty="0" err="1" smtClean="0"/>
+              <a:t>market</a:t>
+            </a:r>
+            <a:endParaRPr lang="de-DE" dirty="0" smtClean="0"/>
+          </a:p>
+          <a:p>
+            <a:pPr lvl="1"/>
+            <a:r>
+              <a:rPr lang="de-DE" dirty="0" err="1" smtClean="0"/>
+              <a:t>Earning</a:t>
+            </a:r>
+            <a:r>
+              <a:rPr lang="de-DE" dirty="0" smtClean="0"/>
+              <a:t> Money</a:t>
+            </a:r>
+            <a:endParaRPr lang="de-DE" dirty="0"/>
+          </a:p>
+        </p:txBody>
+      </p:sp>
+      <p:sp>
+        <p:nvSpPr>
+          <p:cNvPr id="4" name="AutoShape 2" descr="Image result for Marktentwicklung"/>
+          <p:cNvSpPr>
+            <a:spLocks noChangeAspect="1" noChangeArrowheads="1"/>
+          </p:cNvSpPr>
+          <p:nvPr/>
+        </p:nvSpPr>
+        <p:spPr bwMode="auto">
+          <a:xfrm>
+            <a:off x="155575" y="-914400"/>
+            <a:ext cx="3952875" cy="1905000"/>
+          </a:xfrm>
+          <a:prstGeom prst="rect">
+            <a:avLst/>
+          </a:prstGeom>
+          <a:noFill/>
+          <a:extLst>
+            <a:ext uri="{909E8E84-426E-40DD-AFC4-6F175D3DCCD1}">
+              <a14:hiddenFill xmlns:a14="http://schemas.microsoft.com/office/drawing/2010/main">
+                <a:solidFill>
+                  <a:srgbClr val="FFFFFF"/>
+                </a:solidFill>
+              </a14:hiddenFill>
+            </a:ext>
+          </a:extLst>
+        </p:spPr>
+        <p:txBody>
+          <a:bodyPr vert="horz" wrap="square" lIns="91440" tIns="45720" rIns="91440" bIns="45720" numCol="1" anchor="t" anchorCtr="0" compatLnSpc="1">
+            <a:prstTxWarp prst="textNoShape">
+              <a:avLst/>
+            </a:prstTxWarp>
+          </a:bodyPr>
+          <a:lstStyle/>
+          <a:p>
+            <a:endParaRPr lang="de-DE"/>
+          </a:p>
+        </p:txBody>
+      </p:sp>
+    </p:spTree>
+    <p:extLst>
+      <p:ext uri="{BB962C8B-B14F-4D97-AF65-F5344CB8AC3E}">
+        <p14:creationId xmlns:p14="http://schemas.microsoft.com/office/powerpoint/2010/main" val="2301295905"/>
+      </p:ext>
+    </p:extLst>
+  </p:cSld>
+  <p:clrMapOvr>
+    <a:masterClrMapping/>
+  </p:clrMapOvr>
+</p:sld>
+</file>
+
+<file path=ppt/slides/slide13.xml><?xml version="1.0" encoding="utf-8"?>
+<p:sld xmlns:a="http://schemas.openxmlformats.org/drawingml/2006/main" xmlns:r="http://schemas.openxmlformats.org/officeDocument/2006/relationships" xmlns:p="http://schemas.openxmlformats.org/presentationml/2006/main">
+  <p:cSld>
+    <p:spTree>
+      <p:nvGrpSpPr>
+        <p:cNvPr id="1" name=""/>
+        <p:cNvGrpSpPr/>
+        <p:nvPr/>
+      </p:nvGrpSpPr>
+      <p:grpSpPr>
+        <a:xfrm>
+          <a:off x="0" y="0"/>
+          <a:ext cx="0" cy="0"/>
+          <a:chOff x="0" y="0"/>
+          <a:chExt cx="0" cy="0"/>
+        </a:xfrm>
+      </p:grpSpPr>
+      <p:sp>
+        <p:nvSpPr>
+          <p:cNvPr id="2" name="Titel 1"/>
+          <p:cNvSpPr>
+            <a:spLocks noGrp="1"/>
+          </p:cNvSpPr>
+          <p:nvPr>
+            <p:ph type="title"/>
+          </p:nvPr>
+        </p:nvSpPr>
+        <p:spPr/>
+        <p:txBody>
+          <a:bodyPr/>
+          <a:lstStyle/>
+          <a:p>
+            <a:r>
+              <a:rPr lang="de-DE" dirty="0" err="1" smtClean="0"/>
+              <a:t>SmartCart</a:t>
+            </a:r>
+            <a:r>
+              <a:rPr lang="de-DE" dirty="0" smtClean="0"/>
+              <a:t> – Business Model</a:t>
+            </a:r>
+            <a:endParaRPr lang="de-DE" dirty="0"/>
+          </a:p>
+        </p:txBody>
+      </p:sp>
+      <p:sp>
+        <p:nvSpPr>
+          <p:cNvPr id="3" name="Inhaltsplatzhalter 2"/>
+          <p:cNvSpPr>
+            <a:spLocks noGrp="1"/>
+          </p:cNvSpPr>
+          <p:nvPr>
+            <p:ph idx="1"/>
+          </p:nvPr>
+        </p:nvSpPr>
+        <p:spPr>
+          <a:xfrm>
+            <a:off x="2589212" y="2133600"/>
+            <a:ext cx="5733521" cy="3777622"/>
+          </a:xfrm>
+        </p:spPr>
+        <p:txBody>
+          <a:bodyPr/>
+          <a:lstStyle/>
+          <a:p>
+            <a:r>
+              <a:rPr lang="de-DE" dirty="0" err="1" smtClean="0"/>
+              <a:t>Two</a:t>
+            </a:r>
+            <a:r>
+              <a:rPr lang="de-DE" dirty="0" smtClean="0"/>
+              <a:t> </a:t>
+            </a:r>
+            <a:r>
+              <a:rPr lang="de-DE" dirty="0" err="1" smtClean="0"/>
+              <a:t>versions</a:t>
+            </a:r>
+            <a:r>
+              <a:rPr lang="de-DE" dirty="0" smtClean="0"/>
+              <a:t> </a:t>
+            </a:r>
+            <a:r>
+              <a:rPr lang="de-DE" dirty="0" err="1" smtClean="0"/>
+              <a:t>of</a:t>
+            </a:r>
+            <a:r>
+              <a:rPr lang="de-DE" dirty="0" smtClean="0"/>
+              <a:t> </a:t>
+            </a:r>
+            <a:r>
+              <a:rPr lang="de-DE" dirty="0" err="1" smtClean="0"/>
+              <a:t>SmartCart</a:t>
+            </a:r>
+            <a:endParaRPr lang="de-DE" dirty="0" smtClean="0"/>
+          </a:p>
+          <a:p>
+            <a:pPr lvl="1"/>
+            <a:r>
+              <a:rPr lang="de-DE" dirty="0" smtClean="0"/>
+              <a:t>Basic Version (</a:t>
+            </a:r>
+            <a:r>
+              <a:rPr lang="de-DE" dirty="0" err="1" smtClean="0"/>
+              <a:t>free</a:t>
+            </a:r>
+            <a:r>
+              <a:rPr lang="de-DE" dirty="0" smtClean="0"/>
+              <a:t>)</a:t>
+            </a:r>
+          </a:p>
+          <a:p>
+            <a:pPr lvl="1"/>
+            <a:r>
+              <a:rPr lang="de-DE" dirty="0" smtClean="0"/>
+              <a:t>Pro Version (1.99 €)</a:t>
+            </a:r>
+          </a:p>
+          <a:p>
+            <a:r>
+              <a:rPr lang="de-DE" dirty="0" smtClean="0"/>
+              <a:t>Basic Version will </a:t>
+            </a:r>
+            <a:r>
+              <a:rPr lang="de-DE" dirty="0" err="1" smtClean="0"/>
+              <a:t>show</a:t>
+            </a:r>
+            <a:r>
+              <a:rPr lang="de-DE" dirty="0" smtClean="0"/>
+              <a:t> </a:t>
+            </a:r>
+            <a:r>
+              <a:rPr lang="de-DE" dirty="0" err="1" smtClean="0"/>
+              <a:t>ads</a:t>
+            </a:r>
+            <a:r>
+              <a:rPr lang="de-DE" dirty="0" smtClean="0"/>
+              <a:t> </a:t>
+            </a:r>
+            <a:r>
+              <a:rPr lang="de-DE" dirty="0" err="1" smtClean="0"/>
+              <a:t>of</a:t>
+            </a:r>
+            <a:r>
+              <a:rPr lang="de-DE" dirty="0" smtClean="0"/>
+              <a:t> </a:t>
+            </a:r>
+            <a:r>
+              <a:rPr lang="de-DE" dirty="0" err="1" smtClean="0"/>
+              <a:t>the</a:t>
+            </a:r>
+            <a:r>
+              <a:rPr lang="de-DE" dirty="0" smtClean="0"/>
+              <a:t> </a:t>
+            </a:r>
+            <a:r>
+              <a:rPr lang="de-DE" dirty="0" err="1" smtClean="0"/>
+              <a:t>grocery</a:t>
+            </a:r>
+            <a:r>
+              <a:rPr lang="de-DE" dirty="0" smtClean="0"/>
+              <a:t> </a:t>
+            </a:r>
+            <a:r>
+              <a:rPr lang="de-DE" dirty="0" err="1" smtClean="0"/>
+              <a:t>that</a:t>
+            </a:r>
+            <a:r>
+              <a:rPr lang="de-DE" dirty="0" smtClean="0"/>
+              <a:t> </a:t>
+            </a:r>
+            <a:r>
+              <a:rPr lang="de-DE" dirty="0" err="1" smtClean="0"/>
+              <a:t>is</a:t>
+            </a:r>
+            <a:r>
+              <a:rPr lang="de-DE" dirty="0" smtClean="0"/>
+              <a:t> </a:t>
+            </a:r>
+            <a:r>
+              <a:rPr lang="de-DE" dirty="0" err="1" smtClean="0"/>
+              <a:t>entered</a:t>
+            </a:r>
+            <a:endParaRPr lang="de-DE" dirty="0" smtClean="0"/>
+          </a:p>
+          <a:p>
+            <a:endParaRPr lang="de-DE" dirty="0"/>
+          </a:p>
+          <a:p>
+            <a:r>
+              <a:rPr lang="de-DE" dirty="0" smtClean="0"/>
+              <a:t>First </a:t>
+            </a:r>
+            <a:r>
+              <a:rPr lang="de-DE" dirty="0" err="1" smtClean="0"/>
+              <a:t>users</a:t>
+            </a:r>
+            <a:r>
+              <a:rPr lang="de-DE" dirty="0" smtClean="0"/>
+              <a:t> will </a:t>
+            </a:r>
+            <a:r>
+              <a:rPr lang="de-DE" dirty="0" err="1" smtClean="0"/>
+              <a:t>get</a:t>
+            </a:r>
+            <a:r>
+              <a:rPr lang="de-DE" dirty="0" smtClean="0"/>
+              <a:t> a </a:t>
+            </a:r>
+            <a:r>
+              <a:rPr lang="de-DE" dirty="0" err="1" smtClean="0"/>
+              <a:t>free</a:t>
+            </a:r>
+            <a:r>
+              <a:rPr lang="de-DE" dirty="0" smtClean="0"/>
+              <a:t> Pro Version</a:t>
+            </a:r>
+          </a:p>
+          <a:p>
+            <a:r>
+              <a:rPr lang="de-DE" dirty="0" smtClean="0"/>
+              <a:t>First ad </a:t>
+            </a:r>
+            <a:r>
+              <a:rPr lang="de-DE" dirty="0" err="1" smtClean="0"/>
+              <a:t>placements</a:t>
+            </a:r>
+            <a:r>
+              <a:rPr lang="de-DE" dirty="0" smtClean="0"/>
+              <a:t> will </a:t>
+            </a:r>
+            <a:r>
+              <a:rPr lang="de-DE" dirty="0" err="1" smtClean="0"/>
+              <a:t>be</a:t>
+            </a:r>
+            <a:r>
+              <a:rPr lang="de-DE" dirty="0" smtClean="0"/>
+              <a:t> </a:t>
+            </a:r>
+            <a:r>
+              <a:rPr lang="de-DE" dirty="0" err="1" smtClean="0"/>
+              <a:t>free</a:t>
+            </a:r>
+            <a:r>
+              <a:rPr lang="de-DE" dirty="0" smtClean="0"/>
+              <a:t>, </a:t>
+            </a:r>
+            <a:r>
+              <a:rPr lang="de-DE" dirty="0" err="1" smtClean="0"/>
+              <a:t>if</a:t>
+            </a:r>
+            <a:r>
+              <a:rPr lang="de-DE" dirty="0" smtClean="0"/>
+              <a:t> </a:t>
+            </a:r>
+            <a:r>
+              <a:rPr lang="de-DE" dirty="0" err="1" smtClean="0"/>
+              <a:t>the</a:t>
+            </a:r>
+            <a:r>
+              <a:rPr lang="de-DE" dirty="0" smtClean="0"/>
+              <a:t> </a:t>
+            </a:r>
+            <a:r>
+              <a:rPr lang="de-DE" dirty="0" err="1" smtClean="0"/>
+              <a:t>market</a:t>
+            </a:r>
+            <a:r>
+              <a:rPr lang="de-DE" dirty="0" smtClean="0"/>
+              <a:t> </a:t>
+            </a:r>
+            <a:r>
+              <a:rPr lang="de-DE" dirty="0" err="1" smtClean="0"/>
+              <a:t>contributes</a:t>
+            </a:r>
+            <a:r>
+              <a:rPr lang="de-DE" dirty="0" smtClean="0"/>
+              <a:t> in </a:t>
+            </a:r>
+            <a:r>
+              <a:rPr lang="de-DE" dirty="0" err="1" smtClean="0"/>
+              <a:t>collecting</a:t>
+            </a:r>
+            <a:r>
+              <a:rPr lang="de-DE" dirty="0" smtClean="0"/>
+              <a:t> </a:t>
+            </a:r>
+            <a:r>
+              <a:rPr lang="de-DE" dirty="0" err="1" smtClean="0"/>
+              <a:t>data</a:t>
+            </a:r>
+            <a:endParaRPr lang="de-DE" dirty="0" smtClean="0"/>
+          </a:p>
+        </p:txBody>
+      </p:sp>
+      <p:pic>
+        <p:nvPicPr>
+          <p:cNvPr id="5" name="Grafik 4"/>
+          <p:cNvPicPr>
+            <a:picLocks noChangeAspect="1"/>
+          </p:cNvPicPr>
+          <p:nvPr/>
+        </p:nvPicPr>
+        <p:blipFill>
+          <a:blip r:embed="rId2">
+            <a:extLst>
+              <a:ext uri="{28A0092B-C50C-407E-A947-70E740481C1C}">
+                <a14:useLocalDpi xmlns:a14="http://schemas.microsoft.com/office/drawing/2010/main" val="0"/>
+              </a:ext>
+            </a:extLst>
+          </a:blip>
+          <a:stretch>
+            <a:fillRect/>
+          </a:stretch>
+        </p:blipFill>
+        <p:spPr>
+          <a:xfrm>
+            <a:off x="8582800" y="2133600"/>
+            <a:ext cx="1983600" cy="3875649"/>
+          </a:xfrm>
+          <a:prstGeom prst="rect">
+            <a:avLst/>
+          </a:prstGeom>
+        </p:spPr>
+      </p:pic>
+    </p:spTree>
+    <p:extLst>
+      <p:ext uri="{BB962C8B-B14F-4D97-AF65-F5344CB8AC3E}">
+        <p14:creationId xmlns:p14="http://schemas.microsoft.com/office/powerpoint/2010/main" val="2258425912"/>
+      </p:ext>
+    </p:extLst>
+  </p:cSld>
+  <p:clrMapOvr>
+    <a:masterClrMapping/>
+  </p:clrMapOvr>
+</p:sld>
+</file>
+
 <file path=ppt/slides/slide2.xml><?xml version="1.0" encoding="utf-8"?>
 <p:sld xmlns:a="http://schemas.openxmlformats.org/drawingml/2006/main" xmlns:r="http://schemas.openxmlformats.org/officeDocument/2006/relationships" xmlns:p="http://schemas.openxmlformats.org/presentationml/2006/main">
   <p:cSld>
@@ -7758,24 +9626,12 @@
           <a:lstStyle/>
           <a:p>
             <a:r>
+              <a:rPr lang="de-DE" dirty="0" err="1" smtClean="0"/>
+              <a:t>SmartCart</a:t>
+            </a:r>
+            <a:r>
               <a:rPr lang="de-DE" dirty="0" smtClean="0"/>
-              <a:t>Shopping </a:t>
-            </a:r>
-            <a:r>
-              <a:rPr lang="de-DE" dirty="0" err="1" smtClean="0"/>
-              <a:t>is</a:t>
-            </a:r>
-            <a:r>
-              <a:rPr lang="de-DE" dirty="0" smtClean="0"/>
-              <a:t> stress, time </a:t>
-            </a:r>
-            <a:r>
-              <a:rPr lang="de-DE" dirty="0" err="1" smtClean="0"/>
-              <a:t>consuming</a:t>
-            </a:r>
-            <a:r>
-              <a:rPr lang="de-DE" dirty="0" smtClean="0"/>
-              <a:t>, ..</a:t>
+              <a:t> – Agenda </a:t>
             </a:r>
             <a:endParaRPr lang="de-DE" dirty="0"/>
           </a:p>
@@ -7802,187 +9658,57 @@
           <a:lstStyle/>
           <a:p>
             <a:r>
+              <a:rPr lang="de-DE" dirty="0" smtClean="0"/>
+              <a:t>Big Picture</a:t>
+            </a:r>
+            <a:endParaRPr lang="de-DE" dirty="0" smtClean="0"/>
+          </a:p>
+          <a:p>
+            <a:r>
+              <a:rPr lang="de-DE" dirty="0" smtClean="0"/>
+              <a:t>Technical </a:t>
+            </a:r>
+            <a:r>
               <a:rPr lang="de-DE" dirty="0" err="1" smtClean="0"/>
-              <a:t>Where</a:t>
+              <a:t>Overview</a:t>
+            </a:r>
+            <a:endParaRPr lang="de-DE" dirty="0" smtClean="0"/>
+          </a:p>
+          <a:p>
+            <a:pPr lvl="1"/>
+            <a:r>
+              <a:rPr lang="de-DE" dirty="0" err="1" smtClean="0"/>
+              <a:t>Use</a:t>
             </a:r>
             <a:r>
               <a:rPr lang="de-DE" dirty="0" smtClean="0"/>
-              <a:t> will I find </a:t>
+              <a:t> Cases</a:t>
+            </a:r>
+          </a:p>
+          <a:p>
+            <a:pPr lvl="1"/>
+            <a:r>
+              <a:rPr lang="de-DE" dirty="0" smtClean="0"/>
+              <a:t>State </a:t>
             </a:r>
             <a:r>
               <a:rPr lang="de-DE" dirty="0" err="1" smtClean="0"/>
-              <a:t>the</a:t>
-            </a:r>
+              <a:t>Machine</a:t>
+            </a:r>
+            <a:endParaRPr lang="de-DE" dirty="0" smtClean="0"/>
+          </a:p>
+          <a:p>
+            <a:pPr lvl="1"/>
             <a:r>
               <a:rPr lang="de-DE" dirty="0" smtClean="0"/>
-              <a:t> </a:t>
-            </a:r>
-            <a:r>
-              <a:rPr lang="de-DE" dirty="0" err="1" smtClean="0"/>
-              <a:t>next</a:t>
-            </a:r>
+              <a:t>Data Model</a:t>
+            </a:r>
+            <a:endParaRPr lang="de-DE" dirty="0" smtClean="0"/>
+          </a:p>
+          <a:p>
             <a:r>
               <a:rPr lang="de-DE" dirty="0" smtClean="0"/>
-              <a:t> </a:t>
-            </a:r>
-            <a:r>
-              <a:rPr lang="de-DE" dirty="0" err="1" smtClean="0"/>
-              <a:t>thing</a:t>
-            </a:r>
-            <a:r>
-              <a:rPr lang="de-DE" dirty="0" smtClean="0"/>
-              <a:t> on </a:t>
-            </a:r>
-            <a:r>
-              <a:rPr lang="de-DE" dirty="0" err="1" smtClean="0"/>
-              <a:t>my</a:t>
-            </a:r>
-            <a:r>
-              <a:rPr lang="de-DE" dirty="0" smtClean="0"/>
-              <a:t> </a:t>
-            </a:r>
-            <a:r>
-              <a:rPr lang="de-DE" dirty="0" err="1" smtClean="0"/>
-              <a:t>list</a:t>
-            </a:r>
-            <a:r>
-              <a:rPr lang="de-DE" dirty="0" smtClean="0"/>
-              <a:t>?</a:t>
-            </a:r>
-          </a:p>
-          <a:p>
-            <a:r>
-              <a:rPr lang="de-DE" dirty="0" err="1" smtClean="0"/>
-              <a:t>How</a:t>
-            </a:r>
-            <a:r>
-              <a:rPr lang="de-DE" dirty="0" smtClean="0"/>
-              <a:t> find all  </a:t>
-            </a:r>
-            <a:r>
-              <a:rPr lang="de-DE" dirty="0" err="1" smtClean="0"/>
-              <a:t>the</a:t>
-            </a:r>
-            <a:r>
-              <a:rPr lang="de-DE" dirty="0" smtClean="0"/>
-              <a:t> </a:t>
-            </a:r>
-            <a:r>
-              <a:rPr lang="de-DE" dirty="0" err="1" smtClean="0"/>
-              <a:t>things</a:t>
-            </a:r>
-            <a:r>
-              <a:rPr lang="de-DE" dirty="0" smtClean="0"/>
-              <a:t> on </a:t>
-            </a:r>
-            <a:r>
-              <a:rPr lang="de-DE" dirty="0" err="1" smtClean="0"/>
-              <a:t>my</a:t>
-            </a:r>
-            <a:r>
-              <a:rPr lang="de-DE" dirty="0" smtClean="0"/>
-              <a:t> </a:t>
-            </a:r>
-            <a:r>
-              <a:rPr lang="de-DE" dirty="0" err="1" smtClean="0"/>
-              <a:t>list</a:t>
-            </a:r>
-            <a:r>
-              <a:rPr lang="de-DE" dirty="0" smtClean="0"/>
-              <a:t> </a:t>
-            </a:r>
-            <a:r>
-              <a:rPr lang="de-DE" dirty="0" err="1" smtClean="0"/>
-              <a:t>without</a:t>
-            </a:r>
-            <a:r>
-              <a:rPr lang="de-DE" dirty="0" smtClean="0"/>
-              <a:t> </a:t>
-            </a:r>
-            <a:r>
-              <a:rPr lang="de-DE" dirty="0" err="1" smtClean="0"/>
-              <a:t>walking</a:t>
-            </a:r>
-            <a:r>
-              <a:rPr lang="de-DE" dirty="0" smtClean="0"/>
-              <a:t> back?</a:t>
-            </a:r>
-          </a:p>
-          <a:p>
-            <a:r>
-              <a:rPr lang="de-DE" dirty="0" err="1" smtClean="0"/>
-              <a:t>How</a:t>
-            </a:r>
-            <a:r>
-              <a:rPr lang="de-DE" dirty="0" smtClean="0"/>
-              <a:t> </a:t>
-            </a:r>
-            <a:r>
-              <a:rPr lang="de-DE" dirty="0" err="1" smtClean="0"/>
-              <a:t>to</a:t>
-            </a:r>
-            <a:r>
-              <a:rPr lang="de-DE" dirty="0" smtClean="0"/>
-              <a:t> </a:t>
-            </a:r>
-            <a:r>
-              <a:rPr lang="de-DE" dirty="0" err="1" smtClean="0"/>
-              <a:t>optimize</a:t>
-            </a:r>
-            <a:r>
-              <a:rPr lang="de-DE" dirty="0" smtClean="0"/>
-              <a:t> </a:t>
-            </a:r>
-            <a:r>
-              <a:rPr lang="de-DE" dirty="0" err="1" smtClean="0"/>
-              <a:t>shopping</a:t>
-            </a:r>
-            <a:r>
-              <a:rPr lang="de-DE" dirty="0" smtClean="0"/>
-              <a:t>?</a:t>
-            </a:r>
-          </a:p>
-          <a:p>
-            <a:pPr lvl="1"/>
-            <a:r>
-              <a:rPr lang="de-DE" dirty="0" err="1" smtClean="0"/>
-              <a:t>Reducing</a:t>
-            </a:r>
-            <a:r>
-              <a:rPr lang="de-DE" dirty="0" smtClean="0"/>
-              <a:t> </a:t>
-            </a:r>
-            <a:r>
-              <a:rPr lang="de-DE" dirty="0" err="1" smtClean="0"/>
-              <a:t>the</a:t>
-            </a:r>
-            <a:r>
-              <a:rPr lang="de-DE" dirty="0" smtClean="0"/>
-              <a:t> time </a:t>
-            </a:r>
-            <a:r>
-              <a:rPr lang="de-DE" dirty="0" err="1" smtClean="0"/>
-              <a:t>spent</a:t>
-            </a:r>
-            <a:endParaRPr lang="de-DE" dirty="0" smtClean="0"/>
-          </a:p>
-          <a:p>
-            <a:pPr lvl="1"/>
-            <a:r>
-              <a:rPr lang="de-DE" dirty="0" err="1" smtClean="0"/>
-              <a:t>Reducing</a:t>
-            </a:r>
-            <a:r>
-              <a:rPr lang="de-DE" dirty="0" smtClean="0"/>
-              <a:t> </a:t>
-            </a:r>
-            <a:r>
-              <a:rPr lang="de-DE" dirty="0" err="1" smtClean="0"/>
-              <a:t>the</a:t>
-            </a:r>
-            <a:r>
-              <a:rPr lang="de-DE" dirty="0" smtClean="0"/>
-              <a:t> „stress“</a:t>
+              <a:t>Business Model</a:t>
             </a:r>
             <a:endParaRPr lang="de-DE" dirty="0"/>
           </a:p>
@@ -8063,445 +9789,6 @@
 </file>
 
 <file path=ppt/slides/slide3.xml><?xml version="1.0" encoding="utf-8"?>
-<p:sld xmlns:a="http://schemas.openxmlformats.org/drawingml/2006/main" xmlns:r="http://schemas.openxmlformats.org/officeDocument/2006/relationships" xmlns:p="http://schemas.openxmlformats.org/presentationml/2006/main">
-  <p:cSld>
-    <p:spTree>
-      <p:nvGrpSpPr>
-        <p:cNvPr id="1" name=""/>
-        <p:cNvGrpSpPr/>
-        <p:nvPr/>
-      </p:nvGrpSpPr>
-      <p:grpSpPr>
-        <a:xfrm>
-          <a:off x="0" y="0"/>
-          <a:ext cx="0" cy="0"/>
-          <a:chOff x="0" y="0"/>
-          <a:chExt cx="0" cy="0"/>
-        </a:xfrm>
-      </p:grpSpPr>
-      <p:sp>
-        <p:nvSpPr>
-          <p:cNvPr id="2" name="Titel 1"/>
-          <p:cNvSpPr>
-            <a:spLocks noGrp="1"/>
-          </p:cNvSpPr>
-          <p:nvPr>
-            <p:ph type="title"/>
-          </p:nvPr>
-        </p:nvSpPr>
-        <p:spPr/>
-        <p:txBody>
-          <a:bodyPr/>
-          <a:lstStyle/>
-          <a:p>
-            <a:r>
-              <a:rPr lang="de-DE" dirty="0" err="1" smtClean="0"/>
-              <a:t>SmartCart</a:t>
-            </a:r>
-            <a:r>
-              <a:rPr lang="de-DE" dirty="0" smtClean="0"/>
-              <a:t> </a:t>
-            </a:r>
-            <a:r>
-              <a:rPr lang="de-DE" dirty="0" err="1" smtClean="0"/>
-              <a:t>offers</a:t>
-            </a:r>
-            <a:r>
-              <a:rPr lang="de-DE" dirty="0" smtClean="0"/>
-              <a:t> </a:t>
-            </a:r>
-            <a:r>
-              <a:rPr lang="de-DE" dirty="0" err="1" smtClean="0"/>
-              <a:t>to</a:t>
-            </a:r>
-            <a:r>
-              <a:rPr lang="de-DE" dirty="0" smtClean="0"/>
-              <a:t> </a:t>
-            </a:r>
-            <a:r>
-              <a:rPr lang="de-DE" dirty="0" err="1" smtClean="0"/>
-              <a:t>its</a:t>
-            </a:r>
-            <a:r>
-              <a:rPr lang="de-DE" dirty="0" smtClean="0"/>
-              <a:t> </a:t>
-            </a:r>
-            <a:r>
-              <a:rPr lang="de-DE" dirty="0" err="1" smtClean="0"/>
-              <a:t>users</a:t>
-            </a:r>
-            <a:r>
-              <a:rPr lang="de-DE" dirty="0" smtClean="0"/>
-              <a:t>…</a:t>
-            </a:r>
-            <a:endParaRPr lang="de-DE" dirty="0"/>
-          </a:p>
-        </p:txBody>
-      </p:sp>
-      <p:sp>
-        <p:nvSpPr>
-          <p:cNvPr id="3" name="Inhaltsplatzhalter 2"/>
-          <p:cNvSpPr>
-            <a:spLocks noGrp="1"/>
-          </p:cNvSpPr>
-          <p:nvPr>
-            <p:ph idx="1"/>
-          </p:nvPr>
-        </p:nvSpPr>
-        <p:spPr>
-          <a:xfrm>
-            <a:off x="2589212" y="2133600"/>
-            <a:ext cx="8915400" cy="3987800"/>
-          </a:xfrm>
-        </p:spPr>
-        <p:txBody>
-          <a:bodyPr>
-            <a:normAutofit/>
-          </a:bodyPr>
-          <a:lstStyle/>
-          <a:p>
-            <a:r>
-              <a:rPr lang="de-DE" dirty="0" smtClean="0"/>
-              <a:t>A </a:t>
-            </a:r>
-            <a:r>
-              <a:rPr lang="de-DE" dirty="0" err="1" smtClean="0"/>
-              <a:t>way</a:t>
-            </a:r>
-            <a:r>
-              <a:rPr lang="de-DE" dirty="0" smtClean="0"/>
-              <a:t> </a:t>
-            </a:r>
-            <a:r>
-              <a:rPr lang="de-DE" dirty="0" err="1" smtClean="0"/>
-              <a:t>of</a:t>
-            </a:r>
-            <a:r>
-              <a:rPr lang="de-DE" dirty="0" smtClean="0"/>
-              <a:t> </a:t>
-            </a:r>
-            <a:r>
-              <a:rPr lang="de-DE" dirty="0" err="1" smtClean="0"/>
-              <a:t>organizing</a:t>
-            </a:r>
-            <a:r>
-              <a:rPr lang="de-DE" dirty="0" smtClean="0"/>
-              <a:t> </a:t>
-            </a:r>
-            <a:r>
-              <a:rPr lang="de-DE" dirty="0" err="1" smtClean="0"/>
-              <a:t>themselves</a:t>
-            </a:r>
-            <a:endParaRPr lang="de-DE" dirty="0" smtClean="0"/>
-          </a:p>
-          <a:p>
-            <a:r>
-              <a:rPr lang="de-DE" dirty="0" smtClean="0"/>
-              <a:t>A </a:t>
-            </a:r>
-            <a:r>
-              <a:rPr lang="de-DE" dirty="0" err="1" smtClean="0"/>
-              <a:t>way</a:t>
-            </a:r>
-            <a:r>
-              <a:rPr lang="de-DE" dirty="0" smtClean="0"/>
-              <a:t> </a:t>
-            </a:r>
-            <a:r>
-              <a:rPr lang="de-DE" dirty="0" err="1" smtClean="0"/>
-              <a:t>of</a:t>
-            </a:r>
-            <a:r>
-              <a:rPr lang="de-DE" dirty="0" smtClean="0"/>
-              <a:t> </a:t>
-            </a:r>
-            <a:r>
-              <a:rPr lang="de-DE" dirty="0" err="1" smtClean="0"/>
-              <a:t>genious</a:t>
-            </a:r>
-            <a:r>
-              <a:rPr lang="de-DE" dirty="0" smtClean="0"/>
-              <a:t> </a:t>
-            </a:r>
-            <a:r>
-              <a:rPr lang="de-DE" dirty="0" err="1" smtClean="0"/>
-              <a:t>shopping</a:t>
-            </a:r>
-            <a:endParaRPr lang="de-DE" dirty="0"/>
-          </a:p>
-        </p:txBody>
-      </p:sp>
-    </p:spTree>
-    <p:extLst>
-      <p:ext uri="{BB962C8B-B14F-4D97-AF65-F5344CB8AC3E}">
-        <p14:creationId xmlns:p14="http://schemas.microsoft.com/office/powerpoint/2010/main" val="3396145245"/>
-      </p:ext>
-    </p:extLst>
-  </p:cSld>
-  <p:clrMapOvr>
-    <a:masterClrMapping/>
-  </p:clrMapOvr>
-  <p:timing>
-    <p:tnLst>
-      <p:par>
-        <p:cTn id="1" dur="indefinite" restart="never" nodeType="tmRoot"/>
-      </p:par>
-    </p:tnLst>
-  </p:timing>
-</p:sld>
-</file>
-
-<file path=ppt/slides/slide4.xml><?xml version="1.0" encoding="utf-8"?>
-<p:sld xmlns:a="http://schemas.openxmlformats.org/drawingml/2006/main" xmlns:r="http://schemas.openxmlformats.org/officeDocument/2006/relationships" xmlns:p="http://schemas.openxmlformats.org/presentationml/2006/main">
-  <p:cSld>
-    <p:spTree>
-      <p:nvGrpSpPr>
-        <p:cNvPr id="1" name=""/>
-        <p:cNvGrpSpPr/>
-        <p:nvPr/>
-      </p:nvGrpSpPr>
-      <p:grpSpPr>
-        <a:xfrm>
-          <a:off x="0" y="0"/>
-          <a:ext cx="0" cy="0"/>
-          <a:chOff x="0" y="0"/>
-          <a:chExt cx="0" cy="0"/>
-        </a:xfrm>
-      </p:grpSpPr>
-      <p:sp>
-        <p:nvSpPr>
-          <p:cNvPr id="2" name="Titel 1"/>
-          <p:cNvSpPr>
-            <a:spLocks noGrp="1"/>
-          </p:cNvSpPr>
-          <p:nvPr>
-            <p:ph type="title"/>
-          </p:nvPr>
-        </p:nvSpPr>
-        <p:spPr/>
-        <p:txBody>
-          <a:bodyPr>
-            <a:normAutofit/>
-          </a:bodyPr>
-          <a:lstStyle/>
-          <a:p>
-            <a:r>
-              <a:rPr lang="de-DE" dirty="0" err="1" smtClean="0"/>
-              <a:t>SmartCart</a:t>
-            </a:r>
-            <a:r>
-              <a:rPr lang="de-DE" dirty="0" smtClean="0"/>
-              <a:t> – Technical </a:t>
-            </a:r>
-            <a:r>
-              <a:rPr lang="de-DE" dirty="0" err="1" smtClean="0"/>
-              <a:t>Overview</a:t>
-            </a:r>
-            <a:r>
-              <a:rPr lang="de-DE" dirty="0" smtClean="0"/>
-              <a:t/>
-            </a:r>
-            <a:br>
-              <a:rPr lang="de-DE" dirty="0" smtClean="0"/>
-            </a:br>
-            <a:r>
-              <a:rPr lang="de-DE" sz="1200" dirty="0" smtClean="0"/>
-              <a:t> </a:t>
-            </a:r>
-            <a:r>
-              <a:rPr lang="de-DE" dirty="0" smtClean="0"/>
-              <a:t/>
-            </a:r>
-            <a:br>
-              <a:rPr lang="de-DE" dirty="0" smtClean="0"/>
-            </a:br>
-            <a:r>
-              <a:rPr lang="de-DE" sz="2400" dirty="0" err="1" smtClean="0"/>
-              <a:t>Use</a:t>
-            </a:r>
-            <a:r>
-              <a:rPr lang="de-DE" sz="2400" dirty="0" smtClean="0"/>
-              <a:t> Cases</a:t>
-            </a:r>
-            <a:endParaRPr lang="de-DE" sz="2400" dirty="0"/>
-          </a:p>
-        </p:txBody>
-      </p:sp>
-      <p:pic>
-        <p:nvPicPr>
-          <p:cNvPr id="6" name="Inhaltsplatzhalter 5"/>
-          <p:cNvPicPr>
-            <a:picLocks noGrp="1" noChangeAspect="1"/>
-          </p:cNvPicPr>
-          <p:nvPr>
-            <p:ph idx="1"/>
-          </p:nvPr>
-        </p:nvPicPr>
-        <p:blipFill>
-          <a:blip r:embed="rId2">
-            <a:extLst>
-              <a:ext uri="{28A0092B-C50C-407E-A947-70E740481C1C}">
-                <a14:useLocalDpi xmlns:a14="http://schemas.microsoft.com/office/drawing/2010/main" val="0"/>
-              </a:ext>
-            </a:extLst>
-          </a:blip>
-          <a:stretch>
-            <a:fillRect/>
-          </a:stretch>
-        </p:blipFill>
-        <p:spPr>
-          <a:xfrm>
-            <a:off x="2592925" y="1905000"/>
-            <a:ext cx="7702542" cy="4441106"/>
-          </a:xfrm>
-        </p:spPr>
-      </p:pic>
-    </p:spTree>
-    <p:extLst>
-      <p:ext uri="{BB962C8B-B14F-4D97-AF65-F5344CB8AC3E}">
-        <p14:creationId xmlns:p14="http://schemas.microsoft.com/office/powerpoint/2010/main" val="1673357727"/>
-      </p:ext>
-    </p:extLst>
-  </p:cSld>
-  <p:clrMapOvr>
-    <a:masterClrMapping/>
-  </p:clrMapOvr>
-  <p:timing>
-    <p:tnLst>
-      <p:par>
-        <p:cTn id="1" dur="indefinite" restart="never" nodeType="tmRoot"/>
-      </p:par>
-    </p:tnLst>
-  </p:timing>
-</p:sld>
-</file>
-
-<file path=ppt/slides/slide5.xml><?xml version="1.0" encoding="utf-8"?>
-<p:sld xmlns:a="http://schemas.openxmlformats.org/drawingml/2006/main" xmlns:r="http://schemas.openxmlformats.org/officeDocument/2006/relationships" xmlns:p="http://schemas.openxmlformats.org/presentationml/2006/main">
-  <p:cSld>
-    <p:spTree>
-      <p:nvGrpSpPr>
-        <p:cNvPr id="1" name=""/>
-        <p:cNvGrpSpPr/>
-        <p:nvPr/>
-      </p:nvGrpSpPr>
-      <p:grpSpPr>
-        <a:xfrm>
-          <a:off x="0" y="0"/>
-          <a:ext cx="0" cy="0"/>
-          <a:chOff x="0" y="0"/>
-          <a:chExt cx="0" cy="0"/>
-        </a:xfrm>
-      </p:grpSpPr>
-      <p:sp>
-        <p:nvSpPr>
-          <p:cNvPr id="2" name="Titel 1"/>
-          <p:cNvSpPr>
-            <a:spLocks noGrp="1"/>
-          </p:cNvSpPr>
-          <p:nvPr>
-            <p:ph type="title"/>
-          </p:nvPr>
-        </p:nvSpPr>
-        <p:spPr/>
-        <p:txBody>
-          <a:bodyPr>
-            <a:normAutofit/>
-          </a:bodyPr>
-          <a:lstStyle/>
-          <a:p>
-            <a:r>
-              <a:rPr lang="de-DE" dirty="0" err="1" smtClean="0"/>
-              <a:t>SmartCart</a:t>
-            </a:r>
-            <a:r>
-              <a:rPr lang="de-DE" dirty="0" smtClean="0"/>
-              <a:t> – Technical </a:t>
-            </a:r>
-            <a:r>
-              <a:rPr lang="de-DE" dirty="0" err="1" smtClean="0"/>
-              <a:t>Overview</a:t>
-            </a:r>
-            <a:r>
-              <a:rPr lang="de-DE" dirty="0" smtClean="0"/>
-              <a:t/>
-            </a:r>
-            <a:br>
-              <a:rPr lang="de-DE" dirty="0" smtClean="0"/>
-            </a:br>
-            <a:r>
-              <a:rPr lang="de-DE" sz="1200" dirty="0" smtClean="0"/>
-              <a:t> </a:t>
-            </a:r>
-            <a:r>
-              <a:rPr lang="de-DE" dirty="0" smtClean="0"/>
-              <a:t/>
-            </a:r>
-            <a:br>
-              <a:rPr lang="de-DE" dirty="0" smtClean="0"/>
-            </a:br>
-            <a:r>
-              <a:rPr lang="de-DE" sz="2400" dirty="0" err="1" smtClean="0"/>
-              <a:t>Use</a:t>
-            </a:r>
-            <a:r>
-              <a:rPr lang="de-DE" sz="2400" dirty="0" smtClean="0"/>
-              <a:t> Cases</a:t>
-            </a:r>
-            <a:endParaRPr lang="de-DE" sz="2400" dirty="0"/>
-          </a:p>
-        </p:txBody>
-      </p:sp>
-      <p:pic>
-        <p:nvPicPr>
-          <p:cNvPr id="6" name="Inhaltsplatzhalter 5"/>
-          <p:cNvPicPr>
-            <a:picLocks noGrp="1" noChangeAspect="1"/>
-          </p:cNvPicPr>
-          <p:nvPr>
-            <p:ph idx="1"/>
-          </p:nvPr>
-        </p:nvPicPr>
-        <p:blipFill>
-          <a:blip r:embed="rId2">
-            <a:extLst>
-              <a:ext uri="{28A0092B-C50C-407E-A947-70E740481C1C}">
-                <a14:useLocalDpi xmlns:a14="http://schemas.microsoft.com/office/drawing/2010/main" val="0"/>
-              </a:ext>
-            </a:extLst>
-          </a:blip>
-          <a:stretch>
-            <a:fillRect/>
-          </a:stretch>
-        </p:blipFill>
-        <p:spPr>
-          <a:xfrm>
-            <a:off x="2592925" y="1905000"/>
-            <a:ext cx="7702542" cy="4441106"/>
-          </a:xfrm>
-        </p:spPr>
-      </p:pic>
-    </p:spTree>
-    <p:extLst>
-      <p:ext uri="{BB962C8B-B14F-4D97-AF65-F5344CB8AC3E}">
-        <p14:creationId xmlns:p14="http://schemas.microsoft.com/office/powerpoint/2010/main" val="1573519310"/>
-      </p:ext>
-    </p:extLst>
-  </p:cSld>
-  <p:clrMapOvr>
-    <a:masterClrMapping/>
-  </p:clrMapOvr>
-  <p:timing>
-    <p:tnLst>
-      <p:par>
-        <p:cTn id="1" dur="indefinite" restart="never" nodeType="tmRoot"/>
-      </p:par>
-    </p:tnLst>
-  </p:timing>
-</p:sld>
-</file>
-
-<file path=ppt/slides/slide6.xml><?xml version="1.0" encoding="utf-8"?>
 <p:sld xmlns:a="http://schemas.openxmlformats.org/drawingml/2006/main" xmlns:r="http://schemas.openxmlformats.org/officeDocument/2006/relationships" xmlns:p="http://schemas.openxmlformats.org/presentationml/2006/main">
   <p:cSld>
     <p:spTree>
@@ -8774,6 +10061,807 @@
 </p:sld>
 </file>
 
+<file path=ppt/slides/slide4.xml><?xml version="1.0" encoding="utf-8"?>
+<p:sld xmlns:a="http://schemas.openxmlformats.org/drawingml/2006/main" xmlns:r="http://schemas.openxmlformats.org/officeDocument/2006/relationships" xmlns:p="http://schemas.openxmlformats.org/presentationml/2006/main">
+  <p:cSld>
+    <p:spTree>
+      <p:nvGrpSpPr>
+        <p:cNvPr id="1" name=""/>
+        <p:cNvGrpSpPr/>
+        <p:nvPr/>
+      </p:nvGrpSpPr>
+      <p:grpSpPr>
+        <a:xfrm>
+          <a:off x="0" y="0"/>
+          <a:ext cx="0" cy="0"/>
+          <a:chOff x="0" y="0"/>
+          <a:chExt cx="0" cy="0"/>
+        </a:xfrm>
+      </p:grpSpPr>
+      <p:sp>
+        <p:nvSpPr>
+          <p:cNvPr id="2" name="Titel 1"/>
+          <p:cNvSpPr>
+            <a:spLocks noGrp="1"/>
+          </p:cNvSpPr>
+          <p:nvPr>
+            <p:ph type="title"/>
+          </p:nvPr>
+        </p:nvSpPr>
+        <p:spPr/>
+        <p:txBody>
+          <a:bodyPr/>
+          <a:lstStyle/>
+          <a:p>
+            <a:r>
+              <a:rPr lang="de-DE" dirty="0" err="1" smtClean="0"/>
+              <a:t>SmartCart</a:t>
+            </a:r>
+            <a:r>
+              <a:rPr lang="de-DE" dirty="0" smtClean="0"/>
+              <a:t> </a:t>
+            </a:r>
+            <a:r>
+              <a:rPr lang="de-DE" dirty="0" err="1" smtClean="0"/>
+              <a:t>offers</a:t>
+            </a:r>
+            <a:r>
+              <a:rPr lang="de-DE" dirty="0" smtClean="0"/>
+              <a:t>…</a:t>
+            </a:r>
+            <a:endParaRPr lang="de-DE" dirty="0"/>
+          </a:p>
+        </p:txBody>
+      </p:sp>
+      <p:sp>
+        <p:nvSpPr>
+          <p:cNvPr id="3" name="Inhaltsplatzhalter 2"/>
+          <p:cNvSpPr>
+            <a:spLocks noGrp="1"/>
+          </p:cNvSpPr>
+          <p:nvPr>
+            <p:ph idx="1"/>
+          </p:nvPr>
+        </p:nvSpPr>
+        <p:spPr>
+          <a:xfrm>
+            <a:off x="2589212" y="2207171"/>
+            <a:ext cx="8915400" cy="3315138"/>
+          </a:xfrm>
+        </p:spPr>
+        <p:txBody>
+          <a:bodyPr>
+            <a:normAutofit/>
+          </a:bodyPr>
+          <a:lstStyle/>
+          <a:p>
+            <a:r>
+              <a:rPr lang="de-DE" dirty="0" smtClean="0"/>
+              <a:t>A </a:t>
+            </a:r>
+            <a:r>
+              <a:rPr lang="de-DE" dirty="0" err="1" smtClean="0"/>
+              <a:t>way</a:t>
+            </a:r>
+            <a:r>
+              <a:rPr lang="de-DE" dirty="0" smtClean="0"/>
+              <a:t> </a:t>
+            </a:r>
+            <a:r>
+              <a:rPr lang="de-DE" dirty="0" err="1" smtClean="0"/>
+              <a:t>of</a:t>
+            </a:r>
+            <a:r>
+              <a:rPr lang="de-DE" dirty="0" smtClean="0"/>
+              <a:t> </a:t>
+            </a:r>
+            <a:r>
+              <a:rPr lang="de-DE" dirty="0" err="1" smtClean="0"/>
+              <a:t>organizing</a:t>
+            </a:r>
+            <a:r>
+              <a:rPr lang="de-DE" dirty="0" smtClean="0"/>
+              <a:t> </a:t>
+            </a:r>
+            <a:r>
+              <a:rPr lang="de-DE" dirty="0" err="1" smtClean="0"/>
+              <a:t>themselves</a:t>
+            </a:r>
+            <a:endParaRPr lang="de-DE" dirty="0" smtClean="0"/>
+          </a:p>
+          <a:p>
+            <a:r>
+              <a:rPr lang="de-DE" dirty="0" smtClean="0"/>
+              <a:t>A </a:t>
+            </a:r>
+            <a:r>
+              <a:rPr lang="de-DE" dirty="0" err="1" smtClean="0"/>
+              <a:t>way</a:t>
+            </a:r>
+            <a:r>
+              <a:rPr lang="de-DE" dirty="0" smtClean="0"/>
+              <a:t> </a:t>
+            </a:r>
+            <a:r>
+              <a:rPr lang="de-DE" dirty="0" err="1" smtClean="0"/>
+              <a:t>of</a:t>
+            </a:r>
+            <a:r>
+              <a:rPr lang="de-DE" dirty="0" smtClean="0"/>
+              <a:t> </a:t>
+            </a:r>
+            <a:r>
+              <a:rPr lang="de-DE" dirty="0" err="1" smtClean="0"/>
+              <a:t>genious</a:t>
+            </a:r>
+            <a:r>
+              <a:rPr lang="de-DE" dirty="0" smtClean="0"/>
+              <a:t> </a:t>
+            </a:r>
+            <a:r>
+              <a:rPr lang="de-DE" dirty="0" err="1" smtClean="0"/>
+              <a:t>shopping</a:t>
+            </a:r>
+            <a:endParaRPr lang="de-DE" dirty="0" smtClean="0"/>
+          </a:p>
+          <a:p>
+            <a:r>
+              <a:rPr lang="de-DE" dirty="0" smtClean="0"/>
+              <a:t>More time </a:t>
+            </a:r>
+            <a:r>
+              <a:rPr lang="de-DE" dirty="0" err="1" smtClean="0"/>
+              <a:t>for</a:t>
+            </a:r>
+            <a:r>
+              <a:rPr lang="de-DE" dirty="0" smtClean="0"/>
+              <a:t> </a:t>
+            </a:r>
+            <a:r>
+              <a:rPr lang="de-DE" dirty="0" err="1" smtClean="0"/>
+              <a:t>the</a:t>
+            </a:r>
+            <a:r>
+              <a:rPr lang="de-DE" dirty="0" smtClean="0"/>
+              <a:t> </a:t>
+            </a:r>
+            <a:r>
+              <a:rPr lang="de-DE" dirty="0" err="1" smtClean="0"/>
+              <a:t>important</a:t>
+            </a:r>
+            <a:r>
+              <a:rPr lang="de-DE" dirty="0" smtClean="0"/>
+              <a:t> </a:t>
+            </a:r>
+            <a:r>
+              <a:rPr lang="de-DE" dirty="0" err="1" smtClean="0"/>
+              <a:t>things</a:t>
+            </a:r>
+            <a:r>
+              <a:rPr lang="de-DE" dirty="0" smtClean="0"/>
+              <a:t> in </a:t>
+            </a:r>
+            <a:r>
+              <a:rPr lang="de-DE" dirty="0" err="1" smtClean="0"/>
+              <a:t>life</a:t>
+            </a:r>
+            <a:r>
+              <a:rPr lang="de-DE" dirty="0" smtClean="0"/>
+              <a:t>!</a:t>
+            </a:r>
+          </a:p>
+          <a:p>
+            <a:endParaRPr lang="de-DE" dirty="0"/>
+          </a:p>
+          <a:p>
+            <a:endParaRPr lang="de-DE" dirty="0" smtClean="0"/>
+          </a:p>
+          <a:p>
+            <a:r>
+              <a:rPr lang="de-DE" dirty="0" smtClean="0"/>
+              <a:t>The </a:t>
+            </a:r>
+            <a:r>
+              <a:rPr lang="de-DE" dirty="0" err="1" smtClean="0"/>
+              <a:t>possibility</a:t>
+            </a:r>
+            <a:r>
+              <a:rPr lang="de-DE" dirty="0" smtClean="0"/>
+              <a:t> </a:t>
+            </a:r>
+            <a:r>
+              <a:rPr lang="de-DE" dirty="0" err="1" smtClean="0"/>
+              <a:t>to</a:t>
+            </a:r>
+            <a:r>
+              <a:rPr lang="de-DE" dirty="0" smtClean="0"/>
+              <a:t> </a:t>
+            </a:r>
+            <a:r>
+              <a:rPr lang="de-DE" dirty="0" err="1" smtClean="0"/>
+              <a:t>place</a:t>
+            </a:r>
+            <a:r>
+              <a:rPr lang="de-DE" dirty="0" smtClean="0"/>
+              <a:t> </a:t>
+            </a:r>
+            <a:r>
+              <a:rPr lang="de-DE" dirty="0" err="1" smtClean="0"/>
+              <a:t>ads</a:t>
+            </a:r>
+            <a:endParaRPr lang="de-DE" dirty="0" smtClean="0"/>
+          </a:p>
+          <a:p>
+            <a:r>
+              <a:rPr lang="de-DE" dirty="0" smtClean="0"/>
+              <a:t>A relaxed Customer </a:t>
+            </a:r>
+            <a:r>
+              <a:rPr lang="de-DE" dirty="0" err="1" smtClean="0"/>
+              <a:t>that</a:t>
+            </a:r>
+            <a:r>
+              <a:rPr lang="de-DE" dirty="0" smtClean="0"/>
+              <a:t> </a:t>
+            </a:r>
+            <a:r>
+              <a:rPr lang="de-DE" dirty="0" err="1" smtClean="0"/>
+              <a:t>enjoys</a:t>
+            </a:r>
+            <a:r>
+              <a:rPr lang="de-DE" dirty="0" smtClean="0"/>
+              <a:t> </a:t>
+            </a:r>
+            <a:r>
+              <a:rPr lang="de-DE" dirty="0" err="1" smtClean="0"/>
+              <a:t>its</a:t>
+            </a:r>
+            <a:r>
+              <a:rPr lang="de-DE" dirty="0" smtClean="0"/>
+              <a:t> </a:t>
+            </a:r>
+            <a:r>
+              <a:rPr lang="de-DE" dirty="0" err="1" smtClean="0"/>
+              <a:t>shopping</a:t>
+            </a:r>
+            <a:r>
+              <a:rPr lang="de-DE" dirty="0" smtClean="0"/>
+              <a:t> </a:t>
+            </a:r>
+            <a:r>
+              <a:rPr lang="de-DE" dirty="0" err="1" smtClean="0"/>
+              <a:t>experience</a:t>
+            </a:r>
+            <a:endParaRPr lang="de-DE" dirty="0"/>
+          </a:p>
+        </p:txBody>
+      </p:sp>
+      <p:sp>
+        <p:nvSpPr>
+          <p:cNvPr id="5" name="Titel 1"/>
+          <p:cNvSpPr txBox="1">
+            <a:spLocks/>
+          </p:cNvSpPr>
+          <p:nvPr/>
+        </p:nvSpPr>
+        <p:spPr>
+          <a:xfrm>
+            <a:off x="2592925" y="1715186"/>
+            <a:ext cx="8911687" cy="1280890"/>
+          </a:xfrm>
+          <a:prstGeom prst="rect">
+            <a:avLst/>
+          </a:prstGeom>
+        </p:spPr>
+        <p:txBody>
+          <a:bodyPr vert="horz" lIns="91440" tIns="45720" rIns="91440" bIns="45720" rtlCol="0" anchor="t">
+            <a:normAutofit/>
+          </a:bodyPr>
+          <a:lstStyle>
+            <a:lvl1pPr algn="l" defTabSz="457200" rtl="0" eaLnBrk="1" latinLnBrk="0" hangingPunct="1">
+              <a:spcBef>
+                <a:spcPct val="0"/>
+              </a:spcBef>
+              <a:buNone/>
+              <a:defRPr sz="3600" kern="1200">
+                <a:solidFill>
+                  <a:schemeClr val="accent2">
+                    <a:lumMod val="75000"/>
+                  </a:schemeClr>
+                </a:solidFill>
+                <a:latin typeface="+mj-lt"/>
+                <a:ea typeface="+mj-ea"/>
+                <a:cs typeface="+mj-cs"/>
+              </a:defRPr>
+            </a:lvl1pPr>
+            <a:lvl2pPr eaLnBrk="1" hangingPunct="1">
+              <a:defRPr>
+                <a:solidFill>
+                  <a:schemeClr val="tx2"/>
+                </a:solidFill>
+              </a:defRPr>
+            </a:lvl2pPr>
+            <a:lvl3pPr eaLnBrk="1" hangingPunct="1">
+              <a:defRPr>
+                <a:solidFill>
+                  <a:schemeClr val="tx2"/>
+                </a:solidFill>
+              </a:defRPr>
+            </a:lvl3pPr>
+            <a:lvl4pPr eaLnBrk="1" hangingPunct="1">
+              <a:defRPr>
+                <a:solidFill>
+                  <a:schemeClr val="tx2"/>
+                </a:solidFill>
+              </a:defRPr>
+            </a:lvl4pPr>
+            <a:lvl5pPr eaLnBrk="1" hangingPunct="1">
+              <a:defRPr>
+                <a:solidFill>
+                  <a:schemeClr val="tx2"/>
+                </a:solidFill>
+              </a:defRPr>
+            </a:lvl5pPr>
+            <a:lvl6pPr eaLnBrk="1" hangingPunct="1">
+              <a:defRPr>
+                <a:solidFill>
+                  <a:schemeClr val="tx2"/>
+                </a:solidFill>
+              </a:defRPr>
+            </a:lvl6pPr>
+            <a:lvl7pPr eaLnBrk="1" hangingPunct="1">
+              <a:defRPr>
+                <a:solidFill>
+                  <a:schemeClr val="tx2"/>
+                </a:solidFill>
+              </a:defRPr>
+            </a:lvl7pPr>
+            <a:lvl8pPr eaLnBrk="1" hangingPunct="1">
+              <a:defRPr>
+                <a:solidFill>
+                  <a:schemeClr val="tx2"/>
+                </a:solidFill>
+              </a:defRPr>
+            </a:lvl8pPr>
+            <a:lvl9pPr eaLnBrk="1" hangingPunct="1">
+              <a:defRPr>
+                <a:solidFill>
+                  <a:schemeClr val="tx2"/>
+                </a:solidFill>
+              </a:defRPr>
+            </a:lvl9pPr>
+          </a:lstStyle>
+          <a:p>
+            <a:r>
+              <a:rPr lang="de-DE" sz="2400" dirty="0" smtClean="0"/>
+              <a:t>..</a:t>
+            </a:r>
+            <a:r>
+              <a:rPr lang="de-DE" sz="2400" dirty="0" err="1" smtClean="0"/>
+              <a:t>to</a:t>
+            </a:r>
+            <a:r>
+              <a:rPr lang="de-DE" sz="2400" dirty="0" smtClean="0"/>
+              <a:t> </a:t>
+            </a:r>
+            <a:r>
+              <a:rPr lang="de-DE" sz="2400" dirty="0" err="1" smtClean="0"/>
+              <a:t>its</a:t>
+            </a:r>
+            <a:r>
+              <a:rPr lang="de-DE" sz="2400" dirty="0" smtClean="0"/>
+              <a:t> </a:t>
+            </a:r>
+            <a:r>
+              <a:rPr lang="de-DE" sz="2400" dirty="0" err="1" smtClean="0"/>
+              <a:t>users</a:t>
+            </a:r>
+            <a:r>
+              <a:rPr lang="de-DE" sz="2400" dirty="0" smtClean="0"/>
+              <a:t>:</a:t>
+            </a:r>
+            <a:endParaRPr lang="de-DE" sz="2400" dirty="0"/>
+          </a:p>
+        </p:txBody>
+      </p:sp>
+      <p:sp>
+        <p:nvSpPr>
+          <p:cNvPr id="6" name="Titel 1"/>
+          <p:cNvSpPr txBox="1">
+            <a:spLocks/>
+          </p:cNvSpPr>
+          <p:nvPr/>
+        </p:nvSpPr>
+        <p:spPr>
+          <a:xfrm>
+            <a:off x="2592925" y="3642395"/>
+            <a:ext cx="8911687" cy="1280890"/>
+          </a:xfrm>
+          <a:prstGeom prst="rect">
+            <a:avLst/>
+          </a:prstGeom>
+        </p:spPr>
+        <p:txBody>
+          <a:bodyPr vert="horz" lIns="91440" tIns="45720" rIns="91440" bIns="45720" rtlCol="0" anchor="t">
+            <a:normAutofit/>
+          </a:bodyPr>
+          <a:lstStyle>
+            <a:lvl1pPr algn="l" defTabSz="457200" rtl="0" eaLnBrk="1" latinLnBrk="0" hangingPunct="1">
+              <a:spcBef>
+                <a:spcPct val="0"/>
+              </a:spcBef>
+              <a:buNone/>
+              <a:defRPr sz="3600" kern="1200">
+                <a:solidFill>
+                  <a:schemeClr val="accent2">
+                    <a:lumMod val="75000"/>
+                  </a:schemeClr>
+                </a:solidFill>
+                <a:latin typeface="+mj-lt"/>
+                <a:ea typeface="+mj-ea"/>
+                <a:cs typeface="+mj-cs"/>
+              </a:defRPr>
+            </a:lvl1pPr>
+            <a:lvl2pPr eaLnBrk="1" hangingPunct="1">
+              <a:defRPr>
+                <a:solidFill>
+                  <a:schemeClr val="tx2"/>
+                </a:solidFill>
+              </a:defRPr>
+            </a:lvl2pPr>
+            <a:lvl3pPr eaLnBrk="1" hangingPunct="1">
+              <a:defRPr>
+                <a:solidFill>
+                  <a:schemeClr val="tx2"/>
+                </a:solidFill>
+              </a:defRPr>
+            </a:lvl3pPr>
+            <a:lvl4pPr eaLnBrk="1" hangingPunct="1">
+              <a:defRPr>
+                <a:solidFill>
+                  <a:schemeClr val="tx2"/>
+                </a:solidFill>
+              </a:defRPr>
+            </a:lvl4pPr>
+            <a:lvl5pPr eaLnBrk="1" hangingPunct="1">
+              <a:defRPr>
+                <a:solidFill>
+                  <a:schemeClr val="tx2"/>
+                </a:solidFill>
+              </a:defRPr>
+            </a:lvl5pPr>
+            <a:lvl6pPr eaLnBrk="1" hangingPunct="1">
+              <a:defRPr>
+                <a:solidFill>
+                  <a:schemeClr val="tx2"/>
+                </a:solidFill>
+              </a:defRPr>
+            </a:lvl6pPr>
+            <a:lvl7pPr eaLnBrk="1" hangingPunct="1">
+              <a:defRPr>
+                <a:solidFill>
+                  <a:schemeClr val="tx2"/>
+                </a:solidFill>
+              </a:defRPr>
+            </a:lvl7pPr>
+            <a:lvl8pPr eaLnBrk="1" hangingPunct="1">
+              <a:defRPr>
+                <a:solidFill>
+                  <a:schemeClr val="tx2"/>
+                </a:solidFill>
+              </a:defRPr>
+            </a:lvl8pPr>
+            <a:lvl9pPr eaLnBrk="1" hangingPunct="1">
+              <a:defRPr>
+                <a:solidFill>
+                  <a:schemeClr val="tx2"/>
+                </a:solidFill>
+              </a:defRPr>
+            </a:lvl9pPr>
+          </a:lstStyle>
+          <a:p>
+            <a:r>
+              <a:rPr lang="de-DE" sz="2400" dirty="0" smtClean="0"/>
+              <a:t>..</a:t>
+            </a:r>
+            <a:r>
+              <a:rPr lang="de-DE" sz="2400" dirty="0" err="1" smtClean="0"/>
+              <a:t>to</a:t>
+            </a:r>
+            <a:r>
+              <a:rPr lang="de-DE" sz="2400" dirty="0" smtClean="0"/>
+              <a:t> </a:t>
+            </a:r>
+            <a:r>
+              <a:rPr lang="de-DE" sz="2400" dirty="0" err="1" smtClean="0"/>
+              <a:t>the</a:t>
+            </a:r>
+            <a:r>
+              <a:rPr lang="de-DE" sz="2400" dirty="0" smtClean="0"/>
+              <a:t> </a:t>
+            </a:r>
+            <a:r>
+              <a:rPr lang="de-DE" sz="2400" dirty="0" err="1" smtClean="0"/>
+              <a:t>supermarkets</a:t>
+            </a:r>
+            <a:r>
+              <a:rPr lang="de-DE" sz="2400" dirty="0" smtClean="0"/>
+              <a:t>:</a:t>
+            </a:r>
+            <a:endParaRPr lang="de-DE" sz="2400" dirty="0"/>
+          </a:p>
+        </p:txBody>
+      </p:sp>
+    </p:spTree>
+    <p:extLst>
+      <p:ext uri="{BB962C8B-B14F-4D97-AF65-F5344CB8AC3E}">
+        <p14:creationId xmlns:p14="http://schemas.microsoft.com/office/powerpoint/2010/main" val="3396145245"/>
+      </p:ext>
+    </p:extLst>
+  </p:cSld>
+  <p:clrMapOvr>
+    <a:masterClrMapping/>
+  </p:clrMapOvr>
+  <p:timing>
+    <p:tnLst>
+      <p:par>
+        <p:cTn id="1" dur="indefinite" restart="never" nodeType="tmRoot"/>
+      </p:par>
+    </p:tnLst>
+  </p:timing>
+</p:sld>
+</file>
+
+<file path=ppt/slides/slide5.xml><?xml version="1.0" encoding="utf-8"?>
+<p:sld xmlns:a="http://schemas.openxmlformats.org/drawingml/2006/main" xmlns:r="http://schemas.openxmlformats.org/officeDocument/2006/relationships" xmlns:p="http://schemas.openxmlformats.org/presentationml/2006/main">
+  <p:cSld>
+    <p:spTree>
+      <p:nvGrpSpPr>
+        <p:cNvPr id="1" name=""/>
+        <p:cNvGrpSpPr/>
+        <p:nvPr/>
+      </p:nvGrpSpPr>
+      <p:grpSpPr>
+        <a:xfrm>
+          <a:off x="0" y="0"/>
+          <a:ext cx="0" cy="0"/>
+          <a:chOff x="0" y="0"/>
+          <a:chExt cx="0" cy="0"/>
+        </a:xfrm>
+      </p:grpSpPr>
+      <p:sp>
+        <p:nvSpPr>
+          <p:cNvPr id="2" name="Titel 1"/>
+          <p:cNvSpPr>
+            <a:spLocks noGrp="1"/>
+          </p:cNvSpPr>
+          <p:nvPr>
+            <p:ph type="title"/>
+          </p:nvPr>
+        </p:nvSpPr>
+        <p:spPr/>
+        <p:txBody>
+          <a:bodyPr>
+            <a:normAutofit/>
+          </a:bodyPr>
+          <a:lstStyle/>
+          <a:p>
+            <a:r>
+              <a:rPr lang="de-DE" dirty="0" err="1" smtClean="0"/>
+              <a:t>SmartCart</a:t>
+            </a:r>
+            <a:r>
+              <a:rPr lang="de-DE" dirty="0" smtClean="0"/>
+              <a:t> – Technical </a:t>
+            </a:r>
+            <a:r>
+              <a:rPr lang="de-DE" dirty="0" err="1" smtClean="0"/>
+              <a:t>Overview</a:t>
+            </a:r>
+            <a:r>
+              <a:rPr lang="de-DE" dirty="0" smtClean="0"/>
+              <a:t/>
+            </a:r>
+            <a:br>
+              <a:rPr lang="de-DE" dirty="0" smtClean="0"/>
+            </a:br>
+            <a:r>
+              <a:rPr lang="de-DE" sz="1200" dirty="0" smtClean="0"/>
+              <a:t> </a:t>
+            </a:r>
+            <a:r>
+              <a:rPr lang="de-DE" dirty="0" smtClean="0"/>
+              <a:t/>
+            </a:r>
+            <a:br>
+              <a:rPr lang="de-DE" dirty="0" smtClean="0"/>
+            </a:br>
+            <a:r>
+              <a:rPr lang="de-DE" sz="2400" dirty="0" err="1" smtClean="0"/>
+              <a:t>Use</a:t>
+            </a:r>
+            <a:r>
+              <a:rPr lang="de-DE" sz="2400" dirty="0" smtClean="0"/>
+              <a:t> Cases</a:t>
+            </a:r>
+            <a:endParaRPr lang="de-DE" sz="2400" dirty="0"/>
+          </a:p>
+        </p:txBody>
+      </p:sp>
+      <p:pic>
+        <p:nvPicPr>
+          <p:cNvPr id="6" name="Inhaltsplatzhalter 5"/>
+          <p:cNvPicPr>
+            <a:picLocks noGrp="1" noChangeAspect="1"/>
+          </p:cNvPicPr>
+          <p:nvPr>
+            <p:ph idx="1"/>
+          </p:nvPr>
+        </p:nvPicPr>
+        <p:blipFill>
+          <a:blip r:embed="rId2">
+            <a:extLst>
+              <a:ext uri="{28A0092B-C50C-407E-A947-70E740481C1C}">
+                <a14:useLocalDpi xmlns:a14="http://schemas.microsoft.com/office/drawing/2010/main" val="0"/>
+              </a:ext>
+            </a:extLst>
+          </a:blip>
+          <a:stretch>
+            <a:fillRect/>
+          </a:stretch>
+        </p:blipFill>
+        <p:spPr>
+          <a:xfrm>
+            <a:off x="2592925" y="1905000"/>
+            <a:ext cx="7702542" cy="4441106"/>
+          </a:xfrm>
+        </p:spPr>
+      </p:pic>
+    </p:spTree>
+    <p:extLst>
+      <p:ext uri="{BB962C8B-B14F-4D97-AF65-F5344CB8AC3E}">
+        <p14:creationId xmlns:p14="http://schemas.microsoft.com/office/powerpoint/2010/main" val="1673357727"/>
+      </p:ext>
+    </p:extLst>
+  </p:cSld>
+  <p:clrMapOvr>
+    <a:masterClrMapping/>
+  </p:clrMapOvr>
+  <p:timing>
+    <p:tnLst>
+      <p:par>
+        <p:cTn id="1" dur="indefinite" restart="never" nodeType="tmRoot"/>
+      </p:par>
+    </p:tnLst>
+  </p:timing>
+</p:sld>
+</file>
+
+<file path=ppt/slides/slide6.xml><?xml version="1.0" encoding="utf-8"?>
+<p:sld xmlns:a="http://schemas.openxmlformats.org/drawingml/2006/main" xmlns:r="http://schemas.openxmlformats.org/officeDocument/2006/relationships" xmlns:p="http://schemas.openxmlformats.org/presentationml/2006/main">
+  <p:cSld>
+    <p:spTree>
+      <p:nvGrpSpPr>
+        <p:cNvPr id="1" name=""/>
+        <p:cNvGrpSpPr/>
+        <p:nvPr/>
+      </p:nvGrpSpPr>
+      <p:grpSpPr>
+        <a:xfrm>
+          <a:off x="0" y="0"/>
+          <a:ext cx="0" cy="0"/>
+          <a:chOff x="0" y="0"/>
+          <a:chExt cx="0" cy="0"/>
+        </a:xfrm>
+      </p:grpSpPr>
+      <p:sp>
+        <p:nvSpPr>
+          <p:cNvPr id="2" name="Titel 1"/>
+          <p:cNvSpPr>
+            <a:spLocks noGrp="1"/>
+          </p:cNvSpPr>
+          <p:nvPr>
+            <p:ph type="title"/>
+          </p:nvPr>
+        </p:nvSpPr>
+        <p:spPr/>
+        <p:txBody>
+          <a:bodyPr>
+            <a:normAutofit/>
+          </a:bodyPr>
+          <a:lstStyle/>
+          <a:p>
+            <a:r>
+              <a:rPr lang="de-DE" dirty="0" err="1" smtClean="0"/>
+              <a:t>SmartCart</a:t>
+            </a:r>
+            <a:r>
+              <a:rPr lang="de-DE" dirty="0" smtClean="0"/>
+              <a:t> – Technical </a:t>
+            </a:r>
+            <a:r>
+              <a:rPr lang="de-DE" dirty="0" err="1" smtClean="0"/>
+              <a:t>Overview</a:t>
+            </a:r>
+            <a:r>
+              <a:rPr lang="de-DE" dirty="0" smtClean="0"/>
+              <a:t/>
+            </a:r>
+            <a:br>
+              <a:rPr lang="de-DE" dirty="0" smtClean="0"/>
+            </a:br>
+            <a:r>
+              <a:rPr lang="de-DE" sz="1200" dirty="0" smtClean="0"/>
+              <a:t> </a:t>
+            </a:r>
+            <a:r>
+              <a:rPr lang="de-DE" dirty="0" smtClean="0"/>
+              <a:t/>
+            </a:r>
+            <a:br>
+              <a:rPr lang="de-DE" dirty="0" smtClean="0"/>
+            </a:br>
+            <a:r>
+              <a:rPr lang="de-DE" sz="2400" dirty="0" smtClean="0"/>
+              <a:t>State </a:t>
+            </a:r>
+            <a:r>
+              <a:rPr lang="de-DE" sz="2400" dirty="0" err="1" smtClean="0"/>
+              <a:t>Machine</a:t>
+            </a:r>
+            <a:endParaRPr lang="de-DE" sz="2400" dirty="0"/>
+          </a:p>
+        </p:txBody>
+      </p:sp>
+      <p:pic>
+        <p:nvPicPr>
+          <p:cNvPr id="7" name="Inhaltsplatzhalter 6"/>
+          <p:cNvPicPr>
+            <a:picLocks noGrp="1" noChangeAspect="1"/>
+          </p:cNvPicPr>
+          <p:nvPr>
+            <p:ph idx="1"/>
+          </p:nvPr>
+        </p:nvPicPr>
+        <p:blipFill>
+          <a:blip r:embed="rId2">
+            <a:extLst>
+              <a:ext uri="{28A0092B-C50C-407E-A947-70E740481C1C}">
+                <a14:useLocalDpi xmlns:a14="http://schemas.microsoft.com/office/drawing/2010/main" val="0"/>
+              </a:ext>
+            </a:extLst>
+          </a:blip>
+          <a:stretch>
+            <a:fillRect/>
+          </a:stretch>
+        </p:blipFill>
+        <p:spPr>
+          <a:xfrm>
+            <a:off x="3273834" y="1374469"/>
+            <a:ext cx="7383656" cy="4882741"/>
+          </a:xfrm>
+        </p:spPr>
+      </p:pic>
+    </p:spTree>
+    <p:extLst>
+      <p:ext uri="{BB962C8B-B14F-4D97-AF65-F5344CB8AC3E}">
+        <p14:creationId xmlns:p14="http://schemas.microsoft.com/office/powerpoint/2010/main" val="1573519310"/>
+      </p:ext>
+    </p:extLst>
+  </p:cSld>
+  <p:clrMapOvr>
+    <a:masterClrMapping/>
+  </p:clrMapOvr>
+  <p:timing>
+    <p:tnLst>
+      <p:par>
+        <p:cTn id="1" dur="indefinite" restart="never" nodeType="tmRoot"/>
+      </p:par>
+    </p:tnLst>
+  </p:timing>
+</p:sld>
+</file>
+
 <file path=ppt/slides/slide7.xml><?xml version="1.0" encoding="utf-8"?>
 <p:sld xmlns:a="http://schemas.openxmlformats.org/drawingml/2006/main" xmlns:r="http://schemas.openxmlformats.org/officeDocument/2006/relationships" xmlns:p="http://schemas.openxmlformats.org/presentationml/2006/main">
   <p:cSld>
@@ -8807,142 +10895,589 @@
           <a:lstStyle/>
           <a:p>
             <a:r>
-              <a:rPr lang="de-DE" dirty="0" err="1" smtClean="0"/>
+              <a:rPr lang="de-DE" dirty="0" err="1"/>
               <a:t>SmartCart</a:t>
             </a:r>
             <a:r>
-              <a:rPr lang="de-DE" dirty="0" smtClean="0"/>
-              <a:t> – Business Model</a:t>
+              <a:rPr lang="de-DE" dirty="0"/>
+              <a:t> – Technical </a:t>
+            </a:r>
+            <a:r>
+              <a:rPr lang="de-DE" dirty="0" err="1"/>
+              <a:t>Overview</a:t>
+            </a:r>
+            <a:r>
+              <a:rPr lang="de-DE" dirty="0"/>
+              <a:t/>
+            </a:r>
+            <a:br>
+              <a:rPr lang="de-DE" dirty="0"/>
+            </a:br>
+            <a:r>
+              <a:rPr lang="de-DE" sz="1200" dirty="0"/>
+              <a:t> </a:t>
+            </a:r>
+            <a:r>
+              <a:rPr lang="de-DE" dirty="0"/>
+              <a:t/>
+            </a:r>
+            <a:br>
+              <a:rPr lang="de-DE" dirty="0"/>
+            </a:br>
+            <a:r>
+              <a:rPr lang="de-DE" sz="2400" dirty="0" smtClean="0"/>
+              <a:t>Data Model</a:t>
             </a:r>
             <a:endParaRPr lang="de-DE" dirty="0"/>
           </a:p>
         </p:txBody>
       </p:sp>
-      <p:sp>
-        <p:nvSpPr>
-          <p:cNvPr id="3" name="Inhaltsplatzhalter 2"/>
-          <p:cNvSpPr>
-            <a:spLocks noGrp="1"/>
-          </p:cNvSpPr>
+      <p:graphicFrame>
+        <p:nvGraphicFramePr>
+          <p:cNvPr id="4" name="Tabelle 3"/>
+          <p:cNvGraphicFramePr>
+            <a:graphicFrameLocks noGrp="1"/>
+          </p:cNvGraphicFramePr>
           <p:nvPr>
-            <p:ph idx="1"/>
+            <p:extLst>
+              <p:ext uri="{D42A27DB-BD31-4B8C-83A1-F6EECF244321}">
+                <p14:modId xmlns:p14="http://schemas.microsoft.com/office/powerpoint/2010/main" val="915778925"/>
+              </p:ext>
+            </p:extLst>
           </p:nvPr>
-        </p:nvSpPr>
-        <p:spPr/>
-        <p:txBody>
-          <a:bodyPr/>
-          <a:lstStyle/>
-          <a:p>
-            <a:r>
-              <a:rPr lang="de-DE" dirty="0" err="1" smtClean="0"/>
-              <a:t>Two</a:t>
-            </a:r>
-            <a:r>
-              <a:rPr lang="de-DE" dirty="0" smtClean="0"/>
-              <a:t> </a:t>
-            </a:r>
-            <a:r>
-              <a:rPr lang="de-DE" dirty="0" err="1" smtClean="0"/>
-              <a:t>main</a:t>
-            </a:r>
-            <a:r>
-              <a:rPr lang="de-DE" dirty="0" smtClean="0"/>
-              <a:t> </a:t>
-            </a:r>
-            <a:r>
-              <a:rPr lang="de-DE" dirty="0" err="1" smtClean="0"/>
-              <a:t>Phases</a:t>
-            </a:r>
-            <a:r>
-              <a:rPr lang="de-DE" dirty="0" smtClean="0"/>
-              <a:t>:</a:t>
-            </a:r>
-          </a:p>
-          <a:p>
-            <a:pPr lvl="1"/>
-            <a:r>
-              <a:rPr lang="de-DE" dirty="0" smtClean="0"/>
-              <a:t>Penetration </a:t>
-            </a:r>
-            <a:r>
-              <a:rPr lang="de-DE" dirty="0" err="1" smtClean="0"/>
-              <a:t>of</a:t>
-            </a:r>
-            <a:r>
-              <a:rPr lang="de-DE" dirty="0" smtClean="0"/>
-              <a:t> </a:t>
-            </a:r>
-            <a:r>
-              <a:rPr lang="de-DE" dirty="0" err="1" smtClean="0"/>
-              <a:t>the</a:t>
-            </a:r>
-            <a:r>
-              <a:rPr lang="de-DE" dirty="0" smtClean="0"/>
-              <a:t> </a:t>
-            </a:r>
-            <a:r>
-              <a:rPr lang="de-DE" dirty="0" err="1" smtClean="0"/>
-              <a:t>market</a:t>
-            </a:r>
-            <a:endParaRPr lang="de-DE" dirty="0" smtClean="0"/>
-          </a:p>
-          <a:p>
-            <a:pPr lvl="1"/>
-            <a:r>
-              <a:rPr lang="de-DE" dirty="0" err="1" smtClean="0"/>
-              <a:t>Earning</a:t>
-            </a:r>
-            <a:r>
-              <a:rPr lang="de-DE" dirty="0" smtClean="0"/>
-              <a:t> Money</a:t>
-            </a:r>
-            <a:endParaRPr lang="de-DE" dirty="0"/>
-          </a:p>
-        </p:txBody>
-      </p:sp>
-      <p:sp>
-        <p:nvSpPr>
-          <p:cNvPr id="4" name="AutoShape 2" descr="Image result for Marktentwicklung"/>
-          <p:cNvSpPr>
-            <a:spLocks noChangeAspect="1" noChangeArrowheads="1"/>
-          </p:cNvSpPr>
+        </p:nvGraphicFramePr>
+        <p:xfrm>
+          <a:off x="2592925" y="1933904"/>
+          <a:ext cx="2566933" cy="2953406"/>
+        </p:xfrm>
+        <a:graphic>
+          <a:graphicData uri="http://schemas.openxmlformats.org/drawingml/2006/table">
+            <a:tbl>
+              <a:tblPr>
+                <a:tableStyleId>{5C22544A-7EE6-4342-B048-85BDC9FD1C3A}</a:tableStyleId>
+              </a:tblPr>
+              <a:tblGrid>
+                <a:gridCol w="2566933"/>
+              </a:tblGrid>
+              <a:tr h="429236">
+                <a:tc>
+                  <a:txBody>
+                    <a:bodyPr/>
+                    <a:lstStyle/>
+                    <a:p>
+                      <a:pPr algn="ctr" fontAlgn="b"/>
+                      <a:r>
+                        <a:rPr lang="de-DE" sz="1800" u="none" strike="noStrike" dirty="0">
+                          <a:effectLst/>
+                        </a:rPr>
+                        <a:t>Initial </a:t>
+                      </a:r>
+                      <a:r>
+                        <a:rPr lang="de-DE" sz="1800" u="none" strike="noStrike" dirty="0" smtClean="0">
+                          <a:effectLst/>
+                        </a:rPr>
+                        <a:t>Shopping List</a:t>
+                      </a:r>
+                      <a:endParaRPr lang="de-DE" sz="1800" b="1" i="0" u="none" strike="noStrike" dirty="0">
+                        <a:solidFill>
+                          <a:srgbClr val="000000"/>
+                        </a:solidFill>
+                        <a:effectLst/>
+                        <a:latin typeface="Calibri" panose="020F0502020204030204" pitchFamily="34" charset="0"/>
+                      </a:endParaRPr>
+                    </a:p>
+                  </a:txBody>
+                  <a:tcPr marL="9525" marR="9525" marT="9525" marB="0" anchor="b">
+                    <a:solidFill>
+                      <a:schemeClr val="accent2">
+                        <a:lumMod val="40000"/>
+                        <a:lumOff val="60000"/>
+                      </a:schemeClr>
+                    </a:solidFill>
+                  </a:tcPr>
+                </a:tc>
+              </a:tr>
+              <a:tr h="420695">
+                <a:tc>
+                  <a:txBody>
+                    <a:bodyPr/>
+                    <a:lstStyle/>
+                    <a:p>
+                      <a:pPr algn="ctr" fontAlgn="b"/>
+                      <a:r>
+                        <a:rPr lang="de-DE" sz="1800" u="none" strike="noStrike" dirty="0">
+                          <a:effectLst/>
+                        </a:rPr>
+                        <a:t>Apples</a:t>
+                      </a:r>
+                      <a:endParaRPr lang="de-DE" sz="1800" b="0" i="0" u="none" strike="noStrike" dirty="0">
+                        <a:solidFill>
+                          <a:srgbClr val="000000"/>
+                        </a:solidFill>
+                        <a:effectLst/>
+                        <a:latin typeface="Calibri" panose="020F0502020204030204" pitchFamily="34" charset="0"/>
+                      </a:endParaRPr>
+                    </a:p>
+                  </a:txBody>
+                  <a:tcPr marL="9525" marR="9525" marT="9525" marB="0" anchor="b"/>
+                </a:tc>
+              </a:tr>
+              <a:tr h="420695">
+                <a:tc>
+                  <a:txBody>
+                    <a:bodyPr/>
+                    <a:lstStyle/>
+                    <a:p>
+                      <a:pPr algn="ctr" fontAlgn="b"/>
+                      <a:r>
+                        <a:rPr lang="de-DE" sz="1800" u="none" strike="noStrike" dirty="0" err="1">
+                          <a:effectLst/>
+                        </a:rPr>
+                        <a:t>Boiled</a:t>
+                      </a:r>
+                      <a:r>
+                        <a:rPr lang="de-DE" sz="1800" u="none" strike="noStrike" dirty="0">
+                          <a:effectLst/>
+                        </a:rPr>
+                        <a:t> </a:t>
+                      </a:r>
+                      <a:r>
+                        <a:rPr lang="de-DE" sz="1800" u="none" strike="noStrike" dirty="0" err="1">
+                          <a:effectLst/>
+                        </a:rPr>
+                        <a:t>Ham</a:t>
+                      </a:r>
+                      <a:endParaRPr lang="de-DE" sz="1800" b="0" i="0" u="none" strike="noStrike" dirty="0">
+                        <a:solidFill>
+                          <a:srgbClr val="000000"/>
+                        </a:solidFill>
+                        <a:effectLst/>
+                        <a:latin typeface="Calibri" panose="020F0502020204030204" pitchFamily="34" charset="0"/>
+                      </a:endParaRPr>
+                    </a:p>
+                  </a:txBody>
+                  <a:tcPr marL="9525" marR="9525" marT="9525" marB="0" anchor="b"/>
+                </a:tc>
+              </a:tr>
+              <a:tr h="420695">
+                <a:tc>
+                  <a:txBody>
+                    <a:bodyPr/>
+                    <a:lstStyle/>
+                    <a:p>
+                      <a:pPr algn="ctr" fontAlgn="b"/>
+                      <a:r>
+                        <a:rPr lang="de-DE" sz="1800" u="none" strike="noStrike" dirty="0" err="1">
+                          <a:effectLst/>
+                        </a:rPr>
+                        <a:t>Cheddar</a:t>
+                      </a:r>
+                      <a:endParaRPr lang="de-DE" sz="1800" b="0" i="0" u="none" strike="noStrike" dirty="0">
+                        <a:solidFill>
+                          <a:srgbClr val="000000"/>
+                        </a:solidFill>
+                        <a:effectLst/>
+                        <a:latin typeface="Calibri" panose="020F0502020204030204" pitchFamily="34" charset="0"/>
+                      </a:endParaRPr>
+                    </a:p>
+                  </a:txBody>
+                  <a:tcPr marL="9525" marR="9525" marT="9525" marB="0" anchor="b"/>
+                </a:tc>
+              </a:tr>
+              <a:tr h="420695">
+                <a:tc>
+                  <a:txBody>
+                    <a:bodyPr/>
+                    <a:lstStyle/>
+                    <a:p>
+                      <a:pPr algn="ctr" fontAlgn="b"/>
+                      <a:r>
+                        <a:rPr lang="de-DE" sz="1800" u="none" strike="noStrike" dirty="0" err="1">
+                          <a:effectLst/>
+                        </a:rPr>
+                        <a:t>Washing</a:t>
+                      </a:r>
+                      <a:r>
+                        <a:rPr lang="de-DE" sz="1800" u="none" strike="noStrike" dirty="0">
+                          <a:effectLst/>
+                        </a:rPr>
+                        <a:t> </a:t>
+                      </a:r>
+                      <a:r>
+                        <a:rPr lang="de-DE" sz="1800" u="none" strike="noStrike" dirty="0" err="1" smtClean="0">
+                          <a:effectLst/>
+                        </a:rPr>
+                        <a:t>Powder</a:t>
+                      </a:r>
+                      <a:endParaRPr lang="de-DE" sz="1800" b="0" i="0" u="none" strike="noStrike" dirty="0">
+                        <a:solidFill>
+                          <a:srgbClr val="000000"/>
+                        </a:solidFill>
+                        <a:effectLst/>
+                        <a:latin typeface="Calibri" panose="020F0502020204030204" pitchFamily="34" charset="0"/>
+                      </a:endParaRPr>
+                    </a:p>
+                  </a:txBody>
+                  <a:tcPr marL="9525" marR="9525" marT="9525" marB="0" anchor="b"/>
+                </a:tc>
+              </a:tr>
+              <a:tr h="420695">
+                <a:tc>
+                  <a:txBody>
+                    <a:bodyPr/>
+                    <a:lstStyle/>
+                    <a:p>
+                      <a:pPr algn="ctr" fontAlgn="b"/>
+                      <a:r>
+                        <a:rPr lang="de-DE" sz="1800" u="none" strike="noStrike" dirty="0" err="1">
+                          <a:effectLst/>
+                        </a:rPr>
+                        <a:t>Plums</a:t>
+                      </a:r>
+                      <a:endParaRPr lang="de-DE" sz="1800" b="0" i="0" u="none" strike="noStrike" dirty="0">
+                        <a:solidFill>
+                          <a:srgbClr val="000000"/>
+                        </a:solidFill>
+                        <a:effectLst/>
+                        <a:latin typeface="Calibri" panose="020F0502020204030204" pitchFamily="34" charset="0"/>
+                      </a:endParaRPr>
+                    </a:p>
+                  </a:txBody>
+                  <a:tcPr marL="9525" marR="9525" marT="9525" marB="0" anchor="b"/>
+                </a:tc>
+              </a:tr>
+              <a:tr h="420695">
+                <a:tc>
+                  <a:txBody>
+                    <a:bodyPr/>
+                    <a:lstStyle/>
+                    <a:p>
+                      <a:pPr algn="ctr" fontAlgn="b"/>
+                      <a:r>
+                        <a:rPr lang="de-DE" sz="1800" u="none" strike="noStrike" dirty="0">
+                          <a:effectLst/>
+                        </a:rPr>
+                        <a:t>Pizza - 2 </a:t>
+                      </a:r>
+                      <a:r>
+                        <a:rPr lang="de-DE" sz="1800" u="none" strike="noStrike" dirty="0" err="1">
+                          <a:effectLst/>
+                        </a:rPr>
+                        <a:t>pcs</a:t>
+                      </a:r>
+                      <a:endParaRPr lang="de-DE" sz="1800" b="0" i="0" u="none" strike="noStrike" dirty="0">
+                        <a:solidFill>
+                          <a:srgbClr val="000000"/>
+                        </a:solidFill>
+                        <a:effectLst/>
+                        <a:latin typeface="Calibri" panose="020F0502020204030204" pitchFamily="34" charset="0"/>
+                      </a:endParaRPr>
+                    </a:p>
+                  </a:txBody>
+                  <a:tcPr marL="9525" marR="9525" marT="9525" marB="0" anchor="b"/>
+                </a:tc>
+              </a:tr>
+            </a:tbl>
+          </a:graphicData>
+        </a:graphic>
+      </p:graphicFrame>
+      <p:graphicFrame>
+        <p:nvGraphicFramePr>
+          <p:cNvPr id="6" name="Tabelle 5"/>
+          <p:cNvGraphicFramePr>
+            <a:graphicFrameLocks noGrp="1"/>
+          </p:cNvGraphicFramePr>
+          <p:nvPr>
+            <p:extLst>
+              <p:ext uri="{D42A27DB-BD31-4B8C-83A1-F6EECF244321}">
+                <p14:modId xmlns:p14="http://schemas.microsoft.com/office/powerpoint/2010/main" val="2847461865"/>
+              </p:ext>
+            </p:extLst>
+          </p:nvPr>
+        </p:nvGraphicFramePr>
+        <p:xfrm>
+          <a:off x="6964685" y="1933904"/>
+          <a:ext cx="2566933" cy="2953406"/>
+        </p:xfrm>
+        <a:graphic>
+          <a:graphicData uri="http://schemas.openxmlformats.org/drawingml/2006/table">
+            <a:tbl>
+              <a:tblPr>
+                <a:tableStyleId>{5C22544A-7EE6-4342-B048-85BDC9FD1C3A}</a:tableStyleId>
+              </a:tblPr>
+              <a:tblGrid>
+                <a:gridCol w="2566933"/>
+              </a:tblGrid>
+              <a:tr h="429236">
+                <a:tc>
+                  <a:txBody>
+                    <a:bodyPr/>
+                    <a:lstStyle/>
+                    <a:p>
+                      <a:pPr algn="ctr" fontAlgn="b"/>
+                      <a:r>
+                        <a:rPr lang="de-DE" sz="1800" u="none" strike="noStrike" dirty="0">
+                          <a:effectLst/>
+                        </a:rPr>
+                        <a:t>Initial </a:t>
+                      </a:r>
+                      <a:r>
+                        <a:rPr lang="de-DE" sz="1800" u="none" strike="noStrike" dirty="0" smtClean="0">
+                          <a:effectLst/>
+                        </a:rPr>
+                        <a:t>Shopping List</a:t>
+                      </a:r>
+                      <a:endParaRPr lang="de-DE" sz="1800" b="1" i="0" u="none" strike="noStrike" dirty="0">
+                        <a:solidFill>
+                          <a:srgbClr val="000000"/>
+                        </a:solidFill>
+                        <a:effectLst/>
+                        <a:latin typeface="Calibri" panose="020F0502020204030204" pitchFamily="34" charset="0"/>
+                      </a:endParaRPr>
+                    </a:p>
+                  </a:txBody>
+                  <a:tcPr marL="9525" marR="9525" marT="9525" marB="0" anchor="b">
+                    <a:solidFill>
+                      <a:schemeClr val="accent2">
+                        <a:lumMod val="40000"/>
+                        <a:lumOff val="60000"/>
+                      </a:schemeClr>
+                    </a:solidFill>
+                  </a:tcPr>
+                </a:tc>
+              </a:tr>
+              <a:tr h="420695">
+                <a:tc>
+                  <a:txBody>
+                    <a:bodyPr/>
+                    <a:lstStyle/>
+                    <a:p>
+                      <a:pPr algn="ctr" fontAlgn="b"/>
+                      <a:r>
+                        <a:rPr lang="de-DE" sz="1800" u="none" strike="noStrike" dirty="0">
+                          <a:effectLst/>
+                        </a:rPr>
+                        <a:t>Apples</a:t>
+                      </a:r>
+                      <a:endParaRPr lang="de-DE" sz="1800" b="0" i="0" u="none" strike="noStrike" dirty="0">
+                        <a:solidFill>
+                          <a:srgbClr val="000000"/>
+                        </a:solidFill>
+                        <a:effectLst/>
+                        <a:latin typeface="Calibri" panose="020F0502020204030204" pitchFamily="34" charset="0"/>
+                      </a:endParaRPr>
+                    </a:p>
+                  </a:txBody>
+                  <a:tcPr marL="9525" marR="9525" marT="9525" marB="0" anchor="b"/>
+                </a:tc>
+              </a:tr>
+              <a:tr h="420695">
+                <a:tc>
+                  <a:txBody>
+                    <a:bodyPr/>
+                    <a:lstStyle/>
+                    <a:p>
+                      <a:pPr algn="ctr" fontAlgn="b"/>
+                      <a:r>
+                        <a:rPr lang="de-DE" sz="1800" u="none" strike="noStrike" dirty="0" err="1" smtClean="0">
+                          <a:effectLst/>
+                        </a:rPr>
+                        <a:t>Plums</a:t>
+                      </a:r>
+                      <a:endParaRPr lang="de-DE" sz="1800" b="0" i="0" u="none" strike="noStrike" dirty="0">
+                        <a:solidFill>
+                          <a:srgbClr val="000000"/>
+                        </a:solidFill>
+                        <a:effectLst/>
+                        <a:latin typeface="Calibri" panose="020F0502020204030204" pitchFamily="34" charset="0"/>
+                      </a:endParaRPr>
+                    </a:p>
+                  </a:txBody>
+                  <a:tcPr marL="9525" marR="9525" marT="9525" marB="0" anchor="b"/>
+                </a:tc>
+              </a:tr>
+              <a:tr h="420695">
+                <a:tc>
+                  <a:txBody>
+                    <a:bodyPr/>
+                    <a:lstStyle/>
+                    <a:p>
+                      <a:pPr algn="ctr" fontAlgn="b"/>
+                      <a:r>
+                        <a:rPr lang="de-DE" sz="1800" u="none" strike="noStrike" dirty="0" err="1">
+                          <a:effectLst/>
+                        </a:rPr>
+                        <a:t>Cheddar</a:t>
+                      </a:r>
+                      <a:endParaRPr lang="de-DE" sz="1800" b="0" i="0" u="none" strike="noStrike" dirty="0">
+                        <a:solidFill>
+                          <a:srgbClr val="000000"/>
+                        </a:solidFill>
+                        <a:effectLst/>
+                        <a:latin typeface="Calibri" panose="020F0502020204030204" pitchFamily="34" charset="0"/>
+                      </a:endParaRPr>
+                    </a:p>
+                  </a:txBody>
+                  <a:tcPr marL="9525" marR="9525" marT="9525" marB="0" anchor="b"/>
+                </a:tc>
+              </a:tr>
+              <a:tr h="420695">
+                <a:tc>
+                  <a:txBody>
+                    <a:bodyPr/>
+                    <a:lstStyle/>
+                    <a:p>
+                      <a:pPr algn="ctr" fontAlgn="b"/>
+                      <a:r>
+                        <a:rPr lang="de-DE" sz="1800" u="none" strike="noStrike" dirty="0" err="1" smtClean="0">
+                          <a:effectLst/>
+                        </a:rPr>
+                        <a:t>Boiled</a:t>
+                      </a:r>
+                      <a:r>
+                        <a:rPr lang="de-DE" sz="1800" u="none" strike="noStrike" dirty="0" smtClean="0">
+                          <a:effectLst/>
+                        </a:rPr>
+                        <a:t> </a:t>
+                      </a:r>
+                      <a:r>
+                        <a:rPr lang="de-DE" sz="1800" u="none" strike="noStrike" dirty="0" err="1" smtClean="0">
+                          <a:effectLst/>
+                        </a:rPr>
+                        <a:t>Ham</a:t>
+                      </a:r>
+                      <a:endParaRPr lang="de-DE" sz="1800" b="0" i="0" u="none" strike="noStrike" dirty="0">
+                        <a:solidFill>
+                          <a:srgbClr val="000000"/>
+                        </a:solidFill>
+                        <a:effectLst/>
+                        <a:latin typeface="Calibri" panose="020F0502020204030204" pitchFamily="34" charset="0"/>
+                      </a:endParaRPr>
+                    </a:p>
+                  </a:txBody>
+                  <a:tcPr marL="9525" marR="9525" marT="9525" marB="0" anchor="b"/>
+                </a:tc>
+              </a:tr>
+              <a:tr h="420695">
+                <a:tc>
+                  <a:txBody>
+                    <a:bodyPr/>
+                    <a:lstStyle/>
+                    <a:p>
+                      <a:pPr algn="ctr" fontAlgn="b"/>
+                      <a:r>
+                        <a:rPr lang="de-DE" sz="1800" u="none" strike="noStrike" dirty="0" err="1" smtClean="0">
+                          <a:effectLst/>
+                        </a:rPr>
+                        <a:t>Washing</a:t>
+                      </a:r>
+                      <a:r>
+                        <a:rPr lang="de-DE" sz="1800" u="none" strike="noStrike" dirty="0" smtClean="0">
+                          <a:effectLst/>
+                        </a:rPr>
+                        <a:t> </a:t>
+                      </a:r>
+                      <a:r>
+                        <a:rPr lang="de-DE" sz="1800" u="none" strike="noStrike" dirty="0" err="1" smtClean="0">
+                          <a:effectLst/>
+                        </a:rPr>
+                        <a:t>Powder</a:t>
+                      </a:r>
+                      <a:endParaRPr lang="de-DE" sz="1800" b="0" i="0" u="none" strike="noStrike" dirty="0">
+                        <a:solidFill>
+                          <a:srgbClr val="000000"/>
+                        </a:solidFill>
+                        <a:effectLst/>
+                        <a:latin typeface="Calibri" panose="020F0502020204030204" pitchFamily="34" charset="0"/>
+                      </a:endParaRPr>
+                    </a:p>
+                  </a:txBody>
+                  <a:tcPr marL="9525" marR="9525" marT="9525" marB="0" anchor="b"/>
+                </a:tc>
+              </a:tr>
+              <a:tr h="420695">
+                <a:tc>
+                  <a:txBody>
+                    <a:bodyPr/>
+                    <a:lstStyle/>
+                    <a:p>
+                      <a:pPr algn="ctr" fontAlgn="b"/>
+                      <a:r>
+                        <a:rPr lang="de-DE" sz="1800" u="none" strike="noStrike" dirty="0">
+                          <a:effectLst/>
+                        </a:rPr>
+                        <a:t>Pizza - 2 </a:t>
+                      </a:r>
+                      <a:r>
+                        <a:rPr lang="de-DE" sz="1800" u="none" strike="noStrike" dirty="0" err="1">
+                          <a:effectLst/>
+                        </a:rPr>
+                        <a:t>pcs</a:t>
+                      </a:r>
+                      <a:endParaRPr lang="de-DE" sz="1800" b="0" i="0" u="none" strike="noStrike" dirty="0">
+                        <a:solidFill>
+                          <a:srgbClr val="000000"/>
+                        </a:solidFill>
+                        <a:effectLst/>
+                        <a:latin typeface="Calibri" panose="020F0502020204030204" pitchFamily="34" charset="0"/>
+                      </a:endParaRPr>
+                    </a:p>
+                  </a:txBody>
+                  <a:tcPr marL="9525" marR="9525" marT="9525" marB="0" anchor="b"/>
+                </a:tc>
+              </a:tr>
+            </a:tbl>
+          </a:graphicData>
+        </a:graphic>
+      </p:graphicFrame>
+      <p:sp>
+        <p:nvSpPr>
+          <p:cNvPr id="7" name="Nach oben gekrümmter Pfeil 6"/>
+          <p:cNvSpPr/>
           <p:nvPr/>
         </p:nvSpPr>
-        <p:spPr bwMode="auto">
+        <p:spPr>
           <a:xfrm>
-            <a:off x="155575" y="-914400"/>
-            <a:ext cx="3952875" cy="1905000"/>
+            <a:off x="3876391" y="4887310"/>
+            <a:ext cx="4371760" cy="809297"/>
           </a:xfrm>
-          <a:prstGeom prst="rect">
+          <a:prstGeom prst="curvedUpArrow">
             <a:avLst/>
           </a:prstGeom>
-          <a:noFill/>
-          <a:extLst>
-            <a:ext uri="{909E8E84-426E-40DD-AFC4-6F175D3DCCD1}">
-              <a14:hiddenFill xmlns:a14="http://schemas.microsoft.com/office/drawing/2010/main">
-                <a:solidFill>
-                  <a:srgbClr val="FFFFFF"/>
-                </a:solidFill>
-              </a14:hiddenFill>
-            </a:ext>
-          </a:extLst>
         </p:spPr>
+        <p:style>
+          <a:lnRef idx="2">
+            <a:schemeClr val="accent2">
+              <a:shade val="50000"/>
+            </a:schemeClr>
+          </a:lnRef>
+          <a:fillRef idx="1">
+            <a:schemeClr val="accent2"/>
+          </a:fillRef>
+          <a:effectRef idx="0">
+            <a:schemeClr val="accent2"/>
+          </a:effectRef>
+          <a:fontRef idx="minor">
+            <a:schemeClr val="lt1"/>
+          </a:fontRef>
+        </p:style>
         <p:txBody>
-          <a:bodyPr vert="horz" wrap="square" lIns="91440" tIns="45720" rIns="91440" bIns="45720" numCol="1" anchor="t" anchorCtr="0" compatLnSpc="1">
-            <a:prstTxWarp prst="textNoShape">
-              <a:avLst/>
-            </a:prstTxWarp>
-          </a:bodyPr>
+          <a:bodyPr rtlCol="0" anchor="ctr"/>
           <a:lstStyle/>
           <a:p>
-            <a:endParaRPr lang="de-DE"/>
+            <a:pPr algn="ctr"/>
+            <a:endParaRPr lang="de-DE">
+              <a:solidFill>
+                <a:schemeClr val="tx1"/>
+              </a:solidFill>
+            </a:endParaRPr>
           </a:p>
         </p:txBody>
       </p:sp>
     </p:spTree>
     <p:extLst>
       <p:ext uri="{BB962C8B-B14F-4D97-AF65-F5344CB8AC3E}">
-        <p14:creationId xmlns:p14="http://schemas.microsoft.com/office/powerpoint/2010/main" val="2301295905"/>
+        <p14:creationId xmlns:p14="http://schemas.microsoft.com/office/powerpoint/2010/main" val="859013446"/>
       </p:ext>
     </p:extLst>
   </p:cSld>
@@ -8985,290 +11520,61 @@
           <a:lstStyle/>
           <a:p>
             <a:r>
-              <a:rPr lang="de-DE" dirty="0" err="1" smtClean="0"/>
+              <a:rPr lang="de-DE" dirty="0" err="1"/>
               <a:t>SmartCart</a:t>
             </a:r>
             <a:r>
-              <a:rPr lang="de-DE" dirty="0" smtClean="0"/>
-              <a:t> – Business Model</a:t>
+              <a:rPr lang="de-DE" dirty="0"/>
+              <a:t> – Technical </a:t>
+            </a:r>
+            <a:r>
+              <a:rPr lang="de-DE" dirty="0" err="1"/>
+              <a:t>Overview</a:t>
+            </a:r>
+            <a:r>
+              <a:rPr lang="de-DE" dirty="0"/>
+              <a:t/>
+            </a:r>
+            <a:br>
+              <a:rPr lang="de-DE" dirty="0"/>
+            </a:br>
+            <a:r>
+              <a:rPr lang="de-DE" sz="1200" dirty="0"/>
+              <a:t> </a:t>
+            </a:r>
+            <a:r>
+              <a:rPr lang="de-DE" dirty="0"/>
+              <a:t/>
+            </a:r>
+            <a:br>
+              <a:rPr lang="de-DE" dirty="0"/>
+            </a:br>
+            <a:r>
+              <a:rPr lang="de-DE" sz="2400" dirty="0" err="1" smtClean="0"/>
+              <a:t>DataModel</a:t>
             </a:r>
             <a:endParaRPr lang="de-DE" dirty="0"/>
-          </a:p>
-        </p:txBody>
-      </p:sp>
-      <p:sp>
-        <p:nvSpPr>
-          <p:cNvPr id="3" name="Inhaltsplatzhalter 2"/>
-          <p:cNvSpPr>
-            <a:spLocks noGrp="1"/>
-          </p:cNvSpPr>
-          <p:nvPr>
-            <p:ph idx="1"/>
-          </p:nvPr>
-        </p:nvSpPr>
-        <p:spPr>
-          <a:xfrm>
-            <a:off x="2589212" y="2133600"/>
-            <a:ext cx="5733521" cy="3777622"/>
-          </a:xfrm>
-        </p:spPr>
-        <p:txBody>
-          <a:bodyPr/>
-          <a:lstStyle/>
-          <a:p>
-            <a:r>
-              <a:rPr lang="de-DE" dirty="0" err="1" smtClean="0"/>
-              <a:t>Two</a:t>
-            </a:r>
-            <a:r>
-              <a:rPr lang="de-DE" dirty="0" smtClean="0"/>
-              <a:t> </a:t>
-            </a:r>
-            <a:r>
-              <a:rPr lang="de-DE" dirty="0" err="1" smtClean="0"/>
-              <a:t>versions</a:t>
-            </a:r>
-            <a:r>
-              <a:rPr lang="de-DE" dirty="0" smtClean="0"/>
-              <a:t> </a:t>
-            </a:r>
-            <a:r>
-              <a:rPr lang="de-DE" dirty="0" err="1" smtClean="0"/>
-              <a:t>of</a:t>
-            </a:r>
-            <a:r>
-              <a:rPr lang="de-DE" dirty="0" smtClean="0"/>
-              <a:t> </a:t>
-            </a:r>
-            <a:r>
-              <a:rPr lang="de-DE" dirty="0" err="1" smtClean="0"/>
-              <a:t>SmartCart</a:t>
-            </a:r>
-            <a:endParaRPr lang="de-DE" dirty="0" smtClean="0"/>
-          </a:p>
-          <a:p>
-            <a:pPr lvl="1"/>
-            <a:r>
-              <a:rPr lang="de-DE" dirty="0" smtClean="0"/>
-              <a:t>Basic Version (</a:t>
-            </a:r>
-            <a:r>
-              <a:rPr lang="de-DE" dirty="0" err="1" smtClean="0"/>
-              <a:t>free</a:t>
-            </a:r>
-            <a:r>
-              <a:rPr lang="de-DE" dirty="0" smtClean="0"/>
-              <a:t>)</a:t>
-            </a:r>
-          </a:p>
-          <a:p>
-            <a:pPr lvl="1"/>
-            <a:r>
-              <a:rPr lang="de-DE" dirty="0" smtClean="0"/>
-              <a:t>Pro Version (1.99 €)</a:t>
-            </a:r>
-          </a:p>
-          <a:p>
-            <a:r>
-              <a:rPr lang="de-DE" dirty="0" smtClean="0"/>
-              <a:t>Basic Version will </a:t>
-            </a:r>
-            <a:r>
-              <a:rPr lang="de-DE" dirty="0" err="1" smtClean="0"/>
-              <a:t>show</a:t>
-            </a:r>
-            <a:r>
-              <a:rPr lang="de-DE" dirty="0" smtClean="0"/>
-              <a:t> </a:t>
-            </a:r>
-            <a:r>
-              <a:rPr lang="de-DE" dirty="0" err="1" smtClean="0"/>
-              <a:t>ads</a:t>
-            </a:r>
-            <a:r>
-              <a:rPr lang="de-DE" dirty="0" smtClean="0"/>
-              <a:t> </a:t>
-            </a:r>
-            <a:r>
-              <a:rPr lang="de-DE" dirty="0" err="1" smtClean="0"/>
-              <a:t>of</a:t>
-            </a:r>
-            <a:r>
-              <a:rPr lang="de-DE" dirty="0" smtClean="0"/>
-              <a:t> </a:t>
-            </a:r>
-            <a:r>
-              <a:rPr lang="de-DE" dirty="0" err="1" smtClean="0"/>
-              <a:t>the</a:t>
-            </a:r>
-            <a:r>
-              <a:rPr lang="de-DE" dirty="0" smtClean="0"/>
-              <a:t> </a:t>
-            </a:r>
-            <a:r>
-              <a:rPr lang="de-DE" dirty="0" err="1" smtClean="0"/>
-              <a:t>grocery</a:t>
-            </a:r>
-            <a:r>
-              <a:rPr lang="de-DE" dirty="0" smtClean="0"/>
-              <a:t> </a:t>
-            </a:r>
-            <a:r>
-              <a:rPr lang="de-DE" dirty="0" err="1" smtClean="0"/>
-              <a:t>that</a:t>
-            </a:r>
-            <a:r>
-              <a:rPr lang="de-DE" dirty="0" smtClean="0"/>
-              <a:t> </a:t>
-            </a:r>
-            <a:r>
-              <a:rPr lang="de-DE" dirty="0" err="1" smtClean="0"/>
-              <a:t>is</a:t>
-            </a:r>
-            <a:r>
-              <a:rPr lang="de-DE" dirty="0" smtClean="0"/>
-              <a:t> </a:t>
-            </a:r>
-            <a:r>
-              <a:rPr lang="de-DE" dirty="0" err="1" smtClean="0"/>
-              <a:t>entered</a:t>
-            </a:r>
-            <a:endParaRPr lang="de-DE" dirty="0" smtClean="0"/>
-          </a:p>
-          <a:p>
-            <a:endParaRPr lang="de-DE" dirty="0"/>
-          </a:p>
-          <a:p>
-            <a:r>
-              <a:rPr lang="de-DE" dirty="0" smtClean="0"/>
-              <a:t>First </a:t>
-            </a:r>
-            <a:r>
-              <a:rPr lang="de-DE" dirty="0" err="1" smtClean="0"/>
-              <a:t>users</a:t>
-            </a:r>
-            <a:r>
-              <a:rPr lang="de-DE" dirty="0" smtClean="0"/>
-              <a:t> will </a:t>
-            </a:r>
-            <a:r>
-              <a:rPr lang="de-DE" dirty="0" err="1" smtClean="0"/>
-              <a:t>get</a:t>
-            </a:r>
-            <a:r>
-              <a:rPr lang="de-DE" dirty="0" smtClean="0"/>
-              <a:t> a </a:t>
-            </a:r>
-            <a:r>
-              <a:rPr lang="de-DE" dirty="0" err="1" smtClean="0"/>
-              <a:t>free</a:t>
-            </a:r>
-            <a:r>
-              <a:rPr lang="de-DE" dirty="0" smtClean="0"/>
-              <a:t> Pro Version</a:t>
-            </a:r>
-          </a:p>
-          <a:p>
-            <a:r>
-              <a:rPr lang="de-DE" dirty="0" smtClean="0"/>
-              <a:t>First ad </a:t>
-            </a:r>
-            <a:r>
-              <a:rPr lang="de-DE" dirty="0" err="1" smtClean="0"/>
-              <a:t>placements</a:t>
-            </a:r>
-            <a:r>
-              <a:rPr lang="de-DE" dirty="0" smtClean="0"/>
-              <a:t> will </a:t>
-            </a:r>
-            <a:r>
-              <a:rPr lang="de-DE" dirty="0" err="1" smtClean="0"/>
-              <a:t>be</a:t>
-            </a:r>
-            <a:r>
-              <a:rPr lang="de-DE" dirty="0" smtClean="0"/>
-              <a:t> </a:t>
-            </a:r>
-            <a:r>
-              <a:rPr lang="de-DE" dirty="0" err="1" smtClean="0"/>
-              <a:t>free</a:t>
-            </a:r>
-            <a:r>
-              <a:rPr lang="de-DE" dirty="0" smtClean="0"/>
-              <a:t>, </a:t>
-            </a:r>
-            <a:r>
-              <a:rPr lang="de-DE" dirty="0" err="1" smtClean="0"/>
-              <a:t>if</a:t>
-            </a:r>
-            <a:r>
-              <a:rPr lang="de-DE" dirty="0" smtClean="0"/>
-              <a:t> </a:t>
-            </a:r>
-            <a:r>
-              <a:rPr lang="de-DE" dirty="0" err="1" smtClean="0"/>
-              <a:t>the</a:t>
-            </a:r>
-            <a:r>
-              <a:rPr lang="de-DE" dirty="0" smtClean="0"/>
-              <a:t> </a:t>
-            </a:r>
-            <a:r>
-              <a:rPr lang="de-DE" dirty="0" err="1" smtClean="0"/>
-              <a:t>market</a:t>
-            </a:r>
-            <a:r>
-              <a:rPr lang="de-DE" dirty="0" smtClean="0"/>
-              <a:t> </a:t>
-            </a:r>
-            <a:r>
-              <a:rPr lang="de-DE" dirty="0" err="1" smtClean="0"/>
-              <a:t>contributes</a:t>
-            </a:r>
-            <a:r>
-              <a:rPr lang="de-DE" dirty="0" smtClean="0"/>
-              <a:t> in </a:t>
-            </a:r>
-            <a:r>
-              <a:rPr lang="de-DE" dirty="0" err="1" smtClean="0"/>
-              <a:t>collecting</a:t>
-            </a:r>
-            <a:r>
-              <a:rPr lang="de-DE" dirty="0" smtClean="0"/>
-              <a:t> </a:t>
-            </a:r>
-            <a:r>
-              <a:rPr lang="de-DE" dirty="0" err="1" smtClean="0"/>
-              <a:t>data</a:t>
-            </a:r>
-            <a:endParaRPr lang="de-DE" dirty="0" smtClean="0"/>
           </a:p>
         </p:txBody>
       </p:sp>
       <p:pic>
         <p:nvPicPr>
-          <p:cNvPr id="5" name="Grafik 4"/>
+          <p:cNvPr id="4" name="Grafik 3"/>
           <p:cNvPicPr>
             <a:picLocks noChangeAspect="1"/>
           </p:cNvPicPr>
           <p:nvPr/>
         </p:nvPicPr>
         <p:blipFill>
-          <a:blip r:embed="rId2">
-            <a:extLst>
-              <a:ext uri="{28A0092B-C50C-407E-A947-70E740481C1C}">
-                <a14:useLocalDpi xmlns:a14="http://schemas.microsoft.com/office/drawing/2010/main" val="0"/>
-              </a:ext>
-            </a:extLst>
-          </a:blip>
+          <a:blip r:embed="rId2"/>
           <a:stretch>
             <a:fillRect/>
           </a:stretch>
         </p:blipFill>
         <p:spPr>
           <a:xfrm>
-            <a:off x="8582800" y="2133600"/>
-            <a:ext cx="1983600" cy="3875649"/>
+            <a:off x="4021518" y="1719928"/>
+            <a:ext cx="6583417" cy="4426482"/>
           </a:xfrm>
           <a:prstGeom prst="rect">
             <a:avLst/>
@@ -9278,7 +11584,114 @@
     </p:spTree>
     <p:extLst>
       <p:ext uri="{BB962C8B-B14F-4D97-AF65-F5344CB8AC3E}">
-        <p14:creationId xmlns:p14="http://schemas.microsoft.com/office/powerpoint/2010/main" val="2258425912"/>
+        <p14:creationId xmlns:p14="http://schemas.microsoft.com/office/powerpoint/2010/main" val="3355325123"/>
+      </p:ext>
+    </p:extLst>
+  </p:cSld>
+  <p:clrMapOvr>
+    <a:masterClrMapping/>
+  </p:clrMapOvr>
+</p:sld>
+</file>
+
+<file path=ppt/slides/slide9.xml><?xml version="1.0" encoding="utf-8"?>
+<p:sld xmlns:a="http://schemas.openxmlformats.org/drawingml/2006/main" xmlns:r="http://schemas.openxmlformats.org/officeDocument/2006/relationships" xmlns:p="http://schemas.openxmlformats.org/presentationml/2006/main">
+  <p:cSld>
+    <p:spTree>
+      <p:nvGrpSpPr>
+        <p:cNvPr id="1" name=""/>
+        <p:cNvGrpSpPr/>
+        <p:nvPr/>
+      </p:nvGrpSpPr>
+      <p:grpSpPr>
+        <a:xfrm>
+          <a:off x="0" y="0"/>
+          <a:ext cx="0" cy="0"/>
+          <a:chOff x="0" y="0"/>
+          <a:chExt cx="0" cy="0"/>
+        </a:xfrm>
+      </p:grpSpPr>
+      <p:sp>
+        <p:nvSpPr>
+          <p:cNvPr id="2" name="Titel 1"/>
+          <p:cNvSpPr>
+            <a:spLocks noGrp="1"/>
+          </p:cNvSpPr>
+          <p:nvPr>
+            <p:ph type="title"/>
+          </p:nvPr>
+        </p:nvSpPr>
+        <p:spPr/>
+        <p:txBody>
+          <a:bodyPr/>
+          <a:lstStyle/>
+          <a:p>
+            <a:r>
+              <a:rPr lang="de-DE" dirty="0" err="1"/>
+              <a:t>SmartCart</a:t>
+            </a:r>
+            <a:r>
+              <a:rPr lang="de-DE" dirty="0"/>
+              <a:t> – Technical </a:t>
+            </a:r>
+            <a:r>
+              <a:rPr lang="de-DE" dirty="0" err="1"/>
+              <a:t>Overview</a:t>
+            </a:r>
+            <a:r>
+              <a:rPr lang="de-DE" dirty="0"/>
+              <a:t/>
+            </a:r>
+            <a:br>
+              <a:rPr lang="de-DE" dirty="0"/>
+            </a:br>
+            <a:r>
+              <a:rPr lang="de-DE" sz="1200" dirty="0"/>
+              <a:t> </a:t>
+            </a:r>
+            <a:r>
+              <a:rPr lang="de-DE" dirty="0"/>
+              <a:t/>
+            </a:r>
+            <a:br>
+              <a:rPr lang="de-DE" dirty="0"/>
+            </a:br>
+            <a:r>
+              <a:rPr lang="de-DE" sz="2400" dirty="0" smtClean="0"/>
+              <a:t>Data Model</a:t>
+            </a:r>
+            <a:endParaRPr lang="de-DE" dirty="0"/>
+          </a:p>
+        </p:txBody>
+      </p:sp>
+      <p:pic>
+        <p:nvPicPr>
+          <p:cNvPr id="3" name="Grafik 2"/>
+          <p:cNvPicPr>
+            <a:picLocks noChangeAspect="1"/>
+          </p:cNvPicPr>
+          <p:nvPr/>
+        </p:nvPicPr>
+        <p:blipFill>
+          <a:blip r:embed="rId2"/>
+          <a:stretch>
+            <a:fillRect/>
+          </a:stretch>
+        </p:blipFill>
+        <p:spPr>
+          <a:xfrm>
+            <a:off x="4561819" y="2646965"/>
+            <a:ext cx="4476750" cy="2762250"/>
+          </a:xfrm>
+          <a:prstGeom prst="rect">
+            <a:avLst/>
+          </a:prstGeom>
+        </p:spPr>
+      </p:pic>
+    </p:spTree>
+    <p:extLst>
+      <p:ext uri="{BB962C8B-B14F-4D97-AF65-F5344CB8AC3E}">
+        <p14:creationId xmlns:p14="http://schemas.microsoft.com/office/powerpoint/2010/main" val="2944204712"/>
       </p:ext>
     </p:extLst>
   </p:cSld>

--- a/pm/presentations/SmartCart_Concept.pptx
+++ b/pm/presentations/SmartCart_Concept.pptx
@@ -7,17 +7,17 @@
   <p:sldIdLst>
     <p:sldId id="256" r:id="rId2"/>
     <p:sldId id="257" r:id="rId3"/>
-    <p:sldId id="259" r:id="rId4"/>
-    <p:sldId id="258" r:id="rId5"/>
-    <p:sldId id="262" r:id="rId6"/>
-    <p:sldId id="263" r:id="rId7"/>
-    <p:sldId id="264" r:id="rId8"/>
-    <p:sldId id="266" r:id="rId9"/>
-    <p:sldId id="267" r:id="rId10"/>
-    <p:sldId id="268" r:id="rId11"/>
-    <p:sldId id="269" r:id="rId12"/>
-    <p:sldId id="261" r:id="rId13"/>
-    <p:sldId id="260" r:id="rId14"/>
+    <p:sldId id="258" r:id="rId4"/>
+    <p:sldId id="262" r:id="rId5"/>
+    <p:sldId id="263" r:id="rId6"/>
+    <p:sldId id="264" r:id="rId7"/>
+    <p:sldId id="266" r:id="rId8"/>
+    <p:sldId id="267" r:id="rId9"/>
+    <p:sldId id="268" r:id="rId10"/>
+    <p:sldId id="269" r:id="rId11"/>
+    <p:sldId id="261" r:id="rId12"/>
+    <p:sldId id="260" r:id="rId13"/>
+    <p:sldId id="259" r:id="rId14"/>
   </p:sldIdLst>
   <p:sldSz cx="12192000" cy="6858000"/>
   <p:notesSz cx="6858000" cy="9144000"/>
@@ -7731,6 +7731,3085 @@
 </file>
 
 <file path=ppt/slides/slide10.xml><?xml version="1.0" encoding="utf-8"?>
+<p:sld xmlns:a="http://schemas.openxmlformats.org/drawingml/2006/main" xmlns:r="http://schemas.openxmlformats.org/officeDocument/2006/relationships" xmlns:p="http://schemas.openxmlformats.org/presentationml/2006/main">
+  <p:cSld>
+    <p:spTree>
+      <p:nvGrpSpPr>
+        <p:cNvPr id="1" name=""/>
+        <p:cNvGrpSpPr/>
+        <p:nvPr/>
+      </p:nvGrpSpPr>
+      <p:grpSpPr>
+        <a:xfrm>
+          <a:off x="0" y="0"/>
+          <a:ext cx="0" cy="0"/>
+          <a:chOff x="0" y="0"/>
+          <a:chExt cx="0" cy="0"/>
+        </a:xfrm>
+      </p:grpSpPr>
+      <p:sp>
+        <p:nvSpPr>
+          <p:cNvPr id="2" name="Titel 1"/>
+          <p:cNvSpPr>
+            <a:spLocks noGrp="1"/>
+          </p:cNvSpPr>
+          <p:nvPr>
+            <p:ph type="title"/>
+          </p:nvPr>
+        </p:nvSpPr>
+        <p:spPr/>
+        <p:txBody>
+          <a:bodyPr/>
+          <a:lstStyle/>
+          <a:p>
+            <a:r>
+              <a:rPr lang="de-DE" dirty="0" err="1"/>
+              <a:t>SmartCart</a:t>
+            </a:r>
+            <a:r>
+              <a:rPr lang="de-DE" dirty="0"/>
+              <a:t> – Technical </a:t>
+            </a:r>
+            <a:r>
+              <a:rPr lang="de-DE" dirty="0" err="1"/>
+              <a:t>Overview</a:t>
+            </a:r>
+            <a:r>
+              <a:rPr lang="de-DE" dirty="0"/>
+              <a:t/>
+            </a:r>
+            <a:br>
+              <a:rPr lang="de-DE" dirty="0"/>
+            </a:br>
+            <a:r>
+              <a:rPr lang="de-DE" sz="1200" dirty="0"/>
+              <a:t> </a:t>
+            </a:r>
+            <a:r>
+              <a:rPr lang="de-DE" dirty="0"/>
+              <a:t/>
+            </a:r>
+            <a:br>
+              <a:rPr lang="de-DE" dirty="0"/>
+            </a:br>
+            <a:r>
+              <a:rPr lang="de-DE" sz="2400" dirty="0" smtClean="0"/>
+              <a:t>Data </a:t>
+            </a:r>
+            <a:r>
+              <a:rPr lang="de-DE" sz="2400" dirty="0" err="1" smtClean="0"/>
+              <a:t>Acquisition</a:t>
+            </a:r>
+            <a:endParaRPr lang="de-DE" dirty="0"/>
+          </a:p>
+        </p:txBody>
+      </p:sp>
+      <p:sp>
+        <p:nvSpPr>
+          <p:cNvPr id="4" name="Inhaltsplatzhalter 2"/>
+          <p:cNvSpPr>
+            <a:spLocks noGrp="1"/>
+          </p:cNvSpPr>
+          <p:nvPr>
+            <p:ph idx="1"/>
+          </p:nvPr>
+        </p:nvSpPr>
+        <p:spPr>
+          <a:xfrm>
+            <a:off x="2589212" y="2133600"/>
+            <a:ext cx="8089298" cy="3777622"/>
+          </a:xfrm>
+        </p:spPr>
+        <p:txBody>
+          <a:bodyPr/>
+          <a:lstStyle/>
+          <a:p>
+            <a:r>
+              <a:rPr lang="de-DE" dirty="0" err="1" smtClean="0"/>
+              <a:t>Collecting</a:t>
+            </a:r>
+            <a:r>
+              <a:rPr lang="de-DE" dirty="0" smtClean="0"/>
+              <a:t> </a:t>
+            </a:r>
+            <a:r>
+              <a:rPr lang="de-DE" dirty="0" err="1" smtClean="0"/>
+              <a:t>the</a:t>
+            </a:r>
+            <a:r>
+              <a:rPr lang="de-DE" dirty="0" smtClean="0"/>
+              <a:t> </a:t>
+            </a:r>
+            <a:r>
+              <a:rPr lang="de-DE" dirty="0" err="1" smtClean="0"/>
+              <a:t>order</a:t>
+            </a:r>
+            <a:r>
+              <a:rPr lang="de-DE" dirty="0" smtClean="0"/>
+              <a:t> </a:t>
+            </a:r>
+            <a:r>
+              <a:rPr lang="de-DE" dirty="0" err="1" smtClean="0"/>
+              <a:t>of</a:t>
+            </a:r>
+            <a:r>
+              <a:rPr lang="de-DE" dirty="0" smtClean="0"/>
+              <a:t> </a:t>
+            </a:r>
+            <a:r>
+              <a:rPr lang="de-DE" dirty="0" err="1" smtClean="0"/>
+              <a:t>marking</a:t>
+            </a:r>
+            <a:r>
+              <a:rPr lang="de-DE" dirty="0" smtClean="0"/>
+              <a:t> </a:t>
+            </a:r>
+            <a:r>
+              <a:rPr lang="de-DE" dirty="0" err="1" smtClean="0"/>
+              <a:t>the</a:t>
+            </a:r>
+            <a:r>
+              <a:rPr lang="de-DE" dirty="0" smtClean="0"/>
+              <a:t> Products </a:t>
+            </a:r>
+            <a:r>
+              <a:rPr lang="de-DE" dirty="0" err="1" smtClean="0"/>
+              <a:t>as</a:t>
+            </a:r>
+            <a:r>
+              <a:rPr lang="de-DE" dirty="0" smtClean="0"/>
+              <a:t> „</a:t>
+            </a:r>
+            <a:r>
+              <a:rPr lang="de-DE" dirty="0" err="1" smtClean="0"/>
+              <a:t>added</a:t>
+            </a:r>
+            <a:r>
+              <a:rPr lang="de-DE" dirty="0" smtClean="0"/>
+              <a:t> </a:t>
+            </a:r>
+            <a:r>
+              <a:rPr lang="de-DE" dirty="0" err="1" smtClean="0"/>
+              <a:t>to</a:t>
+            </a:r>
+            <a:r>
+              <a:rPr lang="de-DE" dirty="0" smtClean="0"/>
+              <a:t> </a:t>
+            </a:r>
+            <a:r>
+              <a:rPr lang="de-DE" dirty="0" err="1" smtClean="0"/>
+              <a:t>Cart</a:t>
+            </a:r>
+            <a:r>
+              <a:rPr lang="de-DE" dirty="0" smtClean="0"/>
+              <a:t>“</a:t>
+            </a:r>
+          </a:p>
+          <a:p>
+            <a:r>
+              <a:rPr lang="de-DE" dirty="0" err="1" smtClean="0"/>
+              <a:t>Collecting</a:t>
+            </a:r>
+            <a:r>
+              <a:rPr lang="de-DE" dirty="0" smtClean="0"/>
+              <a:t> </a:t>
+            </a:r>
+            <a:r>
+              <a:rPr lang="de-DE" dirty="0" err="1" smtClean="0"/>
+              <a:t>the</a:t>
+            </a:r>
+            <a:r>
+              <a:rPr lang="de-DE" dirty="0" smtClean="0"/>
+              <a:t> </a:t>
+            </a:r>
+            <a:r>
+              <a:rPr lang="de-DE" dirty="0" err="1" smtClean="0"/>
+              <a:t>chosen</a:t>
+            </a:r>
+            <a:r>
+              <a:rPr lang="de-DE" dirty="0" smtClean="0"/>
+              <a:t> </a:t>
+            </a:r>
+            <a:r>
+              <a:rPr lang="de-DE" dirty="0" err="1" smtClean="0"/>
+              <a:t>Category</a:t>
+            </a:r>
+            <a:r>
+              <a:rPr lang="de-DE" dirty="0" smtClean="0"/>
+              <a:t> </a:t>
+            </a:r>
+            <a:r>
+              <a:rPr lang="de-DE" dirty="0" err="1" smtClean="0"/>
+              <a:t>of</a:t>
+            </a:r>
+            <a:r>
+              <a:rPr lang="de-DE" dirty="0" smtClean="0"/>
+              <a:t> </a:t>
+            </a:r>
+            <a:r>
+              <a:rPr lang="de-DE" dirty="0" err="1" smtClean="0"/>
+              <a:t>Product</a:t>
+            </a:r>
+            <a:endParaRPr lang="de-DE" dirty="0" smtClean="0"/>
+          </a:p>
+          <a:p>
+            <a:pPr lvl="1"/>
+            <a:r>
+              <a:rPr lang="de-DE" dirty="0" err="1" smtClean="0"/>
+              <a:t>Majority</a:t>
+            </a:r>
+            <a:r>
+              <a:rPr lang="de-DE" dirty="0" smtClean="0"/>
+              <a:t> will </a:t>
+            </a:r>
+            <a:r>
+              <a:rPr lang="de-DE" dirty="0" err="1" smtClean="0"/>
+              <a:t>decide</a:t>
+            </a:r>
+            <a:endParaRPr lang="de-DE" dirty="0" smtClean="0"/>
+          </a:p>
+          <a:p>
+            <a:pPr lvl="1"/>
+            <a:r>
+              <a:rPr lang="de-DE" dirty="0" smtClean="0"/>
+              <a:t>Naive </a:t>
+            </a:r>
+            <a:r>
+              <a:rPr lang="de-DE" dirty="0" err="1" smtClean="0"/>
+              <a:t>Bayes</a:t>
+            </a:r>
+            <a:r>
+              <a:rPr lang="de-DE" dirty="0" smtClean="0"/>
+              <a:t> </a:t>
+            </a:r>
+            <a:r>
+              <a:rPr lang="de-DE" dirty="0" err="1" smtClean="0"/>
+              <a:t>regarding</a:t>
+            </a:r>
+            <a:r>
+              <a:rPr lang="de-DE" dirty="0" smtClean="0"/>
+              <a:t> Shopping Time</a:t>
+            </a:r>
+          </a:p>
+          <a:p>
+            <a:pPr marL="457200" lvl="1" indent="0">
+              <a:buNone/>
+            </a:pPr>
+            <a:endParaRPr lang="de-DE" dirty="0" smtClean="0"/>
+          </a:p>
+          <a:p>
+            <a:r>
+              <a:rPr lang="de-DE" dirty="0" err="1" smtClean="0"/>
+              <a:t>Ordering</a:t>
+            </a:r>
+            <a:r>
+              <a:rPr lang="de-DE" dirty="0" smtClean="0"/>
+              <a:t> </a:t>
+            </a:r>
+            <a:r>
+              <a:rPr lang="de-DE" dirty="0" err="1" smtClean="0"/>
+              <a:t>of</a:t>
+            </a:r>
+            <a:r>
+              <a:rPr lang="de-DE" dirty="0" smtClean="0"/>
+              <a:t> a </a:t>
+            </a:r>
+            <a:r>
+              <a:rPr lang="de-DE" dirty="0" err="1" smtClean="0"/>
+              <a:t>market‘s</a:t>
+            </a:r>
+            <a:r>
+              <a:rPr lang="de-DE" dirty="0" smtClean="0"/>
+              <a:t> </a:t>
+            </a:r>
+            <a:r>
+              <a:rPr lang="de-DE" dirty="0" err="1" smtClean="0"/>
+              <a:t>department</a:t>
+            </a:r>
+            <a:r>
+              <a:rPr lang="de-DE" dirty="0" smtClean="0"/>
+              <a:t> also </a:t>
+            </a:r>
+            <a:r>
+              <a:rPr lang="de-DE" dirty="0" err="1" smtClean="0"/>
+              <a:t>derived</a:t>
+            </a:r>
+            <a:r>
+              <a:rPr lang="de-DE" dirty="0" smtClean="0"/>
+              <a:t> </a:t>
+            </a:r>
+            <a:r>
+              <a:rPr lang="de-DE" dirty="0" err="1" smtClean="0"/>
+              <a:t>from</a:t>
+            </a:r>
+            <a:r>
+              <a:rPr lang="de-DE" dirty="0" smtClean="0"/>
+              <a:t> </a:t>
+            </a:r>
+            <a:r>
+              <a:rPr lang="de-DE" dirty="0" err="1" smtClean="0"/>
+              <a:t>order</a:t>
+            </a:r>
+            <a:r>
+              <a:rPr lang="de-DE" dirty="0" smtClean="0"/>
+              <a:t> </a:t>
+            </a:r>
+            <a:r>
+              <a:rPr lang="de-DE" dirty="0" err="1" smtClean="0"/>
+              <a:t>of</a:t>
+            </a:r>
+            <a:r>
+              <a:rPr lang="de-DE" dirty="0" smtClean="0"/>
+              <a:t> </a:t>
+            </a:r>
+            <a:r>
+              <a:rPr lang="de-DE" dirty="0" err="1" smtClean="0"/>
+              <a:t>marking</a:t>
+            </a:r>
+            <a:r>
+              <a:rPr lang="de-DE" dirty="0" smtClean="0"/>
+              <a:t> </a:t>
+            </a:r>
+            <a:r>
+              <a:rPr lang="de-DE" dirty="0" err="1"/>
+              <a:t>the</a:t>
+            </a:r>
+            <a:r>
+              <a:rPr lang="de-DE" dirty="0"/>
+              <a:t> Products </a:t>
+            </a:r>
+            <a:r>
+              <a:rPr lang="de-DE" dirty="0" err="1"/>
+              <a:t>as</a:t>
+            </a:r>
+            <a:r>
+              <a:rPr lang="de-DE" dirty="0"/>
+              <a:t> „</a:t>
+            </a:r>
+            <a:r>
+              <a:rPr lang="de-DE" dirty="0" err="1"/>
+              <a:t>added</a:t>
+            </a:r>
+            <a:r>
+              <a:rPr lang="de-DE" dirty="0"/>
+              <a:t> </a:t>
+            </a:r>
+            <a:r>
+              <a:rPr lang="de-DE" dirty="0" err="1"/>
+              <a:t>to</a:t>
+            </a:r>
+            <a:r>
+              <a:rPr lang="de-DE" dirty="0"/>
+              <a:t> </a:t>
+            </a:r>
+            <a:r>
+              <a:rPr lang="de-DE" dirty="0" err="1"/>
+              <a:t>Cart</a:t>
+            </a:r>
+            <a:r>
+              <a:rPr lang="de-DE" dirty="0" smtClean="0"/>
+              <a:t>“</a:t>
+            </a:r>
+          </a:p>
+          <a:p>
+            <a:r>
+              <a:rPr lang="de-DE" dirty="0" smtClean="0"/>
+              <a:t>Initial Order…?</a:t>
+            </a:r>
+          </a:p>
+          <a:p>
+            <a:pPr marL="0" indent="0">
+              <a:buNone/>
+            </a:pPr>
+            <a:endParaRPr lang="de-DE" dirty="0" smtClean="0"/>
+          </a:p>
+        </p:txBody>
+      </p:sp>
+    </p:spTree>
+    <p:extLst>
+      <p:ext uri="{BB962C8B-B14F-4D97-AF65-F5344CB8AC3E}">
+        <p14:creationId xmlns:p14="http://schemas.microsoft.com/office/powerpoint/2010/main" val="3525046717"/>
+      </p:ext>
+    </p:extLst>
+  </p:cSld>
+  <p:clrMapOvr>
+    <a:masterClrMapping/>
+  </p:clrMapOvr>
+  <p:timing>
+    <p:tnLst>
+      <p:par>
+        <p:cTn id="1" dur="indefinite" restart="never" nodeType="tmRoot"/>
+      </p:par>
+    </p:tnLst>
+  </p:timing>
+</p:sld>
+</file>
+
+<file path=ppt/slides/slide11.xml><?xml version="1.0" encoding="utf-8"?>
+<p:sld xmlns:a="http://schemas.openxmlformats.org/drawingml/2006/main" xmlns:r="http://schemas.openxmlformats.org/officeDocument/2006/relationships" xmlns:p="http://schemas.openxmlformats.org/presentationml/2006/main">
+  <p:cSld>
+    <p:spTree>
+      <p:nvGrpSpPr>
+        <p:cNvPr id="1" name=""/>
+        <p:cNvGrpSpPr/>
+        <p:nvPr/>
+      </p:nvGrpSpPr>
+      <p:grpSpPr>
+        <a:xfrm>
+          <a:off x="0" y="0"/>
+          <a:ext cx="0" cy="0"/>
+          <a:chOff x="0" y="0"/>
+          <a:chExt cx="0" cy="0"/>
+        </a:xfrm>
+      </p:grpSpPr>
+      <p:sp>
+        <p:nvSpPr>
+          <p:cNvPr id="2" name="Titel 1"/>
+          <p:cNvSpPr>
+            <a:spLocks noGrp="1"/>
+          </p:cNvSpPr>
+          <p:nvPr>
+            <p:ph type="title"/>
+          </p:nvPr>
+        </p:nvSpPr>
+        <p:spPr/>
+        <p:txBody>
+          <a:bodyPr/>
+          <a:lstStyle/>
+          <a:p>
+            <a:r>
+              <a:rPr lang="de-DE" dirty="0" err="1" smtClean="0"/>
+              <a:t>SmartCart</a:t>
+            </a:r>
+            <a:r>
+              <a:rPr lang="de-DE" dirty="0" smtClean="0"/>
+              <a:t> – Business Model</a:t>
+            </a:r>
+            <a:endParaRPr lang="de-DE" dirty="0"/>
+          </a:p>
+        </p:txBody>
+      </p:sp>
+      <p:sp>
+        <p:nvSpPr>
+          <p:cNvPr id="3" name="Inhaltsplatzhalter 2"/>
+          <p:cNvSpPr>
+            <a:spLocks noGrp="1"/>
+          </p:cNvSpPr>
+          <p:nvPr>
+            <p:ph idx="1"/>
+          </p:nvPr>
+        </p:nvSpPr>
+        <p:spPr/>
+        <p:txBody>
+          <a:bodyPr/>
+          <a:lstStyle/>
+          <a:p>
+            <a:r>
+              <a:rPr lang="de-DE" dirty="0" err="1" smtClean="0"/>
+              <a:t>Two</a:t>
+            </a:r>
+            <a:r>
+              <a:rPr lang="de-DE" dirty="0" smtClean="0"/>
+              <a:t> </a:t>
+            </a:r>
+            <a:r>
+              <a:rPr lang="de-DE" dirty="0" err="1" smtClean="0"/>
+              <a:t>main</a:t>
+            </a:r>
+            <a:r>
+              <a:rPr lang="de-DE" dirty="0" smtClean="0"/>
+              <a:t> </a:t>
+            </a:r>
+            <a:r>
+              <a:rPr lang="de-DE" dirty="0" err="1" smtClean="0"/>
+              <a:t>Phases</a:t>
+            </a:r>
+            <a:r>
+              <a:rPr lang="de-DE" dirty="0" smtClean="0"/>
+              <a:t>:</a:t>
+            </a:r>
+          </a:p>
+          <a:p>
+            <a:pPr lvl="1"/>
+            <a:r>
+              <a:rPr lang="de-DE" dirty="0" smtClean="0"/>
+              <a:t>Penetration </a:t>
+            </a:r>
+            <a:r>
+              <a:rPr lang="de-DE" dirty="0" err="1" smtClean="0"/>
+              <a:t>of</a:t>
+            </a:r>
+            <a:r>
+              <a:rPr lang="de-DE" dirty="0" smtClean="0"/>
+              <a:t> </a:t>
+            </a:r>
+            <a:r>
+              <a:rPr lang="de-DE" dirty="0" err="1" smtClean="0"/>
+              <a:t>the</a:t>
+            </a:r>
+            <a:r>
+              <a:rPr lang="de-DE" dirty="0" smtClean="0"/>
+              <a:t> </a:t>
+            </a:r>
+            <a:r>
+              <a:rPr lang="de-DE" dirty="0" err="1" smtClean="0"/>
+              <a:t>market</a:t>
+            </a:r>
+            <a:endParaRPr lang="de-DE" dirty="0" smtClean="0"/>
+          </a:p>
+          <a:p>
+            <a:pPr lvl="1"/>
+            <a:r>
+              <a:rPr lang="de-DE" dirty="0" err="1" smtClean="0"/>
+              <a:t>Earning</a:t>
+            </a:r>
+            <a:r>
+              <a:rPr lang="de-DE" dirty="0" smtClean="0"/>
+              <a:t> Money</a:t>
+            </a:r>
+            <a:endParaRPr lang="de-DE" dirty="0"/>
+          </a:p>
+        </p:txBody>
+      </p:sp>
+      <p:sp>
+        <p:nvSpPr>
+          <p:cNvPr id="4" name="AutoShape 2" descr="Image result for Marktentwicklung"/>
+          <p:cNvSpPr>
+            <a:spLocks noChangeAspect="1" noChangeArrowheads="1"/>
+          </p:cNvSpPr>
+          <p:nvPr/>
+        </p:nvSpPr>
+        <p:spPr bwMode="auto">
+          <a:xfrm>
+            <a:off x="155575" y="-914400"/>
+            <a:ext cx="3952875" cy="1905000"/>
+          </a:xfrm>
+          <a:prstGeom prst="rect">
+            <a:avLst/>
+          </a:prstGeom>
+          <a:noFill/>
+          <a:extLst>
+            <a:ext uri="{909E8E84-426E-40DD-AFC4-6F175D3DCCD1}">
+              <a14:hiddenFill xmlns:a14="http://schemas.microsoft.com/office/drawing/2010/main">
+                <a:solidFill>
+                  <a:srgbClr val="FFFFFF"/>
+                </a:solidFill>
+              </a14:hiddenFill>
+            </a:ext>
+          </a:extLst>
+        </p:spPr>
+        <p:txBody>
+          <a:bodyPr vert="horz" wrap="square" lIns="91440" tIns="45720" rIns="91440" bIns="45720" numCol="1" anchor="t" anchorCtr="0" compatLnSpc="1">
+            <a:prstTxWarp prst="textNoShape">
+              <a:avLst/>
+            </a:prstTxWarp>
+          </a:bodyPr>
+          <a:lstStyle/>
+          <a:p>
+            <a:endParaRPr lang="de-DE"/>
+          </a:p>
+        </p:txBody>
+      </p:sp>
+    </p:spTree>
+    <p:extLst>
+      <p:ext uri="{BB962C8B-B14F-4D97-AF65-F5344CB8AC3E}">
+        <p14:creationId xmlns:p14="http://schemas.microsoft.com/office/powerpoint/2010/main" val="2301295905"/>
+      </p:ext>
+    </p:extLst>
+  </p:cSld>
+  <p:clrMapOvr>
+    <a:masterClrMapping/>
+  </p:clrMapOvr>
+  <p:timing>
+    <p:tnLst>
+      <p:par>
+        <p:cTn id="1" dur="indefinite" restart="never" nodeType="tmRoot"/>
+      </p:par>
+    </p:tnLst>
+  </p:timing>
+</p:sld>
+</file>
+
+<file path=ppt/slides/slide12.xml><?xml version="1.0" encoding="utf-8"?>
+<p:sld xmlns:a="http://schemas.openxmlformats.org/drawingml/2006/main" xmlns:r="http://schemas.openxmlformats.org/officeDocument/2006/relationships" xmlns:p="http://schemas.openxmlformats.org/presentationml/2006/main">
+  <p:cSld>
+    <p:spTree>
+      <p:nvGrpSpPr>
+        <p:cNvPr id="1" name=""/>
+        <p:cNvGrpSpPr/>
+        <p:nvPr/>
+      </p:nvGrpSpPr>
+      <p:grpSpPr>
+        <a:xfrm>
+          <a:off x="0" y="0"/>
+          <a:ext cx="0" cy="0"/>
+          <a:chOff x="0" y="0"/>
+          <a:chExt cx="0" cy="0"/>
+        </a:xfrm>
+      </p:grpSpPr>
+      <p:sp>
+        <p:nvSpPr>
+          <p:cNvPr id="2" name="Titel 1"/>
+          <p:cNvSpPr>
+            <a:spLocks noGrp="1"/>
+          </p:cNvSpPr>
+          <p:nvPr>
+            <p:ph type="title"/>
+          </p:nvPr>
+        </p:nvSpPr>
+        <p:spPr/>
+        <p:txBody>
+          <a:bodyPr/>
+          <a:lstStyle/>
+          <a:p>
+            <a:r>
+              <a:rPr lang="de-DE" dirty="0" err="1" smtClean="0"/>
+              <a:t>SmartCart</a:t>
+            </a:r>
+            <a:r>
+              <a:rPr lang="de-DE" dirty="0" smtClean="0"/>
+              <a:t> – Business Model</a:t>
+            </a:r>
+            <a:endParaRPr lang="de-DE" dirty="0"/>
+          </a:p>
+        </p:txBody>
+      </p:sp>
+      <p:sp>
+        <p:nvSpPr>
+          <p:cNvPr id="3" name="Inhaltsplatzhalter 2"/>
+          <p:cNvSpPr>
+            <a:spLocks noGrp="1"/>
+          </p:cNvSpPr>
+          <p:nvPr>
+            <p:ph idx="1"/>
+          </p:nvPr>
+        </p:nvSpPr>
+        <p:spPr>
+          <a:xfrm>
+            <a:off x="2589212" y="2133600"/>
+            <a:ext cx="5733521" cy="3777622"/>
+          </a:xfrm>
+        </p:spPr>
+        <p:txBody>
+          <a:bodyPr/>
+          <a:lstStyle/>
+          <a:p>
+            <a:r>
+              <a:rPr lang="de-DE" dirty="0" err="1" smtClean="0"/>
+              <a:t>Two</a:t>
+            </a:r>
+            <a:r>
+              <a:rPr lang="de-DE" dirty="0" smtClean="0"/>
+              <a:t> </a:t>
+            </a:r>
+            <a:r>
+              <a:rPr lang="de-DE" dirty="0" err="1" smtClean="0"/>
+              <a:t>versions</a:t>
+            </a:r>
+            <a:r>
+              <a:rPr lang="de-DE" dirty="0" smtClean="0"/>
+              <a:t> </a:t>
+            </a:r>
+            <a:r>
+              <a:rPr lang="de-DE" dirty="0" err="1" smtClean="0"/>
+              <a:t>of</a:t>
+            </a:r>
+            <a:r>
+              <a:rPr lang="de-DE" dirty="0" smtClean="0"/>
+              <a:t> </a:t>
+            </a:r>
+            <a:r>
+              <a:rPr lang="de-DE" dirty="0" err="1" smtClean="0"/>
+              <a:t>SmartCart</a:t>
+            </a:r>
+            <a:endParaRPr lang="de-DE" dirty="0" smtClean="0"/>
+          </a:p>
+          <a:p>
+            <a:pPr lvl="1"/>
+            <a:r>
+              <a:rPr lang="de-DE" dirty="0" smtClean="0"/>
+              <a:t>Basic Version (</a:t>
+            </a:r>
+            <a:r>
+              <a:rPr lang="de-DE" dirty="0" err="1" smtClean="0"/>
+              <a:t>free</a:t>
+            </a:r>
+            <a:r>
+              <a:rPr lang="de-DE" dirty="0" smtClean="0"/>
+              <a:t>)</a:t>
+            </a:r>
+          </a:p>
+          <a:p>
+            <a:pPr lvl="1"/>
+            <a:r>
+              <a:rPr lang="de-DE" dirty="0" smtClean="0"/>
+              <a:t>Pro Version (1.99 €)</a:t>
+            </a:r>
+          </a:p>
+          <a:p>
+            <a:r>
+              <a:rPr lang="de-DE" dirty="0" smtClean="0"/>
+              <a:t>Basic Version will </a:t>
+            </a:r>
+            <a:r>
+              <a:rPr lang="de-DE" dirty="0" err="1" smtClean="0"/>
+              <a:t>show</a:t>
+            </a:r>
+            <a:r>
+              <a:rPr lang="de-DE" dirty="0" smtClean="0"/>
+              <a:t> </a:t>
+            </a:r>
+            <a:r>
+              <a:rPr lang="de-DE" dirty="0" err="1" smtClean="0"/>
+              <a:t>ads</a:t>
+            </a:r>
+            <a:r>
+              <a:rPr lang="de-DE" dirty="0" smtClean="0"/>
+              <a:t> </a:t>
+            </a:r>
+            <a:r>
+              <a:rPr lang="de-DE" dirty="0" err="1" smtClean="0"/>
+              <a:t>of</a:t>
+            </a:r>
+            <a:r>
+              <a:rPr lang="de-DE" dirty="0" smtClean="0"/>
+              <a:t> </a:t>
+            </a:r>
+            <a:r>
+              <a:rPr lang="de-DE" dirty="0" err="1" smtClean="0"/>
+              <a:t>the</a:t>
+            </a:r>
+            <a:r>
+              <a:rPr lang="de-DE" dirty="0" smtClean="0"/>
+              <a:t> </a:t>
+            </a:r>
+            <a:r>
+              <a:rPr lang="de-DE" dirty="0" err="1" smtClean="0"/>
+              <a:t>grocery</a:t>
+            </a:r>
+            <a:r>
+              <a:rPr lang="de-DE" dirty="0" smtClean="0"/>
+              <a:t> </a:t>
+            </a:r>
+            <a:r>
+              <a:rPr lang="de-DE" dirty="0" err="1" smtClean="0"/>
+              <a:t>that</a:t>
+            </a:r>
+            <a:r>
+              <a:rPr lang="de-DE" dirty="0" smtClean="0"/>
+              <a:t> </a:t>
+            </a:r>
+            <a:r>
+              <a:rPr lang="de-DE" dirty="0" err="1" smtClean="0"/>
+              <a:t>is</a:t>
+            </a:r>
+            <a:r>
+              <a:rPr lang="de-DE" dirty="0" smtClean="0"/>
+              <a:t> </a:t>
+            </a:r>
+            <a:r>
+              <a:rPr lang="de-DE" dirty="0" err="1" smtClean="0"/>
+              <a:t>entered</a:t>
+            </a:r>
+            <a:endParaRPr lang="de-DE" dirty="0" smtClean="0"/>
+          </a:p>
+          <a:p>
+            <a:endParaRPr lang="de-DE" dirty="0"/>
+          </a:p>
+          <a:p>
+            <a:r>
+              <a:rPr lang="de-DE" dirty="0" smtClean="0"/>
+              <a:t>First </a:t>
+            </a:r>
+            <a:r>
+              <a:rPr lang="de-DE" dirty="0" err="1" smtClean="0"/>
+              <a:t>users</a:t>
+            </a:r>
+            <a:r>
+              <a:rPr lang="de-DE" dirty="0" smtClean="0"/>
+              <a:t> will </a:t>
+            </a:r>
+            <a:r>
+              <a:rPr lang="de-DE" dirty="0" err="1" smtClean="0"/>
+              <a:t>get</a:t>
+            </a:r>
+            <a:r>
+              <a:rPr lang="de-DE" dirty="0" smtClean="0"/>
+              <a:t> a </a:t>
+            </a:r>
+            <a:r>
+              <a:rPr lang="de-DE" dirty="0" err="1" smtClean="0"/>
+              <a:t>free</a:t>
+            </a:r>
+            <a:r>
+              <a:rPr lang="de-DE" dirty="0" smtClean="0"/>
+              <a:t> Pro Version</a:t>
+            </a:r>
+          </a:p>
+          <a:p>
+            <a:r>
+              <a:rPr lang="de-DE" dirty="0" smtClean="0"/>
+              <a:t>First ad </a:t>
+            </a:r>
+            <a:r>
+              <a:rPr lang="de-DE" dirty="0" err="1" smtClean="0"/>
+              <a:t>placements</a:t>
+            </a:r>
+            <a:r>
+              <a:rPr lang="de-DE" dirty="0" smtClean="0"/>
+              <a:t> will </a:t>
+            </a:r>
+            <a:r>
+              <a:rPr lang="de-DE" dirty="0" err="1" smtClean="0"/>
+              <a:t>be</a:t>
+            </a:r>
+            <a:r>
+              <a:rPr lang="de-DE" dirty="0" smtClean="0"/>
+              <a:t> </a:t>
+            </a:r>
+            <a:r>
+              <a:rPr lang="de-DE" dirty="0" err="1" smtClean="0"/>
+              <a:t>free</a:t>
+            </a:r>
+            <a:r>
+              <a:rPr lang="de-DE" dirty="0" smtClean="0"/>
+              <a:t>, </a:t>
+            </a:r>
+            <a:r>
+              <a:rPr lang="de-DE" dirty="0" err="1" smtClean="0"/>
+              <a:t>if</a:t>
+            </a:r>
+            <a:r>
+              <a:rPr lang="de-DE" dirty="0" smtClean="0"/>
+              <a:t> </a:t>
+            </a:r>
+            <a:r>
+              <a:rPr lang="de-DE" dirty="0" err="1" smtClean="0"/>
+              <a:t>the</a:t>
+            </a:r>
+            <a:r>
+              <a:rPr lang="de-DE" dirty="0" smtClean="0"/>
+              <a:t> </a:t>
+            </a:r>
+            <a:r>
+              <a:rPr lang="de-DE" dirty="0" err="1" smtClean="0"/>
+              <a:t>market</a:t>
+            </a:r>
+            <a:r>
+              <a:rPr lang="de-DE" dirty="0" smtClean="0"/>
+              <a:t> </a:t>
+            </a:r>
+            <a:r>
+              <a:rPr lang="de-DE" dirty="0" err="1" smtClean="0"/>
+              <a:t>contributes</a:t>
+            </a:r>
+            <a:r>
+              <a:rPr lang="de-DE" dirty="0" smtClean="0"/>
+              <a:t> in </a:t>
+            </a:r>
+            <a:r>
+              <a:rPr lang="de-DE" dirty="0" err="1" smtClean="0"/>
+              <a:t>collecting</a:t>
+            </a:r>
+            <a:r>
+              <a:rPr lang="de-DE" dirty="0" smtClean="0"/>
+              <a:t> </a:t>
+            </a:r>
+            <a:r>
+              <a:rPr lang="de-DE" dirty="0" err="1" smtClean="0"/>
+              <a:t>data</a:t>
+            </a:r>
+            <a:endParaRPr lang="de-DE" dirty="0" smtClean="0"/>
+          </a:p>
+        </p:txBody>
+      </p:sp>
+      <p:pic>
+        <p:nvPicPr>
+          <p:cNvPr id="5" name="Grafik 4"/>
+          <p:cNvPicPr>
+            <a:picLocks noChangeAspect="1"/>
+          </p:cNvPicPr>
+          <p:nvPr/>
+        </p:nvPicPr>
+        <p:blipFill>
+          <a:blip r:embed="rId2">
+            <a:extLst>
+              <a:ext uri="{28A0092B-C50C-407E-A947-70E740481C1C}">
+                <a14:useLocalDpi xmlns:a14="http://schemas.microsoft.com/office/drawing/2010/main" val="0"/>
+              </a:ext>
+            </a:extLst>
+          </a:blip>
+          <a:stretch>
+            <a:fillRect/>
+          </a:stretch>
+        </p:blipFill>
+        <p:spPr>
+          <a:xfrm>
+            <a:off x="8582800" y="2133600"/>
+            <a:ext cx="1983600" cy="3875649"/>
+          </a:xfrm>
+          <a:prstGeom prst="rect">
+            <a:avLst/>
+          </a:prstGeom>
+        </p:spPr>
+      </p:pic>
+    </p:spTree>
+    <p:extLst>
+      <p:ext uri="{BB962C8B-B14F-4D97-AF65-F5344CB8AC3E}">
+        <p14:creationId xmlns:p14="http://schemas.microsoft.com/office/powerpoint/2010/main" val="2258425912"/>
+      </p:ext>
+    </p:extLst>
+  </p:cSld>
+  <p:clrMapOvr>
+    <a:masterClrMapping/>
+  </p:clrMapOvr>
+  <p:timing>
+    <p:tnLst>
+      <p:par>
+        <p:cTn id="1" dur="indefinite" restart="never" nodeType="tmRoot"/>
+      </p:par>
+    </p:tnLst>
+  </p:timing>
+</p:sld>
+</file>
+
+<file path=ppt/slides/slide13.xml><?xml version="1.0" encoding="utf-8"?>
+<p:sld xmlns:a="http://schemas.openxmlformats.org/drawingml/2006/main" xmlns:r="http://schemas.openxmlformats.org/officeDocument/2006/relationships" xmlns:p="http://schemas.openxmlformats.org/presentationml/2006/main">
+  <p:cSld>
+    <p:spTree>
+      <p:nvGrpSpPr>
+        <p:cNvPr id="1" name=""/>
+        <p:cNvGrpSpPr/>
+        <p:nvPr/>
+      </p:nvGrpSpPr>
+      <p:grpSpPr>
+        <a:xfrm>
+          <a:off x="0" y="0"/>
+          <a:ext cx="0" cy="0"/>
+          <a:chOff x="0" y="0"/>
+          <a:chExt cx="0" cy="0"/>
+        </a:xfrm>
+      </p:grpSpPr>
+      <p:sp>
+        <p:nvSpPr>
+          <p:cNvPr id="2" name="Titel 1"/>
+          <p:cNvSpPr>
+            <a:spLocks noGrp="1"/>
+          </p:cNvSpPr>
+          <p:nvPr>
+            <p:ph type="title"/>
+          </p:nvPr>
+        </p:nvSpPr>
+        <p:spPr/>
+        <p:txBody>
+          <a:bodyPr/>
+          <a:lstStyle/>
+          <a:p>
+            <a:r>
+              <a:rPr lang="de-DE" dirty="0" err="1" smtClean="0"/>
+              <a:t>SmartCart</a:t>
+            </a:r>
+            <a:r>
+              <a:rPr lang="de-DE" dirty="0" smtClean="0"/>
+              <a:t> – Big Picture</a:t>
+            </a:r>
+            <a:endParaRPr lang="de-DE" dirty="0"/>
+          </a:p>
+        </p:txBody>
+      </p:sp>
+      <p:pic>
+        <p:nvPicPr>
+          <p:cNvPr id="4" name="Inhaltsplatzhalter 3"/>
+          <p:cNvPicPr>
+            <a:picLocks noGrp="1" noChangeAspect="1"/>
+          </p:cNvPicPr>
+          <p:nvPr>
+            <p:ph idx="1"/>
+          </p:nvPr>
+        </p:nvPicPr>
+        <p:blipFill>
+          <a:blip r:embed="rId2">
+            <a:extLst>
+              <a:ext uri="{28A0092B-C50C-407E-A947-70E740481C1C}">
+                <a14:useLocalDpi xmlns:a14="http://schemas.microsoft.com/office/drawing/2010/main" val="0"/>
+              </a:ext>
+            </a:extLst>
+          </a:blip>
+          <a:stretch>
+            <a:fillRect/>
+          </a:stretch>
+        </p:blipFill>
+        <p:spPr>
+          <a:xfrm>
+            <a:off x="4970905" y="2065866"/>
+            <a:ext cx="1933750" cy="3778250"/>
+          </a:xfrm>
+        </p:spPr>
+      </p:pic>
+      <p:pic>
+        <p:nvPicPr>
+          <p:cNvPr id="5" name="Grafik 4"/>
+          <p:cNvPicPr>
+            <a:picLocks noChangeAspect="1"/>
+          </p:cNvPicPr>
+          <p:nvPr/>
+        </p:nvPicPr>
+        <p:blipFill>
+          <a:blip r:embed="rId3">
+            <a:extLst>
+              <a:ext uri="{28A0092B-C50C-407E-A947-70E740481C1C}">
+                <a14:useLocalDpi xmlns:a14="http://schemas.microsoft.com/office/drawing/2010/main" val="0"/>
+              </a:ext>
+            </a:extLst>
+          </a:blip>
+          <a:stretch>
+            <a:fillRect/>
+          </a:stretch>
+        </p:blipFill>
+        <p:spPr>
+          <a:xfrm>
+            <a:off x="10209270" y="1541142"/>
+            <a:ext cx="1236075" cy="1236075"/>
+          </a:xfrm>
+          <a:prstGeom prst="rect">
+            <a:avLst/>
+          </a:prstGeom>
+        </p:spPr>
+      </p:pic>
+      <p:pic>
+        <p:nvPicPr>
+          <p:cNvPr id="6" name="Grafik 5"/>
+          <p:cNvPicPr>
+            <a:picLocks noChangeAspect="1"/>
+          </p:cNvPicPr>
+          <p:nvPr/>
+        </p:nvPicPr>
+        <p:blipFill>
+          <a:blip r:embed="rId4">
+            <a:extLst>
+              <a:ext uri="{28A0092B-C50C-407E-A947-70E740481C1C}">
+                <a14:useLocalDpi xmlns:a14="http://schemas.microsoft.com/office/drawing/2010/main" val="0"/>
+              </a:ext>
+            </a:extLst>
+          </a:blip>
+          <a:stretch>
+            <a:fillRect/>
+          </a:stretch>
+        </p:blipFill>
+        <p:spPr>
+          <a:xfrm>
+            <a:off x="7727070" y="5132019"/>
+            <a:ext cx="1719052" cy="902500"/>
+          </a:xfrm>
+          <a:prstGeom prst="rect">
+            <a:avLst/>
+          </a:prstGeom>
+        </p:spPr>
+      </p:pic>
+      <p:pic>
+        <p:nvPicPr>
+          <p:cNvPr id="7" name="Grafik 6"/>
+          <p:cNvPicPr>
+            <a:picLocks noChangeAspect="1"/>
+          </p:cNvPicPr>
+          <p:nvPr/>
+        </p:nvPicPr>
+        <p:blipFill>
+          <a:blip r:embed="rId5">
+            <a:extLst>
+              <a:ext uri="{28A0092B-C50C-407E-A947-70E740481C1C}">
+                <a14:useLocalDpi xmlns:a14="http://schemas.microsoft.com/office/drawing/2010/main" val="0"/>
+              </a:ext>
+            </a:extLst>
+          </a:blip>
+          <a:stretch>
+            <a:fillRect/>
+          </a:stretch>
+        </p:blipFill>
+        <p:spPr>
+          <a:xfrm>
+            <a:off x="9118369" y="3434108"/>
+            <a:ext cx="1959271" cy="1270673"/>
+          </a:xfrm>
+          <a:prstGeom prst="rect">
+            <a:avLst/>
+          </a:prstGeom>
+        </p:spPr>
+      </p:pic>
+      <p:pic>
+        <p:nvPicPr>
+          <p:cNvPr id="8" name="Grafik 7"/>
+          <p:cNvPicPr>
+            <a:picLocks noChangeAspect="1"/>
+          </p:cNvPicPr>
+          <p:nvPr/>
+        </p:nvPicPr>
+        <p:blipFill>
+          <a:blip r:embed="rId6">
+            <a:extLst>
+              <a:ext uri="{28A0092B-C50C-407E-A947-70E740481C1C}">
+                <a14:useLocalDpi xmlns:a14="http://schemas.microsoft.com/office/drawing/2010/main" val="0"/>
+              </a:ext>
+            </a:extLst>
+          </a:blip>
+          <a:stretch>
+            <a:fillRect/>
+          </a:stretch>
+        </p:blipFill>
+        <p:spPr>
+          <a:xfrm>
+            <a:off x="999347" y="3492723"/>
+            <a:ext cx="1647777" cy="1153444"/>
+          </a:xfrm>
+          <a:prstGeom prst="rect">
+            <a:avLst/>
+          </a:prstGeom>
+        </p:spPr>
+      </p:pic>
+      <p:pic>
+        <p:nvPicPr>
+          <p:cNvPr id="9" name="Grafik 8"/>
+          <p:cNvPicPr>
+            <a:picLocks noChangeAspect="1"/>
+          </p:cNvPicPr>
+          <p:nvPr/>
+        </p:nvPicPr>
+        <p:blipFill>
+          <a:blip r:embed="rId7">
+            <a:extLst>
+              <a:ext uri="{28A0092B-C50C-407E-A947-70E740481C1C}">
+                <a14:useLocalDpi xmlns:a14="http://schemas.microsoft.com/office/drawing/2010/main" val="0"/>
+              </a:ext>
+            </a:extLst>
+          </a:blip>
+          <a:stretch>
+            <a:fillRect/>
+          </a:stretch>
+        </p:blipFill>
+        <p:spPr>
+          <a:xfrm>
+            <a:off x="348857" y="1608470"/>
+            <a:ext cx="2616200" cy="1101420"/>
+          </a:xfrm>
+          <a:prstGeom prst="rect">
+            <a:avLst/>
+          </a:prstGeom>
+        </p:spPr>
+      </p:pic>
+      <p:pic>
+        <p:nvPicPr>
+          <p:cNvPr id="10" name="Grafik 9"/>
+          <p:cNvPicPr>
+            <a:picLocks noChangeAspect="1"/>
+          </p:cNvPicPr>
+          <p:nvPr/>
+        </p:nvPicPr>
+        <p:blipFill>
+          <a:blip r:embed="rId8">
+            <a:extLst>
+              <a:ext uri="{28A0092B-C50C-407E-A947-70E740481C1C}">
+                <a14:useLocalDpi xmlns:a14="http://schemas.microsoft.com/office/drawing/2010/main" val="0"/>
+              </a:ext>
+            </a:extLst>
+          </a:blip>
+          <a:stretch>
+            <a:fillRect/>
+          </a:stretch>
+        </p:blipFill>
+        <p:spPr>
+          <a:xfrm>
+            <a:off x="2592925" y="4923815"/>
+            <a:ext cx="1318909" cy="1318909"/>
+          </a:xfrm>
+          <a:prstGeom prst="rect">
+            <a:avLst/>
+          </a:prstGeom>
+        </p:spPr>
+      </p:pic>
+    </p:spTree>
+    <p:extLst>
+      <p:ext uri="{BB962C8B-B14F-4D97-AF65-F5344CB8AC3E}">
+        <p14:creationId xmlns:p14="http://schemas.microsoft.com/office/powerpoint/2010/main" val="711029040"/>
+      </p:ext>
+    </p:extLst>
+  </p:cSld>
+  <p:clrMapOvr>
+    <a:masterClrMapping/>
+  </p:clrMapOvr>
+  <p:timing>
+    <p:tnLst>
+      <p:par>
+        <p:cTn id="1" dur="indefinite" restart="never" nodeType="tmRoot"/>
+      </p:par>
+    </p:tnLst>
+  </p:timing>
+</p:sld>
+</file>
+
+<file path=ppt/slides/slide2.xml><?xml version="1.0" encoding="utf-8"?>
+<p:sld xmlns:a="http://schemas.openxmlformats.org/drawingml/2006/main" xmlns:r="http://schemas.openxmlformats.org/officeDocument/2006/relationships" xmlns:p="http://schemas.openxmlformats.org/presentationml/2006/main">
+  <p:cSld>
+    <p:spTree>
+      <p:nvGrpSpPr>
+        <p:cNvPr id="1" name=""/>
+        <p:cNvGrpSpPr/>
+        <p:nvPr/>
+      </p:nvGrpSpPr>
+      <p:grpSpPr>
+        <a:xfrm>
+          <a:off x="0" y="0"/>
+          <a:ext cx="0" cy="0"/>
+          <a:chOff x="0" y="0"/>
+          <a:chExt cx="0" cy="0"/>
+        </a:xfrm>
+      </p:grpSpPr>
+      <p:sp>
+        <p:nvSpPr>
+          <p:cNvPr id="2" name="Titel 1"/>
+          <p:cNvSpPr>
+            <a:spLocks noGrp="1"/>
+          </p:cNvSpPr>
+          <p:nvPr>
+            <p:ph type="title"/>
+          </p:nvPr>
+        </p:nvSpPr>
+        <p:spPr/>
+        <p:txBody>
+          <a:bodyPr/>
+          <a:lstStyle/>
+          <a:p>
+            <a:r>
+              <a:rPr lang="de-DE" dirty="0" err="1" smtClean="0"/>
+              <a:t>SmartCart</a:t>
+            </a:r>
+            <a:r>
+              <a:rPr lang="de-DE" dirty="0" smtClean="0"/>
+              <a:t> – Agenda </a:t>
+            </a:r>
+            <a:endParaRPr lang="de-DE" dirty="0"/>
+          </a:p>
+        </p:txBody>
+      </p:sp>
+      <p:sp>
+        <p:nvSpPr>
+          <p:cNvPr id="3" name="Inhaltsplatzhalter 2"/>
+          <p:cNvSpPr>
+            <a:spLocks noGrp="1"/>
+          </p:cNvSpPr>
+          <p:nvPr>
+            <p:ph idx="1"/>
+          </p:nvPr>
+        </p:nvSpPr>
+        <p:spPr>
+          <a:xfrm>
+            <a:off x="2589212" y="2133600"/>
+            <a:ext cx="4268788" cy="3777622"/>
+          </a:xfrm>
+        </p:spPr>
+        <p:txBody>
+          <a:bodyPr/>
+          <a:lstStyle/>
+          <a:p>
+            <a:r>
+              <a:rPr lang="de-DE" dirty="0" smtClean="0"/>
+              <a:t>Technical </a:t>
+            </a:r>
+            <a:r>
+              <a:rPr lang="de-DE" dirty="0" err="1" smtClean="0"/>
+              <a:t>Overview</a:t>
+            </a:r>
+            <a:endParaRPr lang="de-DE" dirty="0" smtClean="0"/>
+          </a:p>
+          <a:p>
+            <a:pPr lvl="1"/>
+            <a:r>
+              <a:rPr lang="de-DE" dirty="0" err="1" smtClean="0"/>
+              <a:t>Use</a:t>
+            </a:r>
+            <a:r>
+              <a:rPr lang="de-DE" dirty="0" smtClean="0"/>
+              <a:t> Cases</a:t>
+            </a:r>
+          </a:p>
+          <a:p>
+            <a:pPr lvl="1"/>
+            <a:r>
+              <a:rPr lang="de-DE" dirty="0" smtClean="0"/>
+              <a:t>State </a:t>
+            </a:r>
+            <a:r>
+              <a:rPr lang="de-DE" dirty="0" err="1" smtClean="0"/>
+              <a:t>Machine</a:t>
+            </a:r>
+            <a:endParaRPr lang="de-DE" dirty="0" smtClean="0"/>
+          </a:p>
+          <a:p>
+            <a:pPr lvl="1"/>
+            <a:r>
+              <a:rPr lang="de-DE" dirty="0" smtClean="0"/>
+              <a:t>Data Model</a:t>
+            </a:r>
+            <a:endParaRPr lang="de-DE" dirty="0" smtClean="0"/>
+          </a:p>
+          <a:p>
+            <a:r>
+              <a:rPr lang="de-DE" dirty="0" smtClean="0"/>
+              <a:t>Business Model</a:t>
+            </a:r>
+          </a:p>
+          <a:p>
+            <a:r>
+              <a:rPr lang="de-DE" dirty="0"/>
+              <a:t>Big Picture</a:t>
+            </a:r>
+          </a:p>
+          <a:p>
+            <a:r>
+              <a:rPr lang="de-DE" dirty="0" smtClean="0"/>
+              <a:t>Mock </a:t>
+            </a:r>
+            <a:r>
+              <a:rPr lang="de-DE" dirty="0" err="1" smtClean="0"/>
+              <a:t>Up</a:t>
+            </a:r>
+            <a:endParaRPr lang="de-DE" dirty="0"/>
+          </a:p>
+        </p:txBody>
+      </p:sp>
+      <p:pic>
+        <p:nvPicPr>
+          <p:cNvPr id="4" name="Grafik 3"/>
+          <p:cNvPicPr>
+            <a:picLocks noChangeAspect="1"/>
+          </p:cNvPicPr>
+          <p:nvPr/>
+        </p:nvPicPr>
+        <p:blipFill>
+          <a:blip r:embed="rId2">
+            <a:extLst>
+              <a:ext uri="{28A0092B-C50C-407E-A947-70E740481C1C}">
+                <a14:useLocalDpi xmlns:a14="http://schemas.microsoft.com/office/drawing/2010/main" val="0"/>
+              </a:ext>
+            </a:extLst>
+          </a:blip>
+          <a:stretch>
+            <a:fillRect/>
+          </a:stretch>
+        </p:blipFill>
+        <p:spPr>
+          <a:xfrm>
+            <a:off x="7556500" y="3488266"/>
+            <a:ext cx="3937001" cy="2624667"/>
+          </a:xfrm>
+          <a:prstGeom prst="rect">
+            <a:avLst/>
+          </a:prstGeom>
+        </p:spPr>
+      </p:pic>
+      <p:pic>
+        <p:nvPicPr>
+          <p:cNvPr id="6" name="Grafik 5"/>
+          <p:cNvPicPr>
+            <a:picLocks noChangeAspect="1"/>
+          </p:cNvPicPr>
+          <p:nvPr/>
+        </p:nvPicPr>
+        <p:blipFill>
+          <a:blip r:embed="rId3"/>
+          <a:stretch>
+            <a:fillRect/>
+          </a:stretch>
+        </p:blipFill>
+        <p:spPr>
+          <a:xfrm>
+            <a:off x="8853963" y="4464050"/>
+            <a:ext cx="2650649" cy="1648883"/>
+          </a:xfrm>
+          <a:prstGeom prst="rect">
+            <a:avLst/>
+          </a:prstGeom>
+        </p:spPr>
+      </p:pic>
+    </p:spTree>
+    <p:extLst>
+      <p:ext uri="{BB962C8B-B14F-4D97-AF65-F5344CB8AC3E}">
+        <p14:creationId xmlns:p14="http://schemas.microsoft.com/office/powerpoint/2010/main" val="3610768045"/>
+      </p:ext>
+    </p:extLst>
+  </p:cSld>
+  <p:clrMapOvr>
+    <a:masterClrMapping/>
+  </p:clrMapOvr>
+  <p:timing>
+    <p:tnLst>
+      <p:par>
+        <p:cTn id="1" dur="indefinite" restart="never" nodeType="tmRoot"/>
+      </p:par>
+    </p:tnLst>
+  </p:timing>
+</p:sld>
+</file>
+
+<file path=ppt/slides/slide3.xml><?xml version="1.0" encoding="utf-8"?>
+<p:sld xmlns:a="http://schemas.openxmlformats.org/drawingml/2006/main" xmlns:r="http://schemas.openxmlformats.org/officeDocument/2006/relationships" xmlns:p="http://schemas.openxmlformats.org/presentationml/2006/main">
+  <p:cSld>
+    <p:spTree>
+      <p:nvGrpSpPr>
+        <p:cNvPr id="1" name=""/>
+        <p:cNvGrpSpPr/>
+        <p:nvPr/>
+      </p:nvGrpSpPr>
+      <p:grpSpPr>
+        <a:xfrm>
+          <a:off x="0" y="0"/>
+          <a:ext cx="0" cy="0"/>
+          <a:chOff x="0" y="0"/>
+          <a:chExt cx="0" cy="0"/>
+        </a:xfrm>
+      </p:grpSpPr>
+      <p:sp>
+        <p:nvSpPr>
+          <p:cNvPr id="2" name="Titel 1"/>
+          <p:cNvSpPr>
+            <a:spLocks noGrp="1"/>
+          </p:cNvSpPr>
+          <p:nvPr>
+            <p:ph type="title"/>
+          </p:nvPr>
+        </p:nvSpPr>
+        <p:spPr/>
+        <p:txBody>
+          <a:bodyPr/>
+          <a:lstStyle/>
+          <a:p>
+            <a:r>
+              <a:rPr lang="de-DE" dirty="0" err="1" smtClean="0"/>
+              <a:t>SmartCart</a:t>
+            </a:r>
+            <a:r>
+              <a:rPr lang="de-DE" dirty="0" smtClean="0"/>
+              <a:t> </a:t>
+            </a:r>
+            <a:r>
+              <a:rPr lang="de-DE" dirty="0" err="1" smtClean="0"/>
+              <a:t>offers</a:t>
+            </a:r>
+            <a:r>
+              <a:rPr lang="de-DE" dirty="0" smtClean="0"/>
+              <a:t>…</a:t>
+            </a:r>
+            <a:endParaRPr lang="de-DE" dirty="0"/>
+          </a:p>
+        </p:txBody>
+      </p:sp>
+      <p:sp>
+        <p:nvSpPr>
+          <p:cNvPr id="3" name="Inhaltsplatzhalter 2"/>
+          <p:cNvSpPr>
+            <a:spLocks noGrp="1"/>
+          </p:cNvSpPr>
+          <p:nvPr>
+            <p:ph idx="1"/>
+          </p:nvPr>
+        </p:nvSpPr>
+        <p:spPr>
+          <a:xfrm>
+            <a:off x="2589212" y="2207171"/>
+            <a:ext cx="8915400" cy="3315138"/>
+          </a:xfrm>
+        </p:spPr>
+        <p:txBody>
+          <a:bodyPr>
+            <a:normAutofit/>
+          </a:bodyPr>
+          <a:lstStyle/>
+          <a:p>
+            <a:r>
+              <a:rPr lang="de-DE" dirty="0" smtClean="0"/>
+              <a:t>A </a:t>
+            </a:r>
+            <a:r>
+              <a:rPr lang="de-DE" dirty="0" err="1" smtClean="0"/>
+              <a:t>way</a:t>
+            </a:r>
+            <a:r>
+              <a:rPr lang="de-DE" dirty="0" smtClean="0"/>
+              <a:t> </a:t>
+            </a:r>
+            <a:r>
+              <a:rPr lang="de-DE" dirty="0" err="1" smtClean="0"/>
+              <a:t>of</a:t>
+            </a:r>
+            <a:r>
+              <a:rPr lang="de-DE" dirty="0" smtClean="0"/>
+              <a:t> </a:t>
+            </a:r>
+            <a:r>
+              <a:rPr lang="de-DE" dirty="0" err="1" smtClean="0"/>
+              <a:t>organizing</a:t>
+            </a:r>
+            <a:r>
+              <a:rPr lang="de-DE" dirty="0" smtClean="0"/>
+              <a:t> </a:t>
+            </a:r>
+            <a:r>
+              <a:rPr lang="de-DE" dirty="0" err="1" smtClean="0"/>
+              <a:t>themselves</a:t>
+            </a:r>
+            <a:endParaRPr lang="de-DE" dirty="0" smtClean="0"/>
+          </a:p>
+          <a:p>
+            <a:r>
+              <a:rPr lang="de-DE" dirty="0" smtClean="0"/>
+              <a:t>A </a:t>
+            </a:r>
+            <a:r>
+              <a:rPr lang="de-DE" dirty="0" err="1" smtClean="0"/>
+              <a:t>way</a:t>
+            </a:r>
+            <a:r>
+              <a:rPr lang="de-DE" dirty="0" smtClean="0"/>
+              <a:t> </a:t>
+            </a:r>
+            <a:r>
+              <a:rPr lang="de-DE" dirty="0" err="1" smtClean="0"/>
+              <a:t>of</a:t>
+            </a:r>
+            <a:r>
+              <a:rPr lang="de-DE" dirty="0" smtClean="0"/>
+              <a:t> </a:t>
+            </a:r>
+            <a:r>
+              <a:rPr lang="de-DE" dirty="0" err="1" smtClean="0"/>
+              <a:t>genious</a:t>
+            </a:r>
+            <a:r>
+              <a:rPr lang="de-DE" dirty="0" smtClean="0"/>
+              <a:t> Shopping</a:t>
+            </a:r>
+          </a:p>
+          <a:p>
+            <a:r>
+              <a:rPr lang="de-DE" dirty="0" smtClean="0"/>
+              <a:t>More time </a:t>
+            </a:r>
+            <a:r>
+              <a:rPr lang="de-DE" dirty="0" err="1" smtClean="0"/>
+              <a:t>for</a:t>
+            </a:r>
+            <a:r>
+              <a:rPr lang="de-DE" dirty="0" smtClean="0"/>
+              <a:t> </a:t>
+            </a:r>
+            <a:r>
+              <a:rPr lang="de-DE" dirty="0" err="1" smtClean="0"/>
+              <a:t>the</a:t>
+            </a:r>
+            <a:r>
+              <a:rPr lang="de-DE" dirty="0" smtClean="0"/>
+              <a:t> </a:t>
+            </a:r>
+            <a:r>
+              <a:rPr lang="de-DE" dirty="0" err="1" smtClean="0"/>
+              <a:t>important</a:t>
+            </a:r>
+            <a:r>
+              <a:rPr lang="de-DE" dirty="0" smtClean="0"/>
+              <a:t> </a:t>
+            </a:r>
+            <a:r>
+              <a:rPr lang="de-DE" dirty="0"/>
+              <a:t>T</a:t>
+            </a:r>
+            <a:r>
+              <a:rPr lang="de-DE" dirty="0" smtClean="0"/>
+              <a:t>hings in Life!</a:t>
+            </a:r>
+          </a:p>
+          <a:p>
+            <a:endParaRPr lang="de-DE" dirty="0"/>
+          </a:p>
+          <a:p>
+            <a:endParaRPr lang="de-DE" dirty="0" smtClean="0"/>
+          </a:p>
+          <a:p>
+            <a:r>
+              <a:rPr lang="de-DE" dirty="0" smtClean="0"/>
+              <a:t>The </a:t>
+            </a:r>
+            <a:r>
+              <a:rPr lang="de-DE" dirty="0" err="1"/>
+              <a:t>P</a:t>
+            </a:r>
+            <a:r>
+              <a:rPr lang="de-DE" dirty="0" err="1" smtClean="0"/>
+              <a:t>ossibility</a:t>
+            </a:r>
+            <a:r>
+              <a:rPr lang="de-DE" dirty="0" smtClean="0"/>
+              <a:t> </a:t>
+            </a:r>
+            <a:r>
+              <a:rPr lang="de-DE" dirty="0" err="1" smtClean="0"/>
+              <a:t>to</a:t>
+            </a:r>
+            <a:r>
+              <a:rPr lang="de-DE" dirty="0" smtClean="0"/>
+              <a:t> </a:t>
+            </a:r>
+            <a:r>
+              <a:rPr lang="de-DE" dirty="0" err="1" smtClean="0"/>
+              <a:t>place</a:t>
+            </a:r>
+            <a:r>
+              <a:rPr lang="de-DE" dirty="0" smtClean="0"/>
+              <a:t> </a:t>
+            </a:r>
+            <a:r>
+              <a:rPr lang="de-DE" dirty="0"/>
+              <a:t>A</a:t>
+            </a:r>
+            <a:r>
+              <a:rPr lang="de-DE" dirty="0" smtClean="0"/>
+              <a:t>ds</a:t>
+            </a:r>
+          </a:p>
+          <a:p>
+            <a:r>
+              <a:rPr lang="de-DE" dirty="0" smtClean="0"/>
+              <a:t>A relaxed Customer </a:t>
+            </a:r>
+            <a:r>
+              <a:rPr lang="de-DE" dirty="0" err="1" smtClean="0"/>
+              <a:t>that</a:t>
+            </a:r>
+            <a:r>
+              <a:rPr lang="de-DE" dirty="0" smtClean="0"/>
+              <a:t> </a:t>
+            </a:r>
+            <a:r>
+              <a:rPr lang="de-DE" dirty="0" err="1" smtClean="0"/>
+              <a:t>enjoys</a:t>
+            </a:r>
+            <a:r>
+              <a:rPr lang="de-DE" dirty="0" smtClean="0"/>
+              <a:t> </a:t>
+            </a:r>
+            <a:r>
+              <a:rPr lang="de-DE" dirty="0" err="1" smtClean="0"/>
+              <a:t>its</a:t>
+            </a:r>
+            <a:r>
+              <a:rPr lang="de-DE" dirty="0" smtClean="0"/>
+              <a:t> </a:t>
+            </a:r>
+            <a:r>
+              <a:rPr lang="de-DE" dirty="0"/>
+              <a:t>S</a:t>
+            </a:r>
+            <a:r>
+              <a:rPr lang="de-DE" dirty="0" smtClean="0"/>
+              <a:t>hopping </a:t>
+            </a:r>
+            <a:r>
+              <a:rPr lang="de-DE" dirty="0"/>
+              <a:t>E</a:t>
+            </a:r>
+            <a:r>
+              <a:rPr lang="de-DE" dirty="0" smtClean="0"/>
+              <a:t>xperience</a:t>
+            </a:r>
+            <a:endParaRPr lang="de-DE" dirty="0"/>
+          </a:p>
+        </p:txBody>
+      </p:sp>
+      <p:sp>
+        <p:nvSpPr>
+          <p:cNvPr id="5" name="Titel 1"/>
+          <p:cNvSpPr txBox="1">
+            <a:spLocks/>
+          </p:cNvSpPr>
+          <p:nvPr/>
+        </p:nvSpPr>
+        <p:spPr>
+          <a:xfrm>
+            <a:off x="2592925" y="1715186"/>
+            <a:ext cx="8911687" cy="1280890"/>
+          </a:xfrm>
+          <a:prstGeom prst="rect">
+            <a:avLst/>
+          </a:prstGeom>
+        </p:spPr>
+        <p:txBody>
+          <a:bodyPr vert="horz" lIns="91440" tIns="45720" rIns="91440" bIns="45720" rtlCol="0" anchor="t">
+            <a:normAutofit/>
+          </a:bodyPr>
+          <a:lstStyle>
+            <a:lvl1pPr algn="l" defTabSz="457200" rtl="0" eaLnBrk="1" latinLnBrk="0" hangingPunct="1">
+              <a:spcBef>
+                <a:spcPct val="0"/>
+              </a:spcBef>
+              <a:buNone/>
+              <a:defRPr sz="3600" kern="1200">
+                <a:solidFill>
+                  <a:schemeClr val="accent2">
+                    <a:lumMod val="75000"/>
+                  </a:schemeClr>
+                </a:solidFill>
+                <a:latin typeface="+mj-lt"/>
+                <a:ea typeface="+mj-ea"/>
+                <a:cs typeface="+mj-cs"/>
+              </a:defRPr>
+            </a:lvl1pPr>
+            <a:lvl2pPr eaLnBrk="1" hangingPunct="1">
+              <a:defRPr>
+                <a:solidFill>
+                  <a:schemeClr val="tx2"/>
+                </a:solidFill>
+              </a:defRPr>
+            </a:lvl2pPr>
+            <a:lvl3pPr eaLnBrk="1" hangingPunct="1">
+              <a:defRPr>
+                <a:solidFill>
+                  <a:schemeClr val="tx2"/>
+                </a:solidFill>
+              </a:defRPr>
+            </a:lvl3pPr>
+            <a:lvl4pPr eaLnBrk="1" hangingPunct="1">
+              <a:defRPr>
+                <a:solidFill>
+                  <a:schemeClr val="tx2"/>
+                </a:solidFill>
+              </a:defRPr>
+            </a:lvl4pPr>
+            <a:lvl5pPr eaLnBrk="1" hangingPunct="1">
+              <a:defRPr>
+                <a:solidFill>
+                  <a:schemeClr val="tx2"/>
+                </a:solidFill>
+              </a:defRPr>
+            </a:lvl5pPr>
+            <a:lvl6pPr eaLnBrk="1" hangingPunct="1">
+              <a:defRPr>
+                <a:solidFill>
+                  <a:schemeClr val="tx2"/>
+                </a:solidFill>
+              </a:defRPr>
+            </a:lvl6pPr>
+            <a:lvl7pPr eaLnBrk="1" hangingPunct="1">
+              <a:defRPr>
+                <a:solidFill>
+                  <a:schemeClr val="tx2"/>
+                </a:solidFill>
+              </a:defRPr>
+            </a:lvl7pPr>
+            <a:lvl8pPr eaLnBrk="1" hangingPunct="1">
+              <a:defRPr>
+                <a:solidFill>
+                  <a:schemeClr val="tx2"/>
+                </a:solidFill>
+              </a:defRPr>
+            </a:lvl8pPr>
+            <a:lvl9pPr eaLnBrk="1" hangingPunct="1">
+              <a:defRPr>
+                <a:solidFill>
+                  <a:schemeClr val="tx2"/>
+                </a:solidFill>
+              </a:defRPr>
+            </a:lvl9pPr>
+          </a:lstStyle>
+          <a:p>
+            <a:r>
+              <a:rPr lang="de-DE" sz="2400" dirty="0" smtClean="0"/>
+              <a:t>..</a:t>
+            </a:r>
+            <a:r>
+              <a:rPr lang="de-DE" sz="2400" dirty="0" err="1" smtClean="0"/>
+              <a:t>to</a:t>
+            </a:r>
+            <a:r>
+              <a:rPr lang="de-DE" sz="2400" dirty="0" smtClean="0"/>
+              <a:t> </a:t>
+            </a:r>
+            <a:r>
+              <a:rPr lang="de-DE" sz="2400" dirty="0" err="1" smtClean="0"/>
+              <a:t>its</a:t>
+            </a:r>
+            <a:r>
+              <a:rPr lang="de-DE" sz="2400" dirty="0" smtClean="0"/>
+              <a:t> </a:t>
+            </a:r>
+            <a:r>
+              <a:rPr lang="de-DE" sz="2400" dirty="0" err="1" smtClean="0"/>
+              <a:t>users</a:t>
+            </a:r>
+            <a:r>
+              <a:rPr lang="de-DE" sz="2400" dirty="0" smtClean="0"/>
+              <a:t>:</a:t>
+            </a:r>
+            <a:endParaRPr lang="de-DE" sz="2400" dirty="0"/>
+          </a:p>
+        </p:txBody>
+      </p:sp>
+      <p:sp>
+        <p:nvSpPr>
+          <p:cNvPr id="6" name="Titel 1"/>
+          <p:cNvSpPr txBox="1">
+            <a:spLocks/>
+          </p:cNvSpPr>
+          <p:nvPr/>
+        </p:nvSpPr>
+        <p:spPr>
+          <a:xfrm>
+            <a:off x="2592925" y="3642395"/>
+            <a:ext cx="8911687" cy="1280890"/>
+          </a:xfrm>
+          <a:prstGeom prst="rect">
+            <a:avLst/>
+          </a:prstGeom>
+        </p:spPr>
+        <p:txBody>
+          <a:bodyPr vert="horz" lIns="91440" tIns="45720" rIns="91440" bIns="45720" rtlCol="0" anchor="t">
+            <a:normAutofit/>
+          </a:bodyPr>
+          <a:lstStyle>
+            <a:lvl1pPr algn="l" defTabSz="457200" rtl="0" eaLnBrk="1" latinLnBrk="0" hangingPunct="1">
+              <a:spcBef>
+                <a:spcPct val="0"/>
+              </a:spcBef>
+              <a:buNone/>
+              <a:defRPr sz="3600" kern="1200">
+                <a:solidFill>
+                  <a:schemeClr val="accent2">
+                    <a:lumMod val="75000"/>
+                  </a:schemeClr>
+                </a:solidFill>
+                <a:latin typeface="+mj-lt"/>
+                <a:ea typeface="+mj-ea"/>
+                <a:cs typeface="+mj-cs"/>
+              </a:defRPr>
+            </a:lvl1pPr>
+            <a:lvl2pPr eaLnBrk="1" hangingPunct="1">
+              <a:defRPr>
+                <a:solidFill>
+                  <a:schemeClr val="tx2"/>
+                </a:solidFill>
+              </a:defRPr>
+            </a:lvl2pPr>
+            <a:lvl3pPr eaLnBrk="1" hangingPunct="1">
+              <a:defRPr>
+                <a:solidFill>
+                  <a:schemeClr val="tx2"/>
+                </a:solidFill>
+              </a:defRPr>
+            </a:lvl3pPr>
+            <a:lvl4pPr eaLnBrk="1" hangingPunct="1">
+              <a:defRPr>
+                <a:solidFill>
+                  <a:schemeClr val="tx2"/>
+                </a:solidFill>
+              </a:defRPr>
+            </a:lvl4pPr>
+            <a:lvl5pPr eaLnBrk="1" hangingPunct="1">
+              <a:defRPr>
+                <a:solidFill>
+                  <a:schemeClr val="tx2"/>
+                </a:solidFill>
+              </a:defRPr>
+            </a:lvl5pPr>
+            <a:lvl6pPr eaLnBrk="1" hangingPunct="1">
+              <a:defRPr>
+                <a:solidFill>
+                  <a:schemeClr val="tx2"/>
+                </a:solidFill>
+              </a:defRPr>
+            </a:lvl6pPr>
+            <a:lvl7pPr eaLnBrk="1" hangingPunct="1">
+              <a:defRPr>
+                <a:solidFill>
+                  <a:schemeClr val="tx2"/>
+                </a:solidFill>
+              </a:defRPr>
+            </a:lvl7pPr>
+            <a:lvl8pPr eaLnBrk="1" hangingPunct="1">
+              <a:defRPr>
+                <a:solidFill>
+                  <a:schemeClr val="tx2"/>
+                </a:solidFill>
+              </a:defRPr>
+            </a:lvl8pPr>
+            <a:lvl9pPr eaLnBrk="1" hangingPunct="1">
+              <a:defRPr>
+                <a:solidFill>
+                  <a:schemeClr val="tx2"/>
+                </a:solidFill>
+              </a:defRPr>
+            </a:lvl9pPr>
+          </a:lstStyle>
+          <a:p>
+            <a:r>
+              <a:rPr lang="de-DE" sz="2400" dirty="0" smtClean="0"/>
+              <a:t>..</a:t>
+            </a:r>
+            <a:r>
+              <a:rPr lang="de-DE" sz="2400" dirty="0" err="1" smtClean="0"/>
+              <a:t>to</a:t>
+            </a:r>
+            <a:r>
+              <a:rPr lang="de-DE" sz="2400" dirty="0" smtClean="0"/>
+              <a:t> </a:t>
+            </a:r>
+            <a:r>
+              <a:rPr lang="de-DE" sz="2400" dirty="0" err="1" smtClean="0"/>
+              <a:t>the</a:t>
+            </a:r>
+            <a:r>
+              <a:rPr lang="de-DE" sz="2400" dirty="0" smtClean="0"/>
+              <a:t> </a:t>
+            </a:r>
+            <a:r>
+              <a:rPr lang="de-DE" sz="2400" dirty="0" err="1" smtClean="0"/>
+              <a:t>supermarkets</a:t>
+            </a:r>
+            <a:r>
+              <a:rPr lang="de-DE" sz="2400" dirty="0" smtClean="0"/>
+              <a:t>:</a:t>
+            </a:r>
+            <a:endParaRPr lang="de-DE" sz="2400" dirty="0"/>
+          </a:p>
+        </p:txBody>
+      </p:sp>
+    </p:spTree>
+    <p:extLst>
+      <p:ext uri="{BB962C8B-B14F-4D97-AF65-F5344CB8AC3E}">
+        <p14:creationId xmlns:p14="http://schemas.microsoft.com/office/powerpoint/2010/main" val="3396145245"/>
+      </p:ext>
+    </p:extLst>
+  </p:cSld>
+  <p:clrMapOvr>
+    <a:masterClrMapping/>
+  </p:clrMapOvr>
+  <p:timing>
+    <p:tnLst>
+      <p:par>
+        <p:cTn id="1" dur="indefinite" restart="never" nodeType="tmRoot"/>
+      </p:par>
+    </p:tnLst>
+  </p:timing>
+</p:sld>
+</file>
+
+<file path=ppt/slides/slide4.xml><?xml version="1.0" encoding="utf-8"?>
+<p:sld xmlns:a="http://schemas.openxmlformats.org/drawingml/2006/main" xmlns:r="http://schemas.openxmlformats.org/officeDocument/2006/relationships" xmlns:p="http://schemas.openxmlformats.org/presentationml/2006/main">
+  <p:cSld>
+    <p:spTree>
+      <p:nvGrpSpPr>
+        <p:cNvPr id="1" name=""/>
+        <p:cNvGrpSpPr/>
+        <p:nvPr/>
+      </p:nvGrpSpPr>
+      <p:grpSpPr>
+        <a:xfrm>
+          <a:off x="0" y="0"/>
+          <a:ext cx="0" cy="0"/>
+          <a:chOff x="0" y="0"/>
+          <a:chExt cx="0" cy="0"/>
+        </a:xfrm>
+      </p:grpSpPr>
+      <p:sp>
+        <p:nvSpPr>
+          <p:cNvPr id="2" name="Titel 1"/>
+          <p:cNvSpPr>
+            <a:spLocks noGrp="1"/>
+          </p:cNvSpPr>
+          <p:nvPr>
+            <p:ph type="title"/>
+          </p:nvPr>
+        </p:nvSpPr>
+        <p:spPr/>
+        <p:txBody>
+          <a:bodyPr>
+            <a:normAutofit/>
+          </a:bodyPr>
+          <a:lstStyle/>
+          <a:p>
+            <a:r>
+              <a:rPr lang="de-DE" dirty="0" err="1" smtClean="0"/>
+              <a:t>SmartCart</a:t>
+            </a:r>
+            <a:r>
+              <a:rPr lang="de-DE" dirty="0" smtClean="0"/>
+              <a:t> – Technical </a:t>
+            </a:r>
+            <a:r>
+              <a:rPr lang="de-DE" dirty="0" err="1" smtClean="0"/>
+              <a:t>Overview</a:t>
+            </a:r>
+            <a:r>
+              <a:rPr lang="de-DE" dirty="0" smtClean="0"/>
+              <a:t/>
+            </a:r>
+            <a:br>
+              <a:rPr lang="de-DE" dirty="0" smtClean="0"/>
+            </a:br>
+            <a:r>
+              <a:rPr lang="de-DE" sz="1200" dirty="0" smtClean="0"/>
+              <a:t> </a:t>
+            </a:r>
+            <a:r>
+              <a:rPr lang="de-DE" dirty="0" smtClean="0"/>
+              <a:t/>
+            </a:r>
+            <a:br>
+              <a:rPr lang="de-DE" dirty="0" smtClean="0"/>
+            </a:br>
+            <a:r>
+              <a:rPr lang="de-DE" sz="2400" dirty="0" err="1" smtClean="0"/>
+              <a:t>Use</a:t>
+            </a:r>
+            <a:r>
+              <a:rPr lang="de-DE" sz="2400" dirty="0" smtClean="0"/>
+              <a:t> Cases</a:t>
+            </a:r>
+            <a:endParaRPr lang="de-DE" sz="2400" dirty="0"/>
+          </a:p>
+        </p:txBody>
+      </p:sp>
+      <p:pic>
+        <p:nvPicPr>
+          <p:cNvPr id="6" name="Inhaltsplatzhalter 5"/>
+          <p:cNvPicPr>
+            <a:picLocks noGrp="1" noChangeAspect="1"/>
+          </p:cNvPicPr>
+          <p:nvPr>
+            <p:ph idx="1"/>
+          </p:nvPr>
+        </p:nvPicPr>
+        <p:blipFill>
+          <a:blip r:embed="rId2">
+            <a:extLst>
+              <a:ext uri="{28A0092B-C50C-407E-A947-70E740481C1C}">
+                <a14:useLocalDpi xmlns:a14="http://schemas.microsoft.com/office/drawing/2010/main" val="0"/>
+              </a:ext>
+            </a:extLst>
+          </a:blip>
+          <a:stretch>
+            <a:fillRect/>
+          </a:stretch>
+        </p:blipFill>
+        <p:spPr>
+          <a:xfrm>
+            <a:off x="2592925" y="1905000"/>
+            <a:ext cx="7702542" cy="4441106"/>
+          </a:xfrm>
+        </p:spPr>
+      </p:pic>
+    </p:spTree>
+    <p:extLst>
+      <p:ext uri="{BB962C8B-B14F-4D97-AF65-F5344CB8AC3E}">
+        <p14:creationId xmlns:p14="http://schemas.microsoft.com/office/powerpoint/2010/main" val="1673357727"/>
+      </p:ext>
+    </p:extLst>
+  </p:cSld>
+  <p:clrMapOvr>
+    <a:masterClrMapping/>
+  </p:clrMapOvr>
+  <p:timing>
+    <p:tnLst>
+      <p:par>
+        <p:cTn id="1" dur="indefinite" restart="never" nodeType="tmRoot"/>
+      </p:par>
+    </p:tnLst>
+  </p:timing>
+</p:sld>
+</file>
+
+<file path=ppt/slides/slide5.xml><?xml version="1.0" encoding="utf-8"?>
+<p:sld xmlns:a="http://schemas.openxmlformats.org/drawingml/2006/main" xmlns:r="http://schemas.openxmlformats.org/officeDocument/2006/relationships" xmlns:p="http://schemas.openxmlformats.org/presentationml/2006/main">
+  <p:cSld>
+    <p:spTree>
+      <p:nvGrpSpPr>
+        <p:cNvPr id="1" name=""/>
+        <p:cNvGrpSpPr/>
+        <p:nvPr/>
+      </p:nvGrpSpPr>
+      <p:grpSpPr>
+        <a:xfrm>
+          <a:off x="0" y="0"/>
+          <a:ext cx="0" cy="0"/>
+          <a:chOff x="0" y="0"/>
+          <a:chExt cx="0" cy="0"/>
+        </a:xfrm>
+      </p:grpSpPr>
+      <p:sp>
+        <p:nvSpPr>
+          <p:cNvPr id="2" name="Titel 1"/>
+          <p:cNvSpPr>
+            <a:spLocks noGrp="1"/>
+          </p:cNvSpPr>
+          <p:nvPr>
+            <p:ph type="title"/>
+          </p:nvPr>
+        </p:nvSpPr>
+        <p:spPr/>
+        <p:txBody>
+          <a:bodyPr>
+            <a:normAutofit/>
+          </a:bodyPr>
+          <a:lstStyle/>
+          <a:p>
+            <a:r>
+              <a:rPr lang="de-DE" dirty="0" err="1" smtClean="0"/>
+              <a:t>SmartCart</a:t>
+            </a:r>
+            <a:r>
+              <a:rPr lang="de-DE" dirty="0" smtClean="0"/>
+              <a:t> – Technical </a:t>
+            </a:r>
+            <a:r>
+              <a:rPr lang="de-DE" dirty="0" err="1" smtClean="0"/>
+              <a:t>Overview</a:t>
+            </a:r>
+            <a:r>
+              <a:rPr lang="de-DE" dirty="0" smtClean="0"/>
+              <a:t/>
+            </a:r>
+            <a:br>
+              <a:rPr lang="de-DE" dirty="0" smtClean="0"/>
+            </a:br>
+            <a:r>
+              <a:rPr lang="de-DE" sz="1200" dirty="0" smtClean="0"/>
+              <a:t> </a:t>
+            </a:r>
+            <a:r>
+              <a:rPr lang="de-DE" dirty="0" smtClean="0"/>
+              <a:t/>
+            </a:r>
+            <a:br>
+              <a:rPr lang="de-DE" dirty="0" smtClean="0"/>
+            </a:br>
+            <a:r>
+              <a:rPr lang="de-DE" sz="2400" dirty="0" smtClean="0"/>
+              <a:t>State </a:t>
+            </a:r>
+            <a:r>
+              <a:rPr lang="de-DE" sz="2400" dirty="0" err="1" smtClean="0"/>
+              <a:t>Machine</a:t>
+            </a:r>
+            <a:endParaRPr lang="de-DE" sz="2400" dirty="0"/>
+          </a:p>
+        </p:txBody>
+      </p:sp>
+      <p:pic>
+        <p:nvPicPr>
+          <p:cNvPr id="7" name="Inhaltsplatzhalter 6"/>
+          <p:cNvPicPr>
+            <a:picLocks noGrp="1" noChangeAspect="1"/>
+          </p:cNvPicPr>
+          <p:nvPr>
+            <p:ph idx="1"/>
+          </p:nvPr>
+        </p:nvPicPr>
+        <p:blipFill>
+          <a:blip r:embed="rId2">
+            <a:extLst>
+              <a:ext uri="{28A0092B-C50C-407E-A947-70E740481C1C}">
+                <a14:useLocalDpi xmlns:a14="http://schemas.microsoft.com/office/drawing/2010/main" val="0"/>
+              </a:ext>
+            </a:extLst>
+          </a:blip>
+          <a:stretch>
+            <a:fillRect/>
+          </a:stretch>
+        </p:blipFill>
+        <p:spPr>
+          <a:xfrm>
+            <a:off x="3273834" y="1374469"/>
+            <a:ext cx="7383656" cy="4882741"/>
+          </a:xfrm>
+        </p:spPr>
+      </p:pic>
+    </p:spTree>
+    <p:extLst>
+      <p:ext uri="{BB962C8B-B14F-4D97-AF65-F5344CB8AC3E}">
+        <p14:creationId xmlns:p14="http://schemas.microsoft.com/office/powerpoint/2010/main" val="1573519310"/>
+      </p:ext>
+    </p:extLst>
+  </p:cSld>
+  <p:clrMapOvr>
+    <a:masterClrMapping/>
+  </p:clrMapOvr>
+  <p:timing>
+    <p:tnLst>
+      <p:par>
+        <p:cTn id="1" dur="indefinite" restart="never" nodeType="tmRoot"/>
+      </p:par>
+    </p:tnLst>
+  </p:timing>
+</p:sld>
+</file>
+
+<file path=ppt/slides/slide6.xml><?xml version="1.0" encoding="utf-8"?>
+<p:sld xmlns:a="http://schemas.openxmlformats.org/drawingml/2006/main" xmlns:r="http://schemas.openxmlformats.org/officeDocument/2006/relationships" xmlns:p="http://schemas.openxmlformats.org/presentationml/2006/main">
+  <p:cSld>
+    <p:spTree>
+      <p:nvGrpSpPr>
+        <p:cNvPr id="1" name=""/>
+        <p:cNvGrpSpPr/>
+        <p:nvPr/>
+      </p:nvGrpSpPr>
+      <p:grpSpPr>
+        <a:xfrm>
+          <a:off x="0" y="0"/>
+          <a:ext cx="0" cy="0"/>
+          <a:chOff x="0" y="0"/>
+          <a:chExt cx="0" cy="0"/>
+        </a:xfrm>
+      </p:grpSpPr>
+      <p:sp>
+        <p:nvSpPr>
+          <p:cNvPr id="2" name="Titel 1"/>
+          <p:cNvSpPr>
+            <a:spLocks noGrp="1"/>
+          </p:cNvSpPr>
+          <p:nvPr>
+            <p:ph type="title"/>
+          </p:nvPr>
+        </p:nvSpPr>
+        <p:spPr/>
+        <p:txBody>
+          <a:bodyPr/>
+          <a:lstStyle/>
+          <a:p>
+            <a:r>
+              <a:rPr lang="de-DE" dirty="0" err="1"/>
+              <a:t>SmartCart</a:t>
+            </a:r>
+            <a:r>
+              <a:rPr lang="de-DE" dirty="0"/>
+              <a:t> – Technical </a:t>
+            </a:r>
+            <a:r>
+              <a:rPr lang="de-DE" dirty="0" err="1"/>
+              <a:t>Overview</a:t>
+            </a:r>
+            <a:r>
+              <a:rPr lang="de-DE" dirty="0"/>
+              <a:t/>
+            </a:r>
+            <a:br>
+              <a:rPr lang="de-DE" dirty="0"/>
+            </a:br>
+            <a:r>
+              <a:rPr lang="de-DE" sz="1200" dirty="0"/>
+              <a:t> </a:t>
+            </a:r>
+            <a:r>
+              <a:rPr lang="de-DE" dirty="0"/>
+              <a:t/>
+            </a:r>
+            <a:br>
+              <a:rPr lang="de-DE" dirty="0"/>
+            </a:br>
+            <a:r>
+              <a:rPr lang="de-DE" sz="2400" dirty="0" smtClean="0"/>
+              <a:t>Data Model</a:t>
+            </a:r>
+            <a:endParaRPr lang="de-DE" dirty="0"/>
+          </a:p>
+        </p:txBody>
+      </p:sp>
+      <p:graphicFrame>
+        <p:nvGraphicFramePr>
+          <p:cNvPr id="4" name="Tabelle 3"/>
+          <p:cNvGraphicFramePr>
+            <a:graphicFrameLocks noGrp="1"/>
+          </p:cNvGraphicFramePr>
+          <p:nvPr>
+            <p:extLst>
+              <p:ext uri="{D42A27DB-BD31-4B8C-83A1-F6EECF244321}">
+                <p14:modId xmlns:p14="http://schemas.microsoft.com/office/powerpoint/2010/main" val="915778925"/>
+              </p:ext>
+            </p:extLst>
+          </p:nvPr>
+        </p:nvGraphicFramePr>
+        <p:xfrm>
+          <a:off x="2592925" y="1933904"/>
+          <a:ext cx="2566933" cy="2953406"/>
+        </p:xfrm>
+        <a:graphic>
+          <a:graphicData uri="http://schemas.openxmlformats.org/drawingml/2006/table">
+            <a:tbl>
+              <a:tblPr>
+                <a:tableStyleId>{5C22544A-7EE6-4342-B048-85BDC9FD1C3A}</a:tableStyleId>
+              </a:tblPr>
+              <a:tblGrid>
+                <a:gridCol w="2566933"/>
+              </a:tblGrid>
+              <a:tr h="429236">
+                <a:tc>
+                  <a:txBody>
+                    <a:bodyPr/>
+                    <a:lstStyle/>
+                    <a:p>
+                      <a:pPr algn="ctr" fontAlgn="b"/>
+                      <a:r>
+                        <a:rPr lang="de-DE" sz="1800" u="none" strike="noStrike" dirty="0">
+                          <a:effectLst/>
+                        </a:rPr>
+                        <a:t>Initial </a:t>
+                      </a:r>
+                      <a:r>
+                        <a:rPr lang="de-DE" sz="1800" u="none" strike="noStrike" dirty="0" smtClean="0">
+                          <a:effectLst/>
+                        </a:rPr>
+                        <a:t>Shopping List</a:t>
+                      </a:r>
+                      <a:endParaRPr lang="de-DE" sz="1800" b="1" i="0" u="none" strike="noStrike" dirty="0">
+                        <a:solidFill>
+                          <a:srgbClr val="000000"/>
+                        </a:solidFill>
+                        <a:effectLst/>
+                        <a:latin typeface="Calibri" panose="020F0502020204030204" pitchFamily="34" charset="0"/>
+                      </a:endParaRPr>
+                    </a:p>
+                  </a:txBody>
+                  <a:tcPr marL="9525" marR="9525" marT="9525" marB="0" anchor="b">
+                    <a:solidFill>
+                      <a:schemeClr val="accent2">
+                        <a:lumMod val="40000"/>
+                        <a:lumOff val="60000"/>
+                      </a:schemeClr>
+                    </a:solidFill>
+                  </a:tcPr>
+                </a:tc>
+              </a:tr>
+              <a:tr h="420695">
+                <a:tc>
+                  <a:txBody>
+                    <a:bodyPr/>
+                    <a:lstStyle/>
+                    <a:p>
+                      <a:pPr algn="ctr" fontAlgn="b"/>
+                      <a:r>
+                        <a:rPr lang="de-DE" sz="1800" u="none" strike="noStrike" dirty="0">
+                          <a:effectLst/>
+                        </a:rPr>
+                        <a:t>Apples</a:t>
+                      </a:r>
+                      <a:endParaRPr lang="de-DE" sz="1800" b="0" i="0" u="none" strike="noStrike" dirty="0">
+                        <a:solidFill>
+                          <a:srgbClr val="000000"/>
+                        </a:solidFill>
+                        <a:effectLst/>
+                        <a:latin typeface="Calibri" panose="020F0502020204030204" pitchFamily="34" charset="0"/>
+                      </a:endParaRPr>
+                    </a:p>
+                  </a:txBody>
+                  <a:tcPr marL="9525" marR="9525" marT="9525" marB="0" anchor="b"/>
+                </a:tc>
+              </a:tr>
+              <a:tr h="420695">
+                <a:tc>
+                  <a:txBody>
+                    <a:bodyPr/>
+                    <a:lstStyle/>
+                    <a:p>
+                      <a:pPr algn="ctr" fontAlgn="b"/>
+                      <a:r>
+                        <a:rPr lang="de-DE" sz="1800" u="none" strike="noStrike" dirty="0" err="1">
+                          <a:effectLst/>
+                        </a:rPr>
+                        <a:t>Boiled</a:t>
+                      </a:r>
+                      <a:r>
+                        <a:rPr lang="de-DE" sz="1800" u="none" strike="noStrike" dirty="0">
+                          <a:effectLst/>
+                        </a:rPr>
+                        <a:t> </a:t>
+                      </a:r>
+                      <a:r>
+                        <a:rPr lang="de-DE" sz="1800" u="none" strike="noStrike" dirty="0" err="1">
+                          <a:effectLst/>
+                        </a:rPr>
+                        <a:t>Ham</a:t>
+                      </a:r>
+                      <a:endParaRPr lang="de-DE" sz="1800" b="0" i="0" u="none" strike="noStrike" dirty="0">
+                        <a:solidFill>
+                          <a:srgbClr val="000000"/>
+                        </a:solidFill>
+                        <a:effectLst/>
+                        <a:latin typeface="Calibri" panose="020F0502020204030204" pitchFamily="34" charset="0"/>
+                      </a:endParaRPr>
+                    </a:p>
+                  </a:txBody>
+                  <a:tcPr marL="9525" marR="9525" marT="9525" marB="0" anchor="b"/>
+                </a:tc>
+              </a:tr>
+              <a:tr h="420695">
+                <a:tc>
+                  <a:txBody>
+                    <a:bodyPr/>
+                    <a:lstStyle/>
+                    <a:p>
+                      <a:pPr algn="ctr" fontAlgn="b"/>
+                      <a:r>
+                        <a:rPr lang="de-DE" sz="1800" u="none" strike="noStrike" dirty="0" err="1">
+                          <a:effectLst/>
+                        </a:rPr>
+                        <a:t>Cheddar</a:t>
+                      </a:r>
+                      <a:endParaRPr lang="de-DE" sz="1800" b="0" i="0" u="none" strike="noStrike" dirty="0">
+                        <a:solidFill>
+                          <a:srgbClr val="000000"/>
+                        </a:solidFill>
+                        <a:effectLst/>
+                        <a:latin typeface="Calibri" panose="020F0502020204030204" pitchFamily="34" charset="0"/>
+                      </a:endParaRPr>
+                    </a:p>
+                  </a:txBody>
+                  <a:tcPr marL="9525" marR="9525" marT="9525" marB="0" anchor="b"/>
+                </a:tc>
+              </a:tr>
+              <a:tr h="420695">
+                <a:tc>
+                  <a:txBody>
+                    <a:bodyPr/>
+                    <a:lstStyle/>
+                    <a:p>
+                      <a:pPr algn="ctr" fontAlgn="b"/>
+                      <a:r>
+                        <a:rPr lang="de-DE" sz="1800" u="none" strike="noStrike" dirty="0" err="1">
+                          <a:effectLst/>
+                        </a:rPr>
+                        <a:t>Washing</a:t>
+                      </a:r>
+                      <a:r>
+                        <a:rPr lang="de-DE" sz="1800" u="none" strike="noStrike" dirty="0">
+                          <a:effectLst/>
+                        </a:rPr>
+                        <a:t> </a:t>
+                      </a:r>
+                      <a:r>
+                        <a:rPr lang="de-DE" sz="1800" u="none" strike="noStrike" dirty="0" err="1" smtClean="0">
+                          <a:effectLst/>
+                        </a:rPr>
+                        <a:t>Powder</a:t>
+                      </a:r>
+                      <a:endParaRPr lang="de-DE" sz="1800" b="0" i="0" u="none" strike="noStrike" dirty="0">
+                        <a:solidFill>
+                          <a:srgbClr val="000000"/>
+                        </a:solidFill>
+                        <a:effectLst/>
+                        <a:latin typeface="Calibri" panose="020F0502020204030204" pitchFamily="34" charset="0"/>
+                      </a:endParaRPr>
+                    </a:p>
+                  </a:txBody>
+                  <a:tcPr marL="9525" marR="9525" marT="9525" marB="0" anchor="b"/>
+                </a:tc>
+              </a:tr>
+              <a:tr h="420695">
+                <a:tc>
+                  <a:txBody>
+                    <a:bodyPr/>
+                    <a:lstStyle/>
+                    <a:p>
+                      <a:pPr algn="ctr" fontAlgn="b"/>
+                      <a:r>
+                        <a:rPr lang="de-DE" sz="1800" u="none" strike="noStrike" dirty="0" err="1">
+                          <a:effectLst/>
+                        </a:rPr>
+                        <a:t>Plums</a:t>
+                      </a:r>
+                      <a:endParaRPr lang="de-DE" sz="1800" b="0" i="0" u="none" strike="noStrike" dirty="0">
+                        <a:solidFill>
+                          <a:srgbClr val="000000"/>
+                        </a:solidFill>
+                        <a:effectLst/>
+                        <a:latin typeface="Calibri" panose="020F0502020204030204" pitchFamily="34" charset="0"/>
+                      </a:endParaRPr>
+                    </a:p>
+                  </a:txBody>
+                  <a:tcPr marL="9525" marR="9525" marT="9525" marB="0" anchor="b"/>
+                </a:tc>
+              </a:tr>
+              <a:tr h="420695">
+                <a:tc>
+                  <a:txBody>
+                    <a:bodyPr/>
+                    <a:lstStyle/>
+                    <a:p>
+                      <a:pPr algn="ctr" fontAlgn="b"/>
+                      <a:r>
+                        <a:rPr lang="de-DE" sz="1800" u="none" strike="noStrike" dirty="0">
+                          <a:effectLst/>
+                        </a:rPr>
+                        <a:t>Pizza - 2 </a:t>
+                      </a:r>
+                      <a:r>
+                        <a:rPr lang="de-DE" sz="1800" u="none" strike="noStrike" dirty="0" err="1">
+                          <a:effectLst/>
+                        </a:rPr>
+                        <a:t>pcs</a:t>
+                      </a:r>
+                      <a:endParaRPr lang="de-DE" sz="1800" b="0" i="0" u="none" strike="noStrike" dirty="0">
+                        <a:solidFill>
+                          <a:srgbClr val="000000"/>
+                        </a:solidFill>
+                        <a:effectLst/>
+                        <a:latin typeface="Calibri" panose="020F0502020204030204" pitchFamily="34" charset="0"/>
+                      </a:endParaRPr>
+                    </a:p>
+                  </a:txBody>
+                  <a:tcPr marL="9525" marR="9525" marT="9525" marB="0" anchor="b"/>
+                </a:tc>
+              </a:tr>
+            </a:tbl>
+          </a:graphicData>
+        </a:graphic>
+      </p:graphicFrame>
+      <p:graphicFrame>
+        <p:nvGraphicFramePr>
+          <p:cNvPr id="6" name="Tabelle 5"/>
+          <p:cNvGraphicFramePr>
+            <a:graphicFrameLocks noGrp="1"/>
+          </p:cNvGraphicFramePr>
+          <p:nvPr>
+            <p:extLst>
+              <p:ext uri="{D42A27DB-BD31-4B8C-83A1-F6EECF244321}">
+                <p14:modId xmlns:p14="http://schemas.microsoft.com/office/powerpoint/2010/main" val="3525889099"/>
+              </p:ext>
+            </p:extLst>
+          </p:nvPr>
+        </p:nvGraphicFramePr>
+        <p:xfrm>
+          <a:off x="6964685" y="1933904"/>
+          <a:ext cx="2566933" cy="2953406"/>
+        </p:xfrm>
+        <a:graphic>
+          <a:graphicData uri="http://schemas.openxmlformats.org/drawingml/2006/table">
+            <a:tbl>
+              <a:tblPr>
+                <a:tableStyleId>{5C22544A-7EE6-4342-B048-85BDC9FD1C3A}</a:tableStyleId>
+              </a:tblPr>
+              <a:tblGrid>
+                <a:gridCol w="2566933"/>
+              </a:tblGrid>
+              <a:tr h="429236">
+                <a:tc>
+                  <a:txBody>
+                    <a:bodyPr/>
+                    <a:lstStyle/>
+                    <a:p>
+                      <a:pPr algn="ctr" fontAlgn="b"/>
+                      <a:r>
+                        <a:rPr lang="de-DE" sz="1800" u="none" strike="noStrike" dirty="0" err="1" smtClean="0">
+                          <a:effectLst/>
+                        </a:rPr>
+                        <a:t>Ordered</a:t>
+                      </a:r>
+                      <a:r>
+                        <a:rPr lang="de-DE" sz="1800" u="none" strike="noStrike" dirty="0" smtClean="0">
+                          <a:effectLst/>
+                        </a:rPr>
+                        <a:t> Shopping List</a:t>
+                      </a:r>
+                      <a:endParaRPr lang="de-DE" sz="1800" b="1" i="0" u="none" strike="noStrike" dirty="0">
+                        <a:solidFill>
+                          <a:srgbClr val="000000"/>
+                        </a:solidFill>
+                        <a:effectLst/>
+                        <a:latin typeface="Calibri" panose="020F0502020204030204" pitchFamily="34" charset="0"/>
+                      </a:endParaRPr>
+                    </a:p>
+                  </a:txBody>
+                  <a:tcPr marL="9525" marR="9525" marT="9525" marB="0" anchor="b">
+                    <a:solidFill>
+                      <a:schemeClr val="accent2">
+                        <a:lumMod val="40000"/>
+                        <a:lumOff val="60000"/>
+                      </a:schemeClr>
+                    </a:solidFill>
+                  </a:tcPr>
+                </a:tc>
+              </a:tr>
+              <a:tr h="420695">
+                <a:tc>
+                  <a:txBody>
+                    <a:bodyPr/>
+                    <a:lstStyle/>
+                    <a:p>
+                      <a:pPr algn="ctr" fontAlgn="b"/>
+                      <a:r>
+                        <a:rPr lang="de-DE" sz="1800" u="none" strike="noStrike" dirty="0">
+                          <a:effectLst/>
+                        </a:rPr>
+                        <a:t>Apples</a:t>
+                      </a:r>
+                      <a:endParaRPr lang="de-DE" sz="1800" b="0" i="0" u="none" strike="noStrike" dirty="0">
+                        <a:solidFill>
+                          <a:srgbClr val="000000"/>
+                        </a:solidFill>
+                        <a:effectLst/>
+                        <a:latin typeface="Calibri" panose="020F0502020204030204" pitchFamily="34" charset="0"/>
+                      </a:endParaRPr>
+                    </a:p>
+                  </a:txBody>
+                  <a:tcPr marL="9525" marR="9525" marT="9525" marB="0" anchor="b"/>
+                </a:tc>
+              </a:tr>
+              <a:tr h="420695">
+                <a:tc>
+                  <a:txBody>
+                    <a:bodyPr/>
+                    <a:lstStyle/>
+                    <a:p>
+                      <a:pPr algn="ctr" fontAlgn="b"/>
+                      <a:r>
+                        <a:rPr lang="de-DE" sz="1800" u="none" strike="noStrike" dirty="0" err="1" smtClean="0">
+                          <a:effectLst/>
+                        </a:rPr>
+                        <a:t>Plums</a:t>
+                      </a:r>
+                      <a:endParaRPr lang="de-DE" sz="1800" b="0" i="0" u="none" strike="noStrike" dirty="0">
+                        <a:solidFill>
+                          <a:srgbClr val="000000"/>
+                        </a:solidFill>
+                        <a:effectLst/>
+                        <a:latin typeface="Calibri" panose="020F0502020204030204" pitchFamily="34" charset="0"/>
+                      </a:endParaRPr>
+                    </a:p>
+                  </a:txBody>
+                  <a:tcPr marL="9525" marR="9525" marT="9525" marB="0" anchor="b"/>
+                </a:tc>
+              </a:tr>
+              <a:tr h="420695">
+                <a:tc>
+                  <a:txBody>
+                    <a:bodyPr/>
+                    <a:lstStyle/>
+                    <a:p>
+                      <a:pPr algn="ctr" fontAlgn="b"/>
+                      <a:r>
+                        <a:rPr lang="de-DE" sz="1800" u="none" strike="noStrike" dirty="0" err="1">
+                          <a:effectLst/>
+                        </a:rPr>
+                        <a:t>Cheddar</a:t>
+                      </a:r>
+                      <a:endParaRPr lang="de-DE" sz="1800" b="0" i="0" u="none" strike="noStrike" dirty="0">
+                        <a:solidFill>
+                          <a:srgbClr val="000000"/>
+                        </a:solidFill>
+                        <a:effectLst/>
+                        <a:latin typeface="Calibri" panose="020F0502020204030204" pitchFamily="34" charset="0"/>
+                      </a:endParaRPr>
+                    </a:p>
+                  </a:txBody>
+                  <a:tcPr marL="9525" marR="9525" marT="9525" marB="0" anchor="b"/>
+                </a:tc>
+              </a:tr>
+              <a:tr h="420695">
+                <a:tc>
+                  <a:txBody>
+                    <a:bodyPr/>
+                    <a:lstStyle/>
+                    <a:p>
+                      <a:pPr algn="ctr" fontAlgn="b"/>
+                      <a:r>
+                        <a:rPr lang="de-DE" sz="1800" u="none" strike="noStrike" dirty="0" err="1" smtClean="0">
+                          <a:effectLst/>
+                        </a:rPr>
+                        <a:t>Boiled</a:t>
+                      </a:r>
+                      <a:r>
+                        <a:rPr lang="de-DE" sz="1800" u="none" strike="noStrike" dirty="0" smtClean="0">
+                          <a:effectLst/>
+                        </a:rPr>
+                        <a:t> </a:t>
+                      </a:r>
+                      <a:r>
+                        <a:rPr lang="de-DE" sz="1800" u="none" strike="noStrike" dirty="0" err="1" smtClean="0">
+                          <a:effectLst/>
+                        </a:rPr>
+                        <a:t>Ham</a:t>
+                      </a:r>
+                      <a:endParaRPr lang="de-DE" sz="1800" b="0" i="0" u="none" strike="noStrike" dirty="0">
+                        <a:solidFill>
+                          <a:srgbClr val="000000"/>
+                        </a:solidFill>
+                        <a:effectLst/>
+                        <a:latin typeface="Calibri" panose="020F0502020204030204" pitchFamily="34" charset="0"/>
+                      </a:endParaRPr>
+                    </a:p>
+                  </a:txBody>
+                  <a:tcPr marL="9525" marR="9525" marT="9525" marB="0" anchor="b"/>
+                </a:tc>
+              </a:tr>
+              <a:tr h="420695">
+                <a:tc>
+                  <a:txBody>
+                    <a:bodyPr/>
+                    <a:lstStyle/>
+                    <a:p>
+                      <a:pPr algn="ctr" fontAlgn="b"/>
+                      <a:r>
+                        <a:rPr lang="de-DE" sz="1800" u="none" strike="noStrike" dirty="0" err="1" smtClean="0">
+                          <a:effectLst/>
+                        </a:rPr>
+                        <a:t>Washing</a:t>
+                      </a:r>
+                      <a:r>
+                        <a:rPr lang="de-DE" sz="1800" u="none" strike="noStrike" dirty="0" smtClean="0">
+                          <a:effectLst/>
+                        </a:rPr>
+                        <a:t> </a:t>
+                      </a:r>
+                      <a:r>
+                        <a:rPr lang="de-DE" sz="1800" u="none" strike="noStrike" dirty="0" err="1" smtClean="0">
+                          <a:effectLst/>
+                        </a:rPr>
+                        <a:t>Powder</a:t>
+                      </a:r>
+                      <a:endParaRPr lang="de-DE" sz="1800" b="0" i="0" u="none" strike="noStrike" dirty="0">
+                        <a:solidFill>
+                          <a:srgbClr val="000000"/>
+                        </a:solidFill>
+                        <a:effectLst/>
+                        <a:latin typeface="Calibri" panose="020F0502020204030204" pitchFamily="34" charset="0"/>
+                      </a:endParaRPr>
+                    </a:p>
+                  </a:txBody>
+                  <a:tcPr marL="9525" marR="9525" marT="9525" marB="0" anchor="b"/>
+                </a:tc>
+              </a:tr>
+              <a:tr h="420695">
+                <a:tc>
+                  <a:txBody>
+                    <a:bodyPr/>
+                    <a:lstStyle/>
+                    <a:p>
+                      <a:pPr algn="ctr" fontAlgn="b"/>
+                      <a:r>
+                        <a:rPr lang="de-DE" sz="1800" u="none" strike="noStrike" dirty="0">
+                          <a:effectLst/>
+                        </a:rPr>
+                        <a:t>Pizza - 2 </a:t>
+                      </a:r>
+                      <a:r>
+                        <a:rPr lang="de-DE" sz="1800" u="none" strike="noStrike" dirty="0" err="1">
+                          <a:effectLst/>
+                        </a:rPr>
+                        <a:t>pcs</a:t>
+                      </a:r>
+                      <a:endParaRPr lang="de-DE" sz="1800" b="0" i="0" u="none" strike="noStrike" dirty="0">
+                        <a:solidFill>
+                          <a:srgbClr val="000000"/>
+                        </a:solidFill>
+                        <a:effectLst/>
+                        <a:latin typeface="Calibri" panose="020F0502020204030204" pitchFamily="34" charset="0"/>
+                      </a:endParaRPr>
+                    </a:p>
+                  </a:txBody>
+                  <a:tcPr marL="9525" marR="9525" marT="9525" marB="0" anchor="b"/>
+                </a:tc>
+              </a:tr>
+            </a:tbl>
+          </a:graphicData>
+        </a:graphic>
+      </p:graphicFrame>
+      <p:sp>
+        <p:nvSpPr>
+          <p:cNvPr id="7" name="Nach oben gekrümmter Pfeil 6"/>
+          <p:cNvSpPr/>
+          <p:nvPr/>
+        </p:nvSpPr>
+        <p:spPr>
+          <a:xfrm>
+            <a:off x="3876391" y="4887310"/>
+            <a:ext cx="4371760" cy="809297"/>
+          </a:xfrm>
+          <a:prstGeom prst="curvedUpArrow">
+            <a:avLst/>
+          </a:prstGeom>
+        </p:spPr>
+        <p:style>
+          <a:lnRef idx="2">
+            <a:schemeClr val="accent2">
+              <a:shade val="50000"/>
+            </a:schemeClr>
+          </a:lnRef>
+          <a:fillRef idx="1">
+            <a:schemeClr val="accent2"/>
+          </a:fillRef>
+          <a:effectRef idx="0">
+            <a:schemeClr val="accent2"/>
+          </a:effectRef>
+          <a:fontRef idx="minor">
+            <a:schemeClr val="lt1"/>
+          </a:fontRef>
+        </p:style>
+        <p:txBody>
+          <a:bodyPr rtlCol="0" anchor="ctr"/>
+          <a:lstStyle/>
+          <a:p>
+            <a:pPr algn="ctr"/>
+            <a:endParaRPr lang="de-DE">
+              <a:solidFill>
+                <a:schemeClr val="tx1"/>
+              </a:solidFill>
+            </a:endParaRPr>
+          </a:p>
+        </p:txBody>
+      </p:sp>
+    </p:spTree>
+    <p:extLst>
+      <p:ext uri="{BB962C8B-B14F-4D97-AF65-F5344CB8AC3E}">
+        <p14:creationId xmlns:p14="http://schemas.microsoft.com/office/powerpoint/2010/main" val="859013446"/>
+      </p:ext>
+    </p:extLst>
+  </p:cSld>
+  <p:clrMapOvr>
+    <a:masterClrMapping/>
+  </p:clrMapOvr>
+  <p:timing>
+    <p:tnLst>
+      <p:par>
+        <p:cTn id="1" dur="indefinite" restart="never" nodeType="tmRoot"/>
+      </p:par>
+    </p:tnLst>
+  </p:timing>
+</p:sld>
+</file>
+
+<file path=ppt/slides/slide7.xml><?xml version="1.0" encoding="utf-8"?>
+<p:sld xmlns:a="http://schemas.openxmlformats.org/drawingml/2006/main" xmlns:r="http://schemas.openxmlformats.org/officeDocument/2006/relationships" xmlns:p="http://schemas.openxmlformats.org/presentationml/2006/main">
+  <p:cSld>
+    <p:spTree>
+      <p:nvGrpSpPr>
+        <p:cNvPr id="1" name=""/>
+        <p:cNvGrpSpPr/>
+        <p:nvPr/>
+      </p:nvGrpSpPr>
+      <p:grpSpPr>
+        <a:xfrm>
+          <a:off x="0" y="0"/>
+          <a:ext cx="0" cy="0"/>
+          <a:chOff x="0" y="0"/>
+          <a:chExt cx="0" cy="0"/>
+        </a:xfrm>
+      </p:grpSpPr>
+      <p:sp>
+        <p:nvSpPr>
+          <p:cNvPr id="2" name="Titel 1"/>
+          <p:cNvSpPr>
+            <a:spLocks noGrp="1"/>
+          </p:cNvSpPr>
+          <p:nvPr>
+            <p:ph type="title"/>
+          </p:nvPr>
+        </p:nvSpPr>
+        <p:spPr/>
+        <p:txBody>
+          <a:bodyPr/>
+          <a:lstStyle/>
+          <a:p>
+            <a:r>
+              <a:rPr lang="de-DE" dirty="0" err="1"/>
+              <a:t>SmartCart</a:t>
+            </a:r>
+            <a:r>
+              <a:rPr lang="de-DE" dirty="0"/>
+              <a:t> – Technical </a:t>
+            </a:r>
+            <a:r>
+              <a:rPr lang="de-DE" dirty="0" err="1"/>
+              <a:t>Overview</a:t>
+            </a:r>
+            <a:r>
+              <a:rPr lang="de-DE" dirty="0"/>
+              <a:t/>
+            </a:r>
+            <a:br>
+              <a:rPr lang="de-DE" dirty="0"/>
+            </a:br>
+            <a:r>
+              <a:rPr lang="de-DE" sz="1200" dirty="0"/>
+              <a:t> </a:t>
+            </a:r>
+            <a:r>
+              <a:rPr lang="de-DE" dirty="0"/>
+              <a:t/>
+            </a:r>
+            <a:br>
+              <a:rPr lang="de-DE" dirty="0"/>
+            </a:br>
+            <a:r>
+              <a:rPr lang="de-DE" sz="2400" dirty="0" err="1" smtClean="0"/>
+              <a:t>DataModel</a:t>
+            </a:r>
+            <a:endParaRPr lang="de-DE" dirty="0"/>
+          </a:p>
+        </p:txBody>
+      </p:sp>
+      <p:pic>
+        <p:nvPicPr>
+          <p:cNvPr id="4" name="Grafik 3"/>
+          <p:cNvPicPr>
+            <a:picLocks noChangeAspect="1"/>
+          </p:cNvPicPr>
+          <p:nvPr/>
+        </p:nvPicPr>
+        <p:blipFill>
+          <a:blip r:embed="rId2"/>
+          <a:stretch>
+            <a:fillRect/>
+          </a:stretch>
+        </p:blipFill>
+        <p:spPr>
+          <a:xfrm>
+            <a:off x="4021518" y="1719928"/>
+            <a:ext cx="6583417" cy="4426482"/>
+          </a:xfrm>
+          <a:prstGeom prst="rect">
+            <a:avLst/>
+          </a:prstGeom>
+        </p:spPr>
+      </p:pic>
+    </p:spTree>
+    <p:extLst>
+      <p:ext uri="{BB962C8B-B14F-4D97-AF65-F5344CB8AC3E}">
+        <p14:creationId xmlns:p14="http://schemas.microsoft.com/office/powerpoint/2010/main" val="3355325123"/>
+      </p:ext>
+    </p:extLst>
+  </p:cSld>
+  <p:clrMapOvr>
+    <a:masterClrMapping/>
+  </p:clrMapOvr>
+  <p:timing>
+    <p:tnLst>
+      <p:par>
+        <p:cTn id="1" dur="indefinite" restart="never" nodeType="tmRoot"/>
+      </p:par>
+    </p:tnLst>
+  </p:timing>
+</p:sld>
+</file>
+
+<file path=ppt/slides/slide8.xml><?xml version="1.0" encoding="utf-8"?>
+<p:sld xmlns:a="http://schemas.openxmlformats.org/drawingml/2006/main" xmlns:r="http://schemas.openxmlformats.org/officeDocument/2006/relationships" xmlns:p="http://schemas.openxmlformats.org/presentationml/2006/main">
+  <p:cSld>
+    <p:spTree>
+      <p:nvGrpSpPr>
+        <p:cNvPr id="1" name=""/>
+        <p:cNvGrpSpPr/>
+        <p:nvPr/>
+      </p:nvGrpSpPr>
+      <p:grpSpPr>
+        <a:xfrm>
+          <a:off x="0" y="0"/>
+          <a:ext cx="0" cy="0"/>
+          <a:chOff x="0" y="0"/>
+          <a:chExt cx="0" cy="0"/>
+        </a:xfrm>
+      </p:grpSpPr>
+      <p:sp>
+        <p:nvSpPr>
+          <p:cNvPr id="2" name="Titel 1"/>
+          <p:cNvSpPr>
+            <a:spLocks noGrp="1"/>
+          </p:cNvSpPr>
+          <p:nvPr>
+            <p:ph type="title"/>
+          </p:nvPr>
+        </p:nvSpPr>
+        <p:spPr/>
+        <p:txBody>
+          <a:bodyPr/>
+          <a:lstStyle/>
+          <a:p>
+            <a:r>
+              <a:rPr lang="de-DE" dirty="0" err="1"/>
+              <a:t>SmartCart</a:t>
+            </a:r>
+            <a:r>
+              <a:rPr lang="de-DE" dirty="0"/>
+              <a:t> – Technical </a:t>
+            </a:r>
+            <a:r>
+              <a:rPr lang="de-DE" dirty="0" err="1"/>
+              <a:t>Overview</a:t>
+            </a:r>
+            <a:r>
+              <a:rPr lang="de-DE" dirty="0"/>
+              <a:t/>
+            </a:r>
+            <a:br>
+              <a:rPr lang="de-DE" dirty="0"/>
+            </a:br>
+            <a:r>
+              <a:rPr lang="de-DE" sz="1200" dirty="0"/>
+              <a:t> </a:t>
+            </a:r>
+            <a:r>
+              <a:rPr lang="de-DE" dirty="0"/>
+              <a:t/>
+            </a:r>
+            <a:br>
+              <a:rPr lang="de-DE" dirty="0"/>
+            </a:br>
+            <a:r>
+              <a:rPr lang="de-DE" sz="2400" dirty="0" smtClean="0"/>
+              <a:t>Data Model</a:t>
+            </a:r>
+            <a:endParaRPr lang="de-DE" dirty="0"/>
+          </a:p>
+        </p:txBody>
+      </p:sp>
+      <p:pic>
+        <p:nvPicPr>
+          <p:cNvPr id="3" name="Grafik 2"/>
+          <p:cNvPicPr>
+            <a:picLocks noChangeAspect="1"/>
+          </p:cNvPicPr>
+          <p:nvPr/>
+        </p:nvPicPr>
+        <p:blipFill>
+          <a:blip r:embed="rId2"/>
+          <a:stretch>
+            <a:fillRect/>
+          </a:stretch>
+        </p:blipFill>
+        <p:spPr>
+          <a:xfrm>
+            <a:off x="4561819" y="2646965"/>
+            <a:ext cx="4476750" cy="2762250"/>
+          </a:xfrm>
+          <a:prstGeom prst="rect">
+            <a:avLst/>
+          </a:prstGeom>
+        </p:spPr>
+      </p:pic>
+    </p:spTree>
+    <p:extLst>
+      <p:ext uri="{BB962C8B-B14F-4D97-AF65-F5344CB8AC3E}">
+        <p14:creationId xmlns:p14="http://schemas.microsoft.com/office/powerpoint/2010/main" val="2944204712"/>
+      </p:ext>
+    </p:extLst>
+  </p:cSld>
+  <p:clrMapOvr>
+    <a:masterClrMapping/>
+  </p:clrMapOvr>
+  <p:timing>
+    <p:tnLst>
+      <p:par>
+        <p:cTn id="1" dur="indefinite" restart="never" nodeType="tmRoot"/>
+      </p:par>
+    </p:tnLst>
+  </p:timing>
+</p:sld>
+</file>
+
+<file path=ppt/slides/slide9.xml><?xml version="1.0" encoding="utf-8"?>
 <p:sld xmlns:a="http://schemas.openxmlformats.org/drawingml/2006/main" xmlns:r="http://schemas.openxmlformats.org/officeDocument/2006/relationships" xmlns:p="http://schemas.openxmlformats.org/presentationml/2006/main">
   <p:cSld>
     <p:spTree>
@@ -8668,1116 +11747,6 @@
   <p:clrMapOvr>
     <a:masterClrMapping/>
   </p:clrMapOvr>
-</p:sld>
-</file>
-
-<file path=ppt/slides/slide11.xml><?xml version="1.0" encoding="utf-8"?>
-<p:sld xmlns:a="http://schemas.openxmlformats.org/drawingml/2006/main" xmlns:r="http://schemas.openxmlformats.org/officeDocument/2006/relationships" xmlns:p="http://schemas.openxmlformats.org/presentationml/2006/main">
-  <p:cSld>
-    <p:spTree>
-      <p:nvGrpSpPr>
-        <p:cNvPr id="1" name=""/>
-        <p:cNvGrpSpPr/>
-        <p:nvPr/>
-      </p:nvGrpSpPr>
-      <p:grpSpPr>
-        <a:xfrm>
-          <a:off x="0" y="0"/>
-          <a:ext cx="0" cy="0"/>
-          <a:chOff x="0" y="0"/>
-          <a:chExt cx="0" cy="0"/>
-        </a:xfrm>
-      </p:grpSpPr>
-      <p:sp>
-        <p:nvSpPr>
-          <p:cNvPr id="2" name="Titel 1"/>
-          <p:cNvSpPr>
-            <a:spLocks noGrp="1"/>
-          </p:cNvSpPr>
-          <p:nvPr>
-            <p:ph type="title"/>
-          </p:nvPr>
-        </p:nvSpPr>
-        <p:spPr/>
-        <p:txBody>
-          <a:bodyPr/>
-          <a:lstStyle/>
-          <a:p>
-            <a:r>
-              <a:rPr lang="de-DE" dirty="0" err="1"/>
-              <a:t>SmartCart</a:t>
-            </a:r>
-            <a:r>
-              <a:rPr lang="de-DE" dirty="0"/>
-              <a:t> – Technical </a:t>
-            </a:r>
-            <a:r>
-              <a:rPr lang="de-DE" dirty="0" err="1"/>
-              <a:t>Overview</a:t>
-            </a:r>
-            <a:r>
-              <a:rPr lang="de-DE" dirty="0"/>
-              <a:t/>
-            </a:r>
-            <a:br>
-              <a:rPr lang="de-DE" dirty="0"/>
-            </a:br>
-            <a:r>
-              <a:rPr lang="de-DE" sz="1200" dirty="0"/>
-              <a:t> </a:t>
-            </a:r>
-            <a:r>
-              <a:rPr lang="de-DE" dirty="0"/>
-              <a:t/>
-            </a:r>
-            <a:br>
-              <a:rPr lang="de-DE" dirty="0"/>
-            </a:br>
-            <a:r>
-              <a:rPr lang="de-DE" sz="2400" dirty="0" smtClean="0"/>
-              <a:t>Data </a:t>
-            </a:r>
-            <a:r>
-              <a:rPr lang="de-DE" sz="2400" dirty="0" err="1" smtClean="0"/>
-              <a:t>Acquisition</a:t>
-            </a:r>
-            <a:endParaRPr lang="de-DE" dirty="0"/>
-          </a:p>
-        </p:txBody>
-      </p:sp>
-      <p:sp>
-        <p:nvSpPr>
-          <p:cNvPr id="4" name="Inhaltsplatzhalter 2"/>
-          <p:cNvSpPr>
-            <a:spLocks noGrp="1"/>
-          </p:cNvSpPr>
-          <p:nvPr>
-            <p:ph idx="1"/>
-          </p:nvPr>
-        </p:nvSpPr>
-        <p:spPr>
-          <a:xfrm>
-            <a:off x="2589212" y="2133600"/>
-            <a:ext cx="8089298" cy="3777622"/>
-          </a:xfrm>
-        </p:spPr>
-        <p:txBody>
-          <a:bodyPr/>
-          <a:lstStyle/>
-          <a:p>
-            <a:r>
-              <a:rPr lang="de-DE" dirty="0" err="1" smtClean="0"/>
-              <a:t>Collecting</a:t>
-            </a:r>
-            <a:r>
-              <a:rPr lang="de-DE" dirty="0" smtClean="0"/>
-              <a:t> </a:t>
-            </a:r>
-            <a:r>
-              <a:rPr lang="de-DE" dirty="0" err="1" smtClean="0"/>
-              <a:t>the</a:t>
-            </a:r>
-            <a:r>
-              <a:rPr lang="de-DE" dirty="0" smtClean="0"/>
-              <a:t> </a:t>
-            </a:r>
-            <a:r>
-              <a:rPr lang="de-DE" dirty="0" err="1" smtClean="0"/>
-              <a:t>order</a:t>
-            </a:r>
-            <a:r>
-              <a:rPr lang="de-DE" dirty="0" smtClean="0"/>
-              <a:t> </a:t>
-            </a:r>
-            <a:r>
-              <a:rPr lang="de-DE" dirty="0" err="1" smtClean="0"/>
-              <a:t>of</a:t>
-            </a:r>
-            <a:r>
-              <a:rPr lang="de-DE" dirty="0" smtClean="0"/>
-              <a:t> </a:t>
-            </a:r>
-            <a:r>
-              <a:rPr lang="de-DE" dirty="0" err="1" smtClean="0"/>
-              <a:t>marking</a:t>
-            </a:r>
-            <a:r>
-              <a:rPr lang="de-DE" dirty="0" smtClean="0"/>
-              <a:t> </a:t>
-            </a:r>
-            <a:r>
-              <a:rPr lang="de-DE" dirty="0" err="1" smtClean="0"/>
-              <a:t>the</a:t>
-            </a:r>
-            <a:r>
-              <a:rPr lang="de-DE" dirty="0" smtClean="0"/>
-              <a:t> Products </a:t>
-            </a:r>
-            <a:r>
-              <a:rPr lang="de-DE" dirty="0" err="1" smtClean="0"/>
-              <a:t>as</a:t>
-            </a:r>
-            <a:r>
-              <a:rPr lang="de-DE" dirty="0" smtClean="0"/>
-              <a:t> „</a:t>
-            </a:r>
-            <a:r>
-              <a:rPr lang="de-DE" dirty="0" err="1" smtClean="0"/>
-              <a:t>added</a:t>
-            </a:r>
-            <a:r>
-              <a:rPr lang="de-DE" dirty="0" smtClean="0"/>
-              <a:t> </a:t>
-            </a:r>
-            <a:r>
-              <a:rPr lang="de-DE" dirty="0" err="1" smtClean="0"/>
-              <a:t>to</a:t>
-            </a:r>
-            <a:r>
-              <a:rPr lang="de-DE" dirty="0" smtClean="0"/>
-              <a:t> </a:t>
-            </a:r>
-            <a:r>
-              <a:rPr lang="de-DE" dirty="0" err="1" smtClean="0"/>
-              <a:t>Cart</a:t>
-            </a:r>
-            <a:r>
-              <a:rPr lang="de-DE" dirty="0" smtClean="0"/>
-              <a:t>“</a:t>
-            </a:r>
-          </a:p>
-          <a:p>
-            <a:r>
-              <a:rPr lang="de-DE" dirty="0" err="1" smtClean="0"/>
-              <a:t>Collecting</a:t>
-            </a:r>
-            <a:r>
-              <a:rPr lang="de-DE" dirty="0" smtClean="0"/>
-              <a:t> </a:t>
-            </a:r>
-            <a:r>
-              <a:rPr lang="de-DE" dirty="0" err="1" smtClean="0"/>
-              <a:t>the</a:t>
-            </a:r>
-            <a:r>
-              <a:rPr lang="de-DE" dirty="0" smtClean="0"/>
-              <a:t> </a:t>
-            </a:r>
-            <a:r>
-              <a:rPr lang="de-DE" dirty="0" err="1" smtClean="0"/>
-              <a:t>chosen</a:t>
-            </a:r>
-            <a:r>
-              <a:rPr lang="de-DE" dirty="0" smtClean="0"/>
-              <a:t> </a:t>
-            </a:r>
-            <a:r>
-              <a:rPr lang="de-DE" dirty="0" err="1" smtClean="0"/>
-              <a:t>Category</a:t>
-            </a:r>
-            <a:r>
-              <a:rPr lang="de-DE" dirty="0" smtClean="0"/>
-              <a:t> </a:t>
-            </a:r>
-            <a:r>
-              <a:rPr lang="de-DE" dirty="0" err="1" smtClean="0"/>
-              <a:t>of</a:t>
-            </a:r>
-            <a:r>
-              <a:rPr lang="de-DE" dirty="0" smtClean="0"/>
-              <a:t> </a:t>
-            </a:r>
-            <a:r>
-              <a:rPr lang="de-DE" dirty="0" err="1" smtClean="0"/>
-              <a:t>Product</a:t>
-            </a:r>
-            <a:endParaRPr lang="de-DE" dirty="0" smtClean="0"/>
-          </a:p>
-          <a:p>
-            <a:pPr lvl="1"/>
-            <a:r>
-              <a:rPr lang="de-DE" dirty="0" err="1" smtClean="0"/>
-              <a:t>Majority</a:t>
-            </a:r>
-            <a:r>
-              <a:rPr lang="de-DE" dirty="0" smtClean="0"/>
-              <a:t> will </a:t>
-            </a:r>
-            <a:r>
-              <a:rPr lang="de-DE" dirty="0" err="1" smtClean="0"/>
-              <a:t>decide</a:t>
-            </a:r>
-            <a:endParaRPr lang="de-DE" dirty="0" smtClean="0"/>
-          </a:p>
-          <a:p>
-            <a:pPr lvl="1"/>
-            <a:r>
-              <a:rPr lang="de-DE" dirty="0" smtClean="0"/>
-              <a:t>Naive </a:t>
-            </a:r>
-            <a:r>
-              <a:rPr lang="de-DE" dirty="0" err="1" smtClean="0"/>
-              <a:t>Bayes</a:t>
-            </a:r>
-            <a:r>
-              <a:rPr lang="de-DE" dirty="0" smtClean="0"/>
-              <a:t> </a:t>
-            </a:r>
-            <a:r>
-              <a:rPr lang="de-DE" dirty="0" err="1" smtClean="0"/>
-              <a:t>regarding</a:t>
-            </a:r>
-            <a:r>
-              <a:rPr lang="de-DE" dirty="0" smtClean="0"/>
-              <a:t> Shopping Time</a:t>
-            </a:r>
-          </a:p>
-          <a:p>
-            <a:pPr marL="457200" lvl="1" indent="0">
-              <a:buNone/>
-            </a:pPr>
-            <a:endParaRPr lang="de-DE" dirty="0" smtClean="0"/>
-          </a:p>
-          <a:p>
-            <a:r>
-              <a:rPr lang="de-DE" dirty="0" err="1" smtClean="0"/>
-              <a:t>Ordering</a:t>
-            </a:r>
-            <a:r>
-              <a:rPr lang="de-DE" dirty="0" smtClean="0"/>
-              <a:t> </a:t>
-            </a:r>
-            <a:r>
-              <a:rPr lang="de-DE" dirty="0" err="1" smtClean="0"/>
-              <a:t>of</a:t>
-            </a:r>
-            <a:r>
-              <a:rPr lang="de-DE" dirty="0" smtClean="0"/>
-              <a:t> a </a:t>
-            </a:r>
-            <a:r>
-              <a:rPr lang="de-DE" dirty="0" err="1" smtClean="0"/>
-              <a:t>market‘s</a:t>
-            </a:r>
-            <a:r>
-              <a:rPr lang="de-DE" dirty="0" smtClean="0"/>
-              <a:t> </a:t>
-            </a:r>
-            <a:r>
-              <a:rPr lang="de-DE" dirty="0" err="1" smtClean="0"/>
-              <a:t>department</a:t>
-            </a:r>
-            <a:r>
-              <a:rPr lang="de-DE" dirty="0" smtClean="0"/>
-              <a:t> also </a:t>
-            </a:r>
-            <a:r>
-              <a:rPr lang="de-DE" dirty="0" err="1" smtClean="0"/>
-              <a:t>derived</a:t>
-            </a:r>
-            <a:r>
-              <a:rPr lang="de-DE" dirty="0" smtClean="0"/>
-              <a:t> </a:t>
-            </a:r>
-            <a:r>
-              <a:rPr lang="de-DE" dirty="0" err="1" smtClean="0"/>
-              <a:t>from</a:t>
-            </a:r>
-            <a:r>
-              <a:rPr lang="de-DE" dirty="0" smtClean="0"/>
-              <a:t> </a:t>
-            </a:r>
-            <a:r>
-              <a:rPr lang="de-DE" dirty="0" err="1" smtClean="0"/>
-              <a:t>order</a:t>
-            </a:r>
-            <a:r>
-              <a:rPr lang="de-DE" dirty="0" smtClean="0"/>
-              <a:t> </a:t>
-            </a:r>
-            <a:r>
-              <a:rPr lang="de-DE" dirty="0" err="1" smtClean="0"/>
-              <a:t>of</a:t>
-            </a:r>
-            <a:r>
-              <a:rPr lang="de-DE" dirty="0" smtClean="0"/>
-              <a:t> </a:t>
-            </a:r>
-            <a:r>
-              <a:rPr lang="de-DE" dirty="0" err="1" smtClean="0"/>
-              <a:t>marking</a:t>
-            </a:r>
-            <a:r>
-              <a:rPr lang="de-DE" dirty="0" smtClean="0"/>
-              <a:t> </a:t>
-            </a:r>
-            <a:r>
-              <a:rPr lang="de-DE" dirty="0" err="1"/>
-              <a:t>the</a:t>
-            </a:r>
-            <a:r>
-              <a:rPr lang="de-DE" dirty="0"/>
-              <a:t> Products </a:t>
-            </a:r>
-            <a:r>
-              <a:rPr lang="de-DE" dirty="0" err="1"/>
-              <a:t>as</a:t>
-            </a:r>
-            <a:r>
-              <a:rPr lang="de-DE" dirty="0"/>
-              <a:t> „</a:t>
-            </a:r>
-            <a:r>
-              <a:rPr lang="de-DE" dirty="0" err="1"/>
-              <a:t>added</a:t>
-            </a:r>
-            <a:r>
-              <a:rPr lang="de-DE" dirty="0"/>
-              <a:t> </a:t>
-            </a:r>
-            <a:r>
-              <a:rPr lang="de-DE" dirty="0" err="1"/>
-              <a:t>to</a:t>
-            </a:r>
-            <a:r>
-              <a:rPr lang="de-DE" dirty="0"/>
-              <a:t> </a:t>
-            </a:r>
-            <a:r>
-              <a:rPr lang="de-DE" dirty="0" err="1"/>
-              <a:t>Cart</a:t>
-            </a:r>
-            <a:r>
-              <a:rPr lang="de-DE" dirty="0" smtClean="0"/>
-              <a:t>“</a:t>
-            </a:r>
-          </a:p>
-          <a:p>
-            <a:r>
-              <a:rPr lang="de-DE" dirty="0" smtClean="0"/>
-              <a:t>Initial Order…?</a:t>
-            </a:r>
-          </a:p>
-          <a:p>
-            <a:pPr marL="0" indent="0">
-              <a:buNone/>
-            </a:pPr>
-            <a:endParaRPr lang="de-DE" dirty="0" smtClean="0"/>
-          </a:p>
-        </p:txBody>
-      </p:sp>
-    </p:spTree>
-    <p:extLst>
-      <p:ext uri="{BB962C8B-B14F-4D97-AF65-F5344CB8AC3E}">
-        <p14:creationId xmlns:p14="http://schemas.microsoft.com/office/powerpoint/2010/main" val="3525046717"/>
-      </p:ext>
-    </p:extLst>
-  </p:cSld>
-  <p:clrMapOvr>
-    <a:masterClrMapping/>
-  </p:clrMapOvr>
-</p:sld>
-</file>
-
-<file path=ppt/slides/slide12.xml><?xml version="1.0" encoding="utf-8"?>
-<p:sld xmlns:a="http://schemas.openxmlformats.org/drawingml/2006/main" xmlns:r="http://schemas.openxmlformats.org/officeDocument/2006/relationships" xmlns:p="http://schemas.openxmlformats.org/presentationml/2006/main">
-  <p:cSld>
-    <p:spTree>
-      <p:nvGrpSpPr>
-        <p:cNvPr id="1" name=""/>
-        <p:cNvGrpSpPr/>
-        <p:nvPr/>
-      </p:nvGrpSpPr>
-      <p:grpSpPr>
-        <a:xfrm>
-          <a:off x="0" y="0"/>
-          <a:ext cx="0" cy="0"/>
-          <a:chOff x="0" y="0"/>
-          <a:chExt cx="0" cy="0"/>
-        </a:xfrm>
-      </p:grpSpPr>
-      <p:sp>
-        <p:nvSpPr>
-          <p:cNvPr id="2" name="Titel 1"/>
-          <p:cNvSpPr>
-            <a:spLocks noGrp="1"/>
-          </p:cNvSpPr>
-          <p:nvPr>
-            <p:ph type="title"/>
-          </p:nvPr>
-        </p:nvSpPr>
-        <p:spPr/>
-        <p:txBody>
-          <a:bodyPr/>
-          <a:lstStyle/>
-          <a:p>
-            <a:r>
-              <a:rPr lang="de-DE" dirty="0" err="1" smtClean="0"/>
-              <a:t>SmartCart</a:t>
-            </a:r>
-            <a:r>
-              <a:rPr lang="de-DE" dirty="0" smtClean="0"/>
-              <a:t> – Business Model</a:t>
-            </a:r>
-            <a:endParaRPr lang="de-DE" dirty="0"/>
-          </a:p>
-        </p:txBody>
-      </p:sp>
-      <p:sp>
-        <p:nvSpPr>
-          <p:cNvPr id="3" name="Inhaltsplatzhalter 2"/>
-          <p:cNvSpPr>
-            <a:spLocks noGrp="1"/>
-          </p:cNvSpPr>
-          <p:nvPr>
-            <p:ph idx="1"/>
-          </p:nvPr>
-        </p:nvSpPr>
-        <p:spPr/>
-        <p:txBody>
-          <a:bodyPr/>
-          <a:lstStyle/>
-          <a:p>
-            <a:r>
-              <a:rPr lang="de-DE" dirty="0" err="1" smtClean="0"/>
-              <a:t>Two</a:t>
-            </a:r>
-            <a:r>
-              <a:rPr lang="de-DE" dirty="0" smtClean="0"/>
-              <a:t> </a:t>
-            </a:r>
-            <a:r>
-              <a:rPr lang="de-DE" dirty="0" err="1" smtClean="0"/>
-              <a:t>main</a:t>
-            </a:r>
-            <a:r>
-              <a:rPr lang="de-DE" dirty="0" smtClean="0"/>
-              <a:t> </a:t>
-            </a:r>
-            <a:r>
-              <a:rPr lang="de-DE" dirty="0" err="1" smtClean="0"/>
-              <a:t>Phases</a:t>
-            </a:r>
-            <a:r>
-              <a:rPr lang="de-DE" dirty="0" smtClean="0"/>
-              <a:t>:</a:t>
-            </a:r>
-          </a:p>
-          <a:p>
-            <a:pPr lvl="1"/>
-            <a:r>
-              <a:rPr lang="de-DE" dirty="0" smtClean="0"/>
-              <a:t>Penetration </a:t>
-            </a:r>
-            <a:r>
-              <a:rPr lang="de-DE" dirty="0" err="1" smtClean="0"/>
-              <a:t>of</a:t>
-            </a:r>
-            <a:r>
-              <a:rPr lang="de-DE" dirty="0" smtClean="0"/>
-              <a:t> </a:t>
-            </a:r>
-            <a:r>
-              <a:rPr lang="de-DE" dirty="0" err="1" smtClean="0"/>
-              <a:t>the</a:t>
-            </a:r>
-            <a:r>
-              <a:rPr lang="de-DE" dirty="0" smtClean="0"/>
-              <a:t> </a:t>
-            </a:r>
-            <a:r>
-              <a:rPr lang="de-DE" dirty="0" err="1" smtClean="0"/>
-              <a:t>market</a:t>
-            </a:r>
-            <a:endParaRPr lang="de-DE" dirty="0" smtClean="0"/>
-          </a:p>
-          <a:p>
-            <a:pPr lvl="1"/>
-            <a:r>
-              <a:rPr lang="de-DE" dirty="0" err="1" smtClean="0"/>
-              <a:t>Earning</a:t>
-            </a:r>
-            <a:r>
-              <a:rPr lang="de-DE" dirty="0" smtClean="0"/>
-              <a:t> Money</a:t>
-            </a:r>
-            <a:endParaRPr lang="de-DE" dirty="0"/>
-          </a:p>
-        </p:txBody>
-      </p:sp>
-      <p:sp>
-        <p:nvSpPr>
-          <p:cNvPr id="4" name="AutoShape 2" descr="Image result for Marktentwicklung"/>
-          <p:cNvSpPr>
-            <a:spLocks noChangeAspect="1" noChangeArrowheads="1"/>
-          </p:cNvSpPr>
-          <p:nvPr/>
-        </p:nvSpPr>
-        <p:spPr bwMode="auto">
-          <a:xfrm>
-            <a:off x="155575" y="-914400"/>
-            <a:ext cx="3952875" cy="1905000"/>
-          </a:xfrm>
-          <a:prstGeom prst="rect">
-            <a:avLst/>
-          </a:prstGeom>
-          <a:noFill/>
-          <a:extLst>
-            <a:ext uri="{909E8E84-426E-40DD-AFC4-6F175D3DCCD1}">
-              <a14:hiddenFill xmlns:a14="http://schemas.microsoft.com/office/drawing/2010/main">
-                <a:solidFill>
-                  <a:srgbClr val="FFFFFF"/>
-                </a:solidFill>
-              </a14:hiddenFill>
-            </a:ext>
-          </a:extLst>
-        </p:spPr>
-        <p:txBody>
-          <a:bodyPr vert="horz" wrap="square" lIns="91440" tIns="45720" rIns="91440" bIns="45720" numCol="1" anchor="t" anchorCtr="0" compatLnSpc="1">
-            <a:prstTxWarp prst="textNoShape">
-              <a:avLst/>
-            </a:prstTxWarp>
-          </a:bodyPr>
-          <a:lstStyle/>
-          <a:p>
-            <a:endParaRPr lang="de-DE"/>
-          </a:p>
-        </p:txBody>
-      </p:sp>
-    </p:spTree>
-    <p:extLst>
-      <p:ext uri="{BB962C8B-B14F-4D97-AF65-F5344CB8AC3E}">
-        <p14:creationId xmlns:p14="http://schemas.microsoft.com/office/powerpoint/2010/main" val="2301295905"/>
-      </p:ext>
-    </p:extLst>
-  </p:cSld>
-  <p:clrMapOvr>
-    <a:masterClrMapping/>
-  </p:clrMapOvr>
-</p:sld>
-</file>
-
-<file path=ppt/slides/slide13.xml><?xml version="1.0" encoding="utf-8"?>
-<p:sld xmlns:a="http://schemas.openxmlformats.org/drawingml/2006/main" xmlns:r="http://schemas.openxmlformats.org/officeDocument/2006/relationships" xmlns:p="http://schemas.openxmlformats.org/presentationml/2006/main">
-  <p:cSld>
-    <p:spTree>
-      <p:nvGrpSpPr>
-        <p:cNvPr id="1" name=""/>
-        <p:cNvGrpSpPr/>
-        <p:nvPr/>
-      </p:nvGrpSpPr>
-      <p:grpSpPr>
-        <a:xfrm>
-          <a:off x="0" y="0"/>
-          <a:ext cx="0" cy="0"/>
-          <a:chOff x="0" y="0"/>
-          <a:chExt cx="0" cy="0"/>
-        </a:xfrm>
-      </p:grpSpPr>
-      <p:sp>
-        <p:nvSpPr>
-          <p:cNvPr id="2" name="Titel 1"/>
-          <p:cNvSpPr>
-            <a:spLocks noGrp="1"/>
-          </p:cNvSpPr>
-          <p:nvPr>
-            <p:ph type="title"/>
-          </p:nvPr>
-        </p:nvSpPr>
-        <p:spPr/>
-        <p:txBody>
-          <a:bodyPr/>
-          <a:lstStyle/>
-          <a:p>
-            <a:r>
-              <a:rPr lang="de-DE" dirty="0" err="1" smtClean="0"/>
-              <a:t>SmartCart</a:t>
-            </a:r>
-            <a:r>
-              <a:rPr lang="de-DE" dirty="0" smtClean="0"/>
-              <a:t> – Business Model</a:t>
-            </a:r>
-            <a:endParaRPr lang="de-DE" dirty="0"/>
-          </a:p>
-        </p:txBody>
-      </p:sp>
-      <p:sp>
-        <p:nvSpPr>
-          <p:cNvPr id="3" name="Inhaltsplatzhalter 2"/>
-          <p:cNvSpPr>
-            <a:spLocks noGrp="1"/>
-          </p:cNvSpPr>
-          <p:nvPr>
-            <p:ph idx="1"/>
-          </p:nvPr>
-        </p:nvSpPr>
-        <p:spPr>
-          <a:xfrm>
-            <a:off x="2589212" y="2133600"/>
-            <a:ext cx="5733521" cy="3777622"/>
-          </a:xfrm>
-        </p:spPr>
-        <p:txBody>
-          <a:bodyPr/>
-          <a:lstStyle/>
-          <a:p>
-            <a:r>
-              <a:rPr lang="de-DE" dirty="0" err="1" smtClean="0"/>
-              <a:t>Two</a:t>
-            </a:r>
-            <a:r>
-              <a:rPr lang="de-DE" dirty="0" smtClean="0"/>
-              <a:t> </a:t>
-            </a:r>
-            <a:r>
-              <a:rPr lang="de-DE" dirty="0" err="1" smtClean="0"/>
-              <a:t>versions</a:t>
-            </a:r>
-            <a:r>
-              <a:rPr lang="de-DE" dirty="0" smtClean="0"/>
-              <a:t> </a:t>
-            </a:r>
-            <a:r>
-              <a:rPr lang="de-DE" dirty="0" err="1" smtClean="0"/>
-              <a:t>of</a:t>
-            </a:r>
-            <a:r>
-              <a:rPr lang="de-DE" dirty="0" smtClean="0"/>
-              <a:t> </a:t>
-            </a:r>
-            <a:r>
-              <a:rPr lang="de-DE" dirty="0" err="1" smtClean="0"/>
-              <a:t>SmartCart</a:t>
-            </a:r>
-            <a:endParaRPr lang="de-DE" dirty="0" smtClean="0"/>
-          </a:p>
-          <a:p>
-            <a:pPr lvl="1"/>
-            <a:r>
-              <a:rPr lang="de-DE" dirty="0" smtClean="0"/>
-              <a:t>Basic Version (</a:t>
-            </a:r>
-            <a:r>
-              <a:rPr lang="de-DE" dirty="0" err="1" smtClean="0"/>
-              <a:t>free</a:t>
-            </a:r>
-            <a:r>
-              <a:rPr lang="de-DE" dirty="0" smtClean="0"/>
-              <a:t>)</a:t>
-            </a:r>
-          </a:p>
-          <a:p>
-            <a:pPr lvl="1"/>
-            <a:r>
-              <a:rPr lang="de-DE" dirty="0" smtClean="0"/>
-              <a:t>Pro Version (1.99 €)</a:t>
-            </a:r>
-          </a:p>
-          <a:p>
-            <a:r>
-              <a:rPr lang="de-DE" dirty="0" smtClean="0"/>
-              <a:t>Basic Version will </a:t>
-            </a:r>
-            <a:r>
-              <a:rPr lang="de-DE" dirty="0" err="1" smtClean="0"/>
-              <a:t>show</a:t>
-            </a:r>
-            <a:r>
-              <a:rPr lang="de-DE" dirty="0" smtClean="0"/>
-              <a:t> </a:t>
-            </a:r>
-            <a:r>
-              <a:rPr lang="de-DE" dirty="0" err="1" smtClean="0"/>
-              <a:t>ads</a:t>
-            </a:r>
-            <a:r>
-              <a:rPr lang="de-DE" dirty="0" smtClean="0"/>
-              <a:t> </a:t>
-            </a:r>
-            <a:r>
-              <a:rPr lang="de-DE" dirty="0" err="1" smtClean="0"/>
-              <a:t>of</a:t>
-            </a:r>
-            <a:r>
-              <a:rPr lang="de-DE" dirty="0" smtClean="0"/>
-              <a:t> </a:t>
-            </a:r>
-            <a:r>
-              <a:rPr lang="de-DE" dirty="0" err="1" smtClean="0"/>
-              <a:t>the</a:t>
-            </a:r>
-            <a:r>
-              <a:rPr lang="de-DE" dirty="0" smtClean="0"/>
-              <a:t> </a:t>
-            </a:r>
-            <a:r>
-              <a:rPr lang="de-DE" dirty="0" err="1" smtClean="0"/>
-              <a:t>grocery</a:t>
-            </a:r>
-            <a:r>
-              <a:rPr lang="de-DE" dirty="0" smtClean="0"/>
-              <a:t> </a:t>
-            </a:r>
-            <a:r>
-              <a:rPr lang="de-DE" dirty="0" err="1" smtClean="0"/>
-              <a:t>that</a:t>
-            </a:r>
-            <a:r>
-              <a:rPr lang="de-DE" dirty="0" smtClean="0"/>
-              <a:t> </a:t>
-            </a:r>
-            <a:r>
-              <a:rPr lang="de-DE" dirty="0" err="1" smtClean="0"/>
-              <a:t>is</a:t>
-            </a:r>
-            <a:r>
-              <a:rPr lang="de-DE" dirty="0" smtClean="0"/>
-              <a:t> </a:t>
-            </a:r>
-            <a:r>
-              <a:rPr lang="de-DE" dirty="0" err="1" smtClean="0"/>
-              <a:t>entered</a:t>
-            </a:r>
-            <a:endParaRPr lang="de-DE" dirty="0" smtClean="0"/>
-          </a:p>
-          <a:p>
-            <a:endParaRPr lang="de-DE" dirty="0"/>
-          </a:p>
-          <a:p>
-            <a:r>
-              <a:rPr lang="de-DE" dirty="0" smtClean="0"/>
-              <a:t>First </a:t>
-            </a:r>
-            <a:r>
-              <a:rPr lang="de-DE" dirty="0" err="1" smtClean="0"/>
-              <a:t>users</a:t>
-            </a:r>
-            <a:r>
-              <a:rPr lang="de-DE" dirty="0" smtClean="0"/>
-              <a:t> will </a:t>
-            </a:r>
-            <a:r>
-              <a:rPr lang="de-DE" dirty="0" err="1" smtClean="0"/>
-              <a:t>get</a:t>
-            </a:r>
-            <a:r>
-              <a:rPr lang="de-DE" dirty="0" smtClean="0"/>
-              <a:t> a </a:t>
-            </a:r>
-            <a:r>
-              <a:rPr lang="de-DE" dirty="0" err="1" smtClean="0"/>
-              <a:t>free</a:t>
-            </a:r>
-            <a:r>
-              <a:rPr lang="de-DE" dirty="0" smtClean="0"/>
-              <a:t> Pro Version</a:t>
-            </a:r>
-          </a:p>
-          <a:p>
-            <a:r>
-              <a:rPr lang="de-DE" dirty="0" smtClean="0"/>
-              <a:t>First ad </a:t>
-            </a:r>
-            <a:r>
-              <a:rPr lang="de-DE" dirty="0" err="1" smtClean="0"/>
-              <a:t>placements</a:t>
-            </a:r>
-            <a:r>
-              <a:rPr lang="de-DE" dirty="0" smtClean="0"/>
-              <a:t> will </a:t>
-            </a:r>
-            <a:r>
-              <a:rPr lang="de-DE" dirty="0" err="1" smtClean="0"/>
-              <a:t>be</a:t>
-            </a:r>
-            <a:r>
-              <a:rPr lang="de-DE" dirty="0" smtClean="0"/>
-              <a:t> </a:t>
-            </a:r>
-            <a:r>
-              <a:rPr lang="de-DE" dirty="0" err="1" smtClean="0"/>
-              <a:t>free</a:t>
-            </a:r>
-            <a:r>
-              <a:rPr lang="de-DE" dirty="0" smtClean="0"/>
-              <a:t>, </a:t>
-            </a:r>
-            <a:r>
-              <a:rPr lang="de-DE" dirty="0" err="1" smtClean="0"/>
-              <a:t>if</a:t>
-            </a:r>
-            <a:r>
-              <a:rPr lang="de-DE" dirty="0" smtClean="0"/>
-              <a:t> </a:t>
-            </a:r>
-            <a:r>
-              <a:rPr lang="de-DE" dirty="0" err="1" smtClean="0"/>
-              <a:t>the</a:t>
-            </a:r>
-            <a:r>
-              <a:rPr lang="de-DE" dirty="0" smtClean="0"/>
-              <a:t> </a:t>
-            </a:r>
-            <a:r>
-              <a:rPr lang="de-DE" dirty="0" err="1" smtClean="0"/>
-              <a:t>market</a:t>
-            </a:r>
-            <a:r>
-              <a:rPr lang="de-DE" dirty="0" smtClean="0"/>
-              <a:t> </a:t>
-            </a:r>
-            <a:r>
-              <a:rPr lang="de-DE" dirty="0" err="1" smtClean="0"/>
-              <a:t>contributes</a:t>
-            </a:r>
-            <a:r>
-              <a:rPr lang="de-DE" dirty="0" smtClean="0"/>
-              <a:t> in </a:t>
-            </a:r>
-            <a:r>
-              <a:rPr lang="de-DE" dirty="0" err="1" smtClean="0"/>
-              <a:t>collecting</a:t>
-            </a:r>
-            <a:r>
-              <a:rPr lang="de-DE" dirty="0" smtClean="0"/>
-              <a:t> </a:t>
-            </a:r>
-            <a:r>
-              <a:rPr lang="de-DE" dirty="0" err="1" smtClean="0"/>
-              <a:t>data</a:t>
-            </a:r>
-            <a:endParaRPr lang="de-DE" dirty="0" smtClean="0"/>
-          </a:p>
-        </p:txBody>
-      </p:sp>
-      <p:pic>
-        <p:nvPicPr>
-          <p:cNvPr id="5" name="Grafik 4"/>
-          <p:cNvPicPr>
-            <a:picLocks noChangeAspect="1"/>
-          </p:cNvPicPr>
-          <p:nvPr/>
-        </p:nvPicPr>
-        <p:blipFill>
-          <a:blip r:embed="rId2">
-            <a:extLst>
-              <a:ext uri="{28A0092B-C50C-407E-A947-70E740481C1C}">
-                <a14:useLocalDpi xmlns:a14="http://schemas.microsoft.com/office/drawing/2010/main" val="0"/>
-              </a:ext>
-            </a:extLst>
-          </a:blip>
-          <a:stretch>
-            <a:fillRect/>
-          </a:stretch>
-        </p:blipFill>
-        <p:spPr>
-          <a:xfrm>
-            <a:off x="8582800" y="2133600"/>
-            <a:ext cx="1983600" cy="3875649"/>
-          </a:xfrm>
-          <a:prstGeom prst="rect">
-            <a:avLst/>
-          </a:prstGeom>
-        </p:spPr>
-      </p:pic>
-    </p:spTree>
-    <p:extLst>
-      <p:ext uri="{BB962C8B-B14F-4D97-AF65-F5344CB8AC3E}">
-        <p14:creationId xmlns:p14="http://schemas.microsoft.com/office/powerpoint/2010/main" val="2258425912"/>
-      </p:ext>
-    </p:extLst>
-  </p:cSld>
-  <p:clrMapOvr>
-    <a:masterClrMapping/>
-  </p:clrMapOvr>
-</p:sld>
-</file>
-
-<file path=ppt/slides/slide2.xml><?xml version="1.0" encoding="utf-8"?>
-<p:sld xmlns:a="http://schemas.openxmlformats.org/drawingml/2006/main" xmlns:r="http://schemas.openxmlformats.org/officeDocument/2006/relationships" xmlns:p="http://schemas.openxmlformats.org/presentationml/2006/main">
-  <p:cSld>
-    <p:spTree>
-      <p:nvGrpSpPr>
-        <p:cNvPr id="1" name=""/>
-        <p:cNvGrpSpPr/>
-        <p:nvPr/>
-      </p:nvGrpSpPr>
-      <p:grpSpPr>
-        <a:xfrm>
-          <a:off x="0" y="0"/>
-          <a:ext cx="0" cy="0"/>
-          <a:chOff x="0" y="0"/>
-          <a:chExt cx="0" cy="0"/>
-        </a:xfrm>
-      </p:grpSpPr>
-      <p:sp>
-        <p:nvSpPr>
-          <p:cNvPr id="2" name="Titel 1"/>
-          <p:cNvSpPr>
-            <a:spLocks noGrp="1"/>
-          </p:cNvSpPr>
-          <p:nvPr>
-            <p:ph type="title"/>
-          </p:nvPr>
-        </p:nvSpPr>
-        <p:spPr/>
-        <p:txBody>
-          <a:bodyPr/>
-          <a:lstStyle/>
-          <a:p>
-            <a:r>
-              <a:rPr lang="de-DE" dirty="0" err="1" smtClean="0"/>
-              <a:t>SmartCart</a:t>
-            </a:r>
-            <a:r>
-              <a:rPr lang="de-DE" dirty="0" smtClean="0"/>
-              <a:t> – Agenda </a:t>
-            </a:r>
-            <a:endParaRPr lang="de-DE" dirty="0"/>
-          </a:p>
-        </p:txBody>
-      </p:sp>
-      <p:sp>
-        <p:nvSpPr>
-          <p:cNvPr id="3" name="Inhaltsplatzhalter 2"/>
-          <p:cNvSpPr>
-            <a:spLocks noGrp="1"/>
-          </p:cNvSpPr>
-          <p:nvPr>
-            <p:ph idx="1"/>
-          </p:nvPr>
-        </p:nvSpPr>
-        <p:spPr>
-          <a:xfrm>
-            <a:off x="2589212" y="2133600"/>
-            <a:ext cx="4268788" cy="3777622"/>
-          </a:xfrm>
-        </p:spPr>
-        <p:txBody>
-          <a:bodyPr/>
-          <a:lstStyle/>
-          <a:p>
-            <a:r>
-              <a:rPr lang="de-DE" dirty="0" smtClean="0"/>
-              <a:t>Big Picture</a:t>
-            </a:r>
-            <a:endParaRPr lang="de-DE" dirty="0" smtClean="0"/>
-          </a:p>
-          <a:p>
-            <a:r>
-              <a:rPr lang="de-DE" dirty="0" smtClean="0"/>
-              <a:t>Technical </a:t>
-            </a:r>
-            <a:r>
-              <a:rPr lang="de-DE" dirty="0" err="1" smtClean="0"/>
-              <a:t>Overview</a:t>
-            </a:r>
-            <a:endParaRPr lang="de-DE" dirty="0" smtClean="0"/>
-          </a:p>
-          <a:p>
-            <a:pPr lvl="1"/>
-            <a:r>
-              <a:rPr lang="de-DE" dirty="0" err="1" smtClean="0"/>
-              <a:t>Use</a:t>
-            </a:r>
-            <a:r>
-              <a:rPr lang="de-DE" dirty="0" smtClean="0"/>
-              <a:t> Cases</a:t>
-            </a:r>
-          </a:p>
-          <a:p>
-            <a:pPr lvl="1"/>
-            <a:r>
-              <a:rPr lang="de-DE" dirty="0" smtClean="0"/>
-              <a:t>State </a:t>
-            </a:r>
-            <a:r>
-              <a:rPr lang="de-DE" dirty="0" err="1" smtClean="0"/>
-              <a:t>Machine</a:t>
-            </a:r>
-            <a:endParaRPr lang="de-DE" dirty="0" smtClean="0"/>
-          </a:p>
-          <a:p>
-            <a:pPr lvl="1"/>
-            <a:r>
-              <a:rPr lang="de-DE" dirty="0" smtClean="0"/>
-              <a:t>Data Model</a:t>
-            </a:r>
-            <a:endParaRPr lang="de-DE" dirty="0" smtClean="0"/>
-          </a:p>
-          <a:p>
-            <a:r>
-              <a:rPr lang="de-DE" dirty="0" smtClean="0"/>
-              <a:t>Business Model</a:t>
-            </a:r>
-            <a:endParaRPr lang="de-DE" dirty="0"/>
-          </a:p>
-        </p:txBody>
-      </p:sp>
-      <p:pic>
-        <p:nvPicPr>
-          <p:cNvPr id="4" name="Grafik 3"/>
-          <p:cNvPicPr>
-            <a:picLocks noChangeAspect="1"/>
-          </p:cNvPicPr>
-          <p:nvPr/>
-        </p:nvPicPr>
-        <p:blipFill>
-          <a:blip r:embed="rId2">
-            <a:extLst>
-              <a:ext uri="{28A0092B-C50C-407E-A947-70E740481C1C}">
-                <a14:useLocalDpi xmlns:a14="http://schemas.microsoft.com/office/drawing/2010/main" val="0"/>
-              </a:ext>
-            </a:extLst>
-          </a:blip>
-          <a:stretch>
-            <a:fillRect/>
-          </a:stretch>
-        </p:blipFill>
-        <p:spPr>
-          <a:xfrm>
-            <a:off x="7556500" y="3488266"/>
-            <a:ext cx="3937001" cy="2624667"/>
-          </a:xfrm>
-          <a:prstGeom prst="rect">
-            <a:avLst/>
-          </a:prstGeom>
-        </p:spPr>
-      </p:pic>
-      <p:pic>
-        <p:nvPicPr>
-          <p:cNvPr id="6" name="Grafik 5"/>
-          <p:cNvPicPr>
-            <a:picLocks noChangeAspect="1"/>
-          </p:cNvPicPr>
-          <p:nvPr/>
-        </p:nvPicPr>
-        <p:blipFill>
-          <a:blip r:embed="rId3"/>
-          <a:stretch>
-            <a:fillRect/>
-          </a:stretch>
-        </p:blipFill>
-        <p:spPr>
-          <a:xfrm>
-            <a:off x="8853963" y="4464050"/>
-            <a:ext cx="2650649" cy="1648883"/>
-          </a:xfrm>
-          <a:prstGeom prst="rect">
-            <a:avLst/>
-          </a:prstGeom>
-        </p:spPr>
-      </p:pic>
-    </p:spTree>
-    <p:extLst>
-      <p:ext uri="{BB962C8B-B14F-4D97-AF65-F5344CB8AC3E}">
-        <p14:creationId xmlns:p14="http://schemas.microsoft.com/office/powerpoint/2010/main" val="3610768045"/>
-      </p:ext>
-    </p:extLst>
-  </p:cSld>
-  <p:clrMapOvr>
-    <a:masterClrMapping/>
-  </p:clrMapOvr>
   <p:timing>
     <p:tnLst>
       <p:par>
@@ -9785,1919 +11754,6 @@
       </p:par>
     </p:tnLst>
   </p:timing>
-</p:sld>
-</file>
-
-<file path=ppt/slides/slide3.xml><?xml version="1.0" encoding="utf-8"?>
-<p:sld xmlns:a="http://schemas.openxmlformats.org/drawingml/2006/main" xmlns:r="http://schemas.openxmlformats.org/officeDocument/2006/relationships" xmlns:p="http://schemas.openxmlformats.org/presentationml/2006/main">
-  <p:cSld>
-    <p:spTree>
-      <p:nvGrpSpPr>
-        <p:cNvPr id="1" name=""/>
-        <p:cNvGrpSpPr/>
-        <p:nvPr/>
-      </p:nvGrpSpPr>
-      <p:grpSpPr>
-        <a:xfrm>
-          <a:off x="0" y="0"/>
-          <a:ext cx="0" cy="0"/>
-          <a:chOff x="0" y="0"/>
-          <a:chExt cx="0" cy="0"/>
-        </a:xfrm>
-      </p:grpSpPr>
-      <p:sp>
-        <p:nvSpPr>
-          <p:cNvPr id="2" name="Titel 1"/>
-          <p:cNvSpPr>
-            <a:spLocks noGrp="1"/>
-          </p:cNvSpPr>
-          <p:nvPr>
-            <p:ph type="title"/>
-          </p:nvPr>
-        </p:nvSpPr>
-        <p:spPr/>
-        <p:txBody>
-          <a:bodyPr/>
-          <a:lstStyle/>
-          <a:p>
-            <a:r>
-              <a:rPr lang="de-DE" dirty="0" err="1" smtClean="0"/>
-              <a:t>SmartCart</a:t>
-            </a:r>
-            <a:r>
-              <a:rPr lang="de-DE" dirty="0" smtClean="0"/>
-              <a:t> – Big Picture</a:t>
-            </a:r>
-            <a:endParaRPr lang="de-DE" dirty="0"/>
-          </a:p>
-        </p:txBody>
-      </p:sp>
-      <p:pic>
-        <p:nvPicPr>
-          <p:cNvPr id="4" name="Inhaltsplatzhalter 3"/>
-          <p:cNvPicPr>
-            <a:picLocks noGrp="1" noChangeAspect="1"/>
-          </p:cNvPicPr>
-          <p:nvPr>
-            <p:ph idx="1"/>
-          </p:nvPr>
-        </p:nvPicPr>
-        <p:blipFill>
-          <a:blip r:embed="rId2">
-            <a:extLst>
-              <a:ext uri="{28A0092B-C50C-407E-A947-70E740481C1C}">
-                <a14:useLocalDpi xmlns:a14="http://schemas.microsoft.com/office/drawing/2010/main" val="0"/>
-              </a:ext>
-            </a:extLst>
-          </a:blip>
-          <a:stretch>
-            <a:fillRect/>
-          </a:stretch>
-        </p:blipFill>
-        <p:spPr>
-          <a:xfrm>
-            <a:off x="4970905" y="2065866"/>
-            <a:ext cx="1933750" cy="3778250"/>
-          </a:xfrm>
-        </p:spPr>
-      </p:pic>
-      <p:pic>
-        <p:nvPicPr>
-          <p:cNvPr id="5" name="Grafik 4"/>
-          <p:cNvPicPr>
-            <a:picLocks noChangeAspect="1"/>
-          </p:cNvPicPr>
-          <p:nvPr/>
-        </p:nvPicPr>
-        <p:blipFill>
-          <a:blip r:embed="rId3">
-            <a:extLst>
-              <a:ext uri="{28A0092B-C50C-407E-A947-70E740481C1C}">
-                <a14:useLocalDpi xmlns:a14="http://schemas.microsoft.com/office/drawing/2010/main" val="0"/>
-              </a:ext>
-            </a:extLst>
-          </a:blip>
-          <a:stretch>
-            <a:fillRect/>
-          </a:stretch>
-        </p:blipFill>
-        <p:spPr>
-          <a:xfrm>
-            <a:off x="10209270" y="1541142"/>
-            <a:ext cx="1236075" cy="1236075"/>
-          </a:xfrm>
-          <a:prstGeom prst="rect">
-            <a:avLst/>
-          </a:prstGeom>
-        </p:spPr>
-      </p:pic>
-      <p:pic>
-        <p:nvPicPr>
-          <p:cNvPr id="6" name="Grafik 5"/>
-          <p:cNvPicPr>
-            <a:picLocks noChangeAspect="1"/>
-          </p:cNvPicPr>
-          <p:nvPr/>
-        </p:nvPicPr>
-        <p:blipFill>
-          <a:blip r:embed="rId4">
-            <a:extLst>
-              <a:ext uri="{28A0092B-C50C-407E-A947-70E740481C1C}">
-                <a14:useLocalDpi xmlns:a14="http://schemas.microsoft.com/office/drawing/2010/main" val="0"/>
-              </a:ext>
-            </a:extLst>
-          </a:blip>
-          <a:stretch>
-            <a:fillRect/>
-          </a:stretch>
-        </p:blipFill>
-        <p:spPr>
-          <a:xfrm>
-            <a:off x="7727070" y="5132019"/>
-            <a:ext cx="1719052" cy="902500"/>
-          </a:xfrm>
-          <a:prstGeom prst="rect">
-            <a:avLst/>
-          </a:prstGeom>
-        </p:spPr>
-      </p:pic>
-      <p:pic>
-        <p:nvPicPr>
-          <p:cNvPr id="7" name="Grafik 6"/>
-          <p:cNvPicPr>
-            <a:picLocks noChangeAspect="1"/>
-          </p:cNvPicPr>
-          <p:nvPr/>
-        </p:nvPicPr>
-        <p:blipFill>
-          <a:blip r:embed="rId5">
-            <a:extLst>
-              <a:ext uri="{28A0092B-C50C-407E-A947-70E740481C1C}">
-                <a14:useLocalDpi xmlns:a14="http://schemas.microsoft.com/office/drawing/2010/main" val="0"/>
-              </a:ext>
-            </a:extLst>
-          </a:blip>
-          <a:stretch>
-            <a:fillRect/>
-          </a:stretch>
-        </p:blipFill>
-        <p:spPr>
-          <a:xfrm>
-            <a:off x="9118369" y="3434108"/>
-            <a:ext cx="1959271" cy="1270673"/>
-          </a:xfrm>
-          <a:prstGeom prst="rect">
-            <a:avLst/>
-          </a:prstGeom>
-        </p:spPr>
-      </p:pic>
-      <p:pic>
-        <p:nvPicPr>
-          <p:cNvPr id="8" name="Grafik 7"/>
-          <p:cNvPicPr>
-            <a:picLocks noChangeAspect="1"/>
-          </p:cNvPicPr>
-          <p:nvPr/>
-        </p:nvPicPr>
-        <p:blipFill>
-          <a:blip r:embed="rId6">
-            <a:extLst>
-              <a:ext uri="{28A0092B-C50C-407E-A947-70E740481C1C}">
-                <a14:useLocalDpi xmlns:a14="http://schemas.microsoft.com/office/drawing/2010/main" val="0"/>
-              </a:ext>
-            </a:extLst>
-          </a:blip>
-          <a:stretch>
-            <a:fillRect/>
-          </a:stretch>
-        </p:blipFill>
-        <p:spPr>
-          <a:xfrm>
-            <a:off x="999347" y="3492723"/>
-            <a:ext cx="1647777" cy="1153444"/>
-          </a:xfrm>
-          <a:prstGeom prst="rect">
-            <a:avLst/>
-          </a:prstGeom>
-        </p:spPr>
-      </p:pic>
-      <p:pic>
-        <p:nvPicPr>
-          <p:cNvPr id="9" name="Grafik 8"/>
-          <p:cNvPicPr>
-            <a:picLocks noChangeAspect="1"/>
-          </p:cNvPicPr>
-          <p:nvPr/>
-        </p:nvPicPr>
-        <p:blipFill>
-          <a:blip r:embed="rId7">
-            <a:extLst>
-              <a:ext uri="{28A0092B-C50C-407E-A947-70E740481C1C}">
-                <a14:useLocalDpi xmlns:a14="http://schemas.microsoft.com/office/drawing/2010/main" val="0"/>
-              </a:ext>
-            </a:extLst>
-          </a:blip>
-          <a:stretch>
-            <a:fillRect/>
-          </a:stretch>
-        </p:blipFill>
-        <p:spPr>
-          <a:xfrm>
-            <a:off x="348857" y="1608470"/>
-            <a:ext cx="2616200" cy="1101420"/>
-          </a:xfrm>
-          <a:prstGeom prst="rect">
-            <a:avLst/>
-          </a:prstGeom>
-        </p:spPr>
-      </p:pic>
-      <p:pic>
-        <p:nvPicPr>
-          <p:cNvPr id="10" name="Grafik 9"/>
-          <p:cNvPicPr>
-            <a:picLocks noChangeAspect="1"/>
-          </p:cNvPicPr>
-          <p:nvPr/>
-        </p:nvPicPr>
-        <p:blipFill>
-          <a:blip r:embed="rId8">
-            <a:extLst>
-              <a:ext uri="{28A0092B-C50C-407E-A947-70E740481C1C}">
-                <a14:useLocalDpi xmlns:a14="http://schemas.microsoft.com/office/drawing/2010/main" val="0"/>
-              </a:ext>
-            </a:extLst>
-          </a:blip>
-          <a:stretch>
-            <a:fillRect/>
-          </a:stretch>
-        </p:blipFill>
-        <p:spPr>
-          <a:xfrm>
-            <a:off x="2592925" y="4923815"/>
-            <a:ext cx="1318909" cy="1318909"/>
-          </a:xfrm>
-          <a:prstGeom prst="rect">
-            <a:avLst/>
-          </a:prstGeom>
-        </p:spPr>
-      </p:pic>
-    </p:spTree>
-    <p:extLst>
-      <p:ext uri="{BB962C8B-B14F-4D97-AF65-F5344CB8AC3E}">
-        <p14:creationId xmlns:p14="http://schemas.microsoft.com/office/powerpoint/2010/main" val="711029040"/>
-      </p:ext>
-    </p:extLst>
-  </p:cSld>
-  <p:clrMapOvr>
-    <a:masterClrMapping/>
-  </p:clrMapOvr>
-  <p:timing>
-    <p:tnLst>
-      <p:par>
-        <p:cTn id="1" dur="indefinite" restart="never" nodeType="tmRoot"/>
-      </p:par>
-    </p:tnLst>
-  </p:timing>
-</p:sld>
-</file>
-
-<file path=ppt/slides/slide4.xml><?xml version="1.0" encoding="utf-8"?>
-<p:sld xmlns:a="http://schemas.openxmlformats.org/drawingml/2006/main" xmlns:r="http://schemas.openxmlformats.org/officeDocument/2006/relationships" xmlns:p="http://schemas.openxmlformats.org/presentationml/2006/main">
-  <p:cSld>
-    <p:spTree>
-      <p:nvGrpSpPr>
-        <p:cNvPr id="1" name=""/>
-        <p:cNvGrpSpPr/>
-        <p:nvPr/>
-      </p:nvGrpSpPr>
-      <p:grpSpPr>
-        <a:xfrm>
-          <a:off x="0" y="0"/>
-          <a:ext cx="0" cy="0"/>
-          <a:chOff x="0" y="0"/>
-          <a:chExt cx="0" cy="0"/>
-        </a:xfrm>
-      </p:grpSpPr>
-      <p:sp>
-        <p:nvSpPr>
-          <p:cNvPr id="2" name="Titel 1"/>
-          <p:cNvSpPr>
-            <a:spLocks noGrp="1"/>
-          </p:cNvSpPr>
-          <p:nvPr>
-            <p:ph type="title"/>
-          </p:nvPr>
-        </p:nvSpPr>
-        <p:spPr/>
-        <p:txBody>
-          <a:bodyPr/>
-          <a:lstStyle/>
-          <a:p>
-            <a:r>
-              <a:rPr lang="de-DE" dirty="0" err="1" smtClean="0"/>
-              <a:t>SmartCart</a:t>
-            </a:r>
-            <a:r>
-              <a:rPr lang="de-DE" dirty="0" smtClean="0"/>
-              <a:t> </a:t>
-            </a:r>
-            <a:r>
-              <a:rPr lang="de-DE" dirty="0" err="1" smtClean="0"/>
-              <a:t>offers</a:t>
-            </a:r>
-            <a:r>
-              <a:rPr lang="de-DE" dirty="0" smtClean="0"/>
-              <a:t>…</a:t>
-            </a:r>
-            <a:endParaRPr lang="de-DE" dirty="0"/>
-          </a:p>
-        </p:txBody>
-      </p:sp>
-      <p:sp>
-        <p:nvSpPr>
-          <p:cNvPr id="3" name="Inhaltsplatzhalter 2"/>
-          <p:cNvSpPr>
-            <a:spLocks noGrp="1"/>
-          </p:cNvSpPr>
-          <p:nvPr>
-            <p:ph idx="1"/>
-          </p:nvPr>
-        </p:nvSpPr>
-        <p:spPr>
-          <a:xfrm>
-            <a:off x="2589212" y="2207171"/>
-            <a:ext cx="8915400" cy="3315138"/>
-          </a:xfrm>
-        </p:spPr>
-        <p:txBody>
-          <a:bodyPr>
-            <a:normAutofit/>
-          </a:bodyPr>
-          <a:lstStyle/>
-          <a:p>
-            <a:r>
-              <a:rPr lang="de-DE" dirty="0" smtClean="0"/>
-              <a:t>A </a:t>
-            </a:r>
-            <a:r>
-              <a:rPr lang="de-DE" dirty="0" err="1" smtClean="0"/>
-              <a:t>way</a:t>
-            </a:r>
-            <a:r>
-              <a:rPr lang="de-DE" dirty="0" smtClean="0"/>
-              <a:t> </a:t>
-            </a:r>
-            <a:r>
-              <a:rPr lang="de-DE" dirty="0" err="1" smtClean="0"/>
-              <a:t>of</a:t>
-            </a:r>
-            <a:r>
-              <a:rPr lang="de-DE" dirty="0" smtClean="0"/>
-              <a:t> </a:t>
-            </a:r>
-            <a:r>
-              <a:rPr lang="de-DE" dirty="0" err="1" smtClean="0"/>
-              <a:t>organizing</a:t>
-            </a:r>
-            <a:r>
-              <a:rPr lang="de-DE" dirty="0" smtClean="0"/>
-              <a:t> </a:t>
-            </a:r>
-            <a:r>
-              <a:rPr lang="de-DE" dirty="0" err="1" smtClean="0"/>
-              <a:t>themselves</a:t>
-            </a:r>
-            <a:endParaRPr lang="de-DE" dirty="0" smtClean="0"/>
-          </a:p>
-          <a:p>
-            <a:r>
-              <a:rPr lang="de-DE" dirty="0" smtClean="0"/>
-              <a:t>A </a:t>
-            </a:r>
-            <a:r>
-              <a:rPr lang="de-DE" dirty="0" err="1" smtClean="0"/>
-              <a:t>way</a:t>
-            </a:r>
-            <a:r>
-              <a:rPr lang="de-DE" dirty="0" smtClean="0"/>
-              <a:t> </a:t>
-            </a:r>
-            <a:r>
-              <a:rPr lang="de-DE" dirty="0" err="1" smtClean="0"/>
-              <a:t>of</a:t>
-            </a:r>
-            <a:r>
-              <a:rPr lang="de-DE" dirty="0" smtClean="0"/>
-              <a:t> </a:t>
-            </a:r>
-            <a:r>
-              <a:rPr lang="de-DE" dirty="0" err="1" smtClean="0"/>
-              <a:t>genious</a:t>
-            </a:r>
-            <a:r>
-              <a:rPr lang="de-DE" dirty="0" smtClean="0"/>
-              <a:t> </a:t>
-            </a:r>
-            <a:r>
-              <a:rPr lang="de-DE" dirty="0" err="1" smtClean="0"/>
-              <a:t>shopping</a:t>
-            </a:r>
-            <a:endParaRPr lang="de-DE" dirty="0" smtClean="0"/>
-          </a:p>
-          <a:p>
-            <a:r>
-              <a:rPr lang="de-DE" dirty="0" smtClean="0"/>
-              <a:t>More time </a:t>
-            </a:r>
-            <a:r>
-              <a:rPr lang="de-DE" dirty="0" err="1" smtClean="0"/>
-              <a:t>for</a:t>
-            </a:r>
-            <a:r>
-              <a:rPr lang="de-DE" dirty="0" smtClean="0"/>
-              <a:t> </a:t>
-            </a:r>
-            <a:r>
-              <a:rPr lang="de-DE" dirty="0" err="1" smtClean="0"/>
-              <a:t>the</a:t>
-            </a:r>
-            <a:r>
-              <a:rPr lang="de-DE" dirty="0" smtClean="0"/>
-              <a:t> </a:t>
-            </a:r>
-            <a:r>
-              <a:rPr lang="de-DE" dirty="0" err="1" smtClean="0"/>
-              <a:t>important</a:t>
-            </a:r>
-            <a:r>
-              <a:rPr lang="de-DE" dirty="0" smtClean="0"/>
-              <a:t> </a:t>
-            </a:r>
-            <a:r>
-              <a:rPr lang="de-DE" dirty="0" err="1" smtClean="0"/>
-              <a:t>things</a:t>
-            </a:r>
-            <a:r>
-              <a:rPr lang="de-DE" dirty="0" smtClean="0"/>
-              <a:t> in </a:t>
-            </a:r>
-            <a:r>
-              <a:rPr lang="de-DE" dirty="0" err="1" smtClean="0"/>
-              <a:t>life</a:t>
-            </a:r>
-            <a:r>
-              <a:rPr lang="de-DE" dirty="0" smtClean="0"/>
-              <a:t>!</a:t>
-            </a:r>
-          </a:p>
-          <a:p>
-            <a:endParaRPr lang="de-DE" dirty="0"/>
-          </a:p>
-          <a:p>
-            <a:endParaRPr lang="de-DE" dirty="0" smtClean="0"/>
-          </a:p>
-          <a:p>
-            <a:r>
-              <a:rPr lang="de-DE" dirty="0" smtClean="0"/>
-              <a:t>The </a:t>
-            </a:r>
-            <a:r>
-              <a:rPr lang="de-DE" dirty="0" err="1" smtClean="0"/>
-              <a:t>possibility</a:t>
-            </a:r>
-            <a:r>
-              <a:rPr lang="de-DE" dirty="0" smtClean="0"/>
-              <a:t> </a:t>
-            </a:r>
-            <a:r>
-              <a:rPr lang="de-DE" dirty="0" err="1" smtClean="0"/>
-              <a:t>to</a:t>
-            </a:r>
-            <a:r>
-              <a:rPr lang="de-DE" dirty="0" smtClean="0"/>
-              <a:t> </a:t>
-            </a:r>
-            <a:r>
-              <a:rPr lang="de-DE" dirty="0" err="1" smtClean="0"/>
-              <a:t>place</a:t>
-            </a:r>
-            <a:r>
-              <a:rPr lang="de-DE" dirty="0" smtClean="0"/>
-              <a:t> </a:t>
-            </a:r>
-            <a:r>
-              <a:rPr lang="de-DE" dirty="0" err="1" smtClean="0"/>
-              <a:t>ads</a:t>
-            </a:r>
-            <a:endParaRPr lang="de-DE" dirty="0" smtClean="0"/>
-          </a:p>
-          <a:p>
-            <a:r>
-              <a:rPr lang="de-DE" dirty="0" smtClean="0"/>
-              <a:t>A relaxed Customer </a:t>
-            </a:r>
-            <a:r>
-              <a:rPr lang="de-DE" dirty="0" err="1" smtClean="0"/>
-              <a:t>that</a:t>
-            </a:r>
-            <a:r>
-              <a:rPr lang="de-DE" dirty="0" smtClean="0"/>
-              <a:t> </a:t>
-            </a:r>
-            <a:r>
-              <a:rPr lang="de-DE" dirty="0" err="1" smtClean="0"/>
-              <a:t>enjoys</a:t>
-            </a:r>
-            <a:r>
-              <a:rPr lang="de-DE" dirty="0" smtClean="0"/>
-              <a:t> </a:t>
-            </a:r>
-            <a:r>
-              <a:rPr lang="de-DE" dirty="0" err="1" smtClean="0"/>
-              <a:t>its</a:t>
-            </a:r>
-            <a:r>
-              <a:rPr lang="de-DE" dirty="0" smtClean="0"/>
-              <a:t> </a:t>
-            </a:r>
-            <a:r>
-              <a:rPr lang="de-DE" dirty="0" err="1" smtClean="0"/>
-              <a:t>shopping</a:t>
-            </a:r>
-            <a:r>
-              <a:rPr lang="de-DE" dirty="0" smtClean="0"/>
-              <a:t> </a:t>
-            </a:r>
-            <a:r>
-              <a:rPr lang="de-DE" dirty="0" err="1" smtClean="0"/>
-              <a:t>experience</a:t>
-            </a:r>
-            <a:endParaRPr lang="de-DE" dirty="0"/>
-          </a:p>
-        </p:txBody>
-      </p:sp>
-      <p:sp>
-        <p:nvSpPr>
-          <p:cNvPr id="5" name="Titel 1"/>
-          <p:cNvSpPr txBox="1">
-            <a:spLocks/>
-          </p:cNvSpPr>
-          <p:nvPr/>
-        </p:nvSpPr>
-        <p:spPr>
-          <a:xfrm>
-            <a:off x="2592925" y="1715186"/>
-            <a:ext cx="8911687" cy="1280890"/>
-          </a:xfrm>
-          <a:prstGeom prst="rect">
-            <a:avLst/>
-          </a:prstGeom>
-        </p:spPr>
-        <p:txBody>
-          <a:bodyPr vert="horz" lIns="91440" tIns="45720" rIns="91440" bIns="45720" rtlCol="0" anchor="t">
-            <a:normAutofit/>
-          </a:bodyPr>
-          <a:lstStyle>
-            <a:lvl1pPr algn="l" defTabSz="457200" rtl="0" eaLnBrk="1" latinLnBrk="0" hangingPunct="1">
-              <a:spcBef>
-                <a:spcPct val="0"/>
-              </a:spcBef>
-              <a:buNone/>
-              <a:defRPr sz="3600" kern="1200">
-                <a:solidFill>
-                  <a:schemeClr val="accent2">
-                    <a:lumMod val="75000"/>
-                  </a:schemeClr>
-                </a:solidFill>
-                <a:latin typeface="+mj-lt"/>
-                <a:ea typeface="+mj-ea"/>
-                <a:cs typeface="+mj-cs"/>
-              </a:defRPr>
-            </a:lvl1pPr>
-            <a:lvl2pPr eaLnBrk="1" hangingPunct="1">
-              <a:defRPr>
-                <a:solidFill>
-                  <a:schemeClr val="tx2"/>
-                </a:solidFill>
-              </a:defRPr>
-            </a:lvl2pPr>
-            <a:lvl3pPr eaLnBrk="1" hangingPunct="1">
-              <a:defRPr>
-                <a:solidFill>
-                  <a:schemeClr val="tx2"/>
-                </a:solidFill>
-              </a:defRPr>
-            </a:lvl3pPr>
-            <a:lvl4pPr eaLnBrk="1" hangingPunct="1">
-              <a:defRPr>
-                <a:solidFill>
-                  <a:schemeClr val="tx2"/>
-                </a:solidFill>
-              </a:defRPr>
-            </a:lvl4pPr>
-            <a:lvl5pPr eaLnBrk="1" hangingPunct="1">
-              <a:defRPr>
-                <a:solidFill>
-                  <a:schemeClr val="tx2"/>
-                </a:solidFill>
-              </a:defRPr>
-            </a:lvl5pPr>
-            <a:lvl6pPr eaLnBrk="1" hangingPunct="1">
-              <a:defRPr>
-                <a:solidFill>
-                  <a:schemeClr val="tx2"/>
-                </a:solidFill>
-              </a:defRPr>
-            </a:lvl6pPr>
-            <a:lvl7pPr eaLnBrk="1" hangingPunct="1">
-              <a:defRPr>
-                <a:solidFill>
-                  <a:schemeClr val="tx2"/>
-                </a:solidFill>
-              </a:defRPr>
-            </a:lvl7pPr>
-            <a:lvl8pPr eaLnBrk="1" hangingPunct="1">
-              <a:defRPr>
-                <a:solidFill>
-                  <a:schemeClr val="tx2"/>
-                </a:solidFill>
-              </a:defRPr>
-            </a:lvl8pPr>
-            <a:lvl9pPr eaLnBrk="1" hangingPunct="1">
-              <a:defRPr>
-                <a:solidFill>
-                  <a:schemeClr val="tx2"/>
-                </a:solidFill>
-              </a:defRPr>
-            </a:lvl9pPr>
-          </a:lstStyle>
-          <a:p>
-            <a:r>
-              <a:rPr lang="de-DE" sz="2400" dirty="0" smtClean="0"/>
-              <a:t>..</a:t>
-            </a:r>
-            <a:r>
-              <a:rPr lang="de-DE" sz="2400" dirty="0" err="1" smtClean="0"/>
-              <a:t>to</a:t>
-            </a:r>
-            <a:r>
-              <a:rPr lang="de-DE" sz="2400" dirty="0" smtClean="0"/>
-              <a:t> </a:t>
-            </a:r>
-            <a:r>
-              <a:rPr lang="de-DE" sz="2400" dirty="0" err="1" smtClean="0"/>
-              <a:t>its</a:t>
-            </a:r>
-            <a:r>
-              <a:rPr lang="de-DE" sz="2400" dirty="0" smtClean="0"/>
-              <a:t> </a:t>
-            </a:r>
-            <a:r>
-              <a:rPr lang="de-DE" sz="2400" dirty="0" err="1" smtClean="0"/>
-              <a:t>users</a:t>
-            </a:r>
-            <a:r>
-              <a:rPr lang="de-DE" sz="2400" dirty="0" smtClean="0"/>
-              <a:t>:</a:t>
-            </a:r>
-            <a:endParaRPr lang="de-DE" sz="2400" dirty="0"/>
-          </a:p>
-        </p:txBody>
-      </p:sp>
-      <p:sp>
-        <p:nvSpPr>
-          <p:cNvPr id="6" name="Titel 1"/>
-          <p:cNvSpPr txBox="1">
-            <a:spLocks/>
-          </p:cNvSpPr>
-          <p:nvPr/>
-        </p:nvSpPr>
-        <p:spPr>
-          <a:xfrm>
-            <a:off x="2592925" y="3642395"/>
-            <a:ext cx="8911687" cy="1280890"/>
-          </a:xfrm>
-          <a:prstGeom prst="rect">
-            <a:avLst/>
-          </a:prstGeom>
-        </p:spPr>
-        <p:txBody>
-          <a:bodyPr vert="horz" lIns="91440" tIns="45720" rIns="91440" bIns="45720" rtlCol="0" anchor="t">
-            <a:normAutofit/>
-          </a:bodyPr>
-          <a:lstStyle>
-            <a:lvl1pPr algn="l" defTabSz="457200" rtl="0" eaLnBrk="1" latinLnBrk="0" hangingPunct="1">
-              <a:spcBef>
-                <a:spcPct val="0"/>
-              </a:spcBef>
-              <a:buNone/>
-              <a:defRPr sz="3600" kern="1200">
-                <a:solidFill>
-                  <a:schemeClr val="accent2">
-                    <a:lumMod val="75000"/>
-                  </a:schemeClr>
-                </a:solidFill>
-                <a:latin typeface="+mj-lt"/>
-                <a:ea typeface="+mj-ea"/>
-                <a:cs typeface="+mj-cs"/>
-              </a:defRPr>
-            </a:lvl1pPr>
-            <a:lvl2pPr eaLnBrk="1" hangingPunct="1">
-              <a:defRPr>
-                <a:solidFill>
-                  <a:schemeClr val="tx2"/>
-                </a:solidFill>
-              </a:defRPr>
-            </a:lvl2pPr>
-            <a:lvl3pPr eaLnBrk="1" hangingPunct="1">
-              <a:defRPr>
-                <a:solidFill>
-                  <a:schemeClr val="tx2"/>
-                </a:solidFill>
-              </a:defRPr>
-            </a:lvl3pPr>
-            <a:lvl4pPr eaLnBrk="1" hangingPunct="1">
-              <a:defRPr>
-                <a:solidFill>
-                  <a:schemeClr val="tx2"/>
-                </a:solidFill>
-              </a:defRPr>
-            </a:lvl4pPr>
-            <a:lvl5pPr eaLnBrk="1" hangingPunct="1">
-              <a:defRPr>
-                <a:solidFill>
-                  <a:schemeClr val="tx2"/>
-                </a:solidFill>
-              </a:defRPr>
-            </a:lvl5pPr>
-            <a:lvl6pPr eaLnBrk="1" hangingPunct="1">
-              <a:defRPr>
-                <a:solidFill>
-                  <a:schemeClr val="tx2"/>
-                </a:solidFill>
-              </a:defRPr>
-            </a:lvl6pPr>
-            <a:lvl7pPr eaLnBrk="1" hangingPunct="1">
-              <a:defRPr>
-                <a:solidFill>
-                  <a:schemeClr val="tx2"/>
-                </a:solidFill>
-              </a:defRPr>
-            </a:lvl7pPr>
-            <a:lvl8pPr eaLnBrk="1" hangingPunct="1">
-              <a:defRPr>
-                <a:solidFill>
-                  <a:schemeClr val="tx2"/>
-                </a:solidFill>
-              </a:defRPr>
-            </a:lvl8pPr>
-            <a:lvl9pPr eaLnBrk="1" hangingPunct="1">
-              <a:defRPr>
-                <a:solidFill>
-                  <a:schemeClr val="tx2"/>
-                </a:solidFill>
-              </a:defRPr>
-            </a:lvl9pPr>
-          </a:lstStyle>
-          <a:p>
-            <a:r>
-              <a:rPr lang="de-DE" sz="2400" dirty="0" smtClean="0"/>
-              <a:t>..</a:t>
-            </a:r>
-            <a:r>
-              <a:rPr lang="de-DE" sz="2400" dirty="0" err="1" smtClean="0"/>
-              <a:t>to</a:t>
-            </a:r>
-            <a:r>
-              <a:rPr lang="de-DE" sz="2400" dirty="0" smtClean="0"/>
-              <a:t> </a:t>
-            </a:r>
-            <a:r>
-              <a:rPr lang="de-DE" sz="2400" dirty="0" err="1" smtClean="0"/>
-              <a:t>the</a:t>
-            </a:r>
-            <a:r>
-              <a:rPr lang="de-DE" sz="2400" dirty="0" smtClean="0"/>
-              <a:t> </a:t>
-            </a:r>
-            <a:r>
-              <a:rPr lang="de-DE" sz="2400" dirty="0" err="1" smtClean="0"/>
-              <a:t>supermarkets</a:t>
-            </a:r>
-            <a:r>
-              <a:rPr lang="de-DE" sz="2400" dirty="0" smtClean="0"/>
-              <a:t>:</a:t>
-            </a:r>
-            <a:endParaRPr lang="de-DE" sz="2400" dirty="0"/>
-          </a:p>
-        </p:txBody>
-      </p:sp>
-    </p:spTree>
-    <p:extLst>
-      <p:ext uri="{BB962C8B-B14F-4D97-AF65-F5344CB8AC3E}">
-        <p14:creationId xmlns:p14="http://schemas.microsoft.com/office/powerpoint/2010/main" val="3396145245"/>
-      </p:ext>
-    </p:extLst>
-  </p:cSld>
-  <p:clrMapOvr>
-    <a:masterClrMapping/>
-  </p:clrMapOvr>
-  <p:timing>
-    <p:tnLst>
-      <p:par>
-        <p:cTn id="1" dur="indefinite" restart="never" nodeType="tmRoot"/>
-      </p:par>
-    </p:tnLst>
-  </p:timing>
-</p:sld>
-</file>
-
-<file path=ppt/slides/slide5.xml><?xml version="1.0" encoding="utf-8"?>
-<p:sld xmlns:a="http://schemas.openxmlformats.org/drawingml/2006/main" xmlns:r="http://schemas.openxmlformats.org/officeDocument/2006/relationships" xmlns:p="http://schemas.openxmlformats.org/presentationml/2006/main">
-  <p:cSld>
-    <p:spTree>
-      <p:nvGrpSpPr>
-        <p:cNvPr id="1" name=""/>
-        <p:cNvGrpSpPr/>
-        <p:nvPr/>
-      </p:nvGrpSpPr>
-      <p:grpSpPr>
-        <a:xfrm>
-          <a:off x="0" y="0"/>
-          <a:ext cx="0" cy="0"/>
-          <a:chOff x="0" y="0"/>
-          <a:chExt cx="0" cy="0"/>
-        </a:xfrm>
-      </p:grpSpPr>
-      <p:sp>
-        <p:nvSpPr>
-          <p:cNvPr id="2" name="Titel 1"/>
-          <p:cNvSpPr>
-            <a:spLocks noGrp="1"/>
-          </p:cNvSpPr>
-          <p:nvPr>
-            <p:ph type="title"/>
-          </p:nvPr>
-        </p:nvSpPr>
-        <p:spPr/>
-        <p:txBody>
-          <a:bodyPr>
-            <a:normAutofit/>
-          </a:bodyPr>
-          <a:lstStyle/>
-          <a:p>
-            <a:r>
-              <a:rPr lang="de-DE" dirty="0" err="1" smtClean="0"/>
-              <a:t>SmartCart</a:t>
-            </a:r>
-            <a:r>
-              <a:rPr lang="de-DE" dirty="0" smtClean="0"/>
-              <a:t> – Technical </a:t>
-            </a:r>
-            <a:r>
-              <a:rPr lang="de-DE" dirty="0" err="1" smtClean="0"/>
-              <a:t>Overview</a:t>
-            </a:r>
-            <a:r>
-              <a:rPr lang="de-DE" dirty="0" smtClean="0"/>
-              <a:t/>
-            </a:r>
-            <a:br>
-              <a:rPr lang="de-DE" dirty="0" smtClean="0"/>
-            </a:br>
-            <a:r>
-              <a:rPr lang="de-DE" sz="1200" dirty="0" smtClean="0"/>
-              <a:t> </a:t>
-            </a:r>
-            <a:r>
-              <a:rPr lang="de-DE" dirty="0" smtClean="0"/>
-              <a:t/>
-            </a:r>
-            <a:br>
-              <a:rPr lang="de-DE" dirty="0" smtClean="0"/>
-            </a:br>
-            <a:r>
-              <a:rPr lang="de-DE" sz="2400" dirty="0" err="1" smtClean="0"/>
-              <a:t>Use</a:t>
-            </a:r>
-            <a:r>
-              <a:rPr lang="de-DE" sz="2400" dirty="0" smtClean="0"/>
-              <a:t> Cases</a:t>
-            </a:r>
-            <a:endParaRPr lang="de-DE" sz="2400" dirty="0"/>
-          </a:p>
-        </p:txBody>
-      </p:sp>
-      <p:pic>
-        <p:nvPicPr>
-          <p:cNvPr id="6" name="Inhaltsplatzhalter 5"/>
-          <p:cNvPicPr>
-            <a:picLocks noGrp="1" noChangeAspect="1"/>
-          </p:cNvPicPr>
-          <p:nvPr>
-            <p:ph idx="1"/>
-          </p:nvPr>
-        </p:nvPicPr>
-        <p:blipFill>
-          <a:blip r:embed="rId2">
-            <a:extLst>
-              <a:ext uri="{28A0092B-C50C-407E-A947-70E740481C1C}">
-                <a14:useLocalDpi xmlns:a14="http://schemas.microsoft.com/office/drawing/2010/main" val="0"/>
-              </a:ext>
-            </a:extLst>
-          </a:blip>
-          <a:stretch>
-            <a:fillRect/>
-          </a:stretch>
-        </p:blipFill>
-        <p:spPr>
-          <a:xfrm>
-            <a:off x="2592925" y="1905000"/>
-            <a:ext cx="7702542" cy="4441106"/>
-          </a:xfrm>
-        </p:spPr>
-      </p:pic>
-    </p:spTree>
-    <p:extLst>
-      <p:ext uri="{BB962C8B-B14F-4D97-AF65-F5344CB8AC3E}">
-        <p14:creationId xmlns:p14="http://schemas.microsoft.com/office/powerpoint/2010/main" val="1673357727"/>
-      </p:ext>
-    </p:extLst>
-  </p:cSld>
-  <p:clrMapOvr>
-    <a:masterClrMapping/>
-  </p:clrMapOvr>
-  <p:timing>
-    <p:tnLst>
-      <p:par>
-        <p:cTn id="1" dur="indefinite" restart="never" nodeType="tmRoot"/>
-      </p:par>
-    </p:tnLst>
-  </p:timing>
-</p:sld>
-</file>
-
-<file path=ppt/slides/slide6.xml><?xml version="1.0" encoding="utf-8"?>
-<p:sld xmlns:a="http://schemas.openxmlformats.org/drawingml/2006/main" xmlns:r="http://schemas.openxmlformats.org/officeDocument/2006/relationships" xmlns:p="http://schemas.openxmlformats.org/presentationml/2006/main">
-  <p:cSld>
-    <p:spTree>
-      <p:nvGrpSpPr>
-        <p:cNvPr id="1" name=""/>
-        <p:cNvGrpSpPr/>
-        <p:nvPr/>
-      </p:nvGrpSpPr>
-      <p:grpSpPr>
-        <a:xfrm>
-          <a:off x="0" y="0"/>
-          <a:ext cx="0" cy="0"/>
-          <a:chOff x="0" y="0"/>
-          <a:chExt cx="0" cy="0"/>
-        </a:xfrm>
-      </p:grpSpPr>
-      <p:sp>
-        <p:nvSpPr>
-          <p:cNvPr id="2" name="Titel 1"/>
-          <p:cNvSpPr>
-            <a:spLocks noGrp="1"/>
-          </p:cNvSpPr>
-          <p:nvPr>
-            <p:ph type="title"/>
-          </p:nvPr>
-        </p:nvSpPr>
-        <p:spPr/>
-        <p:txBody>
-          <a:bodyPr>
-            <a:normAutofit/>
-          </a:bodyPr>
-          <a:lstStyle/>
-          <a:p>
-            <a:r>
-              <a:rPr lang="de-DE" dirty="0" err="1" smtClean="0"/>
-              <a:t>SmartCart</a:t>
-            </a:r>
-            <a:r>
-              <a:rPr lang="de-DE" dirty="0" smtClean="0"/>
-              <a:t> – Technical </a:t>
-            </a:r>
-            <a:r>
-              <a:rPr lang="de-DE" dirty="0" err="1" smtClean="0"/>
-              <a:t>Overview</a:t>
-            </a:r>
-            <a:r>
-              <a:rPr lang="de-DE" dirty="0" smtClean="0"/>
-              <a:t/>
-            </a:r>
-            <a:br>
-              <a:rPr lang="de-DE" dirty="0" smtClean="0"/>
-            </a:br>
-            <a:r>
-              <a:rPr lang="de-DE" sz="1200" dirty="0" smtClean="0"/>
-              <a:t> </a:t>
-            </a:r>
-            <a:r>
-              <a:rPr lang="de-DE" dirty="0" smtClean="0"/>
-              <a:t/>
-            </a:r>
-            <a:br>
-              <a:rPr lang="de-DE" dirty="0" smtClean="0"/>
-            </a:br>
-            <a:r>
-              <a:rPr lang="de-DE" sz="2400" dirty="0" smtClean="0"/>
-              <a:t>State </a:t>
-            </a:r>
-            <a:r>
-              <a:rPr lang="de-DE" sz="2400" dirty="0" err="1" smtClean="0"/>
-              <a:t>Machine</a:t>
-            </a:r>
-            <a:endParaRPr lang="de-DE" sz="2400" dirty="0"/>
-          </a:p>
-        </p:txBody>
-      </p:sp>
-      <p:pic>
-        <p:nvPicPr>
-          <p:cNvPr id="7" name="Inhaltsplatzhalter 6"/>
-          <p:cNvPicPr>
-            <a:picLocks noGrp="1" noChangeAspect="1"/>
-          </p:cNvPicPr>
-          <p:nvPr>
-            <p:ph idx="1"/>
-          </p:nvPr>
-        </p:nvPicPr>
-        <p:blipFill>
-          <a:blip r:embed="rId2">
-            <a:extLst>
-              <a:ext uri="{28A0092B-C50C-407E-A947-70E740481C1C}">
-                <a14:useLocalDpi xmlns:a14="http://schemas.microsoft.com/office/drawing/2010/main" val="0"/>
-              </a:ext>
-            </a:extLst>
-          </a:blip>
-          <a:stretch>
-            <a:fillRect/>
-          </a:stretch>
-        </p:blipFill>
-        <p:spPr>
-          <a:xfrm>
-            <a:off x="3273834" y="1374469"/>
-            <a:ext cx="7383656" cy="4882741"/>
-          </a:xfrm>
-        </p:spPr>
-      </p:pic>
-    </p:spTree>
-    <p:extLst>
-      <p:ext uri="{BB962C8B-B14F-4D97-AF65-F5344CB8AC3E}">
-        <p14:creationId xmlns:p14="http://schemas.microsoft.com/office/powerpoint/2010/main" val="1573519310"/>
-      </p:ext>
-    </p:extLst>
-  </p:cSld>
-  <p:clrMapOvr>
-    <a:masterClrMapping/>
-  </p:clrMapOvr>
-  <p:timing>
-    <p:tnLst>
-      <p:par>
-        <p:cTn id="1" dur="indefinite" restart="never" nodeType="tmRoot"/>
-      </p:par>
-    </p:tnLst>
-  </p:timing>
-</p:sld>
-</file>
-
-<file path=ppt/slides/slide7.xml><?xml version="1.0" encoding="utf-8"?>
-<p:sld xmlns:a="http://schemas.openxmlformats.org/drawingml/2006/main" xmlns:r="http://schemas.openxmlformats.org/officeDocument/2006/relationships" xmlns:p="http://schemas.openxmlformats.org/presentationml/2006/main">
-  <p:cSld>
-    <p:spTree>
-      <p:nvGrpSpPr>
-        <p:cNvPr id="1" name=""/>
-        <p:cNvGrpSpPr/>
-        <p:nvPr/>
-      </p:nvGrpSpPr>
-      <p:grpSpPr>
-        <a:xfrm>
-          <a:off x="0" y="0"/>
-          <a:ext cx="0" cy="0"/>
-          <a:chOff x="0" y="0"/>
-          <a:chExt cx="0" cy="0"/>
-        </a:xfrm>
-      </p:grpSpPr>
-      <p:sp>
-        <p:nvSpPr>
-          <p:cNvPr id="2" name="Titel 1"/>
-          <p:cNvSpPr>
-            <a:spLocks noGrp="1"/>
-          </p:cNvSpPr>
-          <p:nvPr>
-            <p:ph type="title"/>
-          </p:nvPr>
-        </p:nvSpPr>
-        <p:spPr/>
-        <p:txBody>
-          <a:bodyPr/>
-          <a:lstStyle/>
-          <a:p>
-            <a:r>
-              <a:rPr lang="de-DE" dirty="0" err="1"/>
-              <a:t>SmartCart</a:t>
-            </a:r>
-            <a:r>
-              <a:rPr lang="de-DE" dirty="0"/>
-              <a:t> – Technical </a:t>
-            </a:r>
-            <a:r>
-              <a:rPr lang="de-DE" dirty="0" err="1"/>
-              <a:t>Overview</a:t>
-            </a:r>
-            <a:r>
-              <a:rPr lang="de-DE" dirty="0"/>
-              <a:t/>
-            </a:r>
-            <a:br>
-              <a:rPr lang="de-DE" dirty="0"/>
-            </a:br>
-            <a:r>
-              <a:rPr lang="de-DE" sz="1200" dirty="0"/>
-              <a:t> </a:t>
-            </a:r>
-            <a:r>
-              <a:rPr lang="de-DE" dirty="0"/>
-              <a:t/>
-            </a:r>
-            <a:br>
-              <a:rPr lang="de-DE" dirty="0"/>
-            </a:br>
-            <a:r>
-              <a:rPr lang="de-DE" sz="2400" dirty="0" smtClean="0"/>
-              <a:t>Data Model</a:t>
-            </a:r>
-            <a:endParaRPr lang="de-DE" dirty="0"/>
-          </a:p>
-        </p:txBody>
-      </p:sp>
-      <p:graphicFrame>
-        <p:nvGraphicFramePr>
-          <p:cNvPr id="4" name="Tabelle 3"/>
-          <p:cNvGraphicFramePr>
-            <a:graphicFrameLocks noGrp="1"/>
-          </p:cNvGraphicFramePr>
-          <p:nvPr>
-            <p:extLst>
-              <p:ext uri="{D42A27DB-BD31-4B8C-83A1-F6EECF244321}">
-                <p14:modId xmlns:p14="http://schemas.microsoft.com/office/powerpoint/2010/main" val="915778925"/>
-              </p:ext>
-            </p:extLst>
-          </p:nvPr>
-        </p:nvGraphicFramePr>
-        <p:xfrm>
-          <a:off x="2592925" y="1933904"/>
-          <a:ext cx="2566933" cy="2953406"/>
-        </p:xfrm>
-        <a:graphic>
-          <a:graphicData uri="http://schemas.openxmlformats.org/drawingml/2006/table">
-            <a:tbl>
-              <a:tblPr>
-                <a:tableStyleId>{5C22544A-7EE6-4342-B048-85BDC9FD1C3A}</a:tableStyleId>
-              </a:tblPr>
-              <a:tblGrid>
-                <a:gridCol w="2566933"/>
-              </a:tblGrid>
-              <a:tr h="429236">
-                <a:tc>
-                  <a:txBody>
-                    <a:bodyPr/>
-                    <a:lstStyle/>
-                    <a:p>
-                      <a:pPr algn="ctr" fontAlgn="b"/>
-                      <a:r>
-                        <a:rPr lang="de-DE" sz="1800" u="none" strike="noStrike" dirty="0">
-                          <a:effectLst/>
-                        </a:rPr>
-                        <a:t>Initial </a:t>
-                      </a:r>
-                      <a:r>
-                        <a:rPr lang="de-DE" sz="1800" u="none" strike="noStrike" dirty="0" smtClean="0">
-                          <a:effectLst/>
-                        </a:rPr>
-                        <a:t>Shopping List</a:t>
-                      </a:r>
-                      <a:endParaRPr lang="de-DE" sz="1800" b="1" i="0" u="none" strike="noStrike" dirty="0">
-                        <a:solidFill>
-                          <a:srgbClr val="000000"/>
-                        </a:solidFill>
-                        <a:effectLst/>
-                        <a:latin typeface="Calibri" panose="020F0502020204030204" pitchFamily="34" charset="0"/>
-                      </a:endParaRPr>
-                    </a:p>
-                  </a:txBody>
-                  <a:tcPr marL="9525" marR="9525" marT="9525" marB="0" anchor="b">
-                    <a:solidFill>
-                      <a:schemeClr val="accent2">
-                        <a:lumMod val="40000"/>
-                        <a:lumOff val="60000"/>
-                      </a:schemeClr>
-                    </a:solidFill>
-                  </a:tcPr>
-                </a:tc>
-              </a:tr>
-              <a:tr h="420695">
-                <a:tc>
-                  <a:txBody>
-                    <a:bodyPr/>
-                    <a:lstStyle/>
-                    <a:p>
-                      <a:pPr algn="ctr" fontAlgn="b"/>
-                      <a:r>
-                        <a:rPr lang="de-DE" sz="1800" u="none" strike="noStrike" dirty="0">
-                          <a:effectLst/>
-                        </a:rPr>
-                        <a:t>Apples</a:t>
-                      </a:r>
-                      <a:endParaRPr lang="de-DE" sz="1800" b="0" i="0" u="none" strike="noStrike" dirty="0">
-                        <a:solidFill>
-                          <a:srgbClr val="000000"/>
-                        </a:solidFill>
-                        <a:effectLst/>
-                        <a:latin typeface="Calibri" panose="020F0502020204030204" pitchFamily="34" charset="0"/>
-                      </a:endParaRPr>
-                    </a:p>
-                  </a:txBody>
-                  <a:tcPr marL="9525" marR="9525" marT="9525" marB="0" anchor="b"/>
-                </a:tc>
-              </a:tr>
-              <a:tr h="420695">
-                <a:tc>
-                  <a:txBody>
-                    <a:bodyPr/>
-                    <a:lstStyle/>
-                    <a:p>
-                      <a:pPr algn="ctr" fontAlgn="b"/>
-                      <a:r>
-                        <a:rPr lang="de-DE" sz="1800" u="none" strike="noStrike" dirty="0" err="1">
-                          <a:effectLst/>
-                        </a:rPr>
-                        <a:t>Boiled</a:t>
-                      </a:r>
-                      <a:r>
-                        <a:rPr lang="de-DE" sz="1800" u="none" strike="noStrike" dirty="0">
-                          <a:effectLst/>
-                        </a:rPr>
-                        <a:t> </a:t>
-                      </a:r>
-                      <a:r>
-                        <a:rPr lang="de-DE" sz="1800" u="none" strike="noStrike" dirty="0" err="1">
-                          <a:effectLst/>
-                        </a:rPr>
-                        <a:t>Ham</a:t>
-                      </a:r>
-                      <a:endParaRPr lang="de-DE" sz="1800" b="0" i="0" u="none" strike="noStrike" dirty="0">
-                        <a:solidFill>
-                          <a:srgbClr val="000000"/>
-                        </a:solidFill>
-                        <a:effectLst/>
-                        <a:latin typeface="Calibri" panose="020F0502020204030204" pitchFamily="34" charset="0"/>
-                      </a:endParaRPr>
-                    </a:p>
-                  </a:txBody>
-                  <a:tcPr marL="9525" marR="9525" marT="9525" marB="0" anchor="b"/>
-                </a:tc>
-              </a:tr>
-              <a:tr h="420695">
-                <a:tc>
-                  <a:txBody>
-                    <a:bodyPr/>
-                    <a:lstStyle/>
-                    <a:p>
-                      <a:pPr algn="ctr" fontAlgn="b"/>
-                      <a:r>
-                        <a:rPr lang="de-DE" sz="1800" u="none" strike="noStrike" dirty="0" err="1">
-                          <a:effectLst/>
-                        </a:rPr>
-                        <a:t>Cheddar</a:t>
-                      </a:r>
-                      <a:endParaRPr lang="de-DE" sz="1800" b="0" i="0" u="none" strike="noStrike" dirty="0">
-                        <a:solidFill>
-                          <a:srgbClr val="000000"/>
-                        </a:solidFill>
-                        <a:effectLst/>
-                        <a:latin typeface="Calibri" panose="020F0502020204030204" pitchFamily="34" charset="0"/>
-                      </a:endParaRPr>
-                    </a:p>
-                  </a:txBody>
-                  <a:tcPr marL="9525" marR="9525" marT="9525" marB="0" anchor="b"/>
-                </a:tc>
-              </a:tr>
-              <a:tr h="420695">
-                <a:tc>
-                  <a:txBody>
-                    <a:bodyPr/>
-                    <a:lstStyle/>
-                    <a:p>
-                      <a:pPr algn="ctr" fontAlgn="b"/>
-                      <a:r>
-                        <a:rPr lang="de-DE" sz="1800" u="none" strike="noStrike" dirty="0" err="1">
-                          <a:effectLst/>
-                        </a:rPr>
-                        <a:t>Washing</a:t>
-                      </a:r>
-                      <a:r>
-                        <a:rPr lang="de-DE" sz="1800" u="none" strike="noStrike" dirty="0">
-                          <a:effectLst/>
-                        </a:rPr>
-                        <a:t> </a:t>
-                      </a:r>
-                      <a:r>
-                        <a:rPr lang="de-DE" sz="1800" u="none" strike="noStrike" dirty="0" err="1" smtClean="0">
-                          <a:effectLst/>
-                        </a:rPr>
-                        <a:t>Powder</a:t>
-                      </a:r>
-                      <a:endParaRPr lang="de-DE" sz="1800" b="0" i="0" u="none" strike="noStrike" dirty="0">
-                        <a:solidFill>
-                          <a:srgbClr val="000000"/>
-                        </a:solidFill>
-                        <a:effectLst/>
-                        <a:latin typeface="Calibri" panose="020F0502020204030204" pitchFamily="34" charset="0"/>
-                      </a:endParaRPr>
-                    </a:p>
-                  </a:txBody>
-                  <a:tcPr marL="9525" marR="9525" marT="9525" marB="0" anchor="b"/>
-                </a:tc>
-              </a:tr>
-              <a:tr h="420695">
-                <a:tc>
-                  <a:txBody>
-                    <a:bodyPr/>
-                    <a:lstStyle/>
-                    <a:p>
-                      <a:pPr algn="ctr" fontAlgn="b"/>
-                      <a:r>
-                        <a:rPr lang="de-DE" sz="1800" u="none" strike="noStrike" dirty="0" err="1">
-                          <a:effectLst/>
-                        </a:rPr>
-                        <a:t>Plums</a:t>
-                      </a:r>
-                      <a:endParaRPr lang="de-DE" sz="1800" b="0" i="0" u="none" strike="noStrike" dirty="0">
-                        <a:solidFill>
-                          <a:srgbClr val="000000"/>
-                        </a:solidFill>
-                        <a:effectLst/>
-                        <a:latin typeface="Calibri" panose="020F0502020204030204" pitchFamily="34" charset="0"/>
-                      </a:endParaRPr>
-                    </a:p>
-                  </a:txBody>
-                  <a:tcPr marL="9525" marR="9525" marT="9525" marB="0" anchor="b"/>
-                </a:tc>
-              </a:tr>
-              <a:tr h="420695">
-                <a:tc>
-                  <a:txBody>
-                    <a:bodyPr/>
-                    <a:lstStyle/>
-                    <a:p>
-                      <a:pPr algn="ctr" fontAlgn="b"/>
-                      <a:r>
-                        <a:rPr lang="de-DE" sz="1800" u="none" strike="noStrike" dirty="0">
-                          <a:effectLst/>
-                        </a:rPr>
-                        <a:t>Pizza - 2 </a:t>
-                      </a:r>
-                      <a:r>
-                        <a:rPr lang="de-DE" sz="1800" u="none" strike="noStrike" dirty="0" err="1">
-                          <a:effectLst/>
-                        </a:rPr>
-                        <a:t>pcs</a:t>
-                      </a:r>
-                      <a:endParaRPr lang="de-DE" sz="1800" b="0" i="0" u="none" strike="noStrike" dirty="0">
-                        <a:solidFill>
-                          <a:srgbClr val="000000"/>
-                        </a:solidFill>
-                        <a:effectLst/>
-                        <a:latin typeface="Calibri" panose="020F0502020204030204" pitchFamily="34" charset="0"/>
-                      </a:endParaRPr>
-                    </a:p>
-                  </a:txBody>
-                  <a:tcPr marL="9525" marR="9525" marT="9525" marB="0" anchor="b"/>
-                </a:tc>
-              </a:tr>
-            </a:tbl>
-          </a:graphicData>
-        </a:graphic>
-      </p:graphicFrame>
-      <p:graphicFrame>
-        <p:nvGraphicFramePr>
-          <p:cNvPr id="6" name="Tabelle 5"/>
-          <p:cNvGraphicFramePr>
-            <a:graphicFrameLocks noGrp="1"/>
-          </p:cNvGraphicFramePr>
-          <p:nvPr>
-            <p:extLst>
-              <p:ext uri="{D42A27DB-BD31-4B8C-83A1-F6EECF244321}">
-                <p14:modId xmlns:p14="http://schemas.microsoft.com/office/powerpoint/2010/main" val="2847461865"/>
-              </p:ext>
-            </p:extLst>
-          </p:nvPr>
-        </p:nvGraphicFramePr>
-        <p:xfrm>
-          <a:off x="6964685" y="1933904"/>
-          <a:ext cx="2566933" cy="2953406"/>
-        </p:xfrm>
-        <a:graphic>
-          <a:graphicData uri="http://schemas.openxmlformats.org/drawingml/2006/table">
-            <a:tbl>
-              <a:tblPr>
-                <a:tableStyleId>{5C22544A-7EE6-4342-B048-85BDC9FD1C3A}</a:tableStyleId>
-              </a:tblPr>
-              <a:tblGrid>
-                <a:gridCol w="2566933"/>
-              </a:tblGrid>
-              <a:tr h="429236">
-                <a:tc>
-                  <a:txBody>
-                    <a:bodyPr/>
-                    <a:lstStyle/>
-                    <a:p>
-                      <a:pPr algn="ctr" fontAlgn="b"/>
-                      <a:r>
-                        <a:rPr lang="de-DE" sz="1800" u="none" strike="noStrike" dirty="0">
-                          <a:effectLst/>
-                        </a:rPr>
-                        <a:t>Initial </a:t>
-                      </a:r>
-                      <a:r>
-                        <a:rPr lang="de-DE" sz="1800" u="none" strike="noStrike" dirty="0" smtClean="0">
-                          <a:effectLst/>
-                        </a:rPr>
-                        <a:t>Shopping List</a:t>
-                      </a:r>
-                      <a:endParaRPr lang="de-DE" sz="1800" b="1" i="0" u="none" strike="noStrike" dirty="0">
-                        <a:solidFill>
-                          <a:srgbClr val="000000"/>
-                        </a:solidFill>
-                        <a:effectLst/>
-                        <a:latin typeface="Calibri" panose="020F0502020204030204" pitchFamily="34" charset="0"/>
-                      </a:endParaRPr>
-                    </a:p>
-                  </a:txBody>
-                  <a:tcPr marL="9525" marR="9525" marT="9525" marB="0" anchor="b">
-                    <a:solidFill>
-                      <a:schemeClr val="accent2">
-                        <a:lumMod val="40000"/>
-                        <a:lumOff val="60000"/>
-                      </a:schemeClr>
-                    </a:solidFill>
-                  </a:tcPr>
-                </a:tc>
-              </a:tr>
-              <a:tr h="420695">
-                <a:tc>
-                  <a:txBody>
-                    <a:bodyPr/>
-                    <a:lstStyle/>
-                    <a:p>
-                      <a:pPr algn="ctr" fontAlgn="b"/>
-                      <a:r>
-                        <a:rPr lang="de-DE" sz="1800" u="none" strike="noStrike" dirty="0">
-                          <a:effectLst/>
-                        </a:rPr>
-                        <a:t>Apples</a:t>
-                      </a:r>
-                      <a:endParaRPr lang="de-DE" sz="1800" b="0" i="0" u="none" strike="noStrike" dirty="0">
-                        <a:solidFill>
-                          <a:srgbClr val="000000"/>
-                        </a:solidFill>
-                        <a:effectLst/>
-                        <a:latin typeface="Calibri" panose="020F0502020204030204" pitchFamily="34" charset="0"/>
-                      </a:endParaRPr>
-                    </a:p>
-                  </a:txBody>
-                  <a:tcPr marL="9525" marR="9525" marT="9525" marB="0" anchor="b"/>
-                </a:tc>
-              </a:tr>
-              <a:tr h="420695">
-                <a:tc>
-                  <a:txBody>
-                    <a:bodyPr/>
-                    <a:lstStyle/>
-                    <a:p>
-                      <a:pPr algn="ctr" fontAlgn="b"/>
-                      <a:r>
-                        <a:rPr lang="de-DE" sz="1800" u="none" strike="noStrike" dirty="0" err="1" smtClean="0">
-                          <a:effectLst/>
-                        </a:rPr>
-                        <a:t>Plums</a:t>
-                      </a:r>
-                      <a:endParaRPr lang="de-DE" sz="1800" b="0" i="0" u="none" strike="noStrike" dirty="0">
-                        <a:solidFill>
-                          <a:srgbClr val="000000"/>
-                        </a:solidFill>
-                        <a:effectLst/>
-                        <a:latin typeface="Calibri" panose="020F0502020204030204" pitchFamily="34" charset="0"/>
-                      </a:endParaRPr>
-                    </a:p>
-                  </a:txBody>
-                  <a:tcPr marL="9525" marR="9525" marT="9525" marB="0" anchor="b"/>
-                </a:tc>
-              </a:tr>
-              <a:tr h="420695">
-                <a:tc>
-                  <a:txBody>
-                    <a:bodyPr/>
-                    <a:lstStyle/>
-                    <a:p>
-                      <a:pPr algn="ctr" fontAlgn="b"/>
-                      <a:r>
-                        <a:rPr lang="de-DE" sz="1800" u="none" strike="noStrike" dirty="0" err="1">
-                          <a:effectLst/>
-                        </a:rPr>
-                        <a:t>Cheddar</a:t>
-                      </a:r>
-                      <a:endParaRPr lang="de-DE" sz="1800" b="0" i="0" u="none" strike="noStrike" dirty="0">
-                        <a:solidFill>
-                          <a:srgbClr val="000000"/>
-                        </a:solidFill>
-                        <a:effectLst/>
-                        <a:latin typeface="Calibri" panose="020F0502020204030204" pitchFamily="34" charset="0"/>
-                      </a:endParaRPr>
-                    </a:p>
-                  </a:txBody>
-                  <a:tcPr marL="9525" marR="9525" marT="9525" marB="0" anchor="b"/>
-                </a:tc>
-              </a:tr>
-              <a:tr h="420695">
-                <a:tc>
-                  <a:txBody>
-                    <a:bodyPr/>
-                    <a:lstStyle/>
-                    <a:p>
-                      <a:pPr algn="ctr" fontAlgn="b"/>
-                      <a:r>
-                        <a:rPr lang="de-DE" sz="1800" u="none" strike="noStrike" dirty="0" err="1" smtClean="0">
-                          <a:effectLst/>
-                        </a:rPr>
-                        <a:t>Boiled</a:t>
-                      </a:r>
-                      <a:r>
-                        <a:rPr lang="de-DE" sz="1800" u="none" strike="noStrike" dirty="0" smtClean="0">
-                          <a:effectLst/>
-                        </a:rPr>
-                        <a:t> </a:t>
-                      </a:r>
-                      <a:r>
-                        <a:rPr lang="de-DE" sz="1800" u="none" strike="noStrike" dirty="0" err="1" smtClean="0">
-                          <a:effectLst/>
-                        </a:rPr>
-                        <a:t>Ham</a:t>
-                      </a:r>
-                      <a:endParaRPr lang="de-DE" sz="1800" b="0" i="0" u="none" strike="noStrike" dirty="0">
-                        <a:solidFill>
-                          <a:srgbClr val="000000"/>
-                        </a:solidFill>
-                        <a:effectLst/>
-                        <a:latin typeface="Calibri" panose="020F0502020204030204" pitchFamily="34" charset="0"/>
-                      </a:endParaRPr>
-                    </a:p>
-                  </a:txBody>
-                  <a:tcPr marL="9525" marR="9525" marT="9525" marB="0" anchor="b"/>
-                </a:tc>
-              </a:tr>
-              <a:tr h="420695">
-                <a:tc>
-                  <a:txBody>
-                    <a:bodyPr/>
-                    <a:lstStyle/>
-                    <a:p>
-                      <a:pPr algn="ctr" fontAlgn="b"/>
-                      <a:r>
-                        <a:rPr lang="de-DE" sz="1800" u="none" strike="noStrike" dirty="0" err="1" smtClean="0">
-                          <a:effectLst/>
-                        </a:rPr>
-                        <a:t>Washing</a:t>
-                      </a:r>
-                      <a:r>
-                        <a:rPr lang="de-DE" sz="1800" u="none" strike="noStrike" dirty="0" smtClean="0">
-                          <a:effectLst/>
-                        </a:rPr>
-                        <a:t> </a:t>
-                      </a:r>
-                      <a:r>
-                        <a:rPr lang="de-DE" sz="1800" u="none" strike="noStrike" dirty="0" err="1" smtClean="0">
-                          <a:effectLst/>
-                        </a:rPr>
-                        <a:t>Powder</a:t>
-                      </a:r>
-                      <a:endParaRPr lang="de-DE" sz="1800" b="0" i="0" u="none" strike="noStrike" dirty="0">
-                        <a:solidFill>
-                          <a:srgbClr val="000000"/>
-                        </a:solidFill>
-                        <a:effectLst/>
-                        <a:latin typeface="Calibri" panose="020F0502020204030204" pitchFamily="34" charset="0"/>
-                      </a:endParaRPr>
-                    </a:p>
-                  </a:txBody>
-                  <a:tcPr marL="9525" marR="9525" marT="9525" marB="0" anchor="b"/>
-                </a:tc>
-              </a:tr>
-              <a:tr h="420695">
-                <a:tc>
-                  <a:txBody>
-                    <a:bodyPr/>
-                    <a:lstStyle/>
-                    <a:p>
-                      <a:pPr algn="ctr" fontAlgn="b"/>
-                      <a:r>
-                        <a:rPr lang="de-DE" sz="1800" u="none" strike="noStrike" dirty="0">
-                          <a:effectLst/>
-                        </a:rPr>
-                        <a:t>Pizza - 2 </a:t>
-                      </a:r>
-                      <a:r>
-                        <a:rPr lang="de-DE" sz="1800" u="none" strike="noStrike" dirty="0" err="1">
-                          <a:effectLst/>
-                        </a:rPr>
-                        <a:t>pcs</a:t>
-                      </a:r>
-                      <a:endParaRPr lang="de-DE" sz="1800" b="0" i="0" u="none" strike="noStrike" dirty="0">
-                        <a:solidFill>
-                          <a:srgbClr val="000000"/>
-                        </a:solidFill>
-                        <a:effectLst/>
-                        <a:latin typeface="Calibri" panose="020F0502020204030204" pitchFamily="34" charset="0"/>
-                      </a:endParaRPr>
-                    </a:p>
-                  </a:txBody>
-                  <a:tcPr marL="9525" marR="9525" marT="9525" marB="0" anchor="b"/>
-                </a:tc>
-              </a:tr>
-            </a:tbl>
-          </a:graphicData>
-        </a:graphic>
-      </p:graphicFrame>
-      <p:sp>
-        <p:nvSpPr>
-          <p:cNvPr id="7" name="Nach oben gekrümmter Pfeil 6"/>
-          <p:cNvSpPr/>
-          <p:nvPr/>
-        </p:nvSpPr>
-        <p:spPr>
-          <a:xfrm>
-            <a:off x="3876391" y="4887310"/>
-            <a:ext cx="4371760" cy="809297"/>
-          </a:xfrm>
-          <a:prstGeom prst="curvedUpArrow">
-            <a:avLst/>
-          </a:prstGeom>
-        </p:spPr>
-        <p:style>
-          <a:lnRef idx="2">
-            <a:schemeClr val="accent2">
-              <a:shade val="50000"/>
-            </a:schemeClr>
-          </a:lnRef>
-          <a:fillRef idx="1">
-            <a:schemeClr val="accent2"/>
-          </a:fillRef>
-          <a:effectRef idx="0">
-            <a:schemeClr val="accent2"/>
-          </a:effectRef>
-          <a:fontRef idx="minor">
-            <a:schemeClr val="lt1"/>
-          </a:fontRef>
-        </p:style>
-        <p:txBody>
-          <a:bodyPr rtlCol="0" anchor="ctr"/>
-          <a:lstStyle/>
-          <a:p>
-            <a:pPr algn="ctr"/>
-            <a:endParaRPr lang="de-DE">
-              <a:solidFill>
-                <a:schemeClr val="tx1"/>
-              </a:solidFill>
-            </a:endParaRPr>
-          </a:p>
-        </p:txBody>
-      </p:sp>
-    </p:spTree>
-    <p:extLst>
-      <p:ext uri="{BB962C8B-B14F-4D97-AF65-F5344CB8AC3E}">
-        <p14:creationId xmlns:p14="http://schemas.microsoft.com/office/powerpoint/2010/main" val="859013446"/>
-      </p:ext>
-    </p:extLst>
-  </p:cSld>
-  <p:clrMapOvr>
-    <a:masterClrMapping/>
-  </p:clrMapOvr>
-</p:sld>
-</file>
-
-<file path=ppt/slides/slide8.xml><?xml version="1.0" encoding="utf-8"?>
-<p:sld xmlns:a="http://schemas.openxmlformats.org/drawingml/2006/main" xmlns:r="http://schemas.openxmlformats.org/officeDocument/2006/relationships" xmlns:p="http://schemas.openxmlformats.org/presentationml/2006/main">
-  <p:cSld>
-    <p:spTree>
-      <p:nvGrpSpPr>
-        <p:cNvPr id="1" name=""/>
-        <p:cNvGrpSpPr/>
-        <p:nvPr/>
-      </p:nvGrpSpPr>
-      <p:grpSpPr>
-        <a:xfrm>
-          <a:off x="0" y="0"/>
-          <a:ext cx="0" cy="0"/>
-          <a:chOff x="0" y="0"/>
-          <a:chExt cx="0" cy="0"/>
-        </a:xfrm>
-      </p:grpSpPr>
-      <p:sp>
-        <p:nvSpPr>
-          <p:cNvPr id="2" name="Titel 1"/>
-          <p:cNvSpPr>
-            <a:spLocks noGrp="1"/>
-          </p:cNvSpPr>
-          <p:nvPr>
-            <p:ph type="title"/>
-          </p:nvPr>
-        </p:nvSpPr>
-        <p:spPr/>
-        <p:txBody>
-          <a:bodyPr/>
-          <a:lstStyle/>
-          <a:p>
-            <a:r>
-              <a:rPr lang="de-DE" dirty="0" err="1"/>
-              <a:t>SmartCart</a:t>
-            </a:r>
-            <a:r>
-              <a:rPr lang="de-DE" dirty="0"/>
-              <a:t> – Technical </a:t>
-            </a:r>
-            <a:r>
-              <a:rPr lang="de-DE" dirty="0" err="1"/>
-              <a:t>Overview</a:t>
-            </a:r>
-            <a:r>
-              <a:rPr lang="de-DE" dirty="0"/>
-              <a:t/>
-            </a:r>
-            <a:br>
-              <a:rPr lang="de-DE" dirty="0"/>
-            </a:br>
-            <a:r>
-              <a:rPr lang="de-DE" sz="1200" dirty="0"/>
-              <a:t> </a:t>
-            </a:r>
-            <a:r>
-              <a:rPr lang="de-DE" dirty="0"/>
-              <a:t/>
-            </a:r>
-            <a:br>
-              <a:rPr lang="de-DE" dirty="0"/>
-            </a:br>
-            <a:r>
-              <a:rPr lang="de-DE" sz="2400" dirty="0" err="1" smtClean="0"/>
-              <a:t>DataModel</a:t>
-            </a:r>
-            <a:endParaRPr lang="de-DE" dirty="0"/>
-          </a:p>
-        </p:txBody>
-      </p:sp>
-      <p:pic>
-        <p:nvPicPr>
-          <p:cNvPr id="4" name="Grafik 3"/>
-          <p:cNvPicPr>
-            <a:picLocks noChangeAspect="1"/>
-          </p:cNvPicPr>
-          <p:nvPr/>
-        </p:nvPicPr>
-        <p:blipFill>
-          <a:blip r:embed="rId2"/>
-          <a:stretch>
-            <a:fillRect/>
-          </a:stretch>
-        </p:blipFill>
-        <p:spPr>
-          <a:xfrm>
-            <a:off x="4021518" y="1719928"/>
-            <a:ext cx="6583417" cy="4426482"/>
-          </a:xfrm>
-          <a:prstGeom prst="rect">
-            <a:avLst/>
-          </a:prstGeom>
-        </p:spPr>
-      </p:pic>
-    </p:spTree>
-    <p:extLst>
-      <p:ext uri="{BB962C8B-B14F-4D97-AF65-F5344CB8AC3E}">
-        <p14:creationId xmlns:p14="http://schemas.microsoft.com/office/powerpoint/2010/main" val="3355325123"/>
-      </p:ext>
-    </p:extLst>
-  </p:cSld>
-  <p:clrMapOvr>
-    <a:masterClrMapping/>
-  </p:clrMapOvr>
-</p:sld>
-</file>
-
-<file path=ppt/slides/slide9.xml><?xml version="1.0" encoding="utf-8"?>
-<p:sld xmlns:a="http://schemas.openxmlformats.org/drawingml/2006/main" xmlns:r="http://schemas.openxmlformats.org/officeDocument/2006/relationships" xmlns:p="http://schemas.openxmlformats.org/presentationml/2006/main">
-  <p:cSld>
-    <p:spTree>
-      <p:nvGrpSpPr>
-        <p:cNvPr id="1" name=""/>
-        <p:cNvGrpSpPr/>
-        <p:nvPr/>
-      </p:nvGrpSpPr>
-      <p:grpSpPr>
-        <a:xfrm>
-          <a:off x="0" y="0"/>
-          <a:ext cx="0" cy="0"/>
-          <a:chOff x="0" y="0"/>
-          <a:chExt cx="0" cy="0"/>
-        </a:xfrm>
-      </p:grpSpPr>
-      <p:sp>
-        <p:nvSpPr>
-          <p:cNvPr id="2" name="Titel 1"/>
-          <p:cNvSpPr>
-            <a:spLocks noGrp="1"/>
-          </p:cNvSpPr>
-          <p:nvPr>
-            <p:ph type="title"/>
-          </p:nvPr>
-        </p:nvSpPr>
-        <p:spPr/>
-        <p:txBody>
-          <a:bodyPr/>
-          <a:lstStyle/>
-          <a:p>
-            <a:r>
-              <a:rPr lang="de-DE" dirty="0" err="1"/>
-              <a:t>SmartCart</a:t>
-            </a:r>
-            <a:r>
-              <a:rPr lang="de-DE" dirty="0"/>
-              <a:t> – Technical </a:t>
-            </a:r>
-            <a:r>
-              <a:rPr lang="de-DE" dirty="0" err="1"/>
-              <a:t>Overview</a:t>
-            </a:r>
-            <a:r>
-              <a:rPr lang="de-DE" dirty="0"/>
-              <a:t/>
-            </a:r>
-            <a:br>
-              <a:rPr lang="de-DE" dirty="0"/>
-            </a:br>
-            <a:r>
-              <a:rPr lang="de-DE" sz="1200" dirty="0"/>
-              <a:t> </a:t>
-            </a:r>
-            <a:r>
-              <a:rPr lang="de-DE" dirty="0"/>
-              <a:t/>
-            </a:r>
-            <a:br>
-              <a:rPr lang="de-DE" dirty="0"/>
-            </a:br>
-            <a:r>
-              <a:rPr lang="de-DE" sz="2400" dirty="0" smtClean="0"/>
-              <a:t>Data Model</a:t>
-            </a:r>
-            <a:endParaRPr lang="de-DE" dirty="0"/>
-          </a:p>
-        </p:txBody>
-      </p:sp>
-      <p:pic>
-        <p:nvPicPr>
-          <p:cNvPr id="3" name="Grafik 2"/>
-          <p:cNvPicPr>
-            <a:picLocks noChangeAspect="1"/>
-          </p:cNvPicPr>
-          <p:nvPr/>
-        </p:nvPicPr>
-        <p:blipFill>
-          <a:blip r:embed="rId2"/>
-          <a:stretch>
-            <a:fillRect/>
-          </a:stretch>
-        </p:blipFill>
-        <p:spPr>
-          <a:xfrm>
-            <a:off x="4561819" y="2646965"/>
-            <a:ext cx="4476750" cy="2762250"/>
-          </a:xfrm>
-          <a:prstGeom prst="rect">
-            <a:avLst/>
-          </a:prstGeom>
-        </p:spPr>
-      </p:pic>
-    </p:spTree>
-    <p:extLst>
-      <p:ext uri="{BB962C8B-B14F-4D97-AF65-F5344CB8AC3E}">
-        <p14:creationId xmlns:p14="http://schemas.microsoft.com/office/powerpoint/2010/main" val="2944204712"/>
-      </p:ext>
-    </p:extLst>
-  </p:cSld>
-  <p:clrMapOvr>
-    <a:masterClrMapping/>
-  </p:clrMapOvr>
 </p:sld>
 </file>
 
